--- a/Plots/Consort_Fluoxetine_Nov23.pptx
+++ b/Plots/Consort_Fluoxetine_Nov23.pptx
@@ -2,18 +2,19 @@
 <file path=ppt/presentation.xml><?xml version="1.0" encoding="utf-8"?>
 <p:presentation xmlns:a="http://schemas.openxmlformats.org/drawingml/2006/main" xmlns:r="http://schemas.openxmlformats.org/officeDocument/2006/relationships" xmlns:p="http://schemas.openxmlformats.org/presentationml/2006/main" saveSubsetFonts="1">
   <p:sldMasterIdLst>
-    <p:sldMasterId id="2147483648" r:id="rId1"/>
+    <p:sldMasterId id="2147483732" r:id="rId1"/>
   </p:sldMasterIdLst>
   <p:sldIdLst>
     <p:sldId id="256" r:id="rId2"/>
+    <p:sldId id="257" r:id="rId3"/>
   </p:sldIdLst>
-  <p:sldSz cx="12192000" cy="6858000"/>
+  <p:sldSz cx="12192000" cy="9144000"/>
   <p:notesSz cx="6858000" cy="9144000"/>
   <p:defaultTextStyle>
     <a:defPPr>
       <a:defRPr lang="en-US"/>
     </a:defPPr>
-    <a:lvl1pPr marL="0" algn="l" defTabSz="914400" rtl="0" eaLnBrk="1" latinLnBrk="0" hangingPunct="1">
+    <a:lvl1pPr marL="0" algn="l" defTabSz="457200" rtl="0" eaLnBrk="1" latinLnBrk="0" hangingPunct="1">
       <a:defRPr sz="1800" kern="1200">
         <a:solidFill>
           <a:schemeClr val="tx1"/>
@@ -23,7 +24,7 @@
         <a:cs typeface="+mn-cs"/>
       </a:defRPr>
     </a:lvl1pPr>
-    <a:lvl2pPr marL="457200" algn="l" defTabSz="914400" rtl="0" eaLnBrk="1" latinLnBrk="0" hangingPunct="1">
+    <a:lvl2pPr marL="457200" algn="l" defTabSz="457200" rtl="0" eaLnBrk="1" latinLnBrk="0" hangingPunct="1">
       <a:defRPr sz="1800" kern="1200">
         <a:solidFill>
           <a:schemeClr val="tx1"/>
@@ -33,7 +34,7 @@
         <a:cs typeface="+mn-cs"/>
       </a:defRPr>
     </a:lvl2pPr>
-    <a:lvl3pPr marL="914400" algn="l" defTabSz="914400" rtl="0" eaLnBrk="1" latinLnBrk="0" hangingPunct="1">
+    <a:lvl3pPr marL="914400" algn="l" defTabSz="457200" rtl="0" eaLnBrk="1" latinLnBrk="0" hangingPunct="1">
       <a:defRPr sz="1800" kern="1200">
         <a:solidFill>
           <a:schemeClr val="tx1"/>
@@ -43,7 +44,7 @@
         <a:cs typeface="+mn-cs"/>
       </a:defRPr>
     </a:lvl3pPr>
-    <a:lvl4pPr marL="1371600" algn="l" defTabSz="914400" rtl="0" eaLnBrk="1" latinLnBrk="0" hangingPunct="1">
+    <a:lvl4pPr marL="1371600" algn="l" defTabSz="457200" rtl="0" eaLnBrk="1" latinLnBrk="0" hangingPunct="1">
       <a:defRPr sz="1800" kern="1200">
         <a:solidFill>
           <a:schemeClr val="tx1"/>
@@ -53,7 +54,7 @@
         <a:cs typeface="+mn-cs"/>
       </a:defRPr>
     </a:lvl4pPr>
-    <a:lvl5pPr marL="1828800" algn="l" defTabSz="914400" rtl="0" eaLnBrk="1" latinLnBrk="0" hangingPunct="1">
+    <a:lvl5pPr marL="1828800" algn="l" defTabSz="457200" rtl="0" eaLnBrk="1" latinLnBrk="0" hangingPunct="1">
       <a:defRPr sz="1800" kern="1200">
         <a:solidFill>
           <a:schemeClr val="tx1"/>
@@ -63,7 +64,7 @@
         <a:cs typeface="+mn-cs"/>
       </a:defRPr>
     </a:lvl5pPr>
-    <a:lvl6pPr marL="2286000" algn="l" defTabSz="914400" rtl="0" eaLnBrk="1" latinLnBrk="0" hangingPunct="1">
+    <a:lvl6pPr marL="2286000" algn="l" defTabSz="457200" rtl="0" eaLnBrk="1" latinLnBrk="0" hangingPunct="1">
       <a:defRPr sz="1800" kern="1200">
         <a:solidFill>
           <a:schemeClr val="tx1"/>
@@ -73,7 +74,7 @@
         <a:cs typeface="+mn-cs"/>
       </a:defRPr>
     </a:lvl6pPr>
-    <a:lvl7pPr marL="2743200" algn="l" defTabSz="914400" rtl="0" eaLnBrk="1" latinLnBrk="0" hangingPunct="1">
+    <a:lvl7pPr marL="2743200" algn="l" defTabSz="457200" rtl="0" eaLnBrk="1" latinLnBrk="0" hangingPunct="1">
       <a:defRPr sz="1800" kern="1200">
         <a:solidFill>
           <a:schemeClr val="tx1"/>
@@ -83,7 +84,7 @@
         <a:cs typeface="+mn-cs"/>
       </a:defRPr>
     </a:lvl7pPr>
-    <a:lvl8pPr marL="3200400" algn="l" defTabSz="914400" rtl="0" eaLnBrk="1" latinLnBrk="0" hangingPunct="1">
+    <a:lvl8pPr marL="3200400" algn="l" defTabSz="457200" rtl="0" eaLnBrk="1" latinLnBrk="0" hangingPunct="1">
       <a:defRPr sz="1800" kern="1200">
         <a:solidFill>
           <a:schemeClr val="tx1"/>
@@ -93,7 +94,7 @@
         <a:cs typeface="+mn-cs"/>
       </a:defRPr>
     </a:lvl8pPr>
-    <a:lvl9pPr marL="3657600" algn="l" defTabSz="914400" rtl="0" eaLnBrk="1" latinLnBrk="0" hangingPunct="1">
+    <a:lvl9pPr marL="3657600" algn="l" defTabSz="457200" rtl="0" eaLnBrk="1" latinLnBrk="0" hangingPunct="1">
       <a:defRPr sz="1800" kern="1200">
         <a:solidFill>
           <a:schemeClr val="tx1"/>
@@ -131,13 +132,7 @@
       </p:grpSpPr>
       <p:sp>
         <p:nvSpPr>
-          <p:cNvPr id="2" name="Title 1">
-            <a:extLst>
-              <a:ext uri="{FF2B5EF4-FFF2-40B4-BE49-F238E27FC236}">
-                <a16:creationId xmlns:a16="http://schemas.microsoft.com/office/drawing/2014/main" id="{83A9C286-3CFF-4C16-9AF2-A3C2729A482F}"/>
-              </a:ext>
-            </a:extLst>
-          </p:cNvPr>
+          <p:cNvPr id="2" name="Title 1"/>
           <p:cNvSpPr>
             <a:spLocks noGrp="1"/>
           </p:cNvSpPr>
@@ -147,15 +142,15 @@
         </p:nvSpPr>
         <p:spPr>
           <a:xfrm>
-            <a:off x="1524000" y="1122363"/>
-            <a:ext cx="9144000" cy="2387600"/>
+            <a:off x="914400" y="1496484"/>
+            <a:ext cx="10363200" cy="3183467"/>
           </a:xfrm>
         </p:spPr>
         <p:txBody>
           <a:bodyPr anchor="b"/>
           <a:lstStyle>
             <a:lvl1pPr algn="ctr">
-              <a:defRPr sz="6000"/>
+              <a:defRPr sz="8000"/>
             </a:lvl1pPr>
           </a:lstStyle>
           <a:p>
@@ -163,18 +158,13 @@
               <a:rPr lang="en-US"/>
               <a:t>Click to edit Master title style</a:t>
             </a:r>
-          </a:p>
-        </p:txBody>
-      </p:sp>
-      <p:sp>
-        <p:nvSpPr>
-          <p:cNvPr id="3" name="Subtitle 2">
-            <a:extLst>
-              <a:ext uri="{FF2B5EF4-FFF2-40B4-BE49-F238E27FC236}">
-                <a16:creationId xmlns:a16="http://schemas.microsoft.com/office/drawing/2014/main" id="{A952A474-181B-4E62-9157-00F0CD5B6320}"/>
-              </a:ext>
-            </a:extLst>
-          </p:cNvPr>
+            <a:endParaRPr lang="en-US" dirty="0"/>
+          </a:p>
+        </p:txBody>
+      </p:sp>
+      <p:sp>
+        <p:nvSpPr>
+          <p:cNvPr id="3" name="Subtitle 2"/>
           <p:cNvSpPr>
             <a:spLocks noGrp="1"/>
           </p:cNvSpPr>
@@ -184,8 +174,8 @@
         </p:nvSpPr>
         <p:spPr>
           <a:xfrm>
-            <a:off x="1524000" y="3602038"/>
-            <a:ext cx="9144000" cy="1655762"/>
+            <a:off x="1524000" y="4802717"/>
+            <a:ext cx="9144000" cy="2207683"/>
           </a:xfrm>
         </p:spPr>
         <p:txBody>
@@ -193,39 +183,39 @@
           <a:lstStyle>
             <a:lvl1pPr marL="0" indent="0" algn="ctr">
               <a:buNone/>
+              <a:defRPr sz="3200"/>
+            </a:lvl1pPr>
+            <a:lvl2pPr marL="609585" indent="0" algn="ctr">
+              <a:buNone/>
+              <a:defRPr sz="2667"/>
+            </a:lvl2pPr>
+            <a:lvl3pPr marL="1219170" indent="0" algn="ctr">
+              <a:buNone/>
               <a:defRPr sz="2400"/>
-            </a:lvl1pPr>
-            <a:lvl2pPr marL="457200" indent="0" algn="ctr">
-              <a:buNone/>
-              <a:defRPr sz="2000"/>
-            </a:lvl2pPr>
-            <a:lvl3pPr marL="914400" indent="0" algn="ctr">
-              <a:buNone/>
-              <a:defRPr sz="1800"/>
             </a:lvl3pPr>
-            <a:lvl4pPr marL="1371600" indent="0" algn="ctr">
-              <a:buNone/>
-              <a:defRPr sz="1600"/>
+            <a:lvl4pPr marL="1828754" indent="0" algn="ctr">
+              <a:buNone/>
+              <a:defRPr sz="2133"/>
             </a:lvl4pPr>
-            <a:lvl5pPr marL="1828800" indent="0" algn="ctr">
-              <a:buNone/>
-              <a:defRPr sz="1600"/>
+            <a:lvl5pPr marL="2438339" indent="0" algn="ctr">
+              <a:buNone/>
+              <a:defRPr sz="2133"/>
             </a:lvl5pPr>
-            <a:lvl6pPr marL="2286000" indent="0" algn="ctr">
-              <a:buNone/>
-              <a:defRPr sz="1600"/>
+            <a:lvl6pPr marL="3047924" indent="0" algn="ctr">
+              <a:buNone/>
+              <a:defRPr sz="2133"/>
             </a:lvl6pPr>
-            <a:lvl7pPr marL="2743200" indent="0" algn="ctr">
-              <a:buNone/>
-              <a:defRPr sz="1600"/>
+            <a:lvl7pPr marL="3657509" indent="0" algn="ctr">
+              <a:buNone/>
+              <a:defRPr sz="2133"/>
             </a:lvl7pPr>
-            <a:lvl8pPr marL="3200400" indent="0" algn="ctr">
-              <a:buNone/>
-              <a:defRPr sz="1600"/>
+            <a:lvl8pPr marL="4267093" indent="0" algn="ctr">
+              <a:buNone/>
+              <a:defRPr sz="2133"/>
             </a:lvl8pPr>
-            <a:lvl9pPr marL="3657600" indent="0" algn="ctr">
-              <a:buNone/>
-              <a:defRPr sz="1600"/>
+            <a:lvl9pPr marL="4876678" indent="0" algn="ctr">
+              <a:buNone/>
+              <a:defRPr sz="2133"/>
             </a:lvl9pPr>
           </a:lstStyle>
           <a:p>
@@ -233,18 +223,13 @@
               <a:rPr lang="en-US"/>
               <a:t>Click to edit Master subtitle style</a:t>
             </a:r>
-          </a:p>
-        </p:txBody>
-      </p:sp>
-      <p:sp>
-        <p:nvSpPr>
-          <p:cNvPr id="4" name="Date Placeholder 3">
-            <a:extLst>
-              <a:ext uri="{FF2B5EF4-FFF2-40B4-BE49-F238E27FC236}">
-                <a16:creationId xmlns:a16="http://schemas.microsoft.com/office/drawing/2014/main" id="{B593D54C-5809-4E3E-B9A2-1A873B7240AD}"/>
-              </a:ext>
-            </a:extLst>
-          </p:cNvPr>
+            <a:endParaRPr lang="en-US" dirty="0"/>
+          </a:p>
+        </p:txBody>
+      </p:sp>
+      <p:sp>
+        <p:nvSpPr>
+          <p:cNvPr id="4" name="Date Placeholder 3"/>
           <p:cNvSpPr>
             <a:spLocks noGrp="1"/>
           </p:cNvSpPr>
@@ -259,7 +244,7 @@
           <a:p>
             <a:fld id="{16B6B1FA-94E4-4C36-BACB-414FC660C894}" type="datetimeFigureOut">
               <a:rPr lang="en-US" smtClean="0"/>
-              <a:t>23-Nov-23</a:t>
+              <a:t>28-Nov-23</a:t>
             </a:fld>
             <a:endParaRPr lang="en-US"/>
           </a:p>
@@ -267,13 +252,7 @@
       </p:sp>
       <p:sp>
         <p:nvSpPr>
-          <p:cNvPr id="5" name="Footer Placeholder 4">
-            <a:extLst>
-              <a:ext uri="{FF2B5EF4-FFF2-40B4-BE49-F238E27FC236}">
-                <a16:creationId xmlns:a16="http://schemas.microsoft.com/office/drawing/2014/main" id="{D152198B-D314-41D0-A767-D76E1DB3AA10}"/>
-              </a:ext>
-            </a:extLst>
-          </p:cNvPr>
+          <p:cNvPr id="5" name="Footer Placeholder 4"/>
           <p:cNvSpPr>
             <a:spLocks noGrp="1"/>
           </p:cNvSpPr>
@@ -292,13 +271,7 @@
       </p:sp>
       <p:sp>
         <p:nvSpPr>
-          <p:cNvPr id="6" name="Slide Number Placeholder 5">
-            <a:extLst>
-              <a:ext uri="{FF2B5EF4-FFF2-40B4-BE49-F238E27FC236}">
-                <a16:creationId xmlns:a16="http://schemas.microsoft.com/office/drawing/2014/main" id="{563B9145-CB46-499A-A7EA-092733137114}"/>
-              </a:ext>
-            </a:extLst>
-          </p:cNvPr>
+          <p:cNvPr id="6" name="Slide Number Placeholder 5"/>
           <p:cNvSpPr>
             <a:spLocks noGrp="1"/>
           </p:cNvSpPr>
@@ -322,7 +295,7 @@
     </p:spTree>
     <p:extLst>
       <p:ext uri="{BB962C8B-B14F-4D97-AF65-F5344CB8AC3E}">
-        <p14:creationId xmlns:p14="http://schemas.microsoft.com/office/powerpoint/2010/main" val="1335296472"/>
+        <p14:creationId xmlns:p14="http://schemas.microsoft.com/office/powerpoint/2010/main" val="3213641189"/>
       </p:ext>
     </p:extLst>
   </p:cSld>
@@ -351,13 +324,7 @@
       </p:grpSpPr>
       <p:sp>
         <p:nvSpPr>
-          <p:cNvPr id="2" name="Title 1">
-            <a:extLst>
-              <a:ext uri="{FF2B5EF4-FFF2-40B4-BE49-F238E27FC236}">
-                <a16:creationId xmlns:a16="http://schemas.microsoft.com/office/drawing/2014/main" id="{91B777D5-75DE-41EB-9FC7-FCCE39F1B34D}"/>
-              </a:ext>
-            </a:extLst>
-          </p:cNvPr>
+          <p:cNvPr id="2" name="Title 1"/>
           <p:cNvSpPr>
             <a:spLocks noGrp="1"/>
           </p:cNvSpPr>
@@ -374,18 +341,13 @@
               <a:rPr lang="en-US"/>
               <a:t>Click to edit Master title style</a:t>
             </a:r>
-          </a:p>
-        </p:txBody>
-      </p:sp>
-      <p:sp>
-        <p:nvSpPr>
-          <p:cNvPr id="3" name="Vertical Text Placeholder 2">
-            <a:extLst>
-              <a:ext uri="{FF2B5EF4-FFF2-40B4-BE49-F238E27FC236}">
-                <a16:creationId xmlns:a16="http://schemas.microsoft.com/office/drawing/2014/main" id="{72D45BCB-4D09-45FE-BCA9-E37B452175E8}"/>
-              </a:ext>
-            </a:extLst>
-          </p:cNvPr>
+            <a:endParaRPr lang="en-US" dirty="0"/>
+          </a:p>
+        </p:txBody>
+      </p:sp>
+      <p:sp>
+        <p:nvSpPr>
+          <p:cNvPr id="3" name="Vertical Text Placeholder 2"/>
           <p:cNvSpPr>
             <a:spLocks noGrp="1"/>
           </p:cNvSpPr>
@@ -431,18 +393,13 @@
               <a:rPr lang="en-US"/>
               <a:t>Fifth level</a:t>
             </a:r>
-          </a:p>
-        </p:txBody>
-      </p:sp>
-      <p:sp>
-        <p:nvSpPr>
-          <p:cNvPr id="4" name="Date Placeholder 3">
-            <a:extLst>
-              <a:ext uri="{FF2B5EF4-FFF2-40B4-BE49-F238E27FC236}">
-                <a16:creationId xmlns:a16="http://schemas.microsoft.com/office/drawing/2014/main" id="{EA9F1225-F063-4C94-A9CE-07E0F437FDC8}"/>
-              </a:ext>
-            </a:extLst>
-          </p:cNvPr>
+            <a:endParaRPr lang="en-US" dirty="0"/>
+          </a:p>
+        </p:txBody>
+      </p:sp>
+      <p:sp>
+        <p:nvSpPr>
+          <p:cNvPr id="4" name="Date Placeholder 3"/>
           <p:cNvSpPr>
             <a:spLocks noGrp="1"/>
           </p:cNvSpPr>
@@ -457,7 +414,7 @@
           <a:p>
             <a:fld id="{16B6B1FA-94E4-4C36-BACB-414FC660C894}" type="datetimeFigureOut">
               <a:rPr lang="en-US" smtClean="0"/>
-              <a:t>23-Nov-23</a:t>
+              <a:t>28-Nov-23</a:t>
             </a:fld>
             <a:endParaRPr lang="en-US"/>
           </a:p>
@@ -465,13 +422,7 @@
       </p:sp>
       <p:sp>
         <p:nvSpPr>
-          <p:cNvPr id="5" name="Footer Placeholder 4">
-            <a:extLst>
-              <a:ext uri="{FF2B5EF4-FFF2-40B4-BE49-F238E27FC236}">
-                <a16:creationId xmlns:a16="http://schemas.microsoft.com/office/drawing/2014/main" id="{419D0811-EC3C-4764-B43E-9FB621829EEE}"/>
-              </a:ext>
-            </a:extLst>
-          </p:cNvPr>
+          <p:cNvPr id="5" name="Footer Placeholder 4"/>
           <p:cNvSpPr>
             <a:spLocks noGrp="1"/>
           </p:cNvSpPr>
@@ -490,13 +441,7 @@
       </p:sp>
       <p:sp>
         <p:nvSpPr>
-          <p:cNvPr id="6" name="Slide Number Placeholder 5">
-            <a:extLst>
-              <a:ext uri="{FF2B5EF4-FFF2-40B4-BE49-F238E27FC236}">
-                <a16:creationId xmlns:a16="http://schemas.microsoft.com/office/drawing/2014/main" id="{09F56EEE-A9CC-485D-B450-4C573A998C15}"/>
-              </a:ext>
-            </a:extLst>
-          </p:cNvPr>
+          <p:cNvPr id="6" name="Slide Number Placeholder 5"/>
           <p:cNvSpPr>
             <a:spLocks noGrp="1"/>
           </p:cNvSpPr>
@@ -520,7 +465,7 @@
     </p:spTree>
     <p:extLst>
       <p:ext uri="{BB962C8B-B14F-4D97-AF65-F5344CB8AC3E}">
-        <p14:creationId xmlns:p14="http://schemas.microsoft.com/office/powerpoint/2010/main" val="534008825"/>
+        <p14:creationId xmlns:p14="http://schemas.microsoft.com/office/powerpoint/2010/main" val="660333980"/>
       </p:ext>
     </p:extLst>
   </p:cSld>
@@ -549,13 +494,7 @@
       </p:grpSpPr>
       <p:sp>
         <p:nvSpPr>
-          <p:cNvPr id="2" name="Vertical Title 1">
-            <a:extLst>
-              <a:ext uri="{FF2B5EF4-FFF2-40B4-BE49-F238E27FC236}">
-                <a16:creationId xmlns:a16="http://schemas.microsoft.com/office/drawing/2014/main" id="{D8CBA176-E3BC-4A63-9CB5-4C3869AE8C2D}"/>
-              </a:ext>
-            </a:extLst>
-          </p:cNvPr>
+          <p:cNvPr id="2" name="Vertical Title 1"/>
           <p:cNvSpPr>
             <a:spLocks noGrp="1"/>
           </p:cNvSpPr>
@@ -565,8 +504,8 @@
         </p:nvSpPr>
         <p:spPr>
           <a:xfrm>
-            <a:off x="8724900" y="365125"/>
-            <a:ext cx="2628900" cy="5811838"/>
+            <a:off x="8724901" y="486834"/>
+            <a:ext cx="2628900" cy="7749117"/>
           </a:xfrm>
         </p:spPr>
         <p:txBody>
@@ -577,18 +516,13 @@
               <a:rPr lang="en-US"/>
               <a:t>Click to edit Master title style</a:t>
             </a:r>
-          </a:p>
-        </p:txBody>
-      </p:sp>
-      <p:sp>
-        <p:nvSpPr>
-          <p:cNvPr id="3" name="Vertical Text Placeholder 2">
-            <a:extLst>
-              <a:ext uri="{FF2B5EF4-FFF2-40B4-BE49-F238E27FC236}">
-                <a16:creationId xmlns:a16="http://schemas.microsoft.com/office/drawing/2014/main" id="{36B82BB8-4DD8-41E3-B10D-F8A842D53020}"/>
-              </a:ext>
-            </a:extLst>
-          </p:cNvPr>
+            <a:endParaRPr lang="en-US" dirty="0"/>
+          </a:p>
+        </p:txBody>
+      </p:sp>
+      <p:sp>
+        <p:nvSpPr>
+          <p:cNvPr id="3" name="Vertical Text Placeholder 2"/>
           <p:cNvSpPr>
             <a:spLocks noGrp="1"/>
           </p:cNvSpPr>
@@ -598,8 +532,8 @@
         </p:nvSpPr>
         <p:spPr>
           <a:xfrm>
-            <a:off x="838200" y="365125"/>
-            <a:ext cx="7734300" cy="5811838"/>
+            <a:off x="838201" y="486834"/>
+            <a:ext cx="7734300" cy="7749117"/>
           </a:xfrm>
         </p:spPr>
         <p:txBody>
@@ -639,18 +573,13 @@
               <a:rPr lang="en-US"/>
               <a:t>Fifth level</a:t>
             </a:r>
-          </a:p>
-        </p:txBody>
-      </p:sp>
-      <p:sp>
-        <p:nvSpPr>
-          <p:cNvPr id="4" name="Date Placeholder 3">
-            <a:extLst>
-              <a:ext uri="{FF2B5EF4-FFF2-40B4-BE49-F238E27FC236}">
-                <a16:creationId xmlns:a16="http://schemas.microsoft.com/office/drawing/2014/main" id="{5F835870-E6EC-4CE6-9D20-353EA229B194}"/>
-              </a:ext>
-            </a:extLst>
-          </p:cNvPr>
+            <a:endParaRPr lang="en-US" dirty="0"/>
+          </a:p>
+        </p:txBody>
+      </p:sp>
+      <p:sp>
+        <p:nvSpPr>
+          <p:cNvPr id="4" name="Date Placeholder 3"/>
           <p:cNvSpPr>
             <a:spLocks noGrp="1"/>
           </p:cNvSpPr>
@@ -665,7 +594,7 @@
           <a:p>
             <a:fld id="{16B6B1FA-94E4-4C36-BACB-414FC660C894}" type="datetimeFigureOut">
               <a:rPr lang="en-US" smtClean="0"/>
-              <a:t>23-Nov-23</a:t>
+              <a:t>28-Nov-23</a:t>
             </a:fld>
             <a:endParaRPr lang="en-US"/>
           </a:p>
@@ -673,13 +602,7 @@
       </p:sp>
       <p:sp>
         <p:nvSpPr>
-          <p:cNvPr id="5" name="Footer Placeholder 4">
-            <a:extLst>
-              <a:ext uri="{FF2B5EF4-FFF2-40B4-BE49-F238E27FC236}">
-                <a16:creationId xmlns:a16="http://schemas.microsoft.com/office/drawing/2014/main" id="{2DA8DF6F-1184-438D-80D4-2D78647247EA}"/>
-              </a:ext>
-            </a:extLst>
-          </p:cNvPr>
+          <p:cNvPr id="5" name="Footer Placeholder 4"/>
           <p:cNvSpPr>
             <a:spLocks noGrp="1"/>
           </p:cNvSpPr>
@@ -698,13 +621,7 @@
       </p:sp>
       <p:sp>
         <p:nvSpPr>
-          <p:cNvPr id="6" name="Slide Number Placeholder 5">
-            <a:extLst>
-              <a:ext uri="{FF2B5EF4-FFF2-40B4-BE49-F238E27FC236}">
-                <a16:creationId xmlns:a16="http://schemas.microsoft.com/office/drawing/2014/main" id="{1AB5C32F-F3EF-43B2-8FAB-81E88A1EA876}"/>
-              </a:ext>
-            </a:extLst>
-          </p:cNvPr>
+          <p:cNvPr id="6" name="Slide Number Placeholder 5"/>
           <p:cNvSpPr>
             <a:spLocks noGrp="1"/>
           </p:cNvSpPr>
@@ -728,7 +645,7 @@
     </p:spTree>
     <p:extLst>
       <p:ext uri="{BB962C8B-B14F-4D97-AF65-F5344CB8AC3E}">
-        <p14:creationId xmlns:p14="http://schemas.microsoft.com/office/powerpoint/2010/main" val="4255802333"/>
+        <p14:creationId xmlns:p14="http://schemas.microsoft.com/office/powerpoint/2010/main" val="941444374"/>
       </p:ext>
     </p:extLst>
   </p:cSld>
@@ -757,13 +674,7 @@
       </p:grpSpPr>
       <p:sp>
         <p:nvSpPr>
-          <p:cNvPr id="2" name="Title 1">
-            <a:extLst>
-              <a:ext uri="{FF2B5EF4-FFF2-40B4-BE49-F238E27FC236}">
-                <a16:creationId xmlns:a16="http://schemas.microsoft.com/office/drawing/2014/main" id="{9BB5046C-9E77-4318-B6F4-192E84B806AB}"/>
-              </a:ext>
-            </a:extLst>
-          </p:cNvPr>
+          <p:cNvPr id="2" name="Title 1"/>
           <p:cNvSpPr>
             <a:spLocks noGrp="1"/>
           </p:cNvSpPr>
@@ -780,18 +691,13 @@
               <a:rPr lang="en-US"/>
               <a:t>Click to edit Master title style</a:t>
             </a:r>
-          </a:p>
-        </p:txBody>
-      </p:sp>
-      <p:sp>
-        <p:nvSpPr>
-          <p:cNvPr id="3" name="Content Placeholder 2">
-            <a:extLst>
-              <a:ext uri="{FF2B5EF4-FFF2-40B4-BE49-F238E27FC236}">
-                <a16:creationId xmlns:a16="http://schemas.microsoft.com/office/drawing/2014/main" id="{6897A309-3940-4B42-B5F6-60BC4C9E236A}"/>
-              </a:ext>
-            </a:extLst>
-          </p:cNvPr>
+            <a:endParaRPr lang="en-US" dirty="0"/>
+          </a:p>
+        </p:txBody>
+      </p:sp>
+      <p:sp>
+        <p:nvSpPr>
+          <p:cNvPr id="3" name="Content Placeholder 2"/>
           <p:cNvSpPr>
             <a:spLocks noGrp="1"/>
           </p:cNvSpPr>
@@ -837,18 +743,13 @@
               <a:rPr lang="en-US"/>
               <a:t>Fifth level</a:t>
             </a:r>
-          </a:p>
-        </p:txBody>
-      </p:sp>
-      <p:sp>
-        <p:nvSpPr>
-          <p:cNvPr id="4" name="Date Placeholder 3">
-            <a:extLst>
-              <a:ext uri="{FF2B5EF4-FFF2-40B4-BE49-F238E27FC236}">
-                <a16:creationId xmlns:a16="http://schemas.microsoft.com/office/drawing/2014/main" id="{125830AA-A20A-4454-9CFF-9DF9D5F531CF}"/>
-              </a:ext>
-            </a:extLst>
-          </p:cNvPr>
+            <a:endParaRPr lang="en-US" dirty="0"/>
+          </a:p>
+        </p:txBody>
+      </p:sp>
+      <p:sp>
+        <p:nvSpPr>
+          <p:cNvPr id="4" name="Date Placeholder 3"/>
           <p:cNvSpPr>
             <a:spLocks noGrp="1"/>
           </p:cNvSpPr>
@@ -863,7 +764,7 @@
           <a:p>
             <a:fld id="{16B6B1FA-94E4-4C36-BACB-414FC660C894}" type="datetimeFigureOut">
               <a:rPr lang="en-US" smtClean="0"/>
-              <a:t>23-Nov-23</a:t>
+              <a:t>28-Nov-23</a:t>
             </a:fld>
             <a:endParaRPr lang="en-US"/>
           </a:p>
@@ -871,13 +772,7 @@
       </p:sp>
       <p:sp>
         <p:nvSpPr>
-          <p:cNvPr id="5" name="Footer Placeholder 4">
-            <a:extLst>
-              <a:ext uri="{FF2B5EF4-FFF2-40B4-BE49-F238E27FC236}">
-                <a16:creationId xmlns:a16="http://schemas.microsoft.com/office/drawing/2014/main" id="{98ACC3E1-369A-416A-8830-1D2EB627AE69}"/>
-              </a:ext>
-            </a:extLst>
-          </p:cNvPr>
+          <p:cNvPr id="5" name="Footer Placeholder 4"/>
           <p:cNvSpPr>
             <a:spLocks noGrp="1"/>
           </p:cNvSpPr>
@@ -896,13 +791,7 @@
       </p:sp>
       <p:sp>
         <p:nvSpPr>
-          <p:cNvPr id="6" name="Slide Number Placeholder 5">
-            <a:extLst>
-              <a:ext uri="{FF2B5EF4-FFF2-40B4-BE49-F238E27FC236}">
-                <a16:creationId xmlns:a16="http://schemas.microsoft.com/office/drawing/2014/main" id="{F06C1F97-E414-40BD-9E79-6455B8FA63C1}"/>
-              </a:ext>
-            </a:extLst>
-          </p:cNvPr>
+          <p:cNvPr id="6" name="Slide Number Placeholder 5"/>
           <p:cNvSpPr>
             <a:spLocks noGrp="1"/>
           </p:cNvSpPr>
@@ -926,7 +815,7 @@
     </p:spTree>
     <p:extLst>
       <p:ext uri="{BB962C8B-B14F-4D97-AF65-F5344CB8AC3E}">
-        <p14:creationId xmlns:p14="http://schemas.microsoft.com/office/powerpoint/2010/main" val="2036847919"/>
+        <p14:creationId xmlns:p14="http://schemas.microsoft.com/office/powerpoint/2010/main" val="2107379036"/>
       </p:ext>
     </p:extLst>
   </p:cSld>
@@ -955,13 +844,7 @@
       </p:grpSpPr>
       <p:sp>
         <p:nvSpPr>
-          <p:cNvPr id="2" name="Title 1">
-            <a:extLst>
-              <a:ext uri="{FF2B5EF4-FFF2-40B4-BE49-F238E27FC236}">
-                <a16:creationId xmlns:a16="http://schemas.microsoft.com/office/drawing/2014/main" id="{B25332B7-1D18-4683-AFFD-EF77B7688A2B}"/>
-              </a:ext>
-            </a:extLst>
-          </p:cNvPr>
+          <p:cNvPr id="2" name="Title 1"/>
           <p:cNvSpPr>
             <a:spLocks noGrp="1"/>
           </p:cNvSpPr>
@@ -971,15 +854,15 @@
         </p:nvSpPr>
         <p:spPr>
           <a:xfrm>
-            <a:off x="831850" y="1709738"/>
-            <a:ext cx="10515600" cy="2852737"/>
+            <a:off x="831851" y="2279653"/>
+            <a:ext cx="10515600" cy="3803649"/>
           </a:xfrm>
         </p:spPr>
         <p:txBody>
           <a:bodyPr anchor="b"/>
           <a:lstStyle>
             <a:lvl1pPr>
-              <a:defRPr sz="6000"/>
+              <a:defRPr sz="8000"/>
             </a:lvl1pPr>
           </a:lstStyle>
           <a:p>
@@ -987,18 +870,13 @@
               <a:rPr lang="en-US"/>
               <a:t>Click to edit Master title style</a:t>
             </a:r>
-          </a:p>
-        </p:txBody>
-      </p:sp>
-      <p:sp>
-        <p:nvSpPr>
-          <p:cNvPr id="3" name="Text Placeholder 2">
-            <a:extLst>
-              <a:ext uri="{FF2B5EF4-FFF2-40B4-BE49-F238E27FC236}">
-                <a16:creationId xmlns:a16="http://schemas.microsoft.com/office/drawing/2014/main" id="{43A21F2B-8BC5-4C75-900E-18A10D30AB69}"/>
-              </a:ext>
-            </a:extLst>
-          </p:cNvPr>
+            <a:endParaRPr lang="en-US" dirty="0"/>
+          </a:p>
+        </p:txBody>
+      </p:sp>
+      <p:sp>
+        <p:nvSpPr>
+          <p:cNvPr id="3" name="Text Placeholder 2"/>
           <p:cNvSpPr>
             <a:spLocks noGrp="1"/>
           </p:cNvSpPr>
@@ -1008,14 +886,32 @@
         </p:nvSpPr>
         <p:spPr>
           <a:xfrm>
-            <a:off x="831850" y="4589463"/>
-            <a:ext cx="10515600" cy="1500187"/>
+            <a:off x="831851" y="6119286"/>
+            <a:ext cx="10515600" cy="2000249"/>
           </a:xfrm>
         </p:spPr>
         <p:txBody>
           <a:bodyPr/>
           <a:lstStyle>
             <a:lvl1pPr marL="0" indent="0">
+              <a:buNone/>
+              <a:defRPr sz="3200">
+                <a:solidFill>
+                  <a:schemeClr val="tx1"/>
+                </a:solidFill>
+              </a:defRPr>
+            </a:lvl1pPr>
+            <a:lvl2pPr marL="609585" indent="0">
+              <a:buNone/>
+              <a:defRPr sz="2667">
+                <a:solidFill>
+                  <a:schemeClr val="tx1">
+                    <a:tint val="75000"/>
+                  </a:schemeClr>
+                </a:solidFill>
+              </a:defRPr>
+            </a:lvl2pPr>
+            <a:lvl3pPr marL="1219170" indent="0">
               <a:buNone/>
               <a:defRPr sz="2400">
                 <a:solidFill>
@@ -1024,30 +920,10 @@
                   </a:schemeClr>
                 </a:solidFill>
               </a:defRPr>
-            </a:lvl1pPr>
-            <a:lvl2pPr marL="457200" indent="0">
-              <a:buNone/>
-              <a:defRPr sz="2000">
-                <a:solidFill>
-                  <a:schemeClr val="tx1">
-                    <a:tint val="75000"/>
-                  </a:schemeClr>
-                </a:solidFill>
-              </a:defRPr>
-            </a:lvl2pPr>
-            <a:lvl3pPr marL="914400" indent="0">
-              <a:buNone/>
-              <a:defRPr sz="1800">
-                <a:solidFill>
-                  <a:schemeClr val="tx1">
-                    <a:tint val="75000"/>
-                  </a:schemeClr>
-                </a:solidFill>
-              </a:defRPr>
             </a:lvl3pPr>
-            <a:lvl4pPr marL="1371600" indent="0">
-              <a:buNone/>
-              <a:defRPr sz="1600">
+            <a:lvl4pPr marL="1828754" indent="0">
+              <a:buNone/>
+              <a:defRPr sz="2133">
                 <a:solidFill>
                   <a:schemeClr val="tx1">
                     <a:tint val="75000"/>
@@ -1055,9 +931,9 @@
                 </a:solidFill>
               </a:defRPr>
             </a:lvl4pPr>
-            <a:lvl5pPr marL="1828800" indent="0">
-              <a:buNone/>
-              <a:defRPr sz="1600">
+            <a:lvl5pPr marL="2438339" indent="0">
+              <a:buNone/>
+              <a:defRPr sz="2133">
                 <a:solidFill>
                   <a:schemeClr val="tx1">
                     <a:tint val="75000"/>
@@ -1065,9 +941,9 @@
                 </a:solidFill>
               </a:defRPr>
             </a:lvl5pPr>
-            <a:lvl6pPr marL="2286000" indent="0">
-              <a:buNone/>
-              <a:defRPr sz="1600">
+            <a:lvl6pPr marL="3047924" indent="0">
+              <a:buNone/>
+              <a:defRPr sz="2133">
                 <a:solidFill>
                   <a:schemeClr val="tx1">
                     <a:tint val="75000"/>
@@ -1075,9 +951,9 @@
                 </a:solidFill>
               </a:defRPr>
             </a:lvl6pPr>
-            <a:lvl7pPr marL="2743200" indent="0">
-              <a:buNone/>
-              <a:defRPr sz="1600">
+            <a:lvl7pPr marL="3657509" indent="0">
+              <a:buNone/>
+              <a:defRPr sz="2133">
                 <a:solidFill>
                   <a:schemeClr val="tx1">
                     <a:tint val="75000"/>
@@ -1085,9 +961,9 @@
                 </a:solidFill>
               </a:defRPr>
             </a:lvl7pPr>
-            <a:lvl8pPr marL="3200400" indent="0">
-              <a:buNone/>
-              <a:defRPr sz="1600">
+            <a:lvl8pPr marL="4267093" indent="0">
+              <a:buNone/>
+              <a:defRPr sz="2133">
                 <a:solidFill>
                   <a:schemeClr val="tx1">
                     <a:tint val="75000"/>
@@ -1095,9 +971,9 @@
                 </a:solidFill>
               </a:defRPr>
             </a:lvl8pPr>
-            <a:lvl9pPr marL="3657600" indent="0">
-              <a:buNone/>
-              <a:defRPr sz="1600">
+            <a:lvl9pPr marL="4876678" indent="0">
+              <a:buNone/>
+              <a:defRPr sz="2133">
                 <a:solidFill>
                   <a:schemeClr val="tx1">
                     <a:tint val="75000"/>
@@ -1117,13 +993,7 @@
       </p:sp>
       <p:sp>
         <p:nvSpPr>
-          <p:cNvPr id="4" name="Date Placeholder 3">
-            <a:extLst>
-              <a:ext uri="{FF2B5EF4-FFF2-40B4-BE49-F238E27FC236}">
-                <a16:creationId xmlns:a16="http://schemas.microsoft.com/office/drawing/2014/main" id="{F5903F53-5734-4B09-A1D5-3AB45425187B}"/>
-              </a:ext>
-            </a:extLst>
-          </p:cNvPr>
+          <p:cNvPr id="4" name="Date Placeholder 3"/>
           <p:cNvSpPr>
             <a:spLocks noGrp="1"/>
           </p:cNvSpPr>
@@ -1138,7 +1008,7 @@
           <a:p>
             <a:fld id="{16B6B1FA-94E4-4C36-BACB-414FC660C894}" type="datetimeFigureOut">
               <a:rPr lang="en-US" smtClean="0"/>
-              <a:t>23-Nov-23</a:t>
+              <a:t>28-Nov-23</a:t>
             </a:fld>
             <a:endParaRPr lang="en-US"/>
           </a:p>
@@ -1146,13 +1016,7 @@
       </p:sp>
       <p:sp>
         <p:nvSpPr>
-          <p:cNvPr id="5" name="Footer Placeholder 4">
-            <a:extLst>
-              <a:ext uri="{FF2B5EF4-FFF2-40B4-BE49-F238E27FC236}">
-                <a16:creationId xmlns:a16="http://schemas.microsoft.com/office/drawing/2014/main" id="{B6097981-2B44-4522-9C8C-1A9AE0CE879B}"/>
-              </a:ext>
-            </a:extLst>
-          </p:cNvPr>
+          <p:cNvPr id="5" name="Footer Placeholder 4"/>
           <p:cNvSpPr>
             <a:spLocks noGrp="1"/>
           </p:cNvSpPr>
@@ -1171,13 +1035,7 @@
       </p:sp>
       <p:sp>
         <p:nvSpPr>
-          <p:cNvPr id="6" name="Slide Number Placeholder 5">
-            <a:extLst>
-              <a:ext uri="{FF2B5EF4-FFF2-40B4-BE49-F238E27FC236}">
-                <a16:creationId xmlns:a16="http://schemas.microsoft.com/office/drawing/2014/main" id="{B77DB249-8547-4EC1-A044-236D1E2CDF1A}"/>
-              </a:ext>
-            </a:extLst>
-          </p:cNvPr>
+          <p:cNvPr id="6" name="Slide Number Placeholder 5"/>
           <p:cNvSpPr>
             <a:spLocks noGrp="1"/>
           </p:cNvSpPr>
@@ -1201,7 +1059,7 @@
     </p:spTree>
     <p:extLst>
       <p:ext uri="{BB962C8B-B14F-4D97-AF65-F5344CB8AC3E}">
-        <p14:creationId xmlns:p14="http://schemas.microsoft.com/office/powerpoint/2010/main" val="1963318504"/>
+        <p14:creationId xmlns:p14="http://schemas.microsoft.com/office/powerpoint/2010/main" val="357257382"/>
       </p:ext>
     </p:extLst>
   </p:cSld>
@@ -1230,13 +1088,7 @@
       </p:grpSpPr>
       <p:sp>
         <p:nvSpPr>
-          <p:cNvPr id="2" name="Title 1">
-            <a:extLst>
-              <a:ext uri="{FF2B5EF4-FFF2-40B4-BE49-F238E27FC236}">
-                <a16:creationId xmlns:a16="http://schemas.microsoft.com/office/drawing/2014/main" id="{61D5F1F2-8D95-41F7-A400-25C19F1910EF}"/>
-              </a:ext>
-            </a:extLst>
-          </p:cNvPr>
+          <p:cNvPr id="2" name="Title 1"/>
           <p:cNvSpPr>
             <a:spLocks noGrp="1"/>
           </p:cNvSpPr>
@@ -1253,18 +1105,13 @@
               <a:rPr lang="en-US"/>
               <a:t>Click to edit Master title style</a:t>
             </a:r>
-          </a:p>
-        </p:txBody>
-      </p:sp>
-      <p:sp>
-        <p:nvSpPr>
-          <p:cNvPr id="3" name="Content Placeholder 2">
-            <a:extLst>
-              <a:ext uri="{FF2B5EF4-FFF2-40B4-BE49-F238E27FC236}">
-                <a16:creationId xmlns:a16="http://schemas.microsoft.com/office/drawing/2014/main" id="{C9D94611-B72C-4285-ADD7-D2661EE6193A}"/>
-              </a:ext>
-            </a:extLst>
-          </p:cNvPr>
+            <a:endParaRPr lang="en-US" dirty="0"/>
+          </a:p>
+        </p:txBody>
+      </p:sp>
+      <p:sp>
+        <p:nvSpPr>
+          <p:cNvPr id="3" name="Content Placeholder 2"/>
           <p:cNvSpPr>
             <a:spLocks noGrp="1"/>
           </p:cNvSpPr>
@@ -1274,8 +1121,8 @@
         </p:nvSpPr>
         <p:spPr>
           <a:xfrm>
-            <a:off x="838200" y="1825625"/>
-            <a:ext cx="5181600" cy="4351338"/>
+            <a:off x="838200" y="2434167"/>
+            <a:ext cx="5181600" cy="5801784"/>
           </a:xfrm>
         </p:spPr>
         <p:txBody>
@@ -1315,18 +1162,13 @@
               <a:rPr lang="en-US"/>
               <a:t>Fifth level</a:t>
             </a:r>
-          </a:p>
-        </p:txBody>
-      </p:sp>
-      <p:sp>
-        <p:nvSpPr>
-          <p:cNvPr id="4" name="Content Placeholder 3">
-            <a:extLst>
-              <a:ext uri="{FF2B5EF4-FFF2-40B4-BE49-F238E27FC236}">
-                <a16:creationId xmlns:a16="http://schemas.microsoft.com/office/drawing/2014/main" id="{1066DACD-78EF-4F0E-9638-2F250C0B158D}"/>
-              </a:ext>
-            </a:extLst>
-          </p:cNvPr>
+            <a:endParaRPr lang="en-US" dirty="0"/>
+          </a:p>
+        </p:txBody>
+      </p:sp>
+      <p:sp>
+        <p:nvSpPr>
+          <p:cNvPr id="4" name="Content Placeholder 3"/>
           <p:cNvSpPr>
             <a:spLocks noGrp="1"/>
           </p:cNvSpPr>
@@ -1336,8 +1178,8 @@
         </p:nvSpPr>
         <p:spPr>
           <a:xfrm>
-            <a:off x="6172200" y="1825625"/>
-            <a:ext cx="5181600" cy="4351338"/>
+            <a:off x="6172200" y="2434167"/>
+            <a:ext cx="5181600" cy="5801784"/>
           </a:xfrm>
         </p:spPr>
         <p:txBody>
@@ -1377,18 +1219,13 @@
               <a:rPr lang="en-US"/>
               <a:t>Fifth level</a:t>
             </a:r>
-          </a:p>
-        </p:txBody>
-      </p:sp>
-      <p:sp>
-        <p:nvSpPr>
-          <p:cNvPr id="5" name="Date Placeholder 4">
-            <a:extLst>
-              <a:ext uri="{FF2B5EF4-FFF2-40B4-BE49-F238E27FC236}">
-                <a16:creationId xmlns:a16="http://schemas.microsoft.com/office/drawing/2014/main" id="{DD2A7F64-5BD3-4A1F-ABF7-F68D48E432D2}"/>
-              </a:ext>
-            </a:extLst>
-          </p:cNvPr>
+            <a:endParaRPr lang="en-US" dirty="0"/>
+          </a:p>
+        </p:txBody>
+      </p:sp>
+      <p:sp>
+        <p:nvSpPr>
+          <p:cNvPr id="5" name="Date Placeholder 4"/>
           <p:cNvSpPr>
             <a:spLocks noGrp="1"/>
           </p:cNvSpPr>
@@ -1403,7 +1240,7 @@
           <a:p>
             <a:fld id="{16B6B1FA-94E4-4C36-BACB-414FC660C894}" type="datetimeFigureOut">
               <a:rPr lang="en-US" smtClean="0"/>
-              <a:t>23-Nov-23</a:t>
+              <a:t>28-Nov-23</a:t>
             </a:fld>
             <a:endParaRPr lang="en-US"/>
           </a:p>
@@ -1411,13 +1248,7 @@
       </p:sp>
       <p:sp>
         <p:nvSpPr>
-          <p:cNvPr id="6" name="Footer Placeholder 5">
-            <a:extLst>
-              <a:ext uri="{FF2B5EF4-FFF2-40B4-BE49-F238E27FC236}">
-                <a16:creationId xmlns:a16="http://schemas.microsoft.com/office/drawing/2014/main" id="{79613D5A-FE89-4F72-8E09-E50736FBB9AF}"/>
-              </a:ext>
-            </a:extLst>
-          </p:cNvPr>
+          <p:cNvPr id="6" name="Footer Placeholder 5"/>
           <p:cNvSpPr>
             <a:spLocks noGrp="1"/>
           </p:cNvSpPr>
@@ -1436,13 +1267,7 @@
       </p:sp>
       <p:sp>
         <p:nvSpPr>
-          <p:cNvPr id="7" name="Slide Number Placeholder 6">
-            <a:extLst>
-              <a:ext uri="{FF2B5EF4-FFF2-40B4-BE49-F238E27FC236}">
-                <a16:creationId xmlns:a16="http://schemas.microsoft.com/office/drawing/2014/main" id="{3996C385-71D1-46C1-8FEE-451E69D59450}"/>
-              </a:ext>
-            </a:extLst>
-          </p:cNvPr>
+          <p:cNvPr id="7" name="Slide Number Placeholder 6"/>
           <p:cNvSpPr>
             <a:spLocks noGrp="1"/>
           </p:cNvSpPr>
@@ -1466,7 +1291,7 @@
     </p:spTree>
     <p:extLst>
       <p:ext uri="{BB962C8B-B14F-4D97-AF65-F5344CB8AC3E}">
-        <p14:creationId xmlns:p14="http://schemas.microsoft.com/office/powerpoint/2010/main" val="1332596123"/>
+        <p14:creationId xmlns:p14="http://schemas.microsoft.com/office/powerpoint/2010/main" val="1481923681"/>
       </p:ext>
     </p:extLst>
   </p:cSld>
@@ -1495,13 +1320,7 @@
       </p:grpSpPr>
       <p:sp>
         <p:nvSpPr>
-          <p:cNvPr id="2" name="Title 1">
-            <a:extLst>
-              <a:ext uri="{FF2B5EF4-FFF2-40B4-BE49-F238E27FC236}">
-                <a16:creationId xmlns:a16="http://schemas.microsoft.com/office/drawing/2014/main" id="{719B06F2-707E-4BAC-9751-E6EBF09CF349}"/>
-              </a:ext>
-            </a:extLst>
-          </p:cNvPr>
+          <p:cNvPr id="2" name="Title 1"/>
           <p:cNvSpPr>
             <a:spLocks noGrp="1"/>
           </p:cNvSpPr>
@@ -1511,8 +1330,8 @@
         </p:nvSpPr>
         <p:spPr>
           <a:xfrm>
-            <a:off x="839788" y="365125"/>
-            <a:ext cx="10515600" cy="1325563"/>
+            <a:off x="839788" y="486836"/>
+            <a:ext cx="10515600" cy="1767417"/>
           </a:xfrm>
         </p:spPr>
         <p:txBody>
@@ -1523,18 +1342,13 @@
               <a:rPr lang="en-US"/>
               <a:t>Click to edit Master title style</a:t>
             </a:r>
-          </a:p>
-        </p:txBody>
-      </p:sp>
-      <p:sp>
-        <p:nvSpPr>
-          <p:cNvPr id="3" name="Text Placeholder 2">
-            <a:extLst>
-              <a:ext uri="{FF2B5EF4-FFF2-40B4-BE49-F238E27FC236}">
-                <a16:creationId xmlns:a16="http://schemas.microsoft.com/office/drawing/2014/main" id="{0D35E90C-7958-4B95-9385-BB165493DAE9}"/>
-              </a:ext>
-            </a:extLst>
-          </p:cNvPr>
+            <a:endParaRPr lang="en-US" dirty="0"/>
+          </a:p>
+        </p:txBody>
+      </p:sp>
+      <p:sp>
+        <p:nvSpPr>
+          <p:cNvPr id="3" name="Text Placeholder 2"/>
           <p:cNvSpPr>
             <a:spLocks noGrp="1"/>
           </p:cNvSpPr>
@@ -1544,8 +1358,8 @@
         </p:nvSpPr>
         <p:spPr>
           <a:xfrm>
-            <a:off x="839788" y="1681163"/>
-            <a:ext cx="5157787" cy="823912"/>
+            <a:off x="839789" y="2241551"/>
+            <a:ext cx="5157787" cy="1098549"/>
           </a:xfrm>
         </p:spPr>
         <p:txBody>
@@ -1553,39 +1367,39 @@
           <a:lstStyle>
             <a:lvl1pPr marL="0" indent="0">
               <a:buNone/>
+              <a:defRPr sz="3200" b="1"/>
+            </a:lvl1pPr>
+            <a:lvl2pPr marL="609585" indent="0">
+              <a:buNone/>
+              <a:defRPr sz="2667" b="1"/>
+            </a:lvl2pPr>
+            <a:lvl3pPr marL="1219170" indent="0">
+              <a:buNone/>
               <a:defRPr sz="2400" b="1"/>
-            </a:lvl1pPr>
-            <a:lvl2pPr marL="457200" indent="0">
-              <a:buNone/>
-              <a:defRPr sz="2000" b="1"/>
-            </a:lvl2pPr>
-            <a:lvl3pPr marL="914400" indent="0">
-              <a:buNone/>
-              <a:defRPr sz="1800" b="1"/>
             </a:lvl3pPr>
-            <a:lvl4pPr marL="1371600" indent="0">
-              <a:buNone/>
-              <a:defRPr sz="1600" b="1"/>
+            <a:lvl4pPr marL="1828754" indent="0">
+              <a:buNone/>
+              <a:defRPr sz="2133" b="1"/>
             </a:lvl4pPr>
-            <a:lvl5pPr marL="1828800" indent="0">
-              <a:buNone/>
-              <a:defRPr sz="1600" b="1"/>
+            <a:lvl5pPr marL="2438339" indent="0">
+              <a:buNone/>
+              <a:defRPr sz="2133" b="1"/>
             </a:lvl5pPr>
-            <a:lvl6pPr marL="2286000" indent="0">
-              <a:buNone/>
-              <a:defRPr sz="1600" b="1"/>
+            <a:lvl6pPr marL="3047924" indent="0">
+              <a:buNone/>
+              <a:defRPr sz="2133" b="1"/>
             </a:lvl6pPr>
-            <a:lvl7pPr marL="2743200" indent="0">
-              <a:buNone/>
-              <a:defRPr sz="1600" b="1"/>
+            <a:lvl7pPr marL="3657509" indent="0">
+              <a:buNone/>
+              <a:defRPr sz="2133" b="1"/>
             </a:lvl7pPr>
-            <a:lvl8pPr marL="3200400" indent="0">
-              <a:buNone/>
-              <a:defRPr sz="1600" b="1"/>
+            <a:lvl8pPr marL="4267093" indent="0">
+              <a:buNone/>
+              <a:defRPr sz="2133" b="1"/>
             </a:lvl8pPr>
-            <a:lvl9pPr marL="3657600" indent="0">
-              <a:buNone/>
-              <a:defRPr sz="1600" b="1"/>
+            <a:lvl9pPr marL="4876678" indent="0">
+              <a:buNone/>
+              <a:defRPr sz="2133" b="1"/>
             </a:lvl9pPr>
           </a:lstStyle>
           <a:p>
@@ -1599,13 +1413,7 @@
       </p:sp>
       <p:sp>
         <p:nvSpPr>
-          <p:cNvPr id="4" name="Content Placeholder 3">
-            <a:extLst>
-              <a:ext uri="{FF2B5EF4-FFF2-40B4-BE49-F238E27FC236}">
-                <a16:creationId xmlns:a16="http://schemas.microsoft.com/office/drawing/2014/main" id="{8715F977-DB0D-4F40-B27A-4F4A6BCE5B22}"/>
-              </a:ext>
-            </a:extLst>
-          </p:cNvPr>
+          <p:cNvPr id="4" name="Content Placeholder 3"/>
           <p:cNvSpPr>
             <a:spLocks noGrp="1"/>
           </p:cNvSpPr>
@@ -1615,8 +1423,8 @@
         </p:nvSpPr>
         <p:spPr>
           <a:xfrm>
-            <a:off x="839788" y="2505075"/>
-            <a:ext cx="5157787" cy="3684588"/>
+            <a:off x="839789" y="3340100"/>
+            <a:ext cx="5157787" cy="4912784"/>
           </a:xfrm>
         </p:spPr>
         <p:txBody>
@@ -1656,18 +1464,13 @@
               <a:rPr lang="en-US"/>
               <a:t>Fifth level</a:t>
             </a:r>
-          </a:p>
-        </p:txBody>
-      </p:sp>
-      <p:sp>
-        <p:nvSpPr>
-          <p:cNvPr id="5" name="Text Placeholder 4">
-            <a:extLst>
-              <a:ext uri="{FF2B5EF4-FFF2-40B4-BE49-F238E27FC236}">
-                <a16:creationId xmlns:a16="http://schemas.microsoft.com/office/drawing/2014/main" id="{68828D6E-039E-4768-879B-9C9B9BFBC6B0}"/>
-              </a:ext>
-            </a:extLst>
-          </p:cNvPr>
+            <a:endParaRPr lang="en-US" dirty="0"/>
+          </a:p>
+        </p:txBody>
+      </p:sp>
+      <p:sp>
+        <p:nvSpPr>
+          <p:cNvPr id="5" name="Text Placeholder 4"/>
           <p:cNvSpPr>
             <a:spLocks noGrp="1"/>
           </p:cNvSpPr>
@@ -1677,8 +1480,8 @@
         </p:nvSpPr>
         <p:spPr>
           <a:xfrm>
-            <a:off x="6172200" y="1681163"/>
-            <a:ext cx="5183188" cy="823912"/>
+            <a:off x="6172201" y="2241551"/>
+            <a:ext cx="5183188" cy="1098549"/>
           </a:xfrm>
         </p:spPr>
         <p:txBody>
@@ -1686,39 +1489,39 @@
           <a:lstStyle>
             <a:lvl1pPr marL="0" indent="0">
               <a:buNone/>
+              <a:defRPr sz="3200" b="1"/>
+            </a:lvl1pPr>
+            <a:lvl2pPr marL="609585" indent="0">
+              <a:buNone/>
+              <a:defRPr sz="2667" b="1"/>
+            </a:lvl2pPr>
+            <a:lvl3pPr marL="1219170" indent="0">
+              <a:buNone/>
               <a:defRPr sz="2400" b="1"/>
-            </a:lvl1pPr>
-            <a:lvl2pPr marL="457200" indent="0">
-              <a:buNone/>
-              <a:defRPr sz="2000" b="1"/>
-            </a:lvl2pPr>
-            <a:lvl3pPr marL="914400" indent="0">
-              <a:buNone/>
-              <a:defRPr sz="1800" b="1"/>
             </a:lvl3pPr>
-            <a:lvl4pPr marL="1371600" indent="0">
-              <a:buNone/>
-              <a:defRPr sz="1600" b="1"/>
+            <a:lvl4pPr marL="1828754" indent="0">
+              <a:buNone/>
+              <a:defRPr sz="2133" b="1"/>
             </a:lvl4pPr>
-            <a:lvl5pPr marL="1828800" indent="0">
-              <a:buNone/>
-              <a:defRPr sz="1600" b="1"/>
+            <a:lvl5pPr marL="2438339" indent="0">
+              <a:buNone/>
+              <a:defRPr sz="2133" b="1"/>
             </a:lvl5pPr>
-            <a:lvl6pPr marL="2286000" indent="0">
-              <a:buNone/>
-              <a:defRPr sz="1600" b="1"/>
+            <a:lvl6pPr marL="3047924" indent="0">
+              <a:buNone/>
+              <a:defRPr sz="2133" b="1"/>
             </a:lvl6pPr>
-            <a:lvl7pPr marL="2743200" indent="0">
-              <a:buNone/>
-              <a:defRPr sz="1600" b="1"/>
+            <a:lvl7pPr marL="3657509" indent="0">
+              <a:buNone/>
+              <a:defRPr sz="2133" b="1"/>
             </a:lvl7pPr>
-            <a:lvl8pPr marL="3200400" indent="0">
-              <a:buNone/>
-              <a:defRPr sz="1600" b="1"/>
+            <a:lvl8pPr marL="4267093" indent="0">
+              <a:buNone/>
+              <a:defRPr sz="2133" b="1"/>
             </a:lvl8pPr>
-            <a:lvl9pPr marL="3657600" indent="0">
-              <a:buNone/>
-              <a:defRPr sz="1600" b="1"/>
+            <a:lvl9pPr marL="4876678" indent="0">
+              <a:buNone/>
+              <a:defRPr sz="2133" b="1"/>
             </a:lvl9pPr>
           </a:lstStyle>
           <a:p>
@@ -1732,13 +1535,7 @@
       </p:sp>
       <p:sp>
         <p:nvSpPr>
-          <p:cNvPr id="6" name="Content Placeholder 5">
-            <a:extLst>
-              <a:ext uri="{FF2B5EF4-FFF2-40B4-BE49-F238E27FC236}">
-                <a16:creationId xmlns:a16="http://schemas.microsoft.com/office/drawing/2014/main" id="{689FAFAB-D3FA-4532-9DEA-2DEF5A8D1C00}"/>
-              </a:ext>
-            </a:extLst>
-          </p:cNvPr>
+          <p:cNvPr id="6" name="Content Placeholder 5"/>
           <p:cNvSpPr>
             <a:spLocks noGrp="1"/>
           </p:cNvSpPr>
@@ -1748,8 +1545,8 @@
         </p:nvSpPr>
         <p:spPr>
           <a:xfrm>
-            <a:off x="6172200" y="2505075"/>
-            <a:ext cx="5183188" cy="3684588"/>
+            <a:off x="6172201" y="3340100"/>
+            <a:ext cx="5183188" cy="4912784"/>
           </a:xfrm>
         </p:spPr>
         <p:txBody>
@@ -1789,18 +1586,13 @@
               <a:rPr lang="en-US"/>
               <a:t>Fifth level</a:t>
             </a:r>
-          </a:p>
-        </p:txBody>
-      </p:sp>
-      <p:sp>
-        <p:nvSpPr>
-          <p:cNvPr id="7" name="Date Placeholder 6">
-            <a:extLst>
-              <a:ext uri="{FF2B5EF4-FFF2-40B4-BE49-F238E27FC236}">
-                <a16:creationId xmlns:a16="http://schemas.microsoft.com/office/drawing/2014/main" id="{181EE73D-CC12-4C6A-8098-DB47D6585F59}"/>
-              </a:ext>
-            </a:extLst>
-          </p:cNvPr>
+            <a:endParaRPr lang="en-US" dirty="0"/>
+          </a:p>
+        </p:txBody>
+      </p:sp>
+      <p:sp>
+        <p:nvSpPr>
+          <p:cNvPr id="7" name="Date Placeholder 6"/>
           <p:cNvSpPr>
             <a:spLocks noGrp="1"/>
           </p:cNvSpPr>
@@ -1815,7 +1607,7 @@
           <a:p>
             <a:fld id="{16B6B1FA-94E4-4C36-BACB-414FC660C894}" type="datetimeFigureOut">
               <a:rPr lang="en-US" smtClean="0"/>
-              <a:t>23-Nov-23</a:t>
+              <a:t>28-Nov-23</a:t>
             </a:fld>
             <a:endParaRPr lang="en-US"/>
           </a:p>
@@ -1823,13 +1615,7 @@
       </p:sp>
       <p:sp>
         <p:nvSpPr>
-          <p:cNvPr id="8" name="Footer Placeholder 7">
-            <a:extLst>
-              <a:ext uri="{FF2B5EF4-FFF2-40B4-BE49-F238E27FC236}">
-                <a16:creationId xmlns:a16="http://schemas.microsoft.com/office/drawing/2014/main" id="{CB38AA21-054B-47AC-AF7D-4152AB1DD4B6}"/>
-              </a:ext>
-            </a:extLst>
-          </p:cNvPr>
+          <p:cNvPr id="8" name="Footer Placeholder 7"/>
           <p:cNvSpPr>
             <a:spLocks noGrp="1"/>
           </p:cNvSpPr>
@@ -1848,13 +1634,7 @@
       </p:sp>
       <p:sp>
         <p:nvSpPr>
-          <p:cNvPr id="9" name="Slide Number Placeholder 8">
-            <a:extLst>
-              <a:ext uri="{FF2B5EF4-FFF2-40B4-BE49-F238E27FC236}">
-                <a16:creationId xmlns:a16="http://schemas.microsoft.com/office/drawing/2014/main" id="{DB6476B5-AD6D-49A5-9072-562EBD0C5DC2}"/>
-              </a:ext>
-            </a:extLst>
-          </p:cNvPr>
+          <p:cNvPr id="9" name="Slide Number Placeholder 8"/>
           <p:cNvSpPr>
             <a:spLocks noGrp="1"/>
           </p:cNvSpPr>
@@ -1878,7 +1658,7 @@
     </p:spTree>
     <p:extLst>
       <p:ext uri="{BB962C8B-B14F-4D97-AF65-F5344CB8AC3E}">
-        <p14:creationId xmlns:p14="http://schemas.microsoft.com/office/powerpoint/2010/main" val="470476645"/>
+        <p14:creationId xmlns:p14="http://schemas.microsoft.com/office/powerpoint/2010/main" val="2910549084"/>
       </p:ext>
     </p:extLst>
   </p:cSld>
@@ -1907,13 +1687,7 @@
       </p:grpSpPr>
       <p:sp>
         <p:nvSpPr>
-          <p:cNvPr id="2" name="Title 1">
-            <a:extLst>
-              <a:ext uri="{FF2B5EF4-FFF2-40B4-BE49-F238E27FC236}">
-                <a16:creationId xmlns:a16="http://schemas.microsoft.com/office/drawing/2014/main" id="{D69EB4A1-5684-40C9-AEEF-EC99CB3D4C0C}"/>
-              </a:ext>
-            </a:extLst>
-          </p:cNvPr>
+          <p:cNvPr id="2" name="Title 1"/>
           <p:cNvSpPr>
             <a:spLocks noGrp="1"/>
           </p:cNvSpPr>
@@ -1930,18 +1704,13 @@
               <a:rPr lang="en-US"/>
               <a:t>Click to edit Master title style</a:t>
             </a:r>
-          </a:p>
-        </p:txBody>
-      </p:sp>
-      <p:sp>
-        <p:nvSpPr>
-          <p:cNvPr id="3" name="Date Placeholder 2">
-            <a:extLst>
-              <a:ext uri="{FF2B5EF4-FFF2-40B4-BE49-F238E27FC236}">
-                <a16:creationId xmlns:a16="http://schemas.microsoft.com/office/drawing/2014/main" id="{677A6648-A473-4D08-A350-F4217B2BEE7C}"/>
-              </a:ext>
-            </a:extLst>
-          </p:cNvPr>
+            <a:endParaRPr lang="en-US" dirty="0"/>
+          </a:p>
+        </p:txBody>
+      </p:sp>
+      <p:sp>
+        <p:nvSpPr>
+          <p:cNvPr id="3" name="Date Placeholder 2"/>
           <p:cNvSpPr>
             <a:spLocks noGrp="1"/>
           </p:cNvSpPr>
@@ -1956,7 +1725,7 @@
           <a:p>
             <a:fld id="{16B6B1FA-94E4-4C36-BACB-414FC660C894}" type="datetimeFigureOut">
               <a:rPr lang="en-US" smtClean="0"/>
-              <a:t>23-Nov-23</a:t>
+              <a:t>28-Nov-23</a:t>
             </a:fld>
             <a:endParaRPr lang="en-US"/>
           </a:p>
@@ -1964,13 +1733,7 @@
       </p:sp>
       <p:sp>
         <p:nvSpPr>
-          <p:cNvPr id="4" name="Footer Placeholder 3">
-            <a:extLst>
-              <a:ext uri="{FF2B5EF4-FFF2-40B4-BE49-F238E27FC236}">
-                <a16:creationId xmlns:a16="http://schemas.microsoft.com/office/drawing/2014/main" id="{3D791300-A6CF-4A74-A9CB-9D660F16666F}"/>
-              </a:ext>
-            </a:extLst>
-          </p:cNvPr>
+          <p:cNvPr id="4" name="Footer Placeholder 3"/>
           <p:cNvSpPr>
             <a:spLocks noGrp="1"/>
           </p:cNvSpPr>
@@ -1989,13 +1752,7 @@
       </p:sp>
       <p:sp>
         <p:nvSpPr>
-          <p:cNvPr id="5" name="Slide Number Placeholder 4">
-            <a:extLst>
-              <a:ext uri="{FF2B5EF4-FFF2-40B4-BE49-F238E27FC236}">
-                <a16:creationId xmlns:a16="http://schemas.microsoft.com/office/drawing/2014/main" id="{1848F2B1-20D4-42BD-B08F-6B0F94C34DBE}"/>
-              </a:ext>
-            </a:extLst>
-          </p:cNvPr>
+          <p:cNvPr id="5" name="Slide Number Placeholder 4"/>
           <p:cNvSpPr>
             <a:spLocks noGrp="1"/>
           </p:cNvSpPr>
@@ -2019,7 +1776,7 @@
     </p:spTree>
     <p:extLst>
       <p:ext uri="{BB962C8B-B14F-4D97-AF65-F5344CB8AC3E}">
-        <p14:creationId xmlns:p14="http://schemas.microsoft.com/office/powerpoint/2010/main" val="2419500332"/>
+        <p14:creationId xmlns:p14="http://schemas.microsoft.com/office/powerpoint/2010/main" val="3631052811"/>
       </p:ext>
     </p:extLst>
   </p:cSld>
@@ -2048,13 +1805,7 @@
       </p:grpSpPr>
       <p:sp>
         <p:nvSpPr>
-          <p:cNvPr id="2" name="Date Placeholder 1">
-            <a:extLst>
-              <a:ext uri="{FF2B5EF4-FFF2-40B4-BE49-F238E27FC236}">
-                <a16:creationId xmlns:a16="http://schemas.microsoft.com/office/drawing/2014/main" id="{8F4DAEC4-C942-4566-A1E7-4742A7F5F193}"/>
-              </a:ext>
-            </a:extLst>
-          </p:cNvPr>
+          <p:cNvPr id="2" name="Date Placeholder 1"/>
           <p:cNvSpPr>
             <a:spLocks noGrp="1"/>
           </p:cNvSpPr>
@@ -2069,7 +1820,7 @@
           <a:p>
             <a:fld id="{16B6B1FA-94E4-4C36-BACB-414FC660C894}" type="datetimeFigureOut">
               <a:rPr lang="en-US" smtClean="0"/>
-              <a:t>23-Nov-23</a:t>
+              <a:t>28-Nov-23</a:t>
             </a:fld>
             <a:endParaRPr lang="en-US"/>
           </a:p>
@@ -2077,13 +1828,7 @@
       </p:sp>
       <p:sp>
         <p:nvSpPr>
-          <p:cNvPr id="3" name="Footer Placeholder 2">
-            <a:extLst>
-              <a:ext uri="{FF2B5EF4-FFF2-40B4-BE49-F238E27FC236}">
-                <a16:creationId xmlns:a16="http://schemas.microsoft.com/office/drawing/2014/main" id="{A32C20BB-C65E-441D-BB74-113A176CA7DE}"/>
-              </a:ext>
-            </a:extLst>
-          </p:cNvPr>
+          <p:cNvPr id="3" name="Footer Placeholder 2"/>
           <p:cNvSpPr>
             <a:spLocks noGrp="1"/>
           </p:cNvSpPr>
@@ -2102,13 +1847,7 @@
       </p:sp>
       <p:sp>
         <p:nvSpPr>
-          <p:cNvPr id="4" name="Slide Number Placeholder 3">
-            <a:extLst>
-              <a:ext uri="{FF2B5EF4-FFF2-40B4-BE49-F238E27FC236}">
-                <a16:creationId xmlns:a16="http://schemas.microsoft.com/office/drawing/2014/main" id="{95007375-DB0E-40D6-92A8-4687499E678B}"/>
-              </a:ext>
-            </a:extLst>
-          </p:cNvPr>
+          <p:cNvPr id="4" name="Slide Number Placeholder 3"/>
           <p:cNvSpPr>
             <a:spLocks noGrp="1"/>
           </p:cNvSpPr>
@@ -2132,7 +1871,7 @@
     </p:spTree>
     <p:extLst>
       <p:ext uri="{BB962C8B-B14F-4D97-AF65-F5344CB8AC3E}">
-        <p14:creationId xmlns:p14="http://schemas.microsoft.com/office/powerpoint/2010/main" val="649542958"/>
+        <p14:creationId xmlns:p14="http://schemas.microsoft.com/office/powerpoint/2010/main" val="831946254"/>
       </p:ext>
     </p:extLst>
   </p:cSld>
@@ -2161,13 +1900,7 @@
       </p:grpSpPr>
       <p:sp>
         <p:nvSpPr>
-          <p:cNvPr id="2" name="Title 1">
-            <a:extLst>
-              <a:ext uri="{FF2B5EF4-FFF2-40B4-BE49-F238E27FC236}">
-                <a16:creationId xmlns:a16="http://schemas.microsoft.com/office/drawing/2014/main" id="{6502AE69-F4FD-48D5-9547-6F3EF60776D4}"/>
-              </a:ext>
-            </a:extLst>
-          </p:cNvPr>
+          <p:cNvPr id="2" name="Title 1"/>
           <p:cNvSpPr>
             <a:spLocks noGrp="1"/>
           </p:cNvSpPr>
@@ -2177,15 +1910,15 @@
         </p:nvSpPr>
         <p:spPr>
           <a:xfrm>
-            <a:off x="839788" y="457200"/>
-            <a:ext cx="3932237" cy="1600200"/>
+            <a:off x="839788" y="609600"/>
+            <a:ext cx="3932237" cy="2133600"/>
           </a:xfrm>
         </p:spPr>
         <p:txBody>
           <a:bodyPr anchor="b"/>
           <a:lstStyle>
             <a:lvl1pPr>
-              <a:defRPr sz="3200"/>
+              <a:defRPr sz="4267"/>
             </a:lvl1pPr>
           </a:lstStyle>
           <a:p>
@@ -2193,18 +1926,13 @@
               <a:rPr lang="en-US"/>
               <a:t>Click to edit Master title style</a:t>
             </a:r>
-          </a:p>
-        </p:txBody>
-      </p:sp>
-      <p:sp>
-        <p:nvSpPr>
-          <p:cNvPr id="3" name="Content Placeholder 2">
-            <a:extLst>
-              <a:ext uri="{FF2B5EF4-FFF2-40B4-BE49-F238E27FC236}">
-                <a16:creationId xmlns:a16="http://schemas.microsoft.com/office/drawing/2014/main" id="{13478313-E563-4128-89FE-E37053E738B9}"/>
-              </a:ext>
-            </a:extLst>
-          </p:cNvPr>
+            <a:endParaRPr lang="en-US" dirty="0"/>
+          </a:p>
+        </p:txBody>
+      </p:sp>
+      <p:sp>
+        <p:nvSpPr>
+          <p:cNvPr id="3" name="Content Placeholder 2"/>
           <p:cNvSpPr>
             <a:spLocks noGrp="1"/>
           </p:cNvSpPr>
@@ -2214,39 +1942,39 @@
         </p:nvSpPr>
         <p:spPr>
           <a:xfrm>
-            <a:off x="5183188" y="987425"/>
-            <a:ext cx="6172200" cy="4873625"/>
+            <a:off x="5183188" y="1316569"/>
+            <a:ext cx="6172200" cy="6498167"/>
           </a:xfrm>
         </p:spPr>
         <p:txBody>
           <a:bodyPr/>
           <a:lstStyle>
             <a:lvl1pPr>
-              <a:defRPr sz="3200"/>
+              <a:defRPr sz="4267"/>
             </a:lvl1pPr>
             <a:lvl2pPr>
-              <a:defRPr sz="2800"/>
+              <a:defRPr sz="3733"/>
             </a:lvl2pPr>
             <a:lvl3pPr>
-              <a:defRPr sz="2400"/>
+              <a:defRPr sz="3200"/>
             </a:lvl3pPr>
             <a:lvl4pPr>
-              <a:defRPr sz="2000"/>
+              <a:defRPr sz="2667"/>
             </a:lvl4pPr>
             <a:lvl5pPr>
-              <a:defRPr sz="2000"/>
+              <a:defRPr sz="2667"/>
             </a:lvl5pPr>
             <a:lvl6pPr>
-              <a:defRPr sz="2000"/>
+              <a:defRPr sz="2667"/>
             </a:lvl6pPr>
             <a:lvl7pPr>
-              <a:defRPr sz="2000"/>
+              <a:defRPr sz="2667"/>
             </a:lvl7pPr>
             <a:lvl8pPr>
-              <a:defRPr sz="2000"/>
+              <a:defRPr sz="2667"/>
             </a:lvl8pPr>
             <a:lvl9pPr>
-              <a:defRPr sz="2000"/>
+              <a:defRPr sz="2667"/>
             </a:lvl9pPr>
           </a:lstStyle>
           <a:p>
@@ -2283,18 +2011,13 @@
               <a:rPr lang="en-US"/>
               <a:t>Fifth level</a:t>
             </a:r>
-          </a:p>
-        </p:txBody>
-      </p:sp>
-      <p:sp>
-        <p:nvSpPr>
-          <p:cNvPr id="4" name="Text Placeholder 3">
-            <a:extLst>
-              <a:ext uri="{FF2B5EF4-FFF2-40B4-BE49-F238E27FC236}">
-                <a16:creationId xmlns:a16="http://schemas.microsoft.com/office/drawing/2014/main" id="{DADAED1B-A70F-42EB-9F9E-D6E3E7F10E5D}"/>
-              </a:ext>
-            </a:extLst>
-          </p:cNvPr>
+            <a:endParaRPr lang="en-US" dirty="0"/>
+          </a:p>
+        </p:txBody>
+      </p:sp>
+      <p:sp>
+        <p:nvSpPr>
+          <p:cNvPr id="4" name="Text Placeholder 3"/>
           <p:cNvSpPr>
             <a:spLocks noGrp="1"/>
           </p:cNvSpPr>
@@ -2304,8 +2027,8 @@
         </p:nvSpPr>
         <p:spPr>
           <a:xfrm>
-            <a:off x="839788" y="2057400"/>
-            <a:ext cx="3932237" cy="3811588"/>
+            <a:off x="839788" y="2743200"/>
+            <a:ext cx="3932237" cy="5082117"/>
           </a:xfrm>
         </p:spPr>
         <p:txBody>
@@ -2313,39 +2036,39 @@
           <a:lstStyle>
             <a:lvl1pPr marL="0" indent="0">
               <a:buNone/>
+              <a:defRPr sz="2133"/>
+            </a:lvl1pPr>
+            <a:lvl2pPr marL="609585" indent="0">
+              <a:buNone/>
+              <a:defRPr sz="1867"/>
+            </a:lvl2pPr>
+            <a:lvl3pPr marL="1219170" indent="0">
+              <a:buNone/>
               <a:defRPr sz="1600"/>
-            </a:lvl1pPr>
-            <a:lvl2pPr marL="457200" indent="0">
-              <a:buNone/>
-              <a:defRPr sz="1400"/>
-            </a:lvl2pPr>
-            <a:lvl3pPr marL="914400" indent="0">
-              <a:buNone/>
-              <a:defRPr sz="1200"/>
             </a:lvl3pPr>
-            <a:lvl4pPr marL="1371600" indent="0">
-              <a:buNone/>
-              <a:defRPr sz="1000"/>
+            <a:lvl4pPr marL="1828754" indent="0">
+              <a:buNone/>
+              <a:defRPr sz="1333"/>
             </a:lvl4pPr>
-            <a:lvl5pPr marL="1828800" indent="0">
-              <a:buNone/>
-              <a:defRPr sz="1000"/>
+            <a:lvl5pPr marL="2438339" indent="0">
+              <a:buNone/>
+              <a:defRPr sz="1333"/>
             </a:lvl5pPr>
-            <a:lvl6pPr marL="2286000" indent="0">
-              <a:buNone/>
-              <a:defRPr sz="1000"/>
+            <a:lvl6pPr marL="3047924" indent="0">
+              <a:buNone/>
+              <a:defRPr sz="1333"/>
             </a:lvl6pPr>
-            <a:lvl7pPr marL="2743200" indent="0">
-              <a:buNone/>
-              <a:defRPr sz="1000"/>
+            <a:lvl7pPr marL="3657509" indent="0">
+              <a:buNone/>
+              <a:defRPr sz="1333"/>
             </a:lvl7pPr>
-            <a:lvl8pPr marL="3200400" indent="0">
-              <a:buNone/>
-              <a:defRPr sz="1000"/>
+            <a:lvl8pPr marL="4267093" indent="0">
+              <a:buNone/>
+              <a:defRPr sz="1333"/>
             </a:lvl8pPr>
-            <a:lvl9pPr marL="3657600" indent="0">
-              <a:buNone/>
-              <a:defRPr sz="1000"/>
+            <a:lvl9pPr marL="4876678" indent="0">
+              <a:buNone/>
+              <a:defRPr sz="1333"/>
             </a:lvl9pPr>
           </a:lstStyle>
           <a:p>
@@ -2359,13 +2082,7 @@
       </p:sp>
       <p:sp>
         <p:nvSpPr>
-          <p:cNvPr id="5" name="Date Placeholder 4">
-            <a:extLst>
-              <a:ext uri="{FF2B5EF4-FFF2-40B4-BE49-F238E27FC236}">
-                <a16:creationId xmlns:a16="http://schemas.microsoft.com/office/drawing/2014/main" id="{2E1CED11-A2D5-42C7-ACE4-1DDEFA218600}"/>
-              </a:ext>
-            </a:extLst>
-          </p:cNvPr>
+          <p:cNvPr id="5" name="Date Placeholder 4"/>
           <p:cNvSpPr>
             <a:spLocks noGrp="1"/>
           </p:cNvSpPr>
@@ -2380,7 +2097,7 @@
           <a:p>
             <a:fld id="{16B6B1FA-94E4-4C36-BACB-414FC660C894}" type="datetimeFigureOut">
               <a:rPr lang="en-US" smtClean="0"/>
-              <a:t>23-Nov-23</a:t>
+              <a:t>28-Nov-23</a:t>
             </a:fld>
             <a:endParaRPr lang="en-US"/>
           </a:p>
@@ -2388,13 +2105,7 @@
       </p:sp>
       <p:sp>
         <p:nvSpPr>
-          <p:cNvPr id="6" name="Footer Placeholder 5">
-            <a:extLst>
-              <a:ext uri="{FF2B5EF4-FFF2-40B4-BE49-F238E27FC236}">
-                <a16:creationId xmlns:a16="http://schemas.microsoft.com/office/drawing/2014/main" id="{D5ED275E-7EB4-4C8D-9A22-6E91BEBA3984}"/>
-              </a:ext>
-            </a:extLst>
-          </p:cNvPr>
+          <p:cNvPr id="6" name="Footer Placeholder 5"/>
           <p:cNvSpPr>
             <a:spLocks noGrp="1"/>
           </p:cNvSpPr>
@@ -2413,13 +2124,7 @@
       </p:sp>
       <p:sp>
         <p:nvSpPr>
-          <p:cNvPr id="7" name="Slide Number Placeholder 6">
-            <a:extLst>
-              <a:ext uri="{FF2B5EF4-FFF2-40B4-BE49-F238E27FC236}">
-                <a16:creationId xmlns:a16="http://schemas.microsoft.com/office/drawing/2014/main" id="{32CC3AE0-03E6-44EB-99B4-E68EFC0B8646}"/>
-              </a:ext>
-            </a:extLst>
-          </p:cNvPr>
+          <p:cNvPr id="7" name="Slide Number Placeholder 6"/>
           <p:cNvSpPr>
             <a:spLocks noGrp="1"/>
           </p:cNvSpPr>
@@ -2443,7 +2148,7 @@
     </p:spTree>
     <p:extLst>
       <p:ext uri="{BB962C8B-B14F-4D97-AF65-F5344CB8AC3E}">
-        <p14:creationId xmlns:p14="http://schemas.microsoft.com/office/powerpoint/2010/main" val="3273549747"/>
+        <p14:creationId xmlns:p14="http://schemas.microsoft.com/office/powerpoint/2010/main" val="3312299949"/>
       </p:ext>
     </p:extLst>
   </p:cSld>
@@ -2472,13 +2177,7 @@
       </p:grpSpPr>
       <p:sp>
         <p:nvSpPr>
-          <p:cNvPr id="2" name="Title 1">
-            <a:extLst>
-              <a:ext uri="{FF2B5EF4-FFF2-40B4-BE49-F238E27FC236}">
-                <a16:creationId xmlns:a16="http://schemas.microsoft.com/office/drawing/2014/main" id="{9D7F71D8-B4B4-4960-A8C3-DBFC1E9D6B02}"/>
-              </a:ext>
-            </a:extLst>
-          </p:cNvPr>
+          <p:cNvPr id="2" name="Title 1"/>
           <p:cNvSpPr>
             <a:spLocks noGrp="1"/>
           </p:cNvSpPr>
@@ -2488,15 +2187,15 @@
         </p:nvSpPr>
         <p:spPr>
           <a:xfrm>
-            <a:off x="839788" y="457200"/>
-            <a:ext cx="3932237" cy="1600200"/>
+            <a:off x="839788" y="609600"/>
+            <a:ext cx="3932237" cy="2133600"/>
           </a:xfrm>
         </p:spPr>
         <p:txBody>
           <a:bodyPr anchor="b"/>
           <a:lstStyle>
             <a:lvl1pPr>
-              <a:defRPr sz="3200"/>
+              <a:defRPr sz="4267"/>
             </a:lvl1pPr>
           </a:lstStyle>
           <a:p>
@@ -2504,20 +2203,15 @@
               <a:rPr lang="en-US"/>
               <a:t>Click to edit Master title style</a:t>
             </a:r>
-          </a:p>
-        </p:txBody>
-      </p:sp>
-      <p:sp>
-        <p:nvSpPr>
-          <p:cNvPr id="3" name="Picture Placeholder 2">
-            <a:extLst>
-              <a:ext uri="{FF2B5EF4-FFF2-40B4-BE49-F238E27FC236}">
-                <a16:creationId xmlns:a16="http://schemas.microsoft.com/office/drawing/2014/main" id="{687B88C1-4A55-494A-9D91-E42EA90B24F9}"/>
-              </a:ext>
-            </a:extLst>
-          </p:cNvPr>
-          <p:cNvSpPr>
-            <a:spLocks noGrp="1"/>
+            <a:endParaRPr lang="en-US" dirty="0"/>
+          </a:p>
+        </p:txBody>
+      </p:sp>
+      <p:sp>
+        <p:nvSpPr>
+          <p:cNvPr id="3" name="Picture Placeholder 2"/>
+          <p:cNvSpPr>
+            <a:spLocks noGrp="1" noChangeAspect="1"/>
           </p:cNvSpPr>
           <p:nvPr>
             <p:ph type="pic" idx="1"/>
@@ -2525,8 +2219,73 @@
         </p:nvSpPr>
         <p:spPr>
           <a:xfrm>
-            <a:off x="5183188" y="987425"/>
-            <a:ext cx="6172200" cy="4873625"/>
+            <a:off x="5183188" y="1316569"/>
+            <a:ext cx="6172200" cy="6498167"/>
+          </a:xfrm>
+        </p:spPr>
+        <p:txBody>
+          <a:bodyPr anchor="t"/>
+          <a:lstStyle>
+            <a:lvl1pPr marL="0" indent="0">
+              <a:buNone/>
+              <a:defRPr sz="4267"/>
+            </a:lvl1pPr>
+            <a:lvl2pPr marL="609585" indent="0">
+              <a:buNone/>
+              <a:defRPr sz="3733"/>
+            </a:lvl2pPr>
+            <a:lvl3pPr marL="1219170" indent="0">
+              <a:buNone/>
+              <a:defRPr sz="3200"/>
+            </a:lvl3pPr>
+            <a:lvl4pPr marL="1828754" indent="0">
+              <a:buNone/>
+              <a:defRPr sz="2667"/>
+            </a:lvl4pPr>
+            <a:lvl5pPr marL="2438339" indent="0">
+              <a:buNone/>
+              <a:defRPr sz="2667"/>
+            </a:lvl5pPr>
+            <a:lvl6pPr marL="3047924" indent="0">
+              <a:buNone/>
+              <a:defRPr sz="2667"/>
+            </a:lvl6pPr>
+            <a:lvl7pPr marL="3657509" indent="0">
+              <a:buNone/>
+              <a:defRPr sz="2667"/>
+            </a:lvl7pPr>
+            <a:lvl8pPr marL="4267093" indent="0">
+              <a:buNone/>
+              <a:defRPr sz="2667"/>
+            </a:lvl8pPr>
+            <a:lvl9pPr marL="4876678" indent="0">
+              <a:buNone/>
+              <a:defRPr sz="2667"/>
+            </a:lvl9pPr>
+          </a:lstStyle>
+          <a:p>
+            <a:r>
+              <a:rPr lang="en-US"/>
+              <a:t>Click icon to add picture</a:t>
+            </a:r>
+            <a:endParaRPr lang="en-US" dirty="0"/>
+          </a:p>
+        </p:txBody>
+      </p:sp>
+      <p:sp>
+        <p:nvSpPr>
+          <p:cNvPr id="4" name="Text Placeholder 3"/>
+          <p:cNvSpPr>
+            <a:spLocks noGrp="1"/>
+          </p:cNvSpPr>
+          <p:nvPr>
+            <p:ph type="body" sz="half" idx="2"/>
+          </p:nvPr>
+        </p:nvSpPr>
+        <p:spPr>
+          <a:xfrm>
+            <a:off x="839788" y="2743200"/>
+            <a:ext cx="3932237" cy="5082117"/>
           </a:xfrm>
         </p:spPr>
         <p:txBody>
@@ -2534,109 +2293,42 @@
           <a:lstStyle>
             <a:lvl1pPr marL="0" indent="0">
               <a:buNone/>
-              <a:defRPr sz="3200"/>
+              <a:defRPr sz="2133"/>
             </a:lvl1pPr>
-            <a:lvl2pPr marL="457200" indent="0">
-              <a:buNone/>
-              <a:defRPr sz="2800"/>
+            <a:lvl2pPr marL="609585" indent="0">
+              <a:buNone/>
+              <a:defRPr sz="1867"/>
             </a:lvl2pPr>
-            <a:lvl3pPr marL="914400" indent="0">
-              <a:buNone/>
-              <a:defRPr sz="2400"/>
+            <a:lvl3pPr marL="1219170" indent="0">
+              <a:buNone/>
+              <a:defRPr sz="1600"/>
             </a:lvl3pPr>
-            <a:lvl4pPr marL="1371600" indent="0">
-              <a:buNone/>
-              <a:defRPr sz="2000"/>
+            <a:lvl4pPr marL="1828754" indent="0">
+              <a:buNone/>
+              <a:defRPr sz="1333"/>
             </a:lvl4pPr>
-            <a:lvl5pPr marL="1828800" indent="0">
-              <a:buNone/>
-              <a:defRPr sz="2000"/>
+            <a:lvl5pPr marL="2438339" indent="0">
+              <a:buNone/>
+              <a:defRPr sz="1333"/>
             </a:lvl5pPr>
-            <a:lvl6pPr marL="2286000" indent="0">
-              <a:buNone/>
-              <a:defRPr sz="2000"/>
+            <a:lvl6pPr marL="3047924" indent="0">
+              <a:buNone/>
+              <a:defRPr sz="1333"/>
             </a:lvl6pPr>
-            <a:lvl7pPr marL="2743200" indent="0">
-              <a:buNone/>
-              <a:defRPr sz="2000"/>
+            <a:lvl7pPr marL="3657509" indent="0">
+              <a:buNone/>
+              <a:defRPr sz="1333"/>
             </a:lvl7pPr>
-            <a:lvl8pPr marL="3200400" indent="0">
-              <a:buNone/>
-              <a:defRPr sz="2000"/>
+            <a:lvl8pPr marL="4267093" indent="0">
+              <a:buNone/>
+              <a:defRPr sz="1333"/>
             </a:lvl8pPr>
-            <a:lvl9pPr marL="3657600" indent="0">
-              <a:buNone/>
-              <a:defRPr sz="2000"/>
+            <a:lvl9pPr marL="4876678" indent="0">
+              <a:buNone/>
+              <a:defRPr sz="1333"/>
             </a:lvl9pPr>
           </a:lstStyle>
           <a:p>
-            <a:endParaRPr lang="en-US"/>
-          </a:p>
-        </p:txBody>
-      </p:sp>
-      <p:sp>
-        <p:nvSpPr>
-          <p:cNvPr id="4" name="Text Placeholder 3">
-            <a:extLst>
-              <a:ext uri="{FF2B5EF4-FFF2-40B4-BE49-F238E27FC236}">
-                <a16:creationId xmlns:a16="http://schemas.microsoft.com/office/drawing/2014/main" id="{8F2CAA2A-4806-47AC-969E-57DD8C6BC620}"/>
-              </a:ext>
-            </a:extLst>
-          </p:cNvPr>
-          <p:cNvSpPr>
-            <a:spLocks noGrp="1"/>
-          </p:cNvSpPr>
-          <p:nvPr>
-            <p:ph type="body" sz="half" idx="2"/>
-          </p:nvPr>
-        </p:nvSpPr>
-        <p:spPr>
-          <a:xfrm>
-            <a:off x="839788" y="2057400"/>
-            <a:ext cx="3932237" cy="3811588"/>
-          </a:xfrm>
-        </p:spPr>
-        <p:txBody>
-          <a:bodyPr/>
-          <a:lstStyle>
-            <a:lvl1pPr marL="0" indent="0">
-              <a:buNone/>
-              <a:defRPr sz="1600"/>
-            </a:lvl1pPr>
-            <a:lvl2pPr marL="457200" indent="0">
-              <a:buNone/>
-              <a:defRPr sz="1400"/>
-            </a:lvl2pPr>
-            <a:lvl3pPr marL="914400" indent="0">
-              <a:buNone/>
-              <a:defRPr sz="1200"/>
-            </a:lvl3pPr>
-            <a:lvl4pPr marL="1371600" indent="0">
-              <a:buNone/>
-              <a:defRPr sz="1000"/>
-            </a:lvl4pPr>
-            <a:lvl5pPr marL="1828800" indent="0">
-              <a:buNone/>
-              <a:defRPr sz="1000"/>
-            </a:lvl5pPr>
-            <a:lvl6pPr marL="2286000" indent="0">
-              <a:buNone/>
-              <a:defRPr sz="1000"/>
-            </a:lvl6pPr>
-            <a:lvl7pPr marL="2743200" indent="0">
-              <a:buNone/>
-              <a:defRPr sz="1000"/>
-            </a:lvl7pPr>
-            <a:lvl8pPr marL="3200400" indent="0">
-              <a:buNone/>
-              <a:defRPr sz="1000"/>
-            </a:lvl8pPr>
-            <a:lvl9pPr marL="3657600" indent="0">
-              <a:buNone/>
-              <a:defRPr sz="1000"/>
-            </a:lvl9pPr>
-          </a:lstStyle>
-          <a:p>
             <a:pPr lvl="0"/>
             <a:r>
               <a:rPr lang="en-US"/>
@@ -2647,13 +2339,7 @@
       </p:sp>
       <p:sp>
         <p:nvSpPr>
-          <p:cNvPr id="5" name="Date Placeholder 4">
-            <a:extLst>
-              <a:ext uri="{FF2B5EF4-FFF2-40B4-BE49-F238E27FC236}">
-                <a16:creationId xmlns:a16="http://schemas.microsoft.com/office/drawing/2014/main" id="{FEFDE853-331F-4947-9AA5-8E2230E39672}"/>
-              </a:ext>
-            </a:extLst>
-          </p:cNvPr>
+          <p:cNvPr id="5" name="Date Placeholder 4"/>
           <p:cNvSpPr>
             <a:spLocks noGrp="1"/>
           </p:cNvSpPr>
@@ -2668,7 +2354,7 @@
           <a:p>
             <a:fld id="{16B6B1FA-94E4-4C36-BACB-414FC660C894}" type="datetimeFigureOut">
               <a:rPr lang="en-US" smtClean="0"/>
-              <a:t>23-Nov-23</a:t>
+              <a:t>28-Nov-23</a:t>
             </a:fld>
             <a:endParaRPr lang="en-US"/>
           </a:p>
@@ -2676,13 +2362,7 @@
       </p:sp>
       <p:sp>
         <p:nvSpPr>
-          <p:cNvPr id="6" name="Footer Placeholder 5">
-            <a:extLst>
-              <a:ext uri="{FF2B5EF4-FFF2-40B4-BE49-F238E27FC236}">
-                <a16:creationId xmlns:a16="http://schemas.microsoft.com/office/drawing/2014/main" id="{338E97A7-83E2-4AFB-8503-08F6577B8C85}"/>
-              </a:ext>
-            </a:extLst>
-          </p:cNvPr>
+          <p:cNvPr id="6" name="Footer Placeholder 5"/>
           <p:cNvSpPr>
             <a:spLocks noGrp="1"/>
           </p:cNvSpPr>
@@ -2701,13 +2381,7 @@
       </p:sp>
       <p:sp>
         <p:nvSpPr>
-          <p:cNvPr id="7" name="Slide Number Placeholder 6">
-            <a:extLst>
-              <a:ext uri="{FF2B5EF4-FFF2-40B4-BE49-F238E27FC236}">
-                <a16:creationId xmlns:a16="http://schemas.microsoft.com/office/drawing/2014/main" id="{C0E9D781-7135-42C1-BADB-93F70CA188AE}"/>
-              </a:ext>
-            </a:extLst>
-          </p:cNvPr>
+          <p:cNvPr id="7" name="Slide Number Placeholder 6"/>
           <p:cNvSpPr>
             <a:spLocks noGrp="1"/>
           </p:cNvSpPr>
@@ -2731,7 +2405,7 @@
     </p:spTree>
     <p:extLst>
       <p:ext uri="{BB962C8B-B14F-4D97-AF65-F5344CB8AC3E}">
-        <p14:creationId xmlns:p14="http://schemas.microsoft.com/office/powerpoint/2010/main" val="587414513"/>
+        <p14:creationId xmlns:p14="http://schemas.microsoft.com/office/powerpoint/2010/main" val="1260333912"/>
       </p:ext>
     </p:extLst>
   </p:cSld>
@@ -2765,13 +2439,7 @@
       </p:grpSpPr>
       <p:sp>
         <p:nvSpPr>
-          <p:cNvPr id="2" name="Title Placeholder 1">
-            <a:extLst>
-              <a:ext uri="{FF2B5EF4-FFF2-40B4-BE49-F238E27FC236}">
-                <a16:creationId xmlns:a16="http://schemas.microsoft.com/office/drawing/2014/main" id="{A6508D1F-E8D3-4778-AAB1-C69AC1EBD08F}"/>
-              </a:ext>
-            </a:extLst>
-          </p:cNvPr>
+          <p:cNvPr id="2" name="Title Placeholder 1"/>
           <p:cNvSpPr>
             <a:spLocks noGrp="1"/>
           </p:cNvSpPr>
@@ -2781,8 +2449,8 @@
         </p:nvSpPr>
         <p:spPr>
           <a:xfrm>
-            <a:off x="838200" y="365125"/>
-            <a:ext cx="10515600" cy="1325563"/>
+            <a:off x="838200" y="486836"/>
+            <a:ext cx="10515600" cy="1767417"/>
           </a:xfrm>
           <a:prstGeom prst="rect">
             <a:avLst/>
@@ -2798,18 +2466,13 @@
               <a:rPr lang="en-US"/>
               <a:t>Click to edit Master title style</a:t>
             </a:r>
-          </a:p>
-        </p:txBody>
-      </p:sp>
-      <p:sp>
-        <p:nvSpPr>
-          <p:cNvPr id="3" name="Text Placeholder 2">
-            <a:extLst>
-              <a:ext uri="{FF2B5EF4-FFF2-40B4-BE49-F238E27FC236}">
-                <a16:creationId xmlns:a16="http://schemas.microsoft.com/office/drawing/2014/main" id="{C9FED2DB-4846-4687-826C-55655564C7F5}"/>
-              </a:ext>
-            </a:extLst>
-          </p:cNvPr>
+            <a:endParaRPr lang="en-US" dirty="0"/>
+          </a:p>
+        </p:txBody>
+      </p:sp>
+      <p:sp>
+        <p:nvSpPr>
+          <p:cNvPr id="3" name="Text Placeholder 2"/>
           <p:cNvSpPr>
             <a:spLocks noGrp="1"/>
           </p:cNvSpPr>
@@ -2819,8 +2482,8 @@
         </p:nvSpPr>
         <p:spPr>
           <a:xfrm>
-            <a:off x="838200" y="1825625"/>
-            <a:ext cx="10515600" cy="4351338"/>
+            <a:off x="838200" y="2434167"/>
+            <a:ext cx="10515600" cy="5801784"/>
           </a:xfrm>
           <a:prstGeom prst="rect">
             <a:avLst/>
@@ -2865,18 +2528,13 @@
               <a:rPr lang="en-US"/>
               <a:t>Fifth level</a:t>
             </a:r>
-          </a:p>
-        </p:txBody>
-      </p:sp>
-      <p:sp>
-        <p:nvSpPr>
-          <p:cNvPr id="4" name="Date Placeholder 3">
-            <a:extLst>
-              <a:ext uri="{FF2B5EF4-FFF2-40B4-BE49-F238E27FC236}">
-                <a16:creationId xmlns:a16="http://schemas.microsoft.com/office/drawing/2014/main" id="{FDBEC8E8-71DB-4A5D-8874-886AB3F6D5F4}"/>
-              </a:ext>
-            </a:extLst>
-          </p:cNvPr>
+            <a:endParaRPr lang="en-US" dirty="0"/>
+          </a:p>
+        </p:txBody>
+      </p:sp>
+      <p:sp>
+        <p:nvSpPr>
+          <p:cNvPr id="4" name="Date Placeholder 3"/>
           <p:cNvSpPr>
             <a:spLocks noGrp="1"/>
           </p:cNvSpPr>
@@ -2886,8 +2544,8 @@
         </p:nvSpPr>
         <p:spPr>
           <a:xfrm>
-            <a:off x="838200" y="6356350"/>
-            <a:ext cx="2743200" cy="365125"/>
+            <a:off x="838200" y="8475136"/>
+            <a:ext cx="2743200" cy="486833"/>
           </a:xfrm>
           <a:prstGeom prst="rect">
             <a:avLst/>
@@ -2897,7 +2555,7 @@
           <a:bodyPr vert="horz" lIns="91440" tIns="45720" rIns="91440" bIns="45720" rtlCol="0" anchor="ctr"/>
           <a:lstStyle>
             <a:lvl1pPr algn="l">
-              <a:defRPr sz="1200">
+              <a:defRPr sz="1600">
                 <a:solidFill>
                   <a:schemeClr val="tx1">
                     <a:tint val="75000"/>
@@ -2909,7 +2567,7 @@
           <a:p>
             <a:fld id="{16B6B1FA-94E4-4C36-BACB-414FC660C894}" type="datetimeFigureOut">
               <a:rPr lang="en-US" smtClean="0"/>
-              <a:t>23-Nov-23</a:t>
+              <a:t>28-Nov-23</a:t>
             </a:fld>
             <a:endParaRPr lang="en-US"/>
           </a:p>
@@ -2917,13 +2575,7 @@
       </p:sp>
       <p:sp>
         <p:nvSpPr>
-          <p:cNvPr id="5" name="Footer Placeholder 4">
-            <a:extLst>
-              <a:ext uri="{FF2B5EF4-FFF2-40B4-BE49-F238E27FC236}">
-                <a16:creationId xmlns:a16="http://schemas.microsoft.com/office/drawing/2014/main" id="{3475A693-B7BF-4CD8-B5F6-77EE88577845}"/>
-              </a:ext>
-            </a:extLst>
-          </p:cNvPr>
+          <p:cNvPr id="5" name="Footer Placeholder 4"/>
           <p:cNvSpPr>
             <a:spLocks noGrp="1"/>
           </p:cNvSpPr>
@@ -2933,8 +2585,8 @@
         </p:nvSpPr>
         <p:spPr>
           <a:xfrm>
-            <a:off x="4038600" y="6356350"/>
-            <a:ext cx="4114800" cy="365125"/>
+            <a:off x="4038600" y="8475136"/>
+            <a:ext cx="4114800" cy="486833"/>
           </a:xfrm>
           <a:prstGeom prst="rect">
             <a:avLst/>
@@ -2944,7 +2596,7 @@
           <a:bodyPr vert="horz" lIns="91440" tIns="45720" rIns="91440" bIns="45720" rtlCol="0" anchor="ctr"/>
           <a:lstStyle>
             <a:lvl1pPr algn="ctr">
-              <a:defRPr sz="1200">
+              <a:defRPr sz="1600">
                 <a:solidFill>
                   <a:schemeClr val="tx1">
                     <a:tint val="75000"/>
@@ -2960,13 +2612,7 @@
       </p:sp>
       <p:sp>
         <p:nvSpPr>
-          <p:cNvPr id="6" name="Slide Number Placeholder 5">
-            <a:extLst>
-              <a:ext uri="{FF2B5EF4-FFF2-40B4-BE49-F238E27FC236}">
-                <a16:creationId xmlns:a16="http://schemas.microsoft.com/office/drawing/2014/main" id="{F5DAAF06-F7CE-4E3E-B094-07AFE10B22EF}"/>
-              </a:ext>
-            </a:extLst>
-          </p:cNvPr>
+          <p:cNvPr id="6" name="Slide Number Placeholder 5"/>
           <p:cNvSpPr>
             <a:spLocks noGrp="1"/>
           </p:cNvSpPr>
@@ -2976,8 +2622,8 @@
         </p:nvSpPr>
         <p:spPr>
           <a:xfrm>
-            <a:off x="8610600" y="6356350"/>
-            <a:ext cx="2743200" cy="365125"/>
+            <a:off x="8610600" y="8475136"/>
+            <a:ext cx="2743200" cy="486833"/>
           </a:xfrm>
           <a:prstGeom prst="rect">
             <a:avLst/>
@@ -2987,7 +2633,7 @@
           <a:bodyPr vert="horz" lIns="91440" tIns="45720" rIns="91440" bIns="45720" rtlCol="0" anchor="ctr"/>
           <a:lstStyle>
             <a:lvl1pPr algn="r">
-              <a:defRPr sz="1200">
+              <a:defRPr sz="1600">
                 <a:solidFill>
                   <a:schemeClr val="tx1">
                     <a:tint val="75000"/>
@@ -3008,27 +2654,27 @@
     </p:spTree>
     <p:extLst>
       <p:ext uri="{BB962C8B-B14F-4D97-AF65-F5344CB8AC3E}">
-        <p14:creationId xmlns:p14="http://schemas.microsoft.com/office/powerpoint/2010/main" val="1302898865"/>
+        <p14:creationId xmlns:p14="http://schemas.microsoft.com/office/powerpoint/2010/main" val="499343197"/>
       </p:ext>
     </p:extLst>
   </p:cSld>
   <p:clrMap bg1="lt1" tx1="dk1" bg2="lt2" tx2="dk2" accent1="accent1" accent2="accent2" accent3="accent3" accent4="accent4" accent5="accent5" accent6="accent6" hlink="hlink" folHlink="folHlink"/>
   <p:sldLayoutIdLst>
-    <p:sldLayoutId id="2147483649" r:id="rId1"/>
-    <p:sldLayoutId id="2147483650" r:id="rId2"/>
-    <p:sldLayoutId id="2147483651" r:id="rId3"/>
-    <p:sldLayoutId id="2147483652" r:id="rId4"/>
-    <p:sldLayoutId id="2147483653" r:id="rId5"/>
-    <p:sldLayoutId id="2147483654" r:id="rId6"/>
-    <p:sldLayoutId id="2147483655" r:id="rId7"/>
-    <p:sldLayoutId id="2147483656" r:id="rId8"/>
-    <p:sldLayoutId id="2147483657" r:id="rId9"/>
-    <p:sldLayoutId id="2147483658" r:id="rId10"/>
-    <p:sldLayoutId id="2147483659" r:id="rId11"/>
+    <p:sldLayoutId id="2147483733" r:id="rId1"/>
+    <p:sldLayoutId id="2147483734" r:id="rId2"/>
+    <p:sldLayoutId id="2147483735" r:id="rId3"/>
+    <p:sldLayoutId id="2147483736" r:id="rId4"/>
+    <p:sldLayoutId id="2147483737" r:id="rId5"/>
+    <p:sldLayoutId id="2147483738" r:id="rId6"/>
+    <p:sldLayoutId id="2147483739" r:id="rId7"/>
+    <p:sldLayoutId id="2147483740" r:id="rId8"/>
+    <p:sldLayoutId id="2147483741" r:id="rId9"/>
+    <p:sldLayoutId id="2147483742" r:id="rId10"/>
+    <p:sldLayoutId id="2147483743" r:id="rId11"/>
   </p:sldLayoutIdLst>
   <p:txStyles>
     <p:titleStyle>
-      <a:lvl1pPr algn="l" defTabSz="914400" rtl="0" eaLnBrk="1" latinLnBrk="0" hangingPunct="1">
+      <a:lvl1pPr algn="l" defTabSz="1219170" rtl="0" eaLnBrk="1" latinLnBrk="0" hangingPunct="1">
         <a:lnSpc>
           <a:spcPct val="90000"/>
         </a:lnSpc>
@@ -3036,7 +2682,7 @@
           <a:spcPct val="0"/>
         </a:spcBef>
         <a:buNone/>
-        <a:defRPr sz="4400" kern="1200">
+        <a:defRPr sz="5867" kern="1200">
           <a:solidFill>
             <a:schemeClr val="tx1"/>
           </a:solidFill>
@@ -3047,16 +2693,16 @@
       </a:lvl1pPr>
     </p:titleStyle>
     <p:bodyStyle>
-      <a:lvl1pPr marL="228600" indent="-228600" algn="l" defTabSz="914400" rtl="0" eaLnBrk="1" latinLnBrk="0" hangingPunct="1">
+      <a:lvl1pPr marL="304792" indent="-304792" algn="l" defTabSz="1219170" rtl="0" eaLnBrk="1" latinLnBrk="0" hangingPunct="1">
         <a:lnSpc>
           <a:spcPct val="90000"/>
         </a:lnSpc>
         <a:spcBef>
-          <a:spcPts val="1000"/>
+          <a:spcPts val="1333"/>
         </a:spcBef>
         <a:buFont typeface="Arial" panose="020B0604020202020204" pitchFamily="34" charset="0"/>
         <a:buChar char="•"/>
-        <a:defRPr sz="2800" kern="1200">
+        <a:defRPr sz="3733" kern="1200">
           <a:solidFill>
             <a:schemeClr val="tx1"/>
           </a:solidFill>
@@ -3065,12 +2711,48 @@
           <a:cs typeface="+mn-cs"/>
         </a:defRPr>
       </a:lvl1pPr>
-      <a:lvl2pPr marL="685800" indent="-228600" algn="l" defTabSz="914400" rtl="0" eaLnBrk="1" latinLnBrk="0" hangingPunct="1">
+      <a:lvl2pPr marL="914377" indent="-304792" algn="l" defTabSz="1219170" rtl="0" eaLnBrk="1" latinLnBrk="0" hangingPunct="1">
         <a:lnSpc>
           <a:spcPct val="90000"/>
         </a:lnSpc>
         <a:spcBef>
-          <a:spcPts val="500"/>
+          <a:spcPts val="667"/>
+        </a:spcBef>
+        <a:buFont typeface="Arial" panose="020B0604020202020204" pitchFamily="34" charset="0"/>
+        <a:buChar char="•"/>
+        <a:defRPr sz="3200" kern="1200">
+          <a:solidFill>
+            <a:schemeClr val="tx1"/>
+          </a:solidFill>
+          <a:latin typeface="+mn-lt"/>
+          <a:ea typeface="+mn-ea"/>
+          <a:cs typeface="+mn-cs"/>
+        </a:defRPr>
+      </a:lvl2pPr>
+      <a:lvl3pPr marL="1523962" indent="-304792" algn="l" defTabSz="1219170" rtl="0" eaLnBrk="1" latinLnBrk="0" hangingPunct="1">
+        <a:lnSpc>
+          <a:spcPct val="90000"/>
+        </a:lnSpc>
+        <a:spcBef>
+          <a:spcPts val="667"/>
+        </a:spcBef>
+        <a:buFont typeface="Arial" panose="020B0604020202020204" pitchFamily="34" charset="0"/>
+        <a:buChar char="•"/>
+        <a:defRPr sz="2667" kern="1200">
+          <a:solidFill>
+            <a:schemeClr val="tx1"/>
+          </a:solidFill>
+          <a:latin typeface="+mn-lt"/>
+          <a:ea typeface="+mn-ea"/>
+          <a:cs typeface="+mn-cs"/>
+        </a:defRPr>
+      </a:lvl3pPr>
+      <a:lvl4pPr marL="2133547" indent="-304792" algn="l" defTabSz="1219170" rtl="0" eaLnBrk="1" latinLnBrk="0" hangingPunct="1">
+        <a:lnSpc>
+          <a:spcPct val="90000"/>
+        </a:lnSpc>
+        <a:spcBef>
+          <a:spcPts val="667"/>
         </a:spcBef>
         <a:buFont typeface="Arial" panose="020B0604020202020204" pitchFamily="34" charset="0"/>
         <a:buChar char="•"/>
@@ -3082,53 +2764,17 @@
           <a:ea typeface="+mn-ea"/>
           <a:cs typeface="+mn-cs"/>
         </a:defRPr>
-      </a:lvl2pPr>
-      <a:lvl3pPr marL="1143000" indent="-228600" algn="l" defTabSz="914400" rtl="0" eaLnBrk="1" latinLnBrk="0" hangingPunct="1">
+      </a:lvl4pPr>
+      <a:lvl5pPr marL="2743131" indent="-304792" algn="l" defTabSz="1219170" rtl="0" eaLnBrk="1" latinLnBrk="0" hangingPunct="1">
         <a:lnSpc>
           <a:spcPct val="90000"/>
         </a:lnSpc>
         <a:spcBef>
-          <a:spcPts val="500"/>
+          <a:spcPts val="667"/>
         </a:spcBef>
         <a:buFont typeface="Arial" panose="020B0604020202020204" pitchFamily="34" charset="0"/>
         <a:buChar char="•"/>
-        <a:defRPr sz="2000" kern="1200">
-          <a:solidFill>
-            <a:schemeClr val="tx1"/>
-          </a:solidFill>
-          <a:latin typeface="+mn-lt"/>
-          <a:ea typeface="+mn-ea"/>
-          <a:cs typeface="+mn-cs"/>
-        </a:defRPr>
-      </a:lvl3pPr>
-      <a:lvl4pPr marL="1600200" indent="-228600" algn="l" defTabSz="914400" rtl="0" eaLnBrk="1" latinLnBrk="0" hangingPunct="1">
-        <a:lnSpc>
-          <a:spcPct val="90000"/>
-        </a:lnSpc>
-        <a:spcBef>
-          <a:spcPts val="500"/>
-        </a:spcBef>
-        <a:buFont typeface="Arial" panose="020B0604020202020204" pitchFamily="34" charset="0"/>
-        <a:buChar char="•"/>
-        <a:defRPr sz="1800" kern="1200">
-          <a:solidFill>
-            <a:schemeClr val="tx1"/>
-          </a:solidFill>
-          <a:latin typeface="+mn-lt"/>
-          <a:ea typeface="+mn-ea"/>
-          <a:cs typeface="+mn-cs"/>
-        </a:defRPr>
-      </a:lvl4pPr>
-      <a:lvl5pPr marL="2057400" indent="-228600" algn="l" defTabSz="914400" rtl="0" eaLnBrk="1" latinLnBrk="0" hangingPunct="1">
-        <a:lnSpc>
-          <a:spcPct val="90000"/>
-        </a:lnSpc>
-        <a:spcBef>
-          <a:spcPts val="500"/>
-        </a:spcBef>
-        <a:buFont typeface="Arial" panose="020B0604020202020204" pitchFamily="34" charset="0"/>
-        <a:buChar char="•"/>
-        <a:defRPr sz="1800" kern="1200">
+        <a:defRPr sz="2400" kern="1200">
           <a:solidFill>
             <a:schemeClr val="tx1"/>
           </a:solidFill>
@@ -3137,16 +2783,16 @@
           <a:cs typeface="+mn-cs"/>
         </a:defRPr>
       </a:lvl5pPr>
-      <a:lvl6pPr marL="2514600" indent="-228600" algn="l" defTabSz="914400" rtl="0" eaLnBrk="1" latinLnBrk="0" hangingPunct="1">
+      <a:lvl6pPr marL="3352716" indent="-304792" algn="l" defTabSz="1219170" rtl="0" eaLnBrk="1" latinLnBrk="0" hangingPunct="1">
         <a:lnSpc>
           <a:spcPct val="90000"/>
         </a:lnSpc>
         <a:spcBef>
-          <a:spcPts val="500"/>
+          <a:spcPts val="667"/>
         </a:spcBef>
         <a:buFont typeface="Arial" panose="020B0604020202020204" pitchFamily="34" charset="0"/>
         <a:buChar char="•"/>
-        <a:defRPr sz="1800" kern="1200">
+        <a:defRPr sz="2400" kern="1200">
           <a:solidFill>
             <a:schemeClr val="tx1"/>
           </a:solidFill>
@@ -3155,16 +2801,16 @@
           <a:cs typeface="+mn-cs"/>
         </a:defRPr>
       </a:lvl6pPr>
-      <a:lvl7pPr marL="2971800" indent="-228600" algn="l" defTabSz="914400" rtl="0" eaLnBrk="1" latinLnBrk="0" hangingPunct="1">
+      <a:lvl7pPr marL="3962301" indent="-304792" algn="l" defTabSz="1219170" rtl="0" eaLnBrk="1" latinLnBrk="0" hangingPunct="1">
         <a:lnSpc>
           <a:spcPct val="90000"/>
         </a:lnSpc>
         <a:spcBef>
-          <a:spcPts val="500"/>
+          <a:spcPts val="667"/>
         </a:spcBef>
         <a:buFont typeface="Arial" panose="020B0604020202020204" pitchFamily="34" charset="0"/>
         <a:buChar char="•"/>
-        <a:defRPr sz="1800" kern="1200">
+        <a:defRPr sz="2400" kern="1200">
           <a:solidFill>
             <a:schemeClr val="tx1"/>
           </a:solidFill>
@@ -3173,16 +2819,16 @@
           <a:cs typeface="+mn-cs"/>
         </a:defRPr>
       </a:lvl7pPr>
-      <a:lvl8pPr marL="3429000" indent="-228600" algn="l" defTabSz="914400" rtl="0" eaLnBrk="1" latinLnBrk="0" hangingPunct="1">
+      <a:lvl8pPr marL="4571886" indent="-304792" algn="l" defTabSz="1219170" rtl="0" eaLnBrk="1" latinLnBrk="0" hangingPunct="1">
         <a:lnSpc>
           <a:spcPct val="90000"/>
         </a:lnSpc>
         <a:spcBef>
-          <a:spcPts val="500"/>
+          <a:spcPts val="667"/>
         </a:spcBef>
         <a:buFont typeface="Arial" panose="020B0604020202020204" pitchFamily="34" charset="0"/>
         <a:buChar char="•"/>
-        <a:defRPr sz="1800" kern="1200">
+        <a:defRPr sz="2400" kern="1200">
           <a:solidFill>
             <a:schemeClr val="tx1"/>
           </a:solidFill>
@@ -3191,16 +2837,16 @@
           <a:cs typeface="+mn-cs"/>
         </a:defRPr>
       </a:lvl8pPr>
-      <a:lvl9pPr marL="3886200" indent="-228600" algn="l" defTabSz="914400" rtl="0" eaLnBrk="1" latinLnBrk="0" hangingPunct="1">
+      <a:lvl9pPr marL="5181470" indent="-304792" algn="l" defTabSz="1219170" rtl="0" eaLnBrk="1" latinLnBrk="0" hangingPunct="1">
         <a:lnSpc>
           <a:spcPct val="90000"/>
         </a:lnSpc>
         <a:spcBef>
-          <a:spcPts val="500"/>
+          <a:spcPts val="667"/>
         </a:spcBef>
         <a:buFont typeface="Arial" panose="020B0604020202020204" pitchFamily="34" charset="0"/>
         <a:buChar char="•"/>
-        <a:defRPr sz="1800" kern="1200">
+        <a:defRPr sz="2400" kern="1200">
           <a:solidFill>
             <a:schemeClr val="tx1"/>
           </a:solidFill>
@@ -3214,8 +2860,8 @@
       <a:defPPr>
         <a:defRPr lang="en-US"/>
       </a:defPPr>
-      <a:lvl1pPr marL="0" algn="l" defTabSz="914400" rtl="0" eaLnBrk="1" latinLnBrk="0" hangingPunct="1">
-        <a:defRPr sz="1800" kern="1200">
+      <a:lvl1pPr marL="0" algn="l" defTabSz="1219170" rtl="0" eaLnBrk="1" latinLnBrk="0" hangingPunct="1">
+        <a:defRPr sz="2400" kern="1200">
           <a:solidFill>
             <a:schemeClr val="tx1"/>
           </a:solidFill>
@@ -3224,8 +2870,8 @@
           <a:cs typeface="+mn-cs"/>
         </a:defRPr>
       </a:lvl1pPr>
-      <a:lvl2pPr marL="457200" algn="l" defTabSz="914400" rtl="0" eaLnBrk="1" latinLnBrk="0" hangingPunct="1">
-        <a:defRPr sz="1800" kern="1200">
+      <a:lvl2pPr marL="609585" algn="l" defTabSz="1219170" rtl="0" eaLnBrk="1" latinLnBrk="0" hangingPunct="1">
+        <a:defRPr sz="2400" kern="1200">
           <a:solidFill>
             <a:schemeClr val="tx1"/>
           </a:solidFill>
@@ -3234,8 +2880,8 @@
           <a:cs typeface="+mn-cs"/>
         </a:defRPr>
       </a:lvl2pPr>
-      <a:lvl3pPr marL="914400" algn="l" defTabSz="914400" rtl="0" eaLnBrk="1" latinLnBrk="0" hangingPunct="1">
-        <a:defRPr sz="1800" kern="1200">
+      <a:lvl3pPr marL="1219170" algn="l" defTabSz="1219170" rtl="0" eaLnBrk="1" latinLnBrk="0" hangingPunct="1">
+        <a:defRPr sz="2400" kern="1200">
           <a:solidFill>
             <a:schemeClr val="tx1"/>
           </a:solidFill>
@@ -3244,8 +2890,8 @@
           <a:cs typeface="+mn-cs"/>
         </a:defRPr>
       </a:lvl3pPr>
-      <a:lvl4pPr marL="1371600" algn="l" defTabSz="914400" rtl="0" eaLnBrk="1" latinLnBrk="0" hangingPunct="1">
-        <a:defRPr sz="1800" kern="1200">
+      <a:lvl4pPr marL="1828754" algn="l" defTabSz="1219170" rtl="0" eaLnBrk="1" latinLnBrk="0" hangingPunct="1">
+        <a:defRPr sz="2400" kern="1200">
           <a:solidFill>
             <a:schemeClr val="tx1"/>
           </a:solidFill>
@@ -3254,8 +2900,8 @@
           <a:cs typeface="+mn-cs"/>
         </a:defRPr>
       </a:lvl4pPr>
-      <a:lvl5pPr marL="1828800" algn="l" defTabSz="914400" rtl="0" eaLnBrk="1" latinLnBrk="0" hangingPunct="1">
-        <a:defRPr sz="1800" kern="1200">
+      <a:lvl5pPr marL="2438339" algn="l" defTabSz="1219170" rtl="0" eaLnBrk="1" latinLnBrk="0" hangingPunct="1">
+        <a:defRPr sz="2400" kern="1200">
           <a:solidFill>
             <a:schemeClr val="tx1"/>
           </a:solidFill>
@@ -3264,8 +2910,8 @@
           <a:cs typeface="+mn-cs"/>
         </a:defRPr>
       </a:lvl5pPr>
-      <a:lvl6pPr marL="2286000" algn="l" defTabSz="914400" rtl="0" eaLnBrk="1" latinLnBrk="0" hangingPunct="1">
-        <a:defRPr sz="1800" kern="1200">
+      <a:lvl6pPr marL="3047924" algn="l" defTabSz="1219170" rtl="0" eaLnBrk="1" latinLnBrk="0" hangingPunct="1">
+        <a:defRPr sz="2400" kern="1200">
           <a:solidFill>
             <a:schemeClr val="tx1"/>
           </a:solidFill>
@@ -3274,8 +2920,8 @@
           <a:cs typeface="+mn-cs"/>
         </a:defRPr>
       </a:lvl6pPr>
-      <a:lvl7pPr marL="2743200" algn="l" defTabSz="914400" rtl="0" eaLnBrk="1" latinLnBrk="0" hangingPunct="1">
-        <a:defRPr sz="1800" kern="1200">
+      <a:lvl7pPr marL="3657509" algn="l" defTabSz="1219170" rtl="0" eaLnBrk="1" latinLnBrk="0" hangingPunct="1">
+        <a:defRPr sz="2400" kern="1200">
           <a:solidFill>
             <a:schemeClr val="tx1"/>
           </a:solidFill>
@@ -3284,8 +2930,8 @@
           <a:cs typeface="+mn-cs"/>
         </a:defRPr>
       </a:lvl7pPr>
-      <a:lvl8pPr marL="3200400" algn="l" defTabSz="914400" rtl="0" eaLnBrk="1" latinLnBrk="0" hangingPunct="1">
-        <a:defRPr sz="1800" kern="1200">
+      <a:lvl8pPr marL="4267093" algn="l" defTabSz="1219170" rtl="0" eaLnBrk="1" latinLnBrk="0" hangingPunct="1">
+        <a:defRPr sz="2400" kern="1200">
           <a:solidFill>
             <a:schemeClr val="tx1"/>
           </a:solidFill>
@@ -3294,8 +2940,8 @@
           <a:cs typeface="+mn-cs"/>
         </a:defRPr>
       </a:lvl8pPr>
-      <a:lvl9pPr marL="3657600" algn="l" defTabSz="914400" rtl="0" eaLnBrk="1" latinLnBrk="0" hangingPunct="1">
-        <a:defRPr sz="1800" kern="1200">
+      <a:lvl9pPr marL="4876678" algn="l" defTabSz="1219170" rtl="0" eaLnBrk="1" latinLnBrk="0" hangingPunct="1">
+        <a:defRPr sz="2400" kern="1200">
           <a:solidFill>
             <a:schemeClr val="tx1"/>
           </a:solidFill>
@@ -3344,8 +2990,8 @@
         </p:nvCxnSpPr>
         <p:spPr bwMode="auto">
           <a:xfrm>
-            <a:off x="4579076" y="1459999"/>
-            <a:ext cx="0" cy="644669"/>
+            <a:off x="5616036" y="3948996"/>
+            <a:ext cx="0" cy="203978"/>
           </a:xfrm>
           <a:prstGeom prst="straightConnector1">
             <a:avLst/>
@@ -3394,8 +3040,8 @@
         </p:nvSpPr>
         <p:spPr bwMode="auto">
           <a:xfrm>
-            <a:off x="2971802" y="2104668"/>
-            <a:ext cx="3214547" cy="560983"/>
+            <a:off x="5107487" y="4152977"/>
+            <a:ext cx="1017103" cy="177499"/>
           </a:xfrm>
           <a:prstGeom prst="rect">
             <a:avLst/>
@@ -3413,14 +3059,14 @@
           </a:ln>
         </p:spPr>
         <p:txBody>
-          <a:bodyPr rot="0" vert="horz" wrap="square" lIns="91440" tIns="91440" rIns="91440" bIns="91440" anchor="t" anchorCtr="0" upright="1">
+          <a:bodyPr rot="0" vert="horz" wrap="square" lIns="28932" tIns="28932" rIns="28932" bIns="28932" anchor="t" anchorCtr="0" upright="1">
             <a:noAutofit/>
           </a:bodyPr>
           <a:lstStyle/>
           <a:p>
             <a:pPr algn="ctr"/>
             <a:r>
-              <a:rPr lang="en-CA" sz="1400" b="1" dirty="0">
+              <a:rPr lang="en-CA" sz="443" b="1" dirty="0">
                 <a:latin typeface="Arial"/>
                 <a:ea typeface="Calibri" panose="020F0502020204030204" pitchFamily="34" charset="0"/>
                 <a:cs typeface="Arial"/>
@@ -3431,14 +3077,14 @@
           <a:p>
             <a:pPr algn="ctr"/>
             <a:r>
-              <a:rPr lang="en-CA" sz="1400" b="1" dirty="0">
+              <a:rPr lang="en-CA" sz="443" b="1" dirty="0">
                 <a:latin typeface="Arial"/>
                 <a:ea typeface="Calibri" panose="020F0502020204030204" pitchFamily="34" charset="0"/>
                 <a:cs typeface="Arial"/>
               </a:rPr>
               <a:t>(n = 672)</a:t>
             </a:r>
-            <a:endParaRPr lang="en-US" sz="1400" b="1" dirty="0">
+            <a:endParaRPr lang="en-US" sz="443" b="1" dirty="0">
               <a:latin typeface="Arial" panose="020B0604020202020204" pitchFamily="34" charset="0"/>
               <a:ea typeface="Calibri" panose="020F0502020204030204" pitchFamily="34" charset="0"/>
               <a:cs typeface="Arial" panose="020B0604020202020204" pitchFamily="34" charset="0"/>
@@ -3464,8 +3110,8 @@
         </p:nvCxnSpPr>
         <p:spPr bwMode="auto">
           <a:xfrm flipH="1">
-            <a:off x="4579075" y="2665651"/>
-            <a:ext cx="1" cy="798006"/>
+            <a:off x="5616039" y="4330474"/>
+            <a:ext cx="1" cy="252494"/>
           </a:xfrm>
           <a:prstGeom prst="straightConnector1">
             <a:avLst/>
@@ -3514,8 +3160,8 @@
         </p:nvCxnSpPr>
         <p:spPr bwMode="auto">
           <a:xfrm>
-            <a:off x="4579075" y="3108409"/>
-            <a:ext cx="2705581" cy="0"/>
+            <a:off x="5616039" y="4470563"/>
+            <a:ext cx="856063" cy="0"/>
           </a:xfrm>
           <a:prstGeom prst="straightConnector1">
             <a:avLst/>
@@ -3564,8 +3210,8 @@
         </p:nvSpPr>
         <p:spPr bwMode="auto">
           <a:xfrm>
-            <a:off x="7284656" y="2358989"/>
-            <a:ext cx="4007120" cy="2020532"/>
+            <a:off x="6472101" y="4233446"/>
+            <a:ext cx="1267878" cy="639309"/>
           </a:xfrm>
           <a:prstGeom prst="rect">
             <a:avLst/>
@@ -3583,13 +3229,13 @@
           </a:ln>
         </p:spPr>
         <p:txBody>
-          <a:bodyPr rot="0" vert="horz" wrap="square" lIns="91440" tIns="91440" rIns="91440" bIns="91440" anchor="t" anchorCtr="0" upright="1">
+          <a:bodyPr rot="0" vert="horz" wrap="square" lIns="28932" tIns="28932" rIns="28932" bIns="28932" anchor="t" anchorCtr="0" upright="1">
             <a:noAutofit/>
           </a:bodyPr>
           <a:lstStyle/>
           <a:p>
             <a:r>
-              <a:rPr lang="en-CA" sz="1400" b="1" dirty="0">
+              <a:rPr lang="en-CA" sz="443" b="1" dirty="0">
                 <a:latin typeface="Arial" panose="020B0604020202020204" pitchFamily="34" charset="0"/>
                 <a:ea typeface="Calibri" panose="020F0502020204030204" pitchFamily="34" charset="0"/>
                 <a:cs typeface="Arial" panose="020B0604020202020204" pitchFamily="34" charset="0"/>
@@ -3598,12 +3244,12 @@
             </a:r>
           </a:p>
           <a:p>
-            <a:pPr marL="228600" indent="-228600">
+            <a:pPr marL="72331" indent="-72331">
               <a:buFont typeface="Arial" panose="020B0604020202020204" pitchFamily="34" charset="0"/>
               <a:buChar char="•"/>
             </a:pPr>
             <a:r>
-              <a:rPr lang="en-CA" sz="1200" dirty="0" err="1">
+              <a:rPr lang="en-CA" sz="380" dirty="0" err="1">
                 <a:latin typeface="Arial"/>
                 <a:ea typeface="Calibri" panose="020F0502020204030204" pitchFamily="34" charset="0"/>
                 <a:cs typeface="Arial"/>
@@ -3611,7 +3257,7 @@
               <a:t>Casirivimab</a:t>
             </a:r>
             <a:r>
-              <a:rPr lang="en-CA" sz="1200" dirty="0">
+              <a:rPr lang="en-CA" sz="380" dirty="0">
                 <a:latin typeface="Arial"/>
                 <a:ea typeface="Calibri" panose="020F0502020204030204" pitchFamily="34" charset="0"/>
                 <a:cs typeface="Arial"/>
@@ -3619,7 +3265,7 @@
               <a:t>/</a:t>
             </a:r>
             <a:r>
-              <a:rPr lang="en-CA" sz="1200" dirty="0" err="1">
+              <a:rPr lang="en-CA" sz="380" dirty="0" err="1">
                 <a:latin typeface="Arial"/>
                 <a:ea typeface="Calibri" panose="020F0502020204030204" pitchFamily="34" charset="0"/>
                 <a:cs typeface="Arial"/>
@@ -3627,26 +3273,26 @@
               <a:t>imdevimab</a:t>
             </a:r>
             <a:r>
-              <a:rPr lang="en-CA" sz="1200" dirty="0">
+              <a:rPr lang="en-CA" sz="380" dirty="0">
                 <a:latin typeface="Arial"/>
                 <a:ea typeface="Calibri" panose="020F0502020204030204" pitchFamily="34" charset="0"/>
                 <a:cs typeface="Arial"/>
               </a:rPr>
               <a:t> (n=51)</a:t>
             </a:r>
-            <a:endParaRPr lang="en-CA" sz="1200" dirty="0">
+            <a:endParaRPr lang="en-CA" sz="380" dirty="0">
               <a:latin typeface="Arial" panose="020B0604020202020204" pitchFamily="34" charset="0"/>
               <a:ea typeface="Calibri" panose="020F0502020204030204" pitchFamily="34" charset="0"/>
               <a:cs typeface="Arial" panose="020B0604020202020204" pitchFamily="34" charset="0"/>
             </a:endParaRPr>
           </a:p>
           <a:p>
-            <a:pPr marL="228600" indent="-228600">
+            <a:pPr marL="72331" indent="-72331">
               <a:buFont typeface="Arial" panose="020B0604020202020204" pitchFamily="34" charset="0"/>
               <a:buChar char="•"/>
             </a:pPr>
             <a:r>
-              <a:rPr lang="en-CA" sz="1200" dirty="0" err="1">
+              <a:rPr lang="en-CA" sz="380" dirty="0" err="1">
                 <a:latin typeface="Arial" panose="020B0604020202020204" pitchFamily="34" charset="0"/>
                 <a:ea typeface="Calibri" panose="020F0502020204030204" pitchFamily="34" charset="0"/>
                 <a:cs typeface="Arial" panose="020B0604020202020204" pitchFamily="34" charset="0"/>
@@ -3654,7 +3300,7 @@
               <a:t>Ensitrelvir</a:t>
             </a:r>
             <a:r>
-              <a:rPr lang="en-CA" sz="1200" dirty="0">
+              <a:rPr lang="en-CA" sz="380" dirty="0">
                 <a:latin typeface="Arial" panose="020B0604020202020204" pitchFamily="34" charset="0"/>
                 <a:ea typeface="Calibri" panose="020F0502020204030204" pitchFamily="34" charset="0"/>
                 <a:cs typeface="Arial" panose="020B0604020202020204" pitchFamily="34" charset="0"/>
@@ -3663,12 +3309,12 @@
             </a:r>
           </a:p>
           <a:p>
-            <a:pPr marL="228600" indent="-228600">
+            <a:pPr marL="72331" indent="-72331">
               <a:buFont typeface="Arial" panose="020B0604020202020204" pitchFamily="34" charset="0"/>
               <a:buChar char="•"/>
             </a:pPr>
             <a:r>
-              <a:rPr lang="en-CA" sz="1200" dirty="0" err="1">
+              <a:rPr lang="en-CA" sz="380" dirty="0" err="1">
                 <a:latin typeface="Arial" panose="020B0604020202020204" pitchFamily="34" charset="0"/>
                 <a:ea typeface="Calibri" panose="020F0502020204030204" pitchFamily="34" charset="0"/>
                 <a:cs typeface="Arial" panose="020B0604020202020204" pitchFamily="34" charset="0"/>
@@ -3676,7 +3322,7 @@
               <a:t>Tixagevimab</a:t>
             </a:r>
             <a:r>
-              <a:rPr lang="en-CA" sz="1200" dirty="0">
+              <a:rPr lang="en-CA" sz="380" dirty="0">
                 <a:latin typeface="Arial" panose="020B0604020202020204" pitchFamily="34" charset="0"/>
                 <a:ea typeface="Calibri" panose="020F0502020204030204" pitchFamily="34" charset="0"/>
                 <a:cs typeface="Arial" panose="020B0604020202020204" pitchFamily="34" charset="0"/>
@@ -3684,7 +3330,7 @@
               <a:t>/</a:t>
             </a:r>
             <a:r>
-              <a:rPr lang="en-CA" sz="1200" dirty="0" err="1">
+              <a:rPr lang="en-CA" sz="380" dirty="0" err="1">
                 <a:latin typeface="Arial" panose="020B0604020202020204" pitchFamily="34" charset="0"/>
                 <a:ea typeface="Calibri" panose="020F0502020204030204" pitchFamily="34" charset="0"/>
                 <a:cs typeface="Arial" panose="020B0604020202020204" pitchFamily="34" charset="0"/>
@@ -3692,7 +3338,7 @@
               <a:t>cilgavimab</a:t>
             </a:r>
             <a:r>
-              <a:rPr lang="en-CA" sz="1200" dirty="0">
+              <a:rPr lang="en-CA" sz="380" dirty="0">
                 <a:latin typeface="Arial" panose="020B0604020202020204" pitchFamily="34" charset="0"/>
                 <a:ea typeface="Calibri" panose="020F0502020204030204" pitchFamily="34" charset="0"/>
                 <a:cs typeface="Arial" panose="020B0604020202020204" pitchFamily="34" charset="0"/>
@@ -3701,12 +3347,12 @@
             </a:r>
           </a:p>
           <a:p>
-            <a:pPr marL="228600" indent="-228600">
+            <a:pPr marL="72331" indent="-72331">
               <a:buFont typeface="Arial" panose="020B0604020202020204" pitchFamily="34" charset="0"/>
               <a:buChar char="•"/>
             </a:pPr>
             <a:r>
-              <a:rPr lang="en-CA" sz="1200" dirty="0">
+              <a:rPr lang="en-CA" sz="380" dirty="0">
                 <a:latin typeface="Arial" panose="020B0604020202020204" pitchFamily="34" charset="0"/>
                 <a:ea typeface="Calibri" panose="020F0502020204030204" pitchFamily="34" charset="0"/>
                 <a:cs typeface="Arial" panose="020B0604020202020204" pitchFamily="34" charset="0"/>
@@ -3715,12 +3361,12 @@
             </a:r>
           </a:p>
           <a:p>
-            <a:pPr marL="228600" indent="-228600">
+            <a:pPr marL="72331" indent="-72331">
               <a:buFont typeface="Arial" panose="020B0604020202020204" pitchFamily="34" charset="0"/>
               <a:buChar char="•"/>
             </a:pPr>
             <a:r>
-              <a:rPr lang="en-CA" sz="1200" dirty="0">
+              <a:rPr lang="en-CA" sz="380" dirty="0">
                 <a:latin typeface="Arial" panose="020B0604020202020204" pitchFamily="34" charset="0"/>
                 <a:ea typeface="Calibri" panose="020F0502020204030204" pitchFamily="34" charset="0"/>
                 <a:cs typeface="Arial" panose="020B0604020202020204" pitchFamily="34" charset="0"/>
@@ -3729,12 +3375,12 @@
             </a:r>
           </a:p>
           <a:p>
-            <a:pPr marL="228600" indent="-228600">
+            <a:pPr marL="72331" indent="-72331">
               <a:buFont typeface="Arial" panose="020B0604020202020204" pitchFamily="34" charset="0"/>
               <a:buChar char="•"/>
             </a:pPr>
             <a:r>
-              <a:rPr lang="en-CA" sz="1200" dirty="0" err="1">
+              <a:rPr lang="en-CA" sz="380" dirty="0" err="1">
                 <a:latin typeface="Arial" panose="020B0604020202020204" pitchFamily="34" charset="0"/>
                 <a:ea typeface="Calibri" panose="020F0502020204030204" pitchFamily="34" charset="0"/>
                 <a:cs typeface="Arial" panose="020B0604020202020204" pitchFamily="34" charset="0"/>
@@ -3742,7 +3388,7 @@
               <a:t>Molnupiravir</a:t>
             </a:r>
             <a:r>
-              <a:rPr lang="en-CA" sz="1200" dirty="0">
+              <a:rPr lang="en-CA" sz="380" dirty="0">
                 <a:latin typeface="Arial" panose="020B0604020202020204" pitchFamily="34" charset="0"/>
                 <a:ea typeface="Calibri" panose="020F0502020204030204" pitchFamily="34" charset="0"/>
                 <a:cs typeface="Arial" panose="020B0604020202020204" pitchFamily="34" charset="0"/>
@@ -3751,12 +3397,12 @@
             </a:r>
           </a:p>
           <a:p>
-            <a:pPr marL="228600" indent="-228600">
+            <a:pPr marL="72331" indent="-72331">
               <a:buFont typeface="Arial" panose="020B0604020202020204" pitchFamily="34" charset="0"/>
               <a:buChar char="•"/>
             </a:pPr>
             <a:r>
-              <a:rPr lang="en-CA" sz="1200" dirty="0">
+              <a:rPr lang="en-CA" sz="380" dirty="0">
                 <a:latin typeface="Arial" panose="020B0604020202020204" pitchFamily="34" charset="0"/>
                 <a:ea typeface="Calibri" panose="020F0502020204030204" pitchFamily="34" charset="0"/>
                 <a:cs typeface="Arial" panose="020B0604020202020204" pitchFamily="34" charset="0"/>
@@ -3764,7 +3410,7 @@
               <a:t>Ritonavir-boosted </a:t>
             </a:r>
             <a:r>
-              <a:rPr lang="en-CA" sz="1200" dirty="0" err="1">
+              <a:rPr lang="en-CA" sz="380" dirty="0" err="1">
                 <a:latin typeface="Arial" panose="020B0604020202020204" pitchFamily="34" charset="0"/>
                 <a:ea typeface="Calibri" panose="020F0502020204030204" pitchFamily="34" charset="0"/>
                 <a:cs typeface="Arial" panose="020B0604020202020204" pitchFamily="34" charset="0"/>
@@ -3772,7 +3418,7 @@
               <a:t>nirmatrelvir</a:t>
             </a:r>
             <a:r>
-              <a:rPr lang="en-CA" sz="1200" dirty="0">
+              <a:rPr lang="en-CA" sz="380" dirty="0">
                 <a:latin typeface="Arial" panose="020B0604020202020204" pitchFamily="34" charset="0"/>
                 <a:ea typeface="Calibri" panose="020F0502020204030204" pitchFamily="34" charset="0"/>
                 <a:cs typeface="Arial" panose="020B0604020202020204" pitchFamily="34" charset="0"/>
@@ -3781,12 +3427,12 @@
             </a:r>
           </a:p>
           <a:p>
-            <a:pPr marL="228600" indent="-228600">
+            <a:pPr marL="72331" indent="-72331">
               <a:buFont typeface="Arial" panose="020B0604020202020204" pitchFamily="34" charset="0"/>
               <a:buChar char="•"/>
             </a:pPr>
             <a:r>
-              <a:rPr lang="en-CA" sz="1200" dirty="0">
+              <a:rPr lang="en-CA" sz="380" dirty="0">
                 <a:latin typeface="Arial" panose="020B0604020202020204" pitchFamily="34" charset="0"/>
                 <a:ea typeface="Calibri" panose="020F0502020204030204" pitchFamily="34" charset="0"/>
                 <a:cs typeface="Arial" panose="020B0604020202020204" pitchFamily="34" charset="0"/>
@@ -3795,12 +3441,12 @@
             </a:r>
           </a:p>
           <a:p>
-            <a:pPr marL="228600" indent="-228600">
+            <a:pPr marL="72331" indent="-72331">
               <a:buFont typeface="Arial" panose="020B0604020202020204" pitchFamily="34" charset="0"/>
               <a:buChar char="•"/>
             </a:pPr>
             <a:r>
-              <a:rPr lang="en-CA" sz="1200" dirty="0">
+              <a:rPr lang="en-CA" sz="380" dirty="0">
                 <a:latin typeface="Arial" panose="020B0604020202020204" pitchFamily="34" charset="0"/>
                 <a:ea typeface="Calibri" panose="020F0502020204030204" pitchFamily="34" charset="0"/>
                 <a:cs typeface="Arial" panose="020B0604020202020204" pitchFamily="34" charset="0"/>
@@ -3826,8 +3472,8 @@
         </p:nvCxnSpPr>
         <p:spPr bwMode="auto">
           <a:xfrm>
-            <a:off x="4579075" y="4822646"/>
-            <a:ext cx="2705581" cy="0"/>
+            <a:off x="5616039" y="5012959"/>
+            <a:ext cx="856063" cy="0"/>
           </a:xfrm>
           <a:prstGeom prst="straightConnector1">
             <a:avLst/>
@@ -3876,8 +3522,8 @@
         </p:nvSpPr>
         <p:spPr bwMode="auto">
           <a:xfrm>
-            <a:off x="2971802" y="899011"/>
-            <a:ext cx="3214547" cy="560988"/>
+            <a:off x="5107487" y="3771497"/>
+            <a:ext cx="1017103" cy="177500"/>
           </a:xfrm>
           <a:prstGeom prst="rect">
             <a:avLst/>
@@ -3895,14 +3541,14 @@
           </a:ln>
         </p:spPr>
         <p:txBody>
-          <a:bodyPr rot="0" vert="horz" wrap="square" lIns="91440" tIns="91440" rIns="91440" bIns="91440" anchor="t" anchorCtr="0" upright="1">
+          <a:bodyPr rot="0" vert="horz" wrap="square" lIns="28932" tIns="28932" rIns="28932" bIns="28932" anchor="t" anchorCtr="0" upright="1">
             <a:noAutofit/>
           </a:bodyPr>
           <a:lstStyle/>
           <a:p>
             <a:pPr algn="ctr"/>
             <a:r>
-              <a:rPr lang="en-CA" sz="1400" b="1" dirty="0">
+              <a:rPr lang="en-CA" sz="443" b="1" dirty="0">
                 <a:latin typeface="Arial" panose="020B0604020202020204" pitchFamily="34" charset="0"/>
                 <a:ea typeface="Calibri" panose="020F0502020204030204" pitchFamily="34" charset="0"/>
                 <a:cs typeface="Arial" panose="020B0604020202020204" pitchFamily="34" charset="0"/>
@@ -3913,7 +3559,7 @@
           <a:p>
             <a:pPr algn="ctr"/>
             <a:r>
-              <a:rPr lang="en-CA" sz="1400" b="1" dirty="0">
+              <a:rPr lang="en-CA" sz="443" b="1" dirty="0">
                 <a:latin typeface="Arial" panose="020B0604020202020204" pitchFamily="34" charset="0"/>
                 <a:ea typeface="Calibri" panose="020F0502020204030204" pitchFamily="34" charset="0"/>
                 <a:cs typeface="Arial" panose="020B0604020202020204" pitchFamily="34" charset="0"/>
@@ -3921,7 +3567,7 @@
               <a:t>(n </a:t>
             </a:r>
             <a:r>
-              <a:rPr lang="en-US" sz="1400" b="1" dirty="0">
+              <a:rPr lang="en-US" sz="443" b="1" dirty="0">
                 <a:latin typeface="Arial" panose="020B0604020202020204" pitchFamily="34" charset="0"/>
                 <a:ea typeface="Calibri" panose="020F0502020204030204" pitchFamily="34" charset="0"/>
                 <a:cs typeface="Arial" panose="020B0604020202020204" pitchFamily="34" charset="0"/>
@@ -3929,14 +3575,14 @@
               <a:t>= 711</a:t>
             </a:r>
             <a:r>
-              <a:rPr lang="en-CA" sz="1400" b="1" dirty="0">
+              <a:rPr lang="en-CA" sz="443" b="1" dirty="0">
                 <a:latin typeface="Arial" panose="020B0604020202020204" pitchFamily="34" charset="0"/>
                 <a:ea typeface="Calibri" panose="020F0502020204030204" pitchFamily="34" charset="0"/>
                 <a:cs typeface="Arial" panose="020B0604020202020204" pitchFamily="34" charset="0"/>
               </a:rPr>
               <a:t>)</a:t>
             </a:r>
-            <a:endParaRPr lang="en-US" sz="1400" b="1" dirty="0">
+            <a:endParaRPr lang="en-US" sz="443" b="1" dirty="0">
               <a:latin typeface="Arial" panose="020B0604020202020204" pitchFamily="34" charset="0"/>
               <a:ea typeface="Calibri" panose="020F0502020204030204" pitchFamily="34" charset="0"/>
               <a:cs typeface="Arial" panose="020B0604020202020204" pitchFamily="34" charset="0"/>
@@ -3960,8 +3606,8 @@
         </p:nvCxnSpPr>
         <p:spPr bwMode="auto">
           <a:xfrm>
-            <a:off x="4579075" y="1782333"/>
-            <a:ext cx="2705581" cy="0"/>
+            <a:off x="5616039" y="4050985"/>
+            <a:ext cx="856063" cy="0"/>
           </a:xfrm>
           <a:prstGeom prst="straightConnector1">
             <a:avLst/>
@@ -4008,8 +3654,8 @@
         </p:nvSpPr>
         <p:spPr>
           <a:xfrm>
-            <a:off x="1167075" y="1643833"/>
-            <a:ext cx="1329086" cy="307777"/>
+            <a:off x="4536460" y="4007165"/>
+            <a:ext cx="420531" cy="228652"/>
           </a:xfrm>
           <a:prstGeom prst="rect">
             <a:avLst/>
@@ -4035,7 +3681,7 @@
           <a:p>
             <a:pPr algn="ctr"/>
             <a:r>
-              <a:rPr lang="en-GB" sz="1400" b="1" dirty="0">
+              <a:rPr lang="en-GB" sz="443" b="1" dirty="0">
                 <a:latin typeface="Arial" panose="020B0604020202020204" pitchFamily="34" charset="0"/>
                 <a:cs typeface="Arial" panose="020B0604020202020204" pitchFamily="34" charset="0"/>
               </a:rPr>
@@ -4058,8 +3704,8 @@
         </p:nvSpPr>
         <p:spPr>
           <a:xfrm>
-            <a:off x="1167075" y="2969909"/>
-            <a:ext cx="1329086" cy="307777"/>
+            <a:off x="4536460" y="4426743"/>
+            <a:ext cx="420531" cy="228652"/>
           </a:xfrm>
           <a:prstGeom prst="rect">
             <a:avLst/>
@@ -4085,7 +3731,7 @@
           <a:p>
             <a:pPr algn="ctr"/>
             <a:r>
-              <a:rPr lang="en-GB" sz="1400" b="1" dirty="0">
+              <a:rPr lang="en-GB" sz="443" b="1" dirty="0">
                 <a:latin typeface="Arial" panose="020B0604020202020204" pitchFamily="34" charset="0"/>
                 <a:cs typeface="Arial" panose="020B0604020202020204" pitchFamily="34" charset="0"/>
               </a:rPr>
@@ -4108,8 +3754,8 @@
         </p:nvSpPr>
         <p:spPr>
           <a:xfrm>
-            <a:off x="1167075" y="4684146"/>
-            <a:ext cx="1329086" cy="307777"/>
+            <a:off x="4536460" y="4969139"/>
+            <a:ext cx="420531" cy="160493"/>
           </a:xfrm>
           <a:prstGeom prst="rect">
             <a:avLst/>
@@ -4135,7 +3781,7 @@
           <a:p>
             <a:pPr algn="ctr"/>
             <a:r>
-              <a:rPr lang="en-GB" sz="1400" b="1" dirty="0">
+              <a:rPr lang="en-GB" sz="443" b="1" dirty="0">
                 <a:latin typeface="Arial" panose="020B0604020202020204" pitchFamily="34" charset="0"/>
                 <a:cs typeface="Arial" panose="020B0604020202020204" pitchFamily="34" charset="0"/>
               </a:rPr>
@@ -4160,8 +3806,8 @@
         </p:nvSpPr>
         <p:spPr bwMode="auto">
           <a:xfrm>
-            <a:off x="7284659" y="4629152"/>
-            <a:ext cx="4007111" cy="774938"/>
+            <a:off x="6472101" y="4951740"/>
+            <a:ext cx="1267875" cy="245195"/>
           </a:xfrm>
           <a:prstGeom prst="rect">
             <a:avLst/>
@@ -4179,13 +3825,13 @@
           </a:ln>
         </p:spPr>
         <p:txBody>
-          <a:bodyPr rot="0" vert="horz" wrap="square" lIns="91440" tIns="91440" rIns="91440" bIns="91440" anchor="t" anchorCtr="0" upright="1">
+          <a:bodyPr rot="0" vert="horz" wrap="square" lIns="28932" tIns="28932" rIns="28932" bIns="28932" anchor="t" anchorCtr="0" upright="1">
             <a:noAutofit/>
           </a:bodyPr>
           <a:lstStyle/>
           <a:p>
             <a:r>
-              <a:rPr lang="en-US" sz="1400" b="1" dirty="0">
+              <a:rPr lang="en-US" sz="443" b="1" dirty="0">
                 <a:latin typeface="Arial" panose="020B0604020202020204" pitchFamily="34" charset="0"/>
                 <a:ea typeface="Calibri" panose="020F0502020204030204" pitchFamily="34" charset="0"/>
                 <a:cs typeface="Arial" panose="020B0604020202020204" pitchFamily="34" charset="0"/>
@@ -4194,12 +3840,12 @@
             </a:r>
           </a:p>
           <a:p>
-            <a:pPr marL="285750" indent="-285750">
+            <a:pPr marL="90413" indent="-90413">
               <a:buFont typeface="Arial" panose="020B0604020202020204" pitchFamily="34" charset="0"/>
               <a:buChar char="•"/>
             </a:pPr>
             <a:r>
-              <a:rPr lang="en-US" sz="1200" dirty="0">
+              <a:rPr lang="en-US" sz="380" dirty="0">
                 <a:latin typeface="Arial" panose="020B0604020202020204" pitchFamily="34" charset="0"/>
                 <a:ea typeface="Calibri" panose="020F0502020204030204" pitchFamily="34" charset="0"/>
                 <a:cs typeface="Arial" panose="020B0604020202020204" pitchFamily="34" charset="0"/>
@@ -4208,12 +3854,12 @@
             </a:r>
           </a:p>
           <a:p>
-            <a:pPr marL="285750" indent="-285750">
+            <a:pPr marL="90413" indent="-90413">
               <a:buFont typeface="Arial" panose="020B0604020202020204" pitchFamily="34" charset="0"/>
               <a:buChar char="•"/>
             </a:pPr>
             <a:r>
-              <a:rPr lang="en-US" sz="1200" dirty="0">
+              <a:rPr lang="en-US" sz="380" dirty="0">
                 <a:latin typeface="Arial" panose="020B0604020202020204" pitchFamily="34" charset="0"/>
                 <a:ea typeface="Calibri" panose="020F0502020204030204" pitchFamily="34" charset="0"/>
                 <a:cs typeface="Arial" panose="020B0604020202020204" pitchFamily="34" charset="0"/>
@@ -4222,7 +3868,7 @@
             </a:r>
           </a:p>
           <a:p>
-            <a:endParaRPr lang="en-US" sz="1400" b="1" dirty="0">
+            <a:endParaRPr lang="en-US" sz="443" b="1" dirty="0">
               <a:highlight>
                 <a:srgbClr val="FFFF00"/>
               </a:highlight>
@@ -4249,8 +3895,8 @@
         </p:nvSpPr>
         <p:spPr bwMode="auto">
           <a:xfrm>
-            <a:off x="2971801" y="3463657"/>
-            <a:ext cx="3214548" cy="798373"/>
+            <a:off x="5107487" y="4582969"/>
+            <a:ext cx="1017103" cy="252611"/>
           </a:xfrm>
           <a:prstGeom prst="rect">
             <a:avLst/>
@@ -4268,14 +3914,14 @@
           </a:ln>
         </p:spPr>
         <p:txBody>
-          <a:bodyPr rot="0" vert="horz" wrap="square" lIns="91440" tIns="91440" rIns="91440" bIns="91440" anchor="t" anchorCtr="0" upright="1">
+          <a:bodyPr rot="0" vert="horz" wrap="square" lIns="28932" tIns="28932" rIns="28932" bIns="28932" anchor="t" anchorCtr="0" upright="1">
             <a:noAutofit/>
           </a:bodyPr>
           <a:lstStyle/>
           <a:p>
             <a:pPr algn="ctr"/>
             <a:r>
-              <a:rPr lang="en-CA" sz="1400" b="1" dirty="0">
+              <a:rPr lang="en-CA" sz="443" b="1" dirty="0">
                 <a:latin typeface="Arial"/>
                 <a:ea typeface="Calibri" panose="020F0502020204030204" pitchFamily="34" charset="0"/>
                 <a:cs typeface="Arial"/>
@@ -4284,12 +3930,12 @@
             </a:r>
           </a:p>
           <a:p>
-            <a:pPr marL="285750" indent="-285750">
+            <a:pPr marL="90413" indent="-90413">
               <a:buFont typeface="Arial" panose="020B0604020202020204" pitchFamily="34" charset="0"/>
               <a:buChar char="•"/>
             </a:pPr>
             <a:r>
-              <a:rPr lang="en-CA" sz="1200" dirty="0">
+              <a:rPr lang="en-CA" sz="380" dirty="0">
                 <a:latin typeface="Arial"/>
                 <a:ea typeface="Calibri" panose="020F0502020204030204" pitchFamily="34" charset="0"/>
                 <a:cs typeface="Arial"/>
@@ -4298,19 +3944,19 @@
             </a:r>
           </a:p>
           <a:p>
-            <a:pPr marL="285750" indent="-285750">
+            <a:pPr marL="90413" indent="-90413">
               <a:buFont typeface="Arial" panose="020B0604020202020204" pitchFamily="34" charset="0"/>
               <a:buChar char="•"/>
             </a:pPr>
             <a:r>
-              <a:rPr lang="en-CA" sz="1200" dirty="0">
+              <a:rPr lang="en-CA" sz="380" dirty="0">
                 <a:latin typeface="Arial"/>
                 <a:ea typeface="Calibri" panose="020F0502020204030204" pitchFamily="34" charset="0"/>
                 <a:cs typeface="Arial"/>
               </a:rPr>
               <a:t>Fluoxetine (n = 120)</a:t>
             </a:r>
-            <a:endParaRPr lang="en-US" sz="1200" dirty="0">
+            <a:endParaRPr lang="en-US" sz="380" dirty="0">
               <a:latin typeface="Arial"/>
               <a:ea typeface="Calibri" panose="020F0502020204030204" pitchFamily="34" charset="0"/>
               <a:cs typeface="Arial"/>
@@ -4336,8 +3982,8 @@
         </p:nvCxnSpPr>
         <p:spPr bwMode="auto">
           <a:xfrm>
-            <a:off x="4579075" y="4262030"/>
-            <a:ext cx="1" cy="1003742"/>
+            <a:off x="5616039" y="4835578"/>
+            <a:ext cx="1" cy="317591"/>
           </a:xfrm>
           <a:prstGeom prst="straightConnector1">
             <a:avLst/>
@@ -4386,8 +4032,8 @@
         </p:nvSpPr>
         <p:spPr bwMode="auto">
           <a:xfrm>
-            <a:off x="2971801" y="5265772"/>
-            <a:ext cx="3214549" cy="800496"/>
+            <a:off x="5107484" y="5153168"/>
+            <a:ext cx="1017104" cy="253282"/>
           </a:xfrm>
           <a:prstGeom prst="rect">
             <a:avLst/>
@@ -4405,13 +4051,13 @@
           </a:ln>
         </p:spPr>
         <p:txBody>
-          <a:bodyPr rot="0" vert="horz" wrap="square" lIns="91440" tIns="91440" rIns="91440" bIns="91440" anchor="t" anchorCtr="0" upright="1">
+          <a:bodyPr rot="0" vert="horz" wrap="square" lIns="28932" tIns="28932" rIns="28932" bIns="28932" anchor="t" anchorCtr="0" upright="1">
             <a:noAutofit/>
           </a:bodyPr>
           <a:lstStyle/>
           <a:p>
             <a:r>
-              <a:rPr lang="en-CA" sz="1400" b="1" dirty="0">
+              <a:rPr lang="en-CA" sz="443" b="1" dirty="0">
                 <a:latin typeface="Arial"/>
                 <a:ea typeface="Calibri" panose="020F0502020204030204" pitchFamily="34" charset="0"/>
                 <a:cs typeface="Arial"/>
@@ -4419,7 +4065,7 @@
               <a:t>Analysed dataset; </a:t>
             </a:r>
             <a:r>
-              <a:rPr lang="en-CA" sz="1400" b="1" dirty="0" err="1">
+              <a:rPr lang="en-CA" sz="443" b="1" dirty="0" err="1">
                 <a:latin typeface="Arial"/>
                 <a:ea typeface="Calibri" panose="020F0502020204030204" pitchFamily="34" charset="0"/>
                 <a:cs typeface="Arial"/>
@@ -4427,7 +4073,7 @@
               <a:t>mITT</a:t>
             </a:r>
             <a:r>
-              <a:rPr lang="en-CA" sz="1400" b="1" dirty="0">
+              <a:rPr lang="en-CA" sz="443" b="1" dirty="0">
                 <a:latin typeface="Arial"/>
                 <a:ea typeface="Calibri" panose="020F0502020204030204" pitchFamily="34" charset="0"/>
                 <a:cs typeface="Arial"/>
@@ -4436,12 +4082,12 @@
             </a:r>
           </a:p>
           <a:p>
-            <a:pPr marL="171450" indent="-171450">
+            <a:pPr marL="54248" indent="-54248">
               <a:buFont typeface="Arial" panose="020B0604020202020204" pitchFamily="34" charset="0"/>
               <a:buChar char="•"/>
             </a:pPr>
             <a:r>
-              <a:rPr lang="en-CA" sz="1200" dirty="0">
+              <a:rPr lang="en-CA" sz="380" dirty="0">
                 <a:latin typeface="Arial"/>
                 <a:ea typeface="Calibri" panose="020F0502020204030204" pitchFamily="34" charset="0"/>
                 <a:cs typeface="Arial"/>
@@ -4450,12 +4096,12 @@
             </a:r>
           </a:p>
           <a:p>
-            <a:pPr marL="171450" indent="-171450">
+            <a:pPr marL="54248" indent="-54248">
               <a:buFont typeface="Arial" panose="020B0604020202020204" pitchFamily="34" charset="0"/>
               <a:buChar char="•"/>
             </a:pPr>
             <a:r>
-              <a:rPr lang="en-CA" sz="1200" dirty="0">
+              <a:rPr lang="en-CA" sz="380" dirty="0">
                 <a:latin typeface="Arial"/>
                 <a:ea typeface="Calibri" panose="020F0502020204030204" pitchFamily="34" charset="0"/>
                 <a:cs typeface="Arial"/>
@@ -4464,11 +4110,11 @@
             </a:r>
           </a:p>
           <a:p>
-            <a:pPr marL="171450" indent="-171450">
+            <a:pPr marL="54248" indent="-54248">
               <a:buFont typeface="Arial" panose="020B0604020202020204" pitchFamily="34" charset="0"/>
               <a:buChar char="•"/>
             </a:pPr>
-            <a:endParaRPr lang="en-US" sz="1200" dirty="0">
+            <a:endParaRPr lang="en-US" sz="380" dirty="0">
               <a:latin typeface="Arial" panose="020B0604020202020204" pitchFamily="34" charset="0"/>
               <a:ea typeface="Calibri" panose="020F0502020204030204" pitchFamily="34" charset="0"/>
               <a:cs typeface="Arial" panose="020B0604020202020204" pitchFamily="34" charset="0"/>
@@ -4492,8 +4138,8 @@
         </p:nvSpPr>
         <p:spPr bwMode="auto">
           <a:xfrm>
-            <a:off x="7284657" y="1032111"/>
-            <a:ext cx="4007114" cy="1072557"/>
+            <a:off x="6472100" y="3813612"/>
+            <a:ext cx="1267877" cy="339364"/>
           </a:xfrm>
           <a:prstGeom prst="rect">
             <a:avLst/>
@@ -4511,32 +4157,32 @@
           </a:ln>
         </p:spPr>
         <p:txBody>
-          <a:bodyPr rot="0" vert="horz" wrap="square" lIns="91440" tIns="91440" rIns="91440" bIns="91440" anchor="t" anchorCtr="0" upright="1">
+          <a:bodyPr rot="0" vert="horz" wrap="square" lIns="28932" tIns="28932" rIns="28932" bIns="28932" anchor="t" anchorCtr="0" upright="1">
             <a:noAutofit/>
           </a:bodyPr>
           <a:lstStyle/>
           <a:p>
             <a:r>
-              <a:rPr lang="en-CA" sz="1400" b="1" dirty="0">
+              <a:rPr lang="en-CA" sz="443" b="1" dirty="0">
                 <a:latin typeface="Arial" panose="020B0604020202020204" pitchFamily="34" charset="0"/>
                 <a:ea typeface="Calibri" panose="020F0502020204030204" pitchFamily="34" charset="0"/>
                 <a:cs typeface="Arial" panose="020B0604020202020204" pitchFamily="34" charset="0"/>
               </a:rPr>
               <a:t>Excluded (n=39)</a:t>
             </a:r>
-            <a:endParaRPr lang="en-US" sz="1400" b="1" dirty="0">
+            <a:endParaRPr lang="en-US" sz="443" b="1" dirty="0">
               <a:latin typeface="Arial" panose="020B0604020202020204" pitchFamily="34" charset="0"/>
               <a:ea typeface="Calibri" panose="020F0502020204030204" pitchFamily="34" charset="0"/>
               <a:cs typeface="Arial" panose="020B0604020202020204" pitchFamily="34" charset="0"/>
             </a:endParaRPr>
           </a:p>
           <a:p>
-            <a:pPr marL="228600" indent="-228600">
+            <a:pPr marL="72331" indent="-72331">
               <a:buFont typeface="Arial" panose="020B0604020202020204" pitchFamily="34" charset="0"/>
               <a:buChar char="•"/>
             </a:pPr>
             <a:r>
-              <a:rPr lang="en-CA" sz="1200" dirty="0">
+              <a:rPr lang="en-CA" sz="380" dirty="0">
                 <a:latin typeface="Arial" panose="020B0604020202020204" pitchFamily="34" charset="0"/>
                 <a:ea typeface="Calibri" panose="020F0502020204030204" pitchFamily="34" charset="0"/>
                 <a:cs typeface="Arial" panose="020B0604020202020204" pitchFamily="34" charset="0"/>
@@ -4545,12 +4191,12 @@
             </a:r>
           </a:p>
           <a:p>
-            <a:pPr marL="228600" indent="-228600">
+            <a:pPr marL="72331" indent="-72331">
               <a:buFont typeface="Arial" panose="020B0604020202020204" pitchFamily="34" charset="0"/>
               <a:buChar char="•"/>
             </a:pPr>
             <a:r>
-              <a:rPr lang="en-CA" sz="1200" dirty="0">
+              <a:rPr lang="en-CA" sz="380" dirty="0">
                 <a:latin typeface="Arial" panose="020B0604020202020204" pitchFamily="34" charset="0"/>
                 <a:ea typeface="Calibri" panose="020F0502020204030204" pitchFamily="34" charset="0"/>
                 <a:cs typeface="Arial" panose="020B0604020202020204" pitchFamily="34" charset="0"/>
@@ -4559,12 +4205,12 @@
             </a:r>
           </a:p>
           <a:p>
-            <a:pPr marL="228600" indent="-228600">
+            <a:pPr marL="72331" indent="-72331">
               <a:buFont typeface="Arial" panose="020B0604020202020204" pitchFamily="34" charset="0"/>
               <a:buChar char="•"/>
             </a:pPr>
             <a:r>
-              <a:rPr lang="en-CA" sz="1200" dirty="0">
+              <a:rPr lang="en-CA" sz="380" dirty="0">
                 <a:latin typeface="Arial" panose="020B0604020202020204" pitchFamily="34" charset="0"/>
                 <a:ea typeface="Calibri" panose="020F0502020204030204" pitchFamily="34" charset="0"/>
                 <a:cs typeface="Arial" panose="020B0604020202020204" pitchFamily="34" charset="0"/>
@@ -4573,12 +4219,12 @@
             </a:r>
           </a:p>
           <a:p>
-            <a:pPr marL="228600" indent="-228600">
+            <a:pPr marL="72331" indent="-72331">
               <a:buFont typeface="Arial" panose="020B0604020202020204" pitchFamily="34" charset="0"/>
               <a:buChar char="•"/>
             </a:pPr>
             <a:r>
-              <a:rPr lang="en-CA" sz="1200" dirty="0">
+              <a:rPr lang="en-CA" sz="380" dirty="0">
                 <a:latin typeface="Arial" panose="020B0604020202020204" pitchFamily="34" charset="0"/>
                 <a:ea typeface="Calibri" panose="020F0502020204030204" pitchFamily="34" charset="0"/>
                 <a:cs typeface="Arial" panose="020B0604020202020204" pitchFamily="34" charset="0"/>
@@ -4601,10 +4247,1687 @@
 </p:sld>
 </file>
 
+<file path=ppt/slides/slide2.xml><?xml version="1.0" encoding="utf-8"?>
+<p:sld xmlns:a="http://schemas.openxmlformats.org/drawingml/2006/main" xmlns:r="http://schemas.openxmlformats.org/officeDocument/2006/relationships" xmlns:p="http://schemas.openxmlformats.org/presentationml/2006/main">
+  <p:cSld>
+    <p:spTree>
+      <p:nvGrpSpPr>
+        <p:cNvPr id="1" name=""/>
+        <p:cNvGrpSpPr/>
+        <p:nvPr/>
+      </p:nvGrpSpPr>
+      <p:grpSpPr>
+        <a:xfrm>
+          <a:off x="0" y="0"/>
+          <a:ext cx="0" cy="0"/>
+          <a:chOff x="0" y="0"/>
+          <a:chExt cx="0" cy="0"/>
+        </a:xfrm>
+      </p:grpSpPr>
+      <p:grpSp>
+        <p:nvGrpSpPr>
+          <p:cNvPr id="35" name="Group 34">
+            <a:extLst>
+              <a:ext uri="{FF2B5EF4-FFF2-40B4-BE49-F238E27FC236}">
+                <a16:creationId xmlns:a16="http://schemas.microsoft.com/office/drawing/2014/main" id="{6B23BBCC-5ABF-417F-BF37-51EEA1688038}"/>
+              </a:ext>
+            </a:extLst>
+          </p:cNvPr>
+          <p:cNvGrpSpPr/>
+          <p:nvPr/>
+        </p:nvGrpSpPr>
+        <p:grpSpPr>
+          <a:xfrm>
+            <a:off x="1155716" y="588544"/>
+            <a:ext cx="10260960" cy="8138214"/>
+            <a:chOff x="863616" y="588544"/>
+            <a:chExt cx="10260960" cy="8138214"/>
+          </a:xfrm>
+        </p:grpSpPr>
+        <p:sp>
+          <p:nvSpPr>
+            <p:cNvPr id="5" name="Rectangle 4">
+              <a:extLst>
+                <a:ext uri="{FF2B5EF4-FFF2-40B4-BE49-F238E27FC236}">
+                  <a16:creationId xmlns:a16="http://schemas.microsoft.com/office/drawing/2014/main" id="{DDAC4C6B-3516-4497-B94E-ED730EA958E7}"/>
+                </a:ext>
+              </a:extLst>
+            </p:cNvPr>
+            <p:cNvSpPr>
+              <a:spLocks noChangeArrowheads="1"/>
+            </p:cNvSpPr>
+            <p:nvPr/>
+          </p:nvSpPr>
+          <p:spPr bwMode="auto">
+            <a:xfrm>
+              <a:off x="3241391" y="2080213"/>
+              <a:ext cx="3264574" cy="495283"/>
+            </a:xfrm>
+            <a:prstGeom prst="rect">
+              <a:avLst/>
+            </a:prstGeom>
+            <a:solidFill>
+              <a:srgbClr val="FFFFFF"/>
+            </a:solidFill>
+            <a:ln w="9525">
+              <a:solidFill>
+                <a:srgbClr val="000000"/>
+              </a:solidFill>
+              <a:miter lim="800000"/>
+              <a:headEnd/>
+              <a:tailEnd/>
+            </a:ln>
+          </p:spPr>
+          <p:txBody>
+            <a:bodyPr rot="0" vert="horz" wrap="square" lIns="28932" tIns="28932" rIns="28932" bIns="28932" anchor="ctr" anchorCtr="0" upright="1">
+              <a:noAutofit/>
+            </a:bodyPr>
+            <a:lstStyle/>
+            <a:p>
+              <a:pPr algn="ctr"/>
+              <a:r>
+                <a:rPr lang="en-CA" sz="1200" b="1" dirty="0">
+                  <a:latin typeface="Arial"/>
+                  <a:ea typeface="Calibri" panose="020F0502020204030204" pitchFamily="34" charset="0"/>
+                  <a:cs typeface="Arial"/>
+                </a:rPr>
+                <a:t>Randomised </a:t>
+              </a:r>
+            </a:p>
+            <a:p>
+              <a:pPr algn="ctr"/>
+              <a:r>
+                <a:rPr lang="en-CA" sz="1200" b="1" dirty="0">
+                  <a:latin typeface="Arial"/>
+                  <a:ea typeface="Calibri" panose="020F0502020204030204" pitchFamily="34" charset="0"/>
+                  <a:cs typeface="Arial"/>
+                </a:rPr>
+                <a:t>(n = 917)</a:t>
+              </a:r>
+              <a:endParaRPr lang="en-US" sz="1200" b="1" dirty="0">
+                <a:latin typeface="Arial" panose="020B0604020202020204" pitchFamily="34" charset="0"/>
+                <a:ea typeface="Calibri" panose="020F0502020204030204" pitchFamily="34" charset="0"/>
+                <a:cs typeface="Arial" panose="020B0604020202020204" pitchFamily="34" charset="0"/>
+              </a:endParaRPr>
+            </a:p>
+          </p:txBody>
+        </p:sp>
+        <p:cxnSp>
+          <p:nvCxnSpPr>
+            <p:cNvPr id="6" name="Straight Arrow Connector 5">
+              <a:extLst>
+                <a:ext uri="{FF2B5EF4-FFF2-40B4-BE49-F238E27FC236}">
+                  <a16:creationId xmlns:a16="http://schemas.microsoft.com/office/drawing/2014/main" id="{7E80A285-92D9-4C2A-B86E-F2EAEC045D6C}"/>
+                </a:ext>
+              </a:extLst>
+            </p:cNvPr>
+            <p:cNvCxnSpPr>
+              <a:cxnSpLocks noChangeShapeType="1"/>
+              <a:stCxn id="16" idx="2"/>
+              <a:endCxn id="18" idx="0"/>
+            </p:cNvCxnSpPr>
+            <p:nvPr/>
+          </p:nvCxnSpPr>
+          <p:spPr bwMode="auto">
+            <a:xfrm>
+              <a:off x="4867158" y="4067165"/>
+              <a:ext cx="4" cy="996381"/>
+            </a:xfrm>
+            <a:prstGeom prst="straightConnector1">
+              <a:avLst/>
+            </a:prstGeom>
+            <a:noFill/>
+            <a:ln w="19050">
+              <a:solidFill>
+                <a:srgbClr val="000000"/>
+              </a:solidFill>
+              <a:round/>
+              <a:headEnd/>
+              <a:tailEnd type="triangle" w="med" len="med"/>
+            </a:ln>
+            <a:effectLst/>
+            <a:extLst>
+              <a:ext uri="{909E8E84-426E-40DD-AFC4-6F175D3DCCD1}">
+                <a14:hiddenFill xmlns:a14="http://schemas.microsoft.com/office/drawing/2010/main">
+                  <a:noFill/>
+                </a14:hiddenFill>
+              </a:ext>
+              <a:ext uri="{AF507438-7753-43E0-B8FC-AC1667EBCBE1}">
+                <a14:hiddenEffects xmlns:a14="http://schemas.microsoft.com/office/drawing/2010/main">
+                  <a:effectLst>
+                    <a:outerShdw dist="35921" dir="2700000" algn="ctr" rotWithShape="0">
+                      <a:srgbClr val="CCCCCC"/>
+                    </a:outerShdw>
+                  </a:effectLst>
+                </a14:hiddenEffects>
+              </a:ext>
+            </a:extLst>
+          </p:spPr>
+        </p:cxnSp>
+        <p:cxnSp>
+          <p:nvCxnSpPr>
+            <p:cNvPr id="7" name="Straight Arrow Connector 6">
+              <a:extLst>
+                <a:ext uri="{FF2B5EF4-FFF2-40B4-BE49-F238E27FC236}">
+                  <a16:creationId xmlns:a16="http://schemas.microsoft.com/office/drawing/2014/main" id="{764E317D-8502-4E76-8B1D-E105F6C3B907}"/>
+                </a:ext>
+              </a:extLst>
+            </p:cNvPr>
+            <p:cNvCxnSpPr>
+              <a:cxnSpLocks noChangeShapeType="1"/>
+            </p:cNvCxnSpPr>
+            <p:nvPr/>
+          </p:nvCxnSpPr>
+          <p:spPr bwMode="auto">
+            <a:xfrm>
+              <a:off x="4867155" y="7285325"/>
+              <a:ext cx="2504330" cy="0"/>
+            </a:xfrm>
+            <a:prstGeom prst="straightConnector1">
+              <a:avLst/>
+            </a:prstGeom>
+            <a:noFill/>
+            <a:ln w="19050">
+              <a:solidFill>
+                <a:schemeClr val="tx1"/>
+              </a:solidFill>
+              <a:round/>
+              <a:headEnd/>
+              <a:tailEnd type="triangle" w="med" len="med"/>
+            </a:ln>
+            <a:effectLst/>
+            <a:extLst>
+              <a:ext uri="{909E8E84-426E-40DD-AFC4-6F175D3DCCD1}">
+                <a14:hiddenFill xmlns:a14="http://schemas.microsoft.com/office/drawing/2010/main">
+                  <a:noFill/>
+                </a14:hiddenFill>
+              </a:ext>
+              <a:ext uri="{AF507438-7753-43E0-B8FC-AC1667EBCBE1}">
+                <a14:hiddenEffects xmlns:a14="http://schemas.microsoft.com/office/drawing/2010/main">
+                  <a:effectLst>
+                    <a:outerShdw dist="35921" dir="2700000" algn="ctr" rotWithShape="0">
+                      <a:srgbClr val="CCCCCC"/>
+                    </a:outerShdw>
+                  </a:effectLst>
+                </a14:hiddenEffects>
+              </a:ext>
+            </a:extLst>
+          </p:spPr>
+        </p:cxnSp>
+        <p:sp>
+          <p:nvSpPr>
+            <p:cNvPr id="8" name="Rectangle 7">
+              <a:extLst>
+                <a:ext uri="{FF2B5EF4-FFF2-40B4-BE49-F238E27FC236}">
+                  <a16:creationId xmlns:a16="http://schemas.microsoft.com/office/drawing/2014/main" id="{E8AA4299-BA14-4AE7-BC6E-A884727BEB36}"/>
+                </a:ext>
+              </a:extLst>
+            </p:cNvPr>
+            <p:cNvSpPr>
+              <a:spLocks noChangeArrowheads="1"/>
+            </p:cNvSpPr>
+            <p:nvPr/>
+          </p:nvSpPr>
+          <p:spPr bwMode="auto">
+            <a:xfrm>
+              <a:off x="7461797" y="2575496"/>
+              <a:ext cx="3537821" cy="996382"/>
+            </a:xfrm>
+            <a:prstGeom prst="rect">
+              <a:avLst/>
+            </a:prstGeom>
+            <a:solidFill>
+              <a:srgbClr val="FFFFFF"/>
+            </a:solidFill>
+            <a:ln w="9525">
+              <a:solidFill>
+                <a:srgbClr val="000000"/>
+              </a:solidFill>
+              <a:miter lim="800000"/>
+              <a:headEnd/>
+              <a:tailEnd/>
+            </a:ln>
+          </p:spPr>
+          <p:txBody>
+            <a:bodyPr rot="0" vert="horz" wrap="square" lIns="28932" tIns="28932" rIns="28932" bIns="28932" anchor="ctr" anchorCtr="0" upright="1">
+              <a:noAutofit/>
+            </a:bodyPr>
+            <a:lstStyle/>
+            <a:p>
+              <a:r>
+                <a:rPr lang="en-CA" sz="1200" b="1" dirty="0">
+                  <a:latin typeface="Arial" panose="020B0604020202020204" pitchFamily="34" charset="0"/>
+                  <a:ea typeface="Calibri" panose="020F0502020204030204" pitchFamily="34" charset="0"/>
+                  <a:cs typeface="Arial" panose="020B0604020202020204" pitchFamily="34" charset="0"/>
+                </a:rPr>
+                <a:t>   Randomised to other interventions (n = 207)</a:t>
+              </a:r>
+            </a:p>
+            <a:p>
+              <a:pPr marL="72331" indent="-72331">
+                <a:buFont typeface="Arial" panose="020B0604020202020204" pitchFamily="34" charset="0"/>
+                <a:buChar char="•"/>
+              </a:pPr>
+              <a:r>
+                <a:rPr lang="en-CA" sz="1200" dirty="0">
+                  <a:latin typeface="Arial"/>
+                  <a:ea typeface="Calibri" panose="020F0502020204030204" pitchFamily="34" charset="0"/>
+                  <a:cs typeface="Arial"/>
+                </a:rPr>
+                <a:t> </a:t>
+              </a:r>
+              <a:r>
+                <a:rPr lang="en-CA" sz="1200" dirty="0" err="1">
+                  <a:latin typeface="Arial"/>
+                  <a:ea typeface="Calibri" panose="020F0502020204030204" pitchFamily="34" charset="0"/>
+                  <a:cs typeface="Arial"/>
+                </a:rPr>
+                <a:t>Casirivimab</a:t>
+              </a:r>
+              <a:r>
+                <a:rPr lang="en-CA" sz="1200" dirty="0">
+                  <a:latin typeface="Arial"/>
+                  <a:ea typeface="Calibri" panose="020F0502020204030204" pitchFamily="34" charset="0"/>
+                  <a:cs typeface="Arial"/>
+                </a:rPr>
+                <a:t>/</a:t>
+              </a:r>
+              <a:r>
+                <a:rPr lang="en-CA" sz="1200" dirty="0" err="1">
+                  <a:latin typeface="Arial"/>
+                  <a:ea typeface="Calibri" panose="020F0502020204030204" pitchFamily="34" charset="0"/>
+                  <a:cs typeface="Arial"/>
+                </a:rPr>
+                <a:t>imdevimab</a:t>
+              </a:r>
+              <a:r>
+                <a:rPr lang="en-CA" sz="1200" dirty="0">
+                  <a:latin typeface="Arial"/>
+                  <a:ea typeface="Calibri" panose="020F0502020204030204" pitchFamily="34" charset="0"/>
+                  <a:cs typeface="Arial"/>
+                </a:rPr>
+                <a:t> (n=84)</a:t>
+              </a:r>
+              <a:endParaRPr lang="en-CA" sz="1200" dirty="0">
+                <a:latin typeface="Arial" panose="020B0604020202020204" pitchFamily="34" charset="0"/>
+                <a:ea typeface="Calibri" panose="020F0502020204030204" pitchFamily="34" charset="0"/>
+                <a:cs typeface="Arial" panose="020B0604020202020204" pitchFamily="34" charset="0"/>
+              </a:endParaRPr>
+            </a:p>
+            <a:p>
+              <a:pPr marL="72331" indent="-72331">
+                <a:buFont typeface="Arial" panose="020B0604020202020204" pitchFamily="34" charset="0"/>
+                <a:buChar char="•"/>
+              </a:pPr>
+              <a:r>
+                <a:rPr lang="en-CA" sz="1200" dirty="0">
+                  <a:latin typeface="Arial" panose="020B0604020202020204" pitchFamily="34" charset="0"/>
+                  <a:ea typeface="Calibri" panose="020F0502020204030204" pitchFamily="34" charset="0"/>
+                  <a:cs typeface="Arial" panose="020B0604020202020204" pitchFamily="34" charset="0"/>
+                </a:rPr>
+                <a:t> </a:t>
+              </a:r>
+              <a:r>
+                <a:rPr lang="en-CA" sz="1200" dirty="0" err="1">
+                  <a:latin typeface="Arial" panose="020B0604020202020204" pitchFamily="34" charset="0"/>
+                  <a:ea typeface="Calibri" panose="020F0502020204030204" pitchFamily="34" charset="0"/>
+                  <a:cs typeface="Arial" panose="020B0604020202020204" pitchFamily="34" charset="0"/>
+                </a:rPr>
+                <a:t>Tixagevimab</a:t>
+              </a:r>
+              <a:r>
+                <a:rPr lang="en-CA" sz="1200" dirty="0">
+                  <a:latin typeface="Arial" panose="020B0604020202020204" pitchFamily="34" charset="0"/>
+                  <a:ea typeface="Calibri" panose="020F0502020204030204" pitchFamily="34" charset="0"/>
+                  <a:cs typeface="Arial" panose="020B0604020202020204" pitchFamily="34" charset="0"/>
+                </a:rPr>
+                <a:t>/</a:t>
+              </a:r>
+              <a:r>
+                <a:rPr lang="en-CA" sz="1200" dirty="0" err="1">
+                  <a:latin typeface="Arial" panose="020B0604020202020204" pitchFamily="34" charset="0"/>
+                  <a:ea typeface="Calibri" panose="020F0502020204030204" pitchFamily="34" charset="0"/>
+                  <a:cs typeface="Arial" panose="020B0604020202020204" pitchFamily="34" charset="0"/>
+                </a:rPr>
+                <a:t>cilgavimab</a:t>
+              </a:r>
+              <a:r>
+                <a:rPr lang="en-CA" sz="1200" dirty="0">
+                  <a:latin typeface="Arial" panose="020B0604020202020204" pitchFamily="34" charset="0"/>
+                  <a:ea typeface="Calibri" panose="020F0502020204030204" pitchFamily="34" charset="0"/>
+                  <a:cs typeface="Arial" panose="020B0604020202020204" pitchFamily="34" charset="0"/>
+                </a:rPr>
+                <a:t> (n=71)</a:t>
+              </a:r>
+            </a:p>
+            <a:p>
+              <a:pPr marL="72331" indent="-72331">
+                <a:buFont typeface="Arial" panose="020B0604020202020204" pitchFamily="34" charset="0"/>
+                <a:buChar char="•"/>
+              </a:pPr>
+              <a:r>
+                <a:rPr lang="en-CA" sz="1200" dirty="0">
+                  <a:latin typeface="Arial" panose="020B0604020202020204" pitchFamily="34" charset="0"/>
+                  <a:ea typeface="Calibri" panose="020F0502020204030204" pitchFamily="34" charset="0"/>
+                  <a:cs typeface="Arial" panose="020B0604020202020204" pitchFamily="34" charset="0"/>
+                </a:rPr>
+                <a:t> </a:t>
+              </a:r>
+              <a:r>
+                <a:rPr lang="en-CA" sz="1200" dirty="0" err="1">
+                  <a:latin typeface="Arial" panose="020B0604020202020204" pitchFamily="34" charset="0"/>
+                  <a:ea typeface="Calibri" panose="020F0502020204030204" pitchFamily="34" charset="0"/>
+                  <a:cs typeface="Arial" panose="020B0604020202020204" pitchFamily="34" charset="0"/>
+                </a:rPr>
+                <a:t>Ensitrelvir</a:t>
+              </a:r>
+              <a:r>
+                <a:rPr lang="en-CA" sz="1200" dirty="0">
+                  <a:latin typeface="Arial" panose="020B0604020202020204" pitchFamily="34" charset="0"/>
+                  <a:ea typeface="Calibri" panose="020F0502020204030204" pitchFamily="34" charset="0"/>
+                  <a:cs typeface="Arial" panose="020B0604020202020204" pitchFamily="34" charset="0"/>
+                </a:rPr>
+                <a:t> (n=28)</a:t>
+              </a:r>
+            </a:p>
+            <a:p>
+              <a:pPr marL="72331" indent="-72331">
+                <a:buFont typeface="Arial" panose="020B0604020202020204" pitchFamily="34" charset="0"/>
+                <a:buChar char="•"/>
+              </a:pPr>
+              <a:r>
+                <a:rPr lang="en-CA" sz="1200" dirty="0">
+                  <a:latin typeface="Arial" panose="020B0604020202020204" pitchFamily="34" charset="0"/>
+                  <a:ea typeface="Calibri" panose="020F0502020204030204" pitchFamily="34" charset="0"/>
+                  <a:cs typeface="Arial" panose="020B0604020202020204" pitchFamily="34" charset="0"/>
+                </a:rPr>
+                <a:t> Nitazoxanide (n=24)</a:t>
+              </a:r>
+            </a:p>
+          </p:txBody>
+        </p:sp>
+        <p:cxnSp>
+          <p:nvCxnSpPr>
+            <p:cNvPr id="9" name="Straight Arrow Connector 8">
+              <a:extLst>
+                <a:ext uri="{FF2B5EF4-FFF2-40B4-BE49-F238E27FC236}">
+                  <a16:creationId xmlns:a16="http://schemas.microsoft.com/office/drawing/2014/main" id="{1CB17E55-7FAE-45A8-A44D-CEF9DC8B4F8F}"/>
+                </a:ext>
+              </a:extLst>
+            </p:cNvPr>
+            <p:cNvCxnSpPr>
+              <a:cxnSpLocks noChangeShapeType="1"/>
+            </p:cNvCxnSpPr>
+            <p:nvPr/>
+          </p:nvCxnSpPr>
+          <p:spPr bwMode="auto">
+            <a:xfrm>
+              <a:off x="4873678" y="2999346"/>
+              <a:ext cx="2588119" cy="0"/>
+            </a:xfrm>
+            <a:prstGeom prst="straightConnector1">
+              <a:avLst/>
+            </a:prstGeom>
+            <a:noFill/>
+            <a:ln w="19050">
+              <a:solidFill>
+                <a:schemeClr val="tx1"/>
+              </a:solidFill>
+              <a:round/>
+              <a:headEnd/>
+              <a:tailEnd type="triangle" w="med" len="med"/>
+            </a:ln>
+            <a:effectLst/>
+            <a:extLst>
+              <a:ext uri="{909E8E84-426E-40DD-AFC4-6F175D3DCCD1}">
+                <a14:hiddenFill xmlns:a14="http://schemas.microsoft.com/office/drawing/2010/main">
+                  <a:noFill/>
+                </a14:hiddenFill>
+              </a:ext>
+              <a:ext uri="{AF507438-7753-43E0-B8FC-AC1667EBCBE1}">
+                <a14:hiddenEffects xmlns:a14="http://schemas.microsoft.com/office/drawing/2010/main">
+                  <a:effectLst>
+                    <a:outerShdw dist="35921" dir="2700000" algn="ctr" rotWithShape="0">
+                      <a:srgbClr val="CCCCCC"/>
+                    </a:outerShdw>
+                  </a:effectLst>
+                </a14:hiddenEffects>
+              </a:ext>
+            </a:extLst>
+          </p:spPr>
+        </p:cxnSp>
+        <p:sp>
+          <p:nvSpPr>
+            <p:cNvPr id="10" name="Rectangle 9">
+              <a:extLst>
+                <a:ext uri="{FF2B5EF4-FFF2-40B4-BE49-F238E27FC236}">
+                  <a16:creationId xmlns:a16="http://schemas.microsoft.com/office/drawing/2014/main" id="{F20AE9D1-DABE-4CC6-9587-16A387F6149D}"/>
+                </a:ext>
+              </a:extLst>
+            </p:cNvPr>
+            <p:cNvSpPr>
+              <a:spLocks noChangeArrowheads="1"/>
+            </p:cNvSpPr>
+            <p:nvPr/>
+          </p:nvSpPr>
+          <p:spPr bwMode="auto">
+            <a:xfrm>
+              <a:off x="3234868" y="588544"/>
+              <a:ext cx="3264574" cy="495288"/>
+            </a:xfrm>
+            <a:prstGeom prst="rect">
+              <a:avLst/>
+            </a:prstGeom>
+            <a:solidFill>
+              <a:srgbClr val="FFFFFF"/>
+            </a:solidFill>
+            <a:ln w="9525">
+              <a:solidFill>
+                <a:srgbClr val="000000"/>
+              </a:solidFill>
+              <a:miter lim="800000"/>
+              <a:headEnd/>
+              <a:tailEnd/>
+            </a:ln>
+          </p:spPr>
+          <p:txBody>
+            <a:bodyPr rot="0" vert="horz" wrap="square" lIns="28932" tIns="28932" rIns="28932" bIns="28932" anchor="ctr" anchorCtr="0" upright="1">
+              <a:noAutofit/>
+            </a:bodyPr>
+            <a:lstStyle/>
+            <a:p>
+              <a:pPr algn="ctr"/>
+              <a:r>
+                <a:rPr lang="en-CA" sz="1200" b="1" dirty="0">
+                  <a:latin typeface="Arial" panose="020B0604020202020204" pitchFamily="34" charset="0"/>
+                  <a:ea typeface="Calibri" panose="020F0502020204030204" pitchFamily="34" charset="0"/>
+                  <a:cs typeface="Arial" panose="020B0604020202020204" pitchFamily="34" charset="0"/>
+                </a:rPr>
+                <a:t>Assessed for eligibility </a:t>
+              </a:r>
+            </a:p>
+            <a:p>
+              <a:pPr algn="ctr"/>
+              <a:r>
+                <a:rPr lang="en-CA" sz="1200" b="1" dirty="0">
+                  <a:latin typeface="Arial" panose="020B0604020202020204" pitchFamily="34" charset="0"/>
+                  <a:ea typeface="Calibri" panose="020F0502020204030204" pitchFamily="34" charset="0"/>
+                  <a:cs typeface="Arial" panose="020B0604020202020204" pitchFamily="34" charset="0"/>
+                </a:rPr>
+                <a:t>(n </a:t>
+              </a:r>
+              <a:r>
+                <a:rPr lang="en-US" sz="1200" b="1" dirty="0">
+                  <a:latin typeface="Arial" panose="020B0604020202020204" pitchFamily="34" charset="0"/>
+                  <a:ea typeface="Calibri" panose="020F0502020204030204" pitchFamily="34" charset="0"/>
+                  <a:cs typeface="Arial" panose="020B0604020202020204" pitchFamily="34" charset="0"/>
+                </a:rPr>
+                <a:t>= 966</a:t>
+              </a:r>
+              <a:r>
+                <a:rPr lang="en-CA" sz="1200" b="1" dirty="0">
+                  <a:latin typeface="Arial" panose="020B0604020202020204" pitchFamily="34" charset="0"/>
+                  <a:ea typeface="Calibri" panose="020F0502020204030204" pitchFamily="34" charset="0"/>
+                  <a:cs typeface="Arial" panose="020B0604020202020204" pitchFamily="34" charset="0"/>
+                </a:rPr>
+                <a:t>)</a:t>
+              </a:r>
+              <a:endParaRPr lang="en-US" sz="1200" b="1" dirty="0">
+                <a:latin typeface="Arial" panose="020B0604020202020204" pitchFamily="34" charset="0"/>
+                <a:ea typeface="Calibri" panose="020F0502020204030204" pitchFamily="34" charset="0"/>
+                <a:cs typeface="Arial" panose="020B0604020202020204" pitchFamily="34" charset="0"/>
+              </a:endParaRPr>
+            </a:p>
+          </p:txBody>
+        </p:sp>
+        <p:cxnSp>
+          <p:nvCxnSpPr>
+            <p:cNvPr id="11" name="Straight Arrow Connector 10">
+              <a:extLst>
+                <a:ext uri="{FF2B5EF4-FFF2-40B4-BE49-F238E27FC236}">
+                  <a16:creationId xmlns:a16="http://schemas.microsoft.com/office/drawing/2014/main" id="{0EE42BEA-F701-4AA0-9E07-3AC444CB62E9}"/>
+                </a:ext>
+              </a:extLst>
+            </p:cNvPr>
+            <p:cNvCxnSpPr>
+              <a:cxnSpLocks noChangeShapeType="1"/>
+            </p:cNvCxnSpPr>
+            <p:nvPr/>
+          </p:nvCxnSpPr>
+          <p:spPr bwMode="auto">
+            <a:xfrm flipV="1">
+              <a:off x="4873678" y="4587301"/>
+              <a:ext cx="2588120" cy="3792"/>
+            </a:xfrm>
+            <a:prstGeom prst="straightConnector1">
+              <a:avLst/>
+            </a:prstGeom>
+            <a:noFill/>
+            <a:ln w="19050">
+              <a:solidFill>
+                <a:schemeClr val="tx1"/>
+              </a:solidFill>
+              <a:round/>
+              <a:headEnd/>
+              <a:tailEnd type="triangle" w="med" len="med"/>
+            </a:ln>
+            <a:effectLst/>
+            <a:extLst>
+              <a:ext uri="{909E8E84-426E-40DD-AFC4-6F175D3DCCD1}">
+                <a14:hiddenFill xmlns:a14="http://schemas.microsoft.com/office/drawing/2010/main">
+                  <a:noFill/>
+                </a14:hiddenFill>
+              </a:ext>
+              <a:ext uri="{AF507438-7753-43E0-B8FC-AC1667EBCBE1}">
+                <a14:hiddenEffects xmlns:a14="http://schemas.microsoft.com/office/drawing/2010/main">
+                  <a:effectLst>
+                    <a:outerShdw dist="35921" dir="2700000" algn="ctr" rotWithShape="0">
+                      <a:srgbClr val="CCCCCC"/>
+                    </a:outerShdw>
+                  </a:effectLst>
+                </a14:hiddenEffects>
+              </a:ext>
+            </a:extLst>
+          </p:spPr>
+        </p:cxnSp>
+        <p:sp>
+          <p:nvSpPr>
+            <p:cNvPr id="12" name="TextBox 11">
+              <a:extLst>
+                <a:ext uri="{FF2B5EF4-FFF2-40B4-BE49-F238E27FC236}">
+                  <a16:creationId xmlns:a16="http://schemas.microsoft.com/office/drawing/2014/main" id="{24E53F1E-3E88-4767-A1D6-6408D7C3D168}"/>
+                </a:ext>
+              </a:extLst>
+            </p:cNvPr>
+            <p:cNvSpPr txBox="1"/>
+            <p:nvPr/>
+          </p:nvSpPr>
+          <p:spPr>
+            <a:xfrm>
+              <a:off x="863616" y="1505992"/>
+              <a:ext cx="1313774" cy="281165"/>
+            </a:xfrm>
+            <a:prstGeom prst="rect">
+              <a:avLst/>
+            </a:prstGeom>
+            <a:solidFill>
+              <a:schemeClr val="bg1">
+                <a:lumMod val="85000"/>
+              </a:schemeClr>
+            </a:solidFill>
+            <a:ln>
+              <a:solidFill>
+                <a:schemeClr val="bg2">
+                  <a:lumMod val="50000"/>
+                </a:schemeClr>
+              </a:solidFill>
+            </a:ln>
+          </p:spPr>
+          <p:txBody>
+            <a:bodyPr wrap="square" rtlCol="0">
+              <a:spAutoFit/>
+            </a:bodyPr>
+            <a:lstStyle/>
+            <a:p>
+              <a:pPr algn="ctr"/>
+              <a:r>
+                <a:rPr lang="en-GB" sz="1200" b="1" dirty="0">
+                  <a:latin typeface="Arial" panose="020B0604020202020204" pitchFamily="34" charset="0"/>
+                  <a:cs typeface="Arial" panose="020B0604020202020204" pitchFamily="34" charset="0"/>
+                </a:rPr>
+                <a:t>Enrolment</a:t>
+              </a:r>
+            </a:p>
+          </p:txBody>
+        </p:sp>
+        <p:sp>
+          <p:nvSpPr>
+            <p:cNvPr id="13" name="TextBox 12">
+              <a:extLst>
+                <a:ext uri="{FF2B5EF4-FFF2-40B4-BE49-F238E27FC236}">
+                  <a16:creationId xmlns:a16="http://schemas.microsoft.com/office/drawing/2014/main" id="{221328BD-3A97-428F-B31A-21BA70B81AF4}"/>
+                </a:ext>
+              </a:extLst>
+            </p:cNvPr>
+            <p:cNvSpPr txBox="1"/>
+            <p:nvPr/>
+          </p:nvSpPr>
+          <p:spPr>
+            <a:xfrm>
+              <a:off x="863616" y="2858763"/>
+              <a:ext cx="1313774" cy="281165"/>
+            </a:xfrm>
+            <a:prstGeom prst="rect">
+              <a:avLst/>
+            </a:prstGeom>
+            <a:solidFill>
+              <a:schemeClr val="bg1">
+                <a:lumMod val="85000"/>
+              </a:schemeClr>
+            </a:solidFill>
+            <a:ln>
+              <a:solidFill>
+                <a:schemeClr val="bg2">
+                  <a:lumMod val="50000"/>
+                </a:schemeClr>
+              </a:solidFill>
+            </a:ln>
+          </p:spPr>
+          <p:txBody>
+            <a:bodyPr wrap="square" rtlCol="0">
+              <a:spAutoFit/>
+            </a:bodyPr>
+            <a:lstStyle/>
+            <a:p>
+              <a:pPr algn="ctr"/>
+              <a:r>
+                <a:rPr lang="en-GB" sz="1200" b="1" dirty="0">
+                  <a:latin typeface="Arial" panose="020B0604020202020204" pitchFamily="34" charset="0"/>
+                  <a:cs typeface="Arial" panose="020B0604020202020204" pitchFamily="34" charset="0"/>
+                </a:rPr>
+                <a:t>Allocation</a:t>
+              </a:r>
+            </a:p>
+          </p:txBody>
+        </p:sp>
+        <p:sp>
+          <p:nvSpPr>
+            <p:cNvPr id="14" name="TextBox 13">
+              <a:extLst>
+                <a:ext uri="{FF2B5EF4-FFF2-40B4-BE49-F238E27FC236}">
+                  <a16:creationId xmlns:a16="http://schemas.microsoft.com/office/drawing/2014/main" id="{B05E9439-331C-47C1-9B79-A9E3DFE88BDC}"/>
+                </a:ext>
+              </a:extLst>
+            </p:cNvPr>
+            <p:cNvSpPr txBox="1"/>
+            <p:nvPr/>
+          </p:nvSpPr>
+          <p:spPr>
+            <a:xfrm>
+              <a:off x="863616" y="4431417"/>
+              <a:ext cx="1313774" cy="276999"/>
+            </a:xfrm>
+            <a:prstGeom prst="rect">
+              <a:avLst/>
+            </a:prstGeom>
+            <a:solidFill>
+              <a:schemeClr val="bg1">
+                <a:lumMod val="85000"/>
+              </a:schemeClr>
+            </a:solidFill>
+            <a:ln>
+              <a:solidFill>
+                <a:schemeClr val="bg2">
+                  <a:lumMod val="50000"/>
+                </a:schemeClr>
+              </a:solidFill>
+            </a:ln>
+          </p:spPr>
+          <p:txBody>
+            <a:bodyPr wrap="square" rtlCol="0">
+              <a:spAutoFit/>
+            </a:bodyPr>
+            <a:lstStyle/>
+            <a:p>
+              <a:pPr algn="ctr"/>
+              <a:r>
+                <a:rPr lang="en-GB" sz="1200" b="1" dirty="0">
+                  <a:latin typeface="Arial" panose="020B0604020202020204" pitchFamily="34" charset="0"/>
+                  <a:cs typeface="Arial" panose="020B0604020202020204" pitchFamily="34" charset="0"/>
+                </a:rPr>
+                <a:t>Meta-analysis</a:t>
+              </a:r>
+            </a:p>
+          </p:txBody>
+        </p:sp>
+        <p:sp>
+          <p:nvSpPr>
+            <p:cNvPr id="15" name="Rectangle 14">
+              <a:extLst>
+                <a:ext uri="{FF2B5EF4-FFF2-40B4-BE49-F238E27FC236}">
+                  <a16:creationId xmlns:a16="http://schemas.microsoft.com/office/drawing/2014/main" id="{B94F2A96-B370-4C27-9A15-97C1C5B1A766}"/>
+                </a:ext>
+              </a:extLst>
+            </p:cNvPr>
+            <p:cNvSpPr>
+              <a:spLocks noChangeArrowheads="1"/>
+            </p:cNvSpPr>
+            <p:nvPr/>
+          </p:nvSpPr>
+          <p:spPr bwMode="auto">
+            <a:xfrm>
+              <a:off x="7461797" y="4249737"/>
+              <a:ext cx="3537813" cy="684180"/>
+            </a:xfrm>
+            <a:prstGeom prst="rect">
+              <a:avLst/>
+            </a:prstGeom>
+            <a:solidFill>
+              <a:srgbClr val="FFFFFF"/>
+            </a:solidFill>
+            <a:ln w="9525">
+              <a:solidFill>
+                <a:srgbClr val="000000"/>
+              </a:solidFill>
+              <a:miter lim="800000"/>
+              <a:headEnd/>
+              <a:tailEnd/>
+            </a:ln>
+          </p:spPr>
+          <p:txBody>
+            <a:bodyPr rot="0" vert="horz" wrap="square" lIns="28932" tIns="28932" rIns="28932" bIns="28932" anchor="ctr" anchorCtr="0" upright="1">
+              <a:noAutofit/>
+            </a:bodyPr>
+            <a:lstStyle/>
+            <a:p>
+              <a:r>
+                <a:rPr lang="en-US" sz="1200" b="1" dirty="0">
+                  <a:latin typeface="Arial" panose="020B0604020202020204" pitchFamily="34" charset="0"/>
+                  <a:ea typeface="Calibri" panose="020F0502020204030204" pitchFamily="34" charset="0"/>
+                  <a:cs typeface="Arial" panose="020B0604020202020204" pitchFamily="34" charset="0"/>
+                </a:rPr>
+                <a:t>   Excluded from analysis (n = 15)</a:t>
+              </a:r>
+            </a:p>
+            <a:p>
+              <a:pPr marL="90413" indent="-90413">
+                <a:buFont typeface="Arial" panose="020B0604020202020204" pitchFamily="34" charset="0"/>
+                <a:buChar char="•"/>
+              </a:pPr>
+              <a:r>
+                <a:rPr lang="en-US" sz="1200" dirty="0">
+                  <a:latin typeface="Arial" panose="020B0604020202020204" pitchFamily="34" charset="0"/>
+                  <a:ea typeface="Calibri" panose="020F0502020204030204" pitchFamily="34" charset="0"/>
+                  <a:cs typeface="Arial" panose="020B0604020202020204" pitchFamily="34" charset="0"/>
+                </a:rPr>
+                <a:t> Non-compliance (n = 8)</a:t>
+              </a:r>
+            </a:p>
+            <a:p>
+              <a:pPr marL="90413" indent="-90413">
+                <a:buFont typeface="Arial" panose="020B0604020202020204" pitchFamily="34" charset="0"/>
+                <a:buChar char="•"/>
+              </a:pPr>
+              <a:r>
+                <a:rPr lang="en-US" sz="1200" dirty="0">
+                  <a:latin typeface="Arial" panose="020B0604020202020204" pitchFamily="34" charset="0"/>
+                  <a:ea typeface="Calibri" panose="020F0502020204030204" pitchFamily="34" charset="0"/>
+                  <a:cs typeface="Arial" panose="020B0604020202020204" pitchFamily="34" charset="0"/>
+                </a:rPr>
+                <a:t> Withdrew consent (n = 7)</a:t>
+              </a:r>
+            </a:p>
+          </p:txBody>
+        </p:sp>
+        <p:sp>
+          <p:nvSpPr>
+            <p:cNvPr id="16" name="Rectangle 15">
+              <a:extLst>
+                <a:ext uri="{FF2B5EF4-FFF2-40B4-BE49-F238E27FC236}">
+                  <a16:creationId xmlns:a16="http://schemas.microsoft.com/office/drawing/2014/main" id="{B28C7334-8865-40A8-A448-A5E71839511A}"/>
+                </a:ext>
+              </a:extLst>
+            </p:cNvPr>
+            <p:cNvSpPr>
+              <a:spLocks noChangeArrowheads="1"/>
+            </p:cNvSpPr>
+            <p:nvPr/>
+          </p:nvSpPr>
+          <p:spPr bwMode="auto">
+            <a:xfrm>
+              <a:off x="3234871" y="3571877"/>
+              <a:ext cx="3264574" cy="495288"/>
+            </a:xfrm>
+            <a:prstGeom prst="rect">
+              <a:avLst/>
+            </a:prstGeom>
+            <a:solidFill>
+              <a:srgbClr val="FFFFFF"/>
+            </a:solidFill>
+            <a:ln w="9525">
+              <a:solidFill>
+                <a:srgbClr val="000000"/>
+              </a:solidFill>
+              <a:miter lim="800000"/>
+              <a:headEnd/>
+              <a:tailEnd/>
+            </a:ln>
+          </p:spPr>
+          <p:txBody>
+            <a:bodyPr rot="0" vert="horz" wrap="square" lIns="28932" tIns="28932" rIns="28932" bIns="28932" anchor="ctr" anchorCtr="0" upright="1">
+              <a:noAutofit/>
+            </a:bodyPr>
+            <a:lstStyle/>
+            <a:p>
+              <a:pPr algn="ctr"/>
+              <a:r>
+                <a:rPr lang="en-CA" sz="1200" b="1" dirty="0">
+                  <a:latin typeface="Arial"/>
+                  <a:ea typeface="Calibri" panose="020F0502020204030204" pitchFamily="34" charset="0"/>
+                  <a:cs typeface="Arial"/>
+                </a:rPr>
+                <a:t> ITT in included drug arms </a:t>
+              </a:r>
+            </a:p>
+            <a:p>
+              <a:pPr algn="ctr"/>
+              <a:r>
+                <a:rPr lang="en-CA" sz="1200" b="1" dirty="0">
+                  <a:latin typeface="Arial"/>
+                  <a:ea typeface="Calibri" panose="020F0502020204030204" pitchFamily="34" charset="0"/>
+                  <a:cs typeface="Arial"/>
+                </a:rPr>
+                <a:t>(n = 710)</a:t>
+              </a:r>
+            </a:p>
+          </p:txBody>
+        </p:sp>
+        <p:cxnSp>
+          <p:nvCxnSpPr>
+            <p:cNvPr id="17" name="Straight Arrow Connector 16">
+              <a:extLst>
+                <a:ext uri="{FF2B5EF4-FFF2-40B4-BE49-F238E27FC236}">
+                  <a16:creationId xmlns:a16="http://schemas.microsoft.com/office/drawing/2014/main" id="{6824FCA4-777D-442E-9C16-951B19955872}"/>
+                </a:ext>
+              </a:extLst>
+            </p:cNvPr>
+            <p:cNvCxnSpPr>
+              <a:cxnSpLocks noChangeShapeType="1"/>
+              <a:stCxn id="18" idx="2"/>
+              <a:endCxn id="20" idx="0"/>
+            </p:cNvCxnSpPr>
+            <p:nvPr/>
+          </p:nvCxnSpPr>
+          <p:spPr bwMode="auto">
+            <a:xfrm flipH="1">
+              <a:off x="4867159" y="6721168"/>
+              <a:ext cx="3" cy="996383"/>
+            </a:xfrm>
+            <a:prstGeom prst="straightConnector1">
+              <a:avLst/>
+            </a:prstGeom>
+            <a:noFill/>
+            <a:ln w="19050">
+              <a:solidFill>
+                <a:schemeClr val="tx1"/>
+              </a:solidFill>
+              <a:round/>
+              <a:headEnd/>
+              <a:tailEnd type="triangle" w="med" len="med"/>
+            </a:ln>
+            <a:effectLst/>
+            <a:extLst>
+              <a:ext uri="{909E8E84-426E-40DD-AFC4-6F175D3DCCD1}">
+                <a14:hiddenFill xmlns:a14="http://schemas.microsoft.com/office/drawing/2010/main">
+                  <a:noFill/>
+                </a14:hiddenFill>
+              </a:ext>
+              <a:ext uri="{AF507438-7753-43E0-B8FC-AC1667EBCBE1}">
+                <a14:hiddenEffects xmlns:a14="http://schemas.microsoft.com/office/drawing/2010/main">
+                  <a:effectLst>
+                    <a:outerShdw dist="35921" dir="2700000" algn="ctr" rotWithShape="0">
+                      <a:srgbClr val="CCCCCC"/>
+                    </a:outerShdw>
+                  </a:effectLst>
+                </a14:hiddenEffects>
+              </a:ext>
+            </a:extLst>
+          </p:spPr>
+        </p:cxnSp>
+        <p:sp>
+          <p:nvSpPr>
+            <p:cNvPr id="18" name="Rectangle 17">
+              <a:extLst>
+                <a:ext uri="{FF2B5EF4-FFF2-40B4-BE49-F238E27FC236}">
+                  <a16:creationId xmlns:a16="http://schemas.microsoft.com/office/drawing/2014/main" id="{F722F56A-3524-4BF3-A975-BF0149807E31}"/>
+                </a:ext>
+              </a:extLst>
+            </p:cNvPr>
+            <p:cNvSpPr>
+              <a:spLocks noChangeArrowheads="1"/>
+            </p:cNvSpPr>
+            <p:nvPr/>
+          </p:nvSpPr>
+          <p:spPr bwMode="auto">
+            <a:xfrm>
+              <a:off x="3234875" y="5063546"/>
+              <a:ext cx="3264574" cy="1657622"/>
+            </a:xfrm>
+            <a:prstGeom prst="rect">
+              <a:avLst/>
+            </a:prstGeom>
+            <a:solidFill>
+              <a:srgbClr val="FFFFFF"/>
+            </a:solidFill>
+            <a:ln w="9525">
+              <a:solidFill>
+                <a:srgbClr val="000000"/>
+              </a:solidFill>
+              <a:miter lim="800000"/>
+              <a:headEnd/>
+              <a:tailEnd/>
+            </a:ln>
+          </p:spPr>
+          <p:txBody>
+            <a:bodyPr rot="0" vert="horz" wrap="square" lIns="28932" tIns="28932" rIns="28932" bIns="28932" anchor="ctr" anchorCtr="0" upright="1">
+              <a:noAutofit/>
+            </a:bodyPr>
+            <a:lstStyle/>
+            <a:p>
+              <a:r>
+                <a:rPr lang="en-CA" sz="1200" b="1" dirty="0">
+                  <a:latin typeface="Arial"/>
+                  <a:ea typeface="Calibri" panose="020F0502020204030204" pitchFamily="34" charset="0"/>
+                  <a:cs typeface="Arial"/>
+                </a:rPr>
+                <a:t>   Analysed dataset for meta-analysis; </a:t>
+              </a:r>
+            </a:p>
+            <a:p>
+              <a:r>
+                <a:rPr lang="en-CA" sz="1200" b="1" dirty="0">
+                  <a:latin typeface="Arial"/>
+                  <a:ea typeface="Calibri" panose="020F0502020204030204" pitchFamily="34" charset="0"/>
+                  <a:cs typeface="Arial"/>
+                </a:rPr>
+                <a:t>   </a:t>
+              </a:r>
+              <a:r>
+                <a:rPr lang="en-CA" sz="1200" b="1" dirty="0" err="1">
+                  <a:latin typeface="Arial"/>
+                  <a:ea typeface="Calibri" panose="020F0502020204030204" pitchFamily="34" charset="0"/>
+                  <a:cs typeface="Arial"/>
+                </a:rPr>
+                <a:t>mITT</a:t>
+              </a:r>
+              <a:r>
+                <a:rPr lang="en-CA" sz="1200" b="1" dirty="0">
+                  <a:latin typeface="Arial"/>
+                  <a:ea typeface="Calibri" panose="020F0502020204030204" pitchFamily="34" charset="0"/>
+                  <a:cs typeface="Arial"/>
+                </a:rPr>
+                <a:t> (n = 695)</a:t>
+              </a:r>
+            </a:p>
+            <a:p>
+              <a:pPr marL="54248" indent="-54248">
+                <a:buFont typeface="Arial" panose="020B0604020202020204" pitchFamily="34" charset="0"/>
+                <a:buChar char="•"/>
+              </a:pPr>
+              <a:r>
+                <a:rPr lang="en-CA" sz="1200" dirty="0">
+                  <a:latin typeface="Arial"/>
+                  <a:ea typeface="Calibri" panose="020F0502020204030204" pitchFamily="34" charset="0"/>
+                  <a:cs typeface="Arial"/>
+                </a:rPr>
+                <a:t> Fluoxetine (n = 116)</a:t>
+              </a:r>
+            </a:p>
+            <a:p>
+              <a:pPr marL="54248" indent="-54248">
+                <a:buFont typeface="Arial" panose="020B0604020202020204" pitchFamily="34" charset="0"/>
+                <a:buChar char="•"/>
+              </a:pPr>
+              <a:r>
+                <a:rPr lang="en-CA" sz="1200" dirty="0">
+                  <a:latin typeface="Arial"/>
+                  <a:ea typeface="Calibri" panose="020F0502020204030204" pitchFamily="34" charset="0"/>
+                  <a:cs typeface="Arial"/>
+                </a:rPr>
+                <a:t> No study drug (n = 198)</a:t>
+              </a:r>
+            </a:p>
+            <a:p>
+              <a:pPr marL="54248" indent="-54248">
+                <a:buFont typeface="Arial" panose="020B0604020202020204" pitchFamily="34" charset="0"/>
+                <a:buChar char="•"/>
+              </a:pPr>
+              <a:r>
+                <a:rPr lang="en-CA" sz="1200" dirty="0">
+                  <a:latin typeface="Arial"/>
+                  <a:ea typeface="Calibri" panose="020F0502020204030204" pitchFamily="34" charset="0"/>
+                  <a:cs typeface="Arial"/>
+                </a:rPr>
+                <a:t> Favipiravir (n = 114)</a:t>
+              </a:r>
+            </a:p>
+            <a:p>
+              <a:pPr marL="54248" indent="-54248">
+                <a:buFont typeface="Arial" panose="020B0604020202020204" pitchFamily="34" charset="0"/>
+                <a:buChar char="•"/>
+              </a:pPr>
+              <a:r>
+                <a:rPr lang="en-CA" sz="1200" dirty="0">
+                  <a:latin typeface="Arial"/>
+                  <a:ea typeface="Calibri" panose="020F0502020204030204" pitchFamily="34" charset="0"/>
+                  <a:cs typeface="Arial"/>
+                </a:rPr>
+                <a:t> </a:t>
+              </a:r>
+              <a:r>
+                <a:rPr lang="en-CA" sz="1200" dirty="0" err="1">
+                  <a:latin typeface="Arial"/>
+                  <a:ea typeface="Calibri" panose="020F0502020204030204" pitchFamily="34" charset="0"/>
+                  <a:cs typeface="Arial"/>
+                </a:rPr>
+                <a:t>Nirmatrelvir</a:t>
+              </a:r>
+              <a:r>
+                <a:rPr lang="en-CA" sz="1200" dirty="0">
+                  <a:latin typeface="Arial"/>
+                  <a:ea typeface="Calibri" panose="020F0502020204030204" pitchFamily="34" charset="0"/>
+                  <a:cs typeface="Arial"/>
+                </a:rPr>
+                <a:t> (n = 90)</a:t>
+              </a:r>
+            </a:p>
+            <a:p>
+              <a:pPr marL="54248" indent="-54248">
+                <a:buFont typeface="Arial" panose="020B0604020202020204" pitchFamily="34" charset="0"/>
+                <a:buChar char="•"/>
+              </a:pPr>
+              <a:r>
+                <a:rPr lang="en-CA" sz="1200" dirty="0">
+                  <a:latin typeface="Arial"/>
+                  <a:ea typeface="Calibri" panose="020F0502020204030204" pitchFamily="34" charset="0"/>
+                  <a:cs typeface="Arial"/>
+                </a:rPr>
+                <a:t> Remdesivir (n = 67) </a:t>
+              </a:r>
+            </a:p>
+            <a:p>
+              <a:pPr marL="54248" indent="-54248">
+                <a:buFont typeface="Arial" panose="020B0604020202020204" pitchFamily="34" charset="0"/>
+                <a:buChar char="•"/>
+              </a:pPr>
+              <a:r>
+                <a:rPr lang="en-CA" sz="1200" dirty="0">
+                  <a:latin typeface="Arial"/>
+                  <a:ea typeface="Calibri" panose="020F0502020204030204" pitchFamily="34" charset="0"/>
+                  <a:cs typeface="Arial"/>
+                </a:rPr>
+                <a:t> </a:t>
+              </a:r>
+              <a:r>
+                <a:rPr lang="en-CA" sz="1200" dirty="0" err="1">
+                  <a:latin typeface="Arial"/>
+                  <a:ea typeface="Calibri" panose="020F0502020204030204" pitchFamily="34" charset="0"/>
+                  <a:cs typeface="Arial"/>
+                </a:rPr>
+                <a:t>Molnupiravir</a:t>
+              </a:r>
+              <a:r>
+                <a:rPr lang="en-CA" sz="1200" dirty="0">
+                  <a:latin typeface="Arial"/>
+                  <a:ea typeface="Calibri" panose="020F0502020204030204" pitchFamily="34" charset="0"/>
+                  <a:cs typeface="Arial"/>
+                </a:rPr>
+                <a:t> (n = 66)</a:t>
+              </a:r>
+            </a:p>
+            <a:p>
+              <a:pPr marL="54248" indent="-54248">
+                <a:buFont typeface="Arial" panose="020B0604020202020204" pitchFamily="34" charset="0"/>
+                <a:buChar char="•"/>
+              </a:pPr>
+              <a:r>
+                <a:rPr lang="en-CA" sz="1200" dirty="0">
+                  <a:latin typeface="Arial"/>
+                  <a:ea typeface="Calibri" panose="020F0502020204030204" pitchFamily="34" charset="0"/>
+                  <a:cs typeface="Arial"/>
+                </a:rPr>
+                <a:t> Ivermectin (n = 44)</a:t>
+              </a:r>
+            </a:p>
+          </p:txBody>
+        </p:sp>
+        <p:sp>
+          <p:nvSpPr>
+            <p:cNvPr id="19" name="Rectangle 18">
+              <a:extLst>
+                <a:ext uri="{FF2B5EF4-FFF2-40B4-BE49-F238E27FC236}">
+                  <a16:creationId xmlns:a16="http://schemas.microsoft.com/office/drawing/2014/main" id="{F62B78F1-E8F9-489F-A301-8C58891CF0F1}"/>
+                </a:ext>
+              </a:extLst>
+            </p:cNvPr>
+            <p:cNvSpPr>
+              <a:spLocks noChangeArrowheads="1"/>
+            </p:cNvSpPr>
+            <p:nvPr/>
+          </p:nvSpPr>
+          <p:spPr bwMode="auto">
+            <a:xfrm>
+              <a:off x="7586759" y="1173104"/>
+              <a:ext cx="3537817" cy="946943"/>
+            </a:xfrm>
+            <a:prstGeom prst="rect">
+              <a:avLst/>
+            </a:prstGeom>
+            <a:solidFill>
+              <a:srgbClr val="FFFFFF"/>
+            </a:solidFill>
+            <a:ln w="9525">
+              <a:solidFill>
+                <a:srgbClr val="000000"/>
+              </a:solidFill>
+              <a:miter lim="800000"/>
+              <a:headEnd/>
+              <a:tailEnd/>
+            </a:ln>
+          </p:spPr>
+          <p:txBody>
+            <a:bodyPr rot="0" vert="horz" wrap="square" lIns="28932" tIns="28932" rIns="28932" bIns="28932" anchor="ctr" anchorCtr="0" upright="1">
+              <a:noAutofit/>
+            </a:bodyPr>
+            <a:lstStyle/>
+            <a:p>
+              <a:r>
+                <a:rPr lang="en-CA" sz="1200" b="1" dirty="0">
+                  <a:latin typeface="Arial" panose="020B0604020202020204" pitchFamily="34" charset="0"/>
+                  <a:ea typeface="Calibri" panose="020F0502020204030204" pitchFamily="34" charset="0"/>
+                  <a:cs typeface="Arial" panose="020B0604020202020204" pitchFamily="34" charset="0"/>
+                </a:rPr>
+                <a:t>   Excluded (n = 49)</a:t>
+              </a:r>
+              <a:endParaRPr lang="en-US" sz="1200" b="1" dirty="0">
+                <a:latin typeface="Arial" panose="020B0604020202020204" pitchFamily="34" charset="0"/>
+                <a:ea typeface="Calibri" panose="020F0502020204030204" pitchFamily="34" charset="0"/>
+                <a:cs typeface="Arial" panose="020B0604020202020204" pitchFamily="34" charset="0"/>
+              </a:endParaRPr>
+            </a:p>
+            <a:p>
+              <a:pPr marL="72331" indent="-72331">
+                <a:buFont typeface="Arial" panose="020B0604020202020204" pitchFamily="34" charset="0"/>
+                <a:buChar char="•"/>
+              </a:pPr>
+              <a:r>
+                <a:rPr lang="en-CA" sz="1200" dirty="0">
+                  <a:latin typeface="Arial" panose="020B0604020202020204" pitchFamily="34" charset="0"/>
+                  <a:ea typeface="Calibri" panose="020F0502020204030204" pitchFamily="34" charset="0"/>
+                  <a:cs typeface="Arial" panose="020B0604020202020204" pitchFamily="34" charset="0"/>
+                </a:rPr>
+                <a:t> Chronic illness (n = 12)</a:t>
+              </a:r>
+            </a:p>
+            <a:p>
+              <a:pPr marL="72331" indent="-72331">
+                <a:buFont typeface="Arial" panose="020B0604020202020204" pitchFamily="34" charset="0"/>
+                <a:buChar char="•"/>
+              </a:pPr>
+              <a:r>
+                <a:rPr lang="en-CA" sz="1200" dirty="0">
+                  <a:latin typeface="Arial" panose="020B0604020202020204" pitchFamily="34" charset="0"/>
+                  <a:ea typeface="Calibri" panose="020F0502020204030204" pitchFamily="34" charset="0"/>
+                  <a:cs typeface="Arial" panose="020B0604020202020204" pitchFamily="34" charset="0"/>
+                </a:rPr>
+                <a:t> Lab abnormalities (n = 27)</a:t>
+              </a:r>
+            </a:p>
+            <a:p>
+              <a:pPr marL="72331" indent="-72331">
+                <a:buFont typeface="Arial" panose="020B0604020202020204" pitchFamily="34" charset="0"/>
+                <a:buChar char="•"/>
+              </a:pPr>
+              <a:r>
+                <a:rPr lang="en-CA" sz="1200" dirty="0">
+                  <a:latin typeface="Arial" panose="020B0604020202020204" pitchFamily="34" charset="0"/>
+                  <a:ea typeface="Calibri" panose="020F0502020204030204" pitchFamily="34" charset="0"/>
+                  <a:cs typeface="Arial" panose="020B0604020202020204" pitchFamily="34" charset="0"/>
+                </a:rPr>
+                <a:t> Taking concomitant medications (n = 6)</a:t>
+              </a:r>
+            </a:p>
+            <a:p>
+              <a:pPr marL="72331" indent="-72331">
+                <a:buFont typeface="Arial" panose="020B0604020202020204" pitchFamily="34" charset="0"/>
+                <a:buChar char="•"/>
+              </a:pPr>
+              <a:r>
+                <a:rPr lang="en-CA" sz="1200" dirty="0">
+                  <a:latin typeface="Arial" panose="020B0604020202020204" pitchFamily="34" charset="0"/>
+                  <a:ea typeface="Calibri" panose="020F0502020204030204" pitchFamily="34" charset="0"/>
+                  <a:cs typeface="Arial" panose="020B0604020202020204" pitchFamily="34" charset="0"/>
+                </a:rPr>
+                <a:t> Other (n = 4)</a:t>
+              </a:r>
+            </a:p>
+          </p:txBody>
+        </p:sp>
+        <p:sp>
+          <p:nvSpPr>
+            <p:cNvPr id="20" name="Rectangle 19">
+              <a:extLst>
+                <a:ext uri="{FF2B5EF4-FFF2-40B4-BE49-F238E27FC236}">
+                  <a16:creationId xmlns:a16="http://schemas.microsoft.com/office/drawing/2014/main" id="{20A3D183-C6B4-41C3-B559-562A51EE27DC}"/>
+                </a:ext>
+              </a:extLst>
+            </p:cNvPr>
+            <p:cNvSpPr>
+              <a:spLocks noChangeArrowheads="1"/>
+            </p:cNvSpPr>
+            <p:nvPr/>
+          </p:nvSpPr>
+          <p:spPr bwMode="auto">
+            <a:xfrm>
+              <a:off x="3234872" y="7717551"/>
+              <a:ext cx="3264574" cy="1009207"/>
+            </a:xfrm>
+            <a:prstGeom prst="rect">
+              <a:avLst/>
+            </a:prstGeom>
+            <a:solidFill>
+              <a:srgbClr val="FFFFFF"/>
+            </a:solidFill>
+            <a:ln w="9525">
+              <a:solidFill>
+                <a:srgbClr val="000000"/>
+              </a:solidFill>
+              <a:miter lim="800000"/>
+              <a:headEnd/>
+              <a:tailEnd/>
+            </a:ln>
+          </p:spPr>
+          <p:txBody>
+            <a:bodyPr rot="0" vert="horz" wrap="square" lIns="28932" tIns="28932" rIns="28932" bIns="28932" anchor="ctr" anchorCtr="0" upright="1">
+              <a:noAutofit/>
+            </a:bodyPr>
+            <a:lstStyle/>
+            <a:p>
+              <a:r>
+                <a:rPr lang="en-CA" sz="1200" b="1" dirty="0">
+                  <a:latin typeface="Arial"/>
+                  <a:ea typeface="Calibri" panose="020F0502020204030204" pitchFamily="34" charset="0"/>
+                  <a:cs typeface="Arial"/>
+                </a:rPr>
+                <a:t>   Analysed dataset for fluoxetine analysis;    </a:t>
+              </a:r>
+            </a:p>
+            <a:p>
+              <a:r>
+                <a:rPr lang="en-CA" sz="1200" b="1" dirty="0">
+                  <a:latin typeface="Arial"/>
+                  <a:ea typeface="Calibri" panose="020F0502020204030204" pitchFamily="34" charset="0"/>
+                  <a:cs typeface="Arial"/>
+                </a:rPr>
+                <a:t>   </a:t>
+              </a:r>
+              <a:r>
+                <a:rPr lang="en-CA" sz="1200" b="1" dirty="0" err="1">
+                  <a:latin typeface="Arial"/>
+                  <a:ea typeface="Calibri" panose="020F0502020204030204" pitchFamily="34" charset="0"/>
+                  <a:cs typeface="Arial"/>
+                </a:rPr>
+                <a:t>mITT</a:t>
+              </a:r>
+              <a:r>
+                <a:rPr lang="en-CA" sz="1200" b="1" dirty="0">
+                  <a:latin typeface="Arial"/>
+                  <a:ea typeface="Calibri" panose="020F0502020204030204" pitchFamily="34" charset="0"/>
+                  <a:cs typeface="Arial"/>
+                </a:rPr>
+                <a:t> (n = 335)</a:t>
+              </a:r>
+            </a:p>
+            <a:p>
+              <a:pPr marL="54248" indent="-54248">
+                <a:buFont typeface="Arial" panose="020B0604020202020204" pitchFamily="34" charset="0"/>
+                <a:buChar char="•"/>
+              </a:pPr>
+              <a:r>
+                <a:rPr lang="en-CA" sz="1200" dirty="0">
+                  <a:latin typeface="Arial"/>
+                  <a:ea typeface="Calibri" panose="020F0502020204030204" pitchFamily="34" charset="0"/>
+                  <a:cs typeface="Arial"/>
+                </a:rPr>
+                <a:t> Fluoxetine (n = 116)</a:t>
+              </a:r>
+            </a:p>
+            <a:p>
+              <a:pPr marL="54248" indent="-54248">
+                <a:buFont typeface="Arial" panose="020B0604020202020204" pitchFamily="34" charset="0"/>
+                <a:buChar char="•"/>
+              </a:pPr>
+              <a:r>
+                <a:rPr lang="en-CA" sz="1200" dirty="0">
+                  <a:latin typeface="Arial"/>
+                  <a:ea typeface="Calibri" panose="020F0502020204030204" pitchFamily="34" charset="0"/>
+                  <a:cs typeface="Arial"/>
+                </a:rPr>
+                <a:t> No study drug (n = 150)</a:t>
+              </a:r>
+            </a:p>
+            <a:p>
+              <a:pPr marL="54248" indent="-54248">
+                <a:buFont typeface="Arial" panose="020B0604020202020204" pitchFamily="34" charset="0"/>
+                <a:buChar char="•"/>
+              </a:pPr>
+              <a:r>
+                <a:rPr lang="en-CA" sz="1200" dirty="0">
+                  <a:latin typeface="Arial"/>
+                  <a:ea typeface="Calibri" panose="020F0502020204030204" pitchFamily="34" charset="0"/>
+                  <a:cs typeface="Arial"/>
+                </a:rPr>
+                <a:t> </a:t>
+              </a:r>
+              <a:r>
+                <a:rPr lang="en-CA" sz="1200" dirty="0" err="1">
+                  <a:latin typeface="Arial"/>
+                  <a:ea typeface="Calibri" panose="020F0502020204030204" pitchFamily="34" charset="0"/>
+                  <a:cs typeface="Arial"/>
+                </a:rPr>
+                <a:t>Nirmatrelvir</a:t>
+              </a:r>
+              <a:r>
+                <a:rPr lang="en-CA" sz="1200" dirty="0">
+                  <a:latin typeface="Arial"/>
+                  <a:ea typeface="Calibri" panose="020F0502020204030204" pitchFamily="34" charset="0"/>
+                  <a:cs typeface="Arial"/>
+                </a:rPr>
+                <a:t> (n = 89)</a:t>
+              </a:r>
+            </a:p>
+          </p:txBody>
+        </p:sp>
+        <p:sp>
+          <p:nvSpPr>
+            <p:cNvPr id="34" name="Rectangle 33">
+              <a:extLst>
+                <a:ext uri="{FF2B5EF4-FFF2-40B4-BE49-F238E27FC236}">
+                  <a16:creationId xmlns:a16="http://schemas.microsoft.com/office/drawing/2014/main" id="{6A037FFC-B220-45EE-984D-2B5CE95697B0}"/>
+                </a:ext>
+              </a:extLst>
+            </p:cNvPr>
+            <p:cNvSpPr>
+              <a:spLocks noChangeArrowheads="1"/>
+            </p:cNvSpPr>
+            <p:nvPr/>
+          </p:nvSpPr>
+          <p:spPr bwMode="auto">
+            <a:xfrm>
+              <a:off x="7461798" y="6980137"/>
+              <a:ext cx="3537813" cy="562408"/>
+            </a:xfrm>
+            <a:prstGeom prst="rect">
+              <a:avLst/>
+            </a:prstGeom>
+            <a:solidFill>
+              <a:srgbClr val="FFFFFF"/>
+            </a:solidFill>
+            <a:ln w="9525">
+              <a:solidFill>
+                <a:srgbClr val="000000"/>
+              </a:solidFill>
+              <a:miter lim="800000"/>
+              <a:headEnd/>
+              <a:tailEnd/>
+            </a:ln>
+          </p:spPr>
+          <p:txBody>
+            <a:bodyPr rot="0" vert="horz" wrap="square" lIns="28932" tIns="28932" rIns="28932" bIns="28932" anchor="ctr" anchorCtr="0" upright="1">
+              <a:noAutofit/>
+            </a:bodyPr>
+            <a:lstStyle/>
+            <a:p>
+              <a:r>
+                <a:rPr lang="en-US" sz="1200" b="1" dirty="0">
+                  <a:latin typeface="Arial" panose="020B0604020202020204" pitchFamily="34" charset="0"/>
+                  <a:ea typeface="Calibri" panose="020F0502020204030204" pitchFamily="34" charset="0"/>
+                  <a:cs typeface="Arial" panose="020B0604020202020204" pitchFamily="34" charset="0"/>
+                </a:rPr>
+                <a:t>   Excluded non-concurrent </a:t>
+              </a:r>
+              <a:r>
+                <a:rPr lang="en-US" sz="1200" b="1" dirty="0" err="1">
+                  <a:latin typeface="Arial" panose="020B0604020202020204" pitchFamily="34" charset="0"/>
+                  <a:ea typeface="Calibri" panose="020F0502020204030204" pitchFamily="34" charset="0"/>
+                  <a:cs typeface="Arial" panose="020B0604020202020204" pitchFamily="34" charset="0"/>
+                </a:rPr>
+                <a:t>randomisations</a:t>
+              </a:r>
+              <a:r>
+                <a:rPr lang="en-US" sz="1200" b="1" dirty="0">
+                  <a:latin typeface="Arial" panose="020B0604020202020204" pitchFamily="34" charset="0"/>
+                  <a:ea typeface="Calibri" panose="020F0502020204030204" pitchFamily="34" charset="0"/>
+                  <a:cs typeface="Arial" panose="020B0604020202020204" pitchFamily="34" charset="0"/>
+                </a:rPr>
+                <a:t> </a:t>
+              </a:r>
+            </a:p>
+            <a:p>
+              <a:r>
+                <a:rPr lang="en-US" sz="1200" b="1" dirty="0">
+                  <a:latin typeface="Arial" panose="020B0604020202020204" pitchFamily="34" charset="0"/>
+                  <a:ea typeface="Calibri" panose="020F0502020204030204" pitchFamily="34" charset="0"/>
+                  <a:cs typeface="Arial" panose="020B0604020202020204" pitchFamily="34" charset="0"/>
+                </a:rPr>
+                <a:t>   (n = 340)</a:t>
+              </a:r>
+            </a:p>
+          </p:txBody>
+        </p:sp>
+        <p:cxnSp>
+          <p:nvCxnSpPr>
+            <p:cNvPr id="54" name="Straight Arrow Connector 53">
+              <a:extLst>
+                <a:ext uri="{FF2B5EF4-FFF2-40B4-BE49-F238E27FC236}">
+                  <a16:creationId xmlns:a16="http://schemas.microsoft.com/office/drawing/2014/main" id="{55A53109-65DF-417D-8712-25F7F6600B09}"/>
+                </a:ext>
+              </a:extLst>
+            </p:cNvPr>
+            <p:cNvCxnSpPr>
+              <a:cxnSpLocks noChangeShapeType="1"/>
+              <a:stCxn id="5" idx="2"/>
+              <a:endCxn id="16" idx="0"/>
+            </p:cNvCxnSpPr>
+            <p:nvPr/>
+          </p:nvCxnSpPr>
+          <p:spPr bwMode="auto">
+            <a:xfrm flipH="1">
+              <a:off x="4867158" y="2575496"/>
+              <a:ext cx="6520" cy="996381"/>
+            </a:xfrm>
+            <a:prstGeom prst="straightConnector1">
+              <a:avLst/>
+            </a:prstGeom>
+            <a:noFill/>
+            <a:ln w="19050">
+              <a:solidFill>
+                <a:srgbClr val="000000"/>
+              </a:solidFill>
+              <a:round/>
+              <a:headEnd/>
+              <a:tailEnd type="triangle" w="med" len="med"/>
+            </a:ln>
+            <a:effectLst/>
+            <a:extLst>
+              <a:ext uri="{909E8E84-426E-40DD-AFC4-6F175D3DCCD1}">
+                <a14:hiddenFill xmlns:a14="http://schemas.microsoft.com/office/drawing/2010/main">
+                  <a:noFill/>
+                </a14:hiddenFill>
+              </a:ext>
+              <a:ext uri="{AF507438-7753-43E0-B8FC-AC1667EBCBE1}">
+                <a14:hiddenEffects xmlns:a14="http://schemas.microsoft.com/office/drawing/2010/main">
+                  <a:effectLst>
+                    <a:outerShdw dist="35921" dir="2700000" algn="ctr" rotWithShape="0">
+                      <a:srgbClr val="CCCCCC"/>
+                    </a:outerShdw>
+                  </a:effectLst>
+                </a14:hiddenEffects>
+              </a:ext>
+            </a:extLst>
+          </p:spPr>
+        </p:cxnSp>
+        <p:cxnSp>
+          <p:nvCxnSpPr>
+            <p:cNvPr id="57" name="Straight Arrow Connector 56">
+              <a:extLst>
+                <a:ext uri="{FF2B5EF4-FFF2-40B4-BE49-F238E27FC236}">
+                  <a16:creationId xmlns:a16="http://schemas.microsoft.com/office/drawing/2014/main" id="{8EF28D29-E3AD-4623-89C8-97A58A83F77F}"/>
+                </a:ext>
+              </a:extLst>
+            </p:cNvPr>
+            <p:cNvCxnSpPr>
+              <a:cxnSpLocks noChangeShapeType="1"/>
+              <a:stCxn id="10" idx="2"/>
+              <a:endCxn id="5" idx="0"/>
+            </p:cNvCxnSpPr>
+            <p:nvPr/>
+          </p:nvCxnSpPr>
+          <p:spPr bwMode="auto">
+            <a:xfrm>
+              <a:off x="4867155" y="1083832"/>
+              <a:ext cx="6523" cy="996381"/>
+            </a:xfrm>
+            <a:prstGeom prst="straightConnector1">
+              <a:avLst/>
+            </a:prstGeom>
+            <a:noFill/>
+            <a:ln w="19050">
+              <a:solidFill>
+                <a:srgbClr val="000000"/>
+              </a:solidFill>
+              <a:round/>
+              <a:headEnd/>
+              <a:tailEnd type="triangle" w="med" len="med"/>
+            </a:ln>
+            <a:effectLst/>
+            <a:extLst>
+              <a:ext uri="{909E8E84-426E-40DD-AFC4-6F175D3DCCD1}">
+                <a14:hiddenFill xmlns:a14="http://schemas.microsoft.com/office/drawing/2010/main">
+                  <a:noFill/>
+                </a14:hiddenFill>
+              </a:ext>
+              <a:ext uri="{AF507438-7753-43E0-B8FC-AC1667EBCBE1}">
+                <a14:hiddenEffects xmlns:a14="http://schemas.microsoft.com/office/drawing/2010/main">
+                  <a:effectLst>
+                    <a:outerShdw dist="35921" dir="2700000" algn="ctr" rotWithShape="0">
+                      <a:srgbClr val="CCCCCC"/>
+                    </a:outerShdw>
+                  </a:effectLst>
+                </a14:hiddenEffects>
+              </a:ext>
+            </a:extLst>
+          </p:spPr>
+        </p:cxnSp>
+        <p:cxnSp>
+          <p:nvCxnSpPr>
+            <p:cNvPr id="66" name="Straight Arrow Connector 65">
+              <a:extLst>
+                <a:ext uri="{FF2B5EF4-FFF2-40B4-BE49-F238E27FC236}">
+                  <a16:creationId xmlns:a16="http://schemas.microsoft.com/office/drawing/2014/main" id="{818CA568-BF15-40FB-9B3A-F88798A404AD}"/>
+                </a:ext>
+              </a:extLst>
+            </p:cNvPr>
+            <p:cNvCxnSpPr>
+              <a:cxnSpLocks noChangeShapeType="1"/>
+              <a:endCxn id="19" idx="1"/>
+            </p:cNvCxnSpPr>
+            <p:nvPr/>
+          </p:nvCxnSpPr>
+          <p:spPr bwMode="auto">
+            <a:xfrm flipV="1">
+              <a:off x="4867155" y="1646576"/>
+              <a:ext cx="2719604" cy="1412"/>
+            </a:xfrm>
+            <a:prstGeom prst="straightConnector1">
+              <a:avLst/>
+            </a:prstGeom>
+            <a:noFill/>
+            <a:ln w="19050">
+              <a:solidFill>
+                <a:schemeClr val="tx1"/>
+              </a:solidFill>
+              <a:round/>
+              <a:headEnd/>
+              <a:tailEnd type="triangle" w="med" len="med"/>
+            </a:ln>
+            <a:effectLst/>
+            <a:extLst>
+              <a:ext uri="{909E8E84-426E-40DD-AFC4-6F175D3DCCD1}">
+                <a14:hiddenFill xmlns:a14="http://schemas.microsoft.com/office/drawing/2010/main">
+                  <a:noFill/>
+                </a14:hiddenFill>
+              </a:ext>
+              <a:ext uri="{AF507438-7753-43E0-B8FC-AC1667EBCBE1}">
+                <a14:hiddenEffects xmlns:a14="http://schemas.microsoft.com/office/drawing/2010/main">
+                  <a:effectLst>
+                    <a:outerShdw dist="35921" dir="2700000" algn="ctr" rotWithShape="0">
+                      <a:srgbClr val="CCCCCC"/>
+                    </a:outerShdw>
+                  </a:effectLst>
+                </a14:hiddenEffects>
+              </a:ext>
+            </a:extLst>
+          </p:spPr>
+        </p:cxnSp>
+        <p:sp>
+          <p:nvSpPr>
+            <p:cNvPr id="39" name="TextBox 38">
+              <a:extLst>
+                <a:ext uri="{FF2B5EF4-FFF2-40B4-BE49-F238E27FC236}">
+                  <a16:creationId xmlns:a16="http://schemas.microsoft.com/office/drawing/2014/main" id="{10B2EF8C-040B-47FA-A603-EBFEEE9C1A5F}"/>
+                </a:ext>
+              </a:extLst>
+            </p:cNvPr>
+            <p:cNvSpPr txBox="1"/>
+            <p:nvPr/>
+          </p:nvSpPr>
+          <p:spPr>
+            <a:xfrm>
+              <a:off x="863616" y="7144742"/>
+              <a:ext cx="1313774" cy="281165"/>
+            </a:xfrm>
+            <a:prstGeom prst="rect">
+              <a:avLst/>
+            </a:prstGeom>
+            <a:solidFill>
+              <a:schemeClr val="bg1">
+                <a:lumMod val="85000"/>
+              </a:schemeClr>
+            </a:solidFill>
+            <a:ln>
+              <a:solidFill>
+                <a:schemeClr val="bg2">
+                  <a:lumMod val="50000"/>
+                </a:schemeClr>
+              </a:solidFill>
+            </a:ln>
+          </p:spPr>
+          <p:txBody>
+            <a:bodyPr wrap="square" rtlCol="0">
+              <a:spAutoFit/>
+            </a:bodyPr>
+            <a:lstStyle/>
+            <a:p>
+              <a:pPr algn="ctr"/>
+              <a:r>
+                <a:rPr lang="en-GB" sz="1200" b="1" dirty="0">
+                  <a:latin typeface="Arial" panose="020B0604020202020204" pitchFamily="34" charset="0"/>
+                  <a:cs typeface="Arial" panose="020B0604020202020204" pitchFamily="34" charset="0"/>
+                </a:rPr>
+                <a:t>Analysis</a:t>
+              </a:r>
+            </a:p>
+          </p:txBody>
+        </p:sp>
+      </p:grpSp>
+    </p:spTree>
+    <p:extLst>
+      <p:ext uri="{BB962C8B-B14F-4D97-AF65-F5344CB8AC3E}">
+        <p14:creationId xmlns:p14="http://schemas.microsoft.com/office/powerpoint/2010/main" val="3464560196"/>
+      </p:ext>
+    </p:extLst>
+  </p:cSld>
+  <p:clrMapOvr>
+    <a:masterClrMapping/>
+  </p:clrMapOvr>
+</p:sld>
+</file>
+
 <file path=ppt/theme/theme1.xml><?xml version="1.0" encoding="utf-8"?>
 <a:theme xmlns:a="http://schemas.openxmlformats.org/drawingml/2006/main" name="Office Theme">
   <a:themeElements>
-    <a:clrScheme name="Office">
+    <a:clrScheme name="Office Theme">
       <a:dk1>
         <a:sysClr val="windowText" lastClr="000000"/>
       </a:dk1>
@@ -4642,7 +5965,7 @@
         <a:srgbClr val="954F72"/>
       </a:folHlink>
     </a:clrScheme>
-    <a:fontScheme name="Office">
+    <a:fontScheme name="Office Theme">
       <a:majorFont>
         <a:latin typeface="Calibri Light" panose="020F0302020204030204"/>
         <a:ea typeface=""/>
@@ -4677,23 +6000,6 @@
         <a:font script="Viet" typeface="Times New Roman"/>
         <a:font script="Uigh" typeface="Microsoft Uighur"/>
         <a:font script="Geor" typeface="Sylfaen"/>
-        <a:font script="Armn" typeface="Arial"/>
-        <a:font script="Bugi" typeface="Leelawadee UI"/>
-        <a:font script="Bopo" typeface="Microsoft JhengHei"/>
-        <a:font script="Java" typeface="Javanese Text"/>
-        <a:font script="Lisu" typeface="Segoe UI"/>
-        <a:font script="Mymr" typeface="Myanmar Text"/>
-        <a:font script="Nkoo" typeface="Ebrima"/>
-        <a:font script="Olck" typeface="Nirmala UI"/>
-        <a:font script="Osma" typeface="Ebrima"/>
-        <a:font script="Phag" typeface="Phagspa"/>
-        <a:font script="Syrn" typeface="Estrangelo Edessa"/>
-        <a:font script="Syrj" typeface="Estrangelo Edessa"/>
-        <a:font script="Syre" typeface="Estrangelo Edessa"/>
-        <a:font script="Sora" typeface="Nirmala UI"/>
-        <a:font script="Tale" typeface="Microsoft Tai Le"/>
-        <a:font script="Talu" typeface="Microsoft New Tai Lue"/>
-        <a:font script="Tfng" typeface="Ebrima"/>
       </a:majorFont>
       <a:minorFont>
         <a:latin typeface="Calibri" panose="020F0502020204030204"/>
@@ -4729,26 +6035,9 @@
         <a:font script="Viet" typeface="Arial"/>
         <a:font script="Uigh" typeface="Microsoft Uighur"/>
         <a:font script="Geor" typeface="Sylfaen"/>
-        <a:font script="Armn" typeface="Arial"/>
-        <a:font script="Bugi" typeface="Leelawadee UI"/>
-        <a:font script="Bopo" typeface="Microsoft JhengHei"/>
-        <a:font script="Java" typeface="Javanese Text"/>
-        <a:font script="Lisu" typeface="Segoe UI"/>
-        <a:font script="Mymr" typeface="Myanmar Text"/>
-        <a:font script="Nkoo" typeface="Ebrima"/>
-        <a:font script="Olck" typeface="Nirmala UI"/>
-        <a:font script="Osma" typeface="Ebrima"/>
-        <a:font script="Phag" typeface="Phagspa"/>
-        <a:font script="Syrn" typeface="Estrangelo Edessa"/>
-        <a:font script="Syrj" typeface="Estrangelo Edessa"/>
-        <a:font script="Syre" typeface="Estrangelo Edessa"/>
-        <a:font script="Sora" typeface="Nirmala UI"/>
-        <a:font script="Tale" typeface="Microsoft Tai Le"/>
-        <a:font script="Talu" typeface="Microsoft New Tai Lue"/>
-        <a:font script="Tfng" typeface="Ebrima"/>
       </a:minorFont>
     </a:fontScheme>
-    <a:fmtScheme name="Office">
+    <a:fmtScheme name="Office Theme">
       <a:fillStyleLst>
         <a:solidFill>
           <a:schemeClr val="phClr"/>

--- a/Plots/Consort_Fluoxetine_Nov23.pptx
+++ b/Plots/Consort_Fluoxetine_Nov23.pptx
@@ -7,8 +7,9 @@
   <p:sldIdLst>
     <p:sldId id="256" r:id="rId2"/>
     <p:sldId id="257" r:id="rId3"/>
+    <p:sldId id="258" r:id="rId4"/>
   </p:sldIdLst>
-  <p:sldSz cx="12192000" cy="9144000"/>
+  <p:sldSz cx="12192000" cy="6858000"/>
   <p:notesSz cx="6858000" cy="9144000"/>
   <p:defaultTextStyle>
     <a:defPPr>
@@ -142,15 +143,15 @@
         </p:nvSpPr>
         <p:spPr>
           <a:xfrm>
-            <a:off x="914400" y="1496484"/>
-            <a:ext cx="10363200" cy="3183467"/>
+            <a:off x="914400" y="1122364"/>
+            <a:ext cx="10363200" cy="2387600"/>
           </a:xfrm>
         </p:spPr>
         <p:txBody>
           <a:bodyPr anchor="b"/>
           <a:lstStyle>
             <a:lvl1pPr algn="ctr">
-              <a:defRPr sz="8000"/>
+              <a:defRPr sz="6000"/>
             </a:lvl1pPr>
           </a:lstStyle>
           <a:p>
@@ -174,8 +175,8 @@
         </p:nvSpPr>
         <p:spPr>
           <a:xfrm>
-            <a:off x="1524000" y="4802717"/>
-            <a:ext cx="9144000" cy="2207683"/>
+            <a:off x="1524000" y="3602038"/>
+            <a:ext cx="9144000" cy="1655762"/>
           </a:xfrm>
         </p:spPr>
         <p:txBody>
@@ -183,39 +184,39 @@
           <a:lstStyle>
             <a:lvl1pPr marL="0" indent="0" algn="ctr">
               <a:buNone/>
-              <a:defRPr sz="3200"/>
+              <a:defRPr sz="2400"/>
             </a:lvl1pPr>
-            <a:lvl2pPr marL="609585" indent="0" algn="ctr">
+            <a:lvl2pPr marL="457189" indent="0" algn="ctr">
               <a:buNone/>
-              <a:defRPr sz="2667"/>
+              <a:defRPr sz="2000"/>
             </a:lvl2pPr>
-            <a:lvl3pPr marL="1219170" indent="0" algn="ctr">
+            <a:lvl3pPr marL="914378" indent="0" algn="ctr">
               <a:buNone/>
-              <a:defRPr sz="2400"/>
+              <a:defRPr sz="1800"/>
             </a:lvl3pPr>
-            <a:lvl4pPr marL="1828754" indent="0" algn="ctr">
+            <a:lvl4pPr marL="1371566" indent="0" algn="ctr">
               <a:buNone/>
-              <a:defRPr sz="2133"/>
+              <a:defRPr sz="1600"/>
             </a:lvl4pPr>
-            <a:lvl5pPr marL="2438339" indent="0" algn="ctr">
+            <a:lvl5pPr marL="1828754" indent="0" algn="ctr">
               <a:buNone/>
-              <a:defRPr sz="2133"/>
+              <a:defRPr sz="1600"/>
             </a:lvl5pPr>
-            <a:lvl6pPr marL="3047924" indent="0" algn="ctr">
+            <a:lvl6pPr marL="2285943" indent="0" algn="ctr">
               <a:buNone/>
-              <a:defRPr sz="2133"/>
+              <a:defRPr sz="1600"/>
             </a:lvl6pPr>
-            <a:lvl7pPr marL="3657509" indent="0" algn="ctr">
+            <a:lvl7pPr marL="2743132" indent="0" algn="ctr">
               <a:buNone/>
-              <a:defRPr sz="2133"/>
+              <a:defRPr sz="1600"/>
             </a:lvl7pPr>
-            <a:lvl8pPr marL="4267093" indent="0" algn="ctr">
+            <a:lvl8pPr marL="3200320" indent="0" algn="ctr">
               <a:buNone/>
-              <a:defRPr sz="2133"/>
+              <a:defRPr sz="1600"/>
             </a:lvl8pPr>
-            <a:lvl9pPr marL="4876678" indent="0" algn="ctr">
+            <a:lvl9pPr marL="3657509" indent="0" algn="ctr">
               <a:buNone/>
-              <a:defRPr sz="2133"/>
+              <a:defRPr sz="1600"/>
             </a:lvl9pPr>
           </a:lstStyle>
           <a:p>
@@ -244,7 +245,7 @@
           <a:p>
             <a:fld id="{16B6B1FA-94E4-4C36-BACB-414FC660C894}" type="datetimeFigureOut">
               <a:rPr lang="en-US" smtClean="0"/>
-              <a:t>28-Nov-23</a:t>
+              <a:t>29-Nov-23</a:t>
             </a:fld>
             <a:endParaRPr lang="en-US"/>
           </a:p>
@@ -414,7 +415,7 @@
           <a:p>
             <a:fld id="{16B6B1FA-94E4-4C36-BACB-414FC660C894}" type="datetimeFigureOut">
               <a:rPr lang="en-US" smtClean="0"/>
-              <a:t>28-Nov-23</a:t>
+              <a:t>29-Nov-23</a:t>
             </a:fld>
             <a:endParaRPr lang="en-US"/>
           </a:p>
@@ -504,8 +505,8 @@
         </p:nvSpPr>
         <p:spPr>
           <a:xfrm>
-            <a:off x="8724901" y="486834"/>
-            <a:ext cx="2628900" cy="7749117"/>
+            <a:off x="8724902" y="365126"/>
+            <a:ext cx="2628900" cy="5811838"/>
           </a:xfrm>
         </p:spPr>
         <p:txBody>
@@ -532,8 +533,8 @@
         </p:nvSpPr>
         <p:spPr>
           <a:xfrm>
-            <a:off x="838201" y="486834"/>
-            <a:ext cx="7734300" cy="7749117"/>
+            <a:off x="838202" y="365126"/>
+            <a:ext cx="7734300" cy="5811838"/>
           </a:xfrm>
         </p:spPr>
         <p:txBody>
@@ -594,7 +595,7 @@
           <a:p>
             <a:fld id="{16B6B1FA-94E4-4C36-BACB-414FC660C894}" type="datetimeFigureOut">
               <a:rPr lang="en-US" smtClean="0"/>
-              <a:t>28-Nov-23</a:t>
+              <a:t>29-Nov-23</a:t>
             </a:fld>
             <a:endParaRPr lang="en-US"/>
           </a:p>
@@ -764,7 +765,7 @@
           <a:p>
             <a:fld id="{16B6B1FA-94E4-4C36-BACB-414FC660C894}" type="datetimeFigureOut">
               <a:rPr lang="en-US" smtClean="0"/>
-              <a:t>28-Nov-23</a:t>
+              <a:t>29-Nov-23</a:t>
             </a:fld>
             <a:endParaRPr lang="en-US"/>
           </a:p>
@@ -854,15 +855,15 @@
         </p:nvSpPr>
         <p:spPr>
           <a:xfrm>
-            <a:off x="831851" y="2279653"/>
-            <a:ext cx="10515600" cy="3803649"/>
+            <a:off x="831851" y="1709741"/>
+            <a:ext cx="10515600" cy="2852737"/>
           </a:xfrm>
         </p:spPr>
         <p:txBody>
           <a:bodyPr anchor="b"/>
           <a:lstStyle>
             <a:lvl1pPr>
-              <a:defRPr sz="8000"/>
+              <a:defRPr sz="6000"/>
             </a:lvl1pPr>
           </a:lstStyle>
           <a:p>
@@ -886,8 +887,8 @@
         </p:nvSpPr>
         <p:spPr>
           <a:xfrm>
-            <a:off x="831851" y="6119286"/>
-            <a:ext cx="10515600" cy="2000249"/>
+            <a:off x="831851" y="4589466"/>
+            <a:ext cx="10515600" cy="1500187"/>
           </a:xfrm>
         </p:spPr>
         <p:txBody>
@@ -895,15 +896,15 @@
           <a:lstStyle>
             <a:lvl1pPr marL="0" indent="0">
               <a:buNone/>
-              <a:defRPr sz="3200">
+              <a:defRPr sz="2400">
                 <a:solidFill>
                   <a:schemeClr val="tx1"/>
                 </a:solidFill>
               </a:defRPr>
             </a:lvl1pPr>
-            <a:lvl2pPr marL="609585" indent="0">
+            <a:lvl2pPr marL="457189" indent="0">
               <a:buNone/>
-              <a:defRPr sz="2667">
+              <a:defRPr sz="2000">
                 <a:solidFill>
                   <a:schemeClr val="tx1">
                     <a:tint val="75000"/>
@@ -911,9 +912,9 @@
                 </a:solidFill>
               </a:defRPr>
             </a:lvl2pPr>
-            <a:lvl3pPr marL="1219170" indent="0">
+            <a:lvl3pPr marL="914378" indent="0">
               <a:buNone/>
-              <a:defRPr sz="2400">
+              <a:defRPr sz="1800">
                 <a:solidFill>
                   <a:schemeClr val="tx1">
                     <a:tint val="75000"/>
@@ -921,9 +922,9 @@
                 </a:solidFill>
               </a:defRPr>
             </a:lvl3pPr>
-            <a:lvl4pPr marL="1828754" indent="0">
+            <a:lvl4pPr marL="1371566" indent="0">
               <a:buNone/>
-              <a:defRPr sz="2133">
+              <a:defRPr sz="1600">
                 <a:solidFill>
                   <a:schemeClr val="tx1">
                     <a:tint val="75000"/>
@@ -931,9 +932,9 @@
                 </a:solidFill>
               </a:defRPr>
             </a:lvl4pPr>
-            <a:lvl5pPr marL="2438339" indent="0">
+            <a:lvl5pPr marL="1828754" indent="0">
               <a:buNone/>
-              <a:defRPr sz="2133">
+              <a:defRPr sz="1600">
                 <a:solidFill>
                   <a:schemeClr val="tx1">
                     <a:tint val="75000"/>
@@ -941,9 +942,9 @@
                 </a:solidFill>
               </a:defRPr>
             </a:lvl5pPr>
-            <a:lvl6pPr marL="3047924" indent="0">
+            <a:lvl6pPr marL="2285943" indent="0">
               <a:buNone/>
-              <a:defRPr sz="2133">
+              <a:defRPr sz="1600">
                 <a:solidFill>
                   <a:schemeClr val="tx1">
                     <a:tint val="75000"/>
@@ -951,9 +952,9 @@
                 </a:solidFill>
               </a:defRPr>
             </a:lvl6pPr>
-            <a:lvl7pPr marL="3657509" indent="0">
+            <a:lvl7pPr marL="2743132" indent="0">
               <a:buNone/>
-              <a:defRPr sz="2133">
+              <a:defRPr sz="1600">
                 <a:solidFill>
                   <a:schemeClr val="tx1">
                     <a:tint val="75000"/>
@@ -961,9 +962,9 @@
                 </a:solidFill>
               </a:defRPr>
             </a:lvl7pPr>
-            <a:lvl8pPr marL="4267093" indent="0">
+            <a:lvl8pPr marL="3200320" indent="0">
               <a:buNone/>
-              <a:defRPr sz="2133">
+              <a:defRPr sz="1600">
                 <a:solidFill>
                   <a:schemeClr val="tx1">
                     <a:tint val="75000"/>
@@ -971,9 +972,9 @@
                 </a:solidFill>
               </a:defRPr>
             </a:lvl8pPr>
-            <a:lvl9pPr marL="4876678" indent="0">
+            <a:lvl9pPr marL="3657509" indent="0">
               <a:buNone/>
-              <a:defRPr sz="2133">
+              <a:defRPr sz="1600">
                 <a:solidFill>
                   <a:schemeClr val="tx1">
                     <a:tint val="75000"/>
@@ -1008,7 +1009,7 @@
           <a:p>
             <a:fld id="{16B6B1FA-94E4-4C36-BACB-414FC660C894}" type="datetimeFigureOut">
               <a:rPr lang="en-US" smtClean="0"/>
-              <a:t>28-Nov-23</a:t>
+              <a:t>29-Nov-23</a:t>
             </a:fld>
             <a:endParaRPr lang="en-US"/>
           </a:p>
@@ -1121,8 +1122,8 @@
         </p:nvSpPr>
         <p:spPr>
           <a:xfrm>
-            <a:off x="838200" y="2434167"/>
-            <a:ext cx="5181600" cy="5801784"/>
+            <a:off x="838200" y="1825625"/>
+            <a:ext cx="5181600" cy="4351338"/>
           </a:xfrm>
         </p:spPr>
         <p:txBody>
@@ -1178,8 +1179,8 @@
         </p:nvSpPr>
         <p:spPr>
           <a:xfrm>
-            <a:off x="6172200" y="2434167"/>
-            <a:ext cx="5181600" cy="5801784"/>
+            <a:off x="6172200" y="1825625"/>
+            <a:ext cx="5181600" cy="4351338"/>
           </a:xfrm>
         </p:spPr>
         <p:txBody>
@@ -1240,7 +1241,7 @@
           <a:p>
             <a:fld id="{16B6B1FA-94E4-4C36-BACB-414FC660C894}" type="datetimeFigureOut">
               <a:rPr lang="en-US" smtClean="0"/>
-              <a:t>28-Nov-23</a:t>
+              <a:t>29-Nov-23</a:t>
             </a:fld>
             <a:endParaRPr lang="en-US"/>
           </a:p>
@@ -1330,8 +1331,8 @@
         </p:nvSpPr>
         <p:spPr>
           <a:xfrm>
-            <a:off x="839788" y="486836"/>
-            <a:ext cx="10515600" cy="1767417"/>
+            <a:off x="839788" y="365128"/>
+            <a:ext cx="10515600" cy="1325563"/>
           </a:xfrm>
         </p:spPr>
         <p:txBody>
@@ -1358,8 +1359,8 @@
         </p:nvSpPr>
         <p:spPr>
           <a:xfrm>
-            <a:off x="839789" y="2241551"/>
-            <a:ext cx="5157787" cy="1098549"/>
+            <a:off x="839789" y="1681164"/>
+            <a:ext cx="5157787" cy="823912"/>
           </a:xfrm>
         </p:spPr>
         <p:txBody>
@@ -1367,39 +1368,39 @@
           <a:lstStyle>
             <a:lvl1pPr marL="0" indent="0">
               <a:buNone/>
-              <a:defRPr sz="3200" b="1"/>
+              <a:defRPr sz="2400" b="1"/>
             </a:lvl1pPr>
-            <a:lvl2pPr marL="609585" indent="0">
+            <a:lvl2pPr marL="457189" indent="0">
               <a:buNone/>
-              <a:defRPr sz="2667" b="1"/>
+              <a:defRPr sz="2000" b="1"/>
             </a:lvl2pPr>
-            <a:lvl3pPr marL="1219170" indent="0">
+            <a:lvl3pPr marL="914378" indent="0">
               <a:buNone/>
-              <a:defRPr sz="2400" b="1"/>
+              <a:defRPr sz="1800" b="1"/>
             </a:lvl3pPr>
-            <a:lvl4pPr marL="1828754" indent="0">
+            <a:lvl4pPr marL="1371566" indent="0">
               <a:buNone/>
-              <a:defRPr sz="2133" b="1"/>
+              <a:defRPr sz="1600" b="1"/>
             </a:lvl4pPr>
-            <a:lvl5pPr marL="2438339" indent="0">
+            <a:lvl5pPr marL="1828754" indent="0">
               <a:buNone/>
-              <a:defRPr sz="2133" b="1"/>
+              <a:defRPr sz="1600" b="1"/>
             </a:lvl5pPr>
-            <a:lvl6pPr marL="3047924" indent="0">
+            <a:lvl6pPr marL="2285943" indent="0">
               <a:buNone/>
-              <a:defRPr sz="2133" b="1"/>
+              <a:defRPr sz="1600" b="1"/>
             </a:lvl6pPr>
-            <a:lvl7pPr marL="3657509" indent="0">
+            <a:lvl7pPr marL="2743132" indent="0">
               <a:buNone/>
-              <a:defRPr sz="2133" b="1"/>
+              <a:defRPr sz="1600" b="1"/>
             </a:lvl7pPr>
-            <a:lvl8pPr marL="4267093" indent="0">
+            <a:lvl8pPr marL="3200320" indent="0">
               <a:buNone/>
-              <a:defRPr sz="2133" b="1"/>
+              <a:defRPr sz="1600" b="1"/>
             </a:lvl8pPr>
-            <a:lvl9pPr marL="4876678" indent="0">
+            <a:lvl9pPr marL="3657509" indent="0">
               <a:buNone/>
-              <a:defRPr sz="2133" b="1"/>
+              <a:defRPr sz="1600" b="1"/>
             </a:lvl9pPr>
           </a:lstStyle>
           <a:p>
@@ -1423,8 +1424,8 @@
         </p:nvSpPr>
         <p:spPr>
           <a:xfrm>
-            <a:off x="839789" y="3340100"/>
-            <a:ext cx="5157787" cy="4912784"/>
+            <a:off x="839789" y="2505075"/>
+            <a:ext cx="5157787" cy="3684588"/>
           </a:xfrm>
         </p:spPr>
         <p:txBody>
@@ -1480,8 +1481,8 @@
         </p:nvSpPr>
         <p:spPr>
           <a:xfrm>
-            <a:off x="6172201" y="2241551"/>
-            <a:ext cx="5183188" cy="1098549"/>
+            <a:off x="6172202" y="1681164"/>
+            <a:ext cx="5183188" cy="823912"/>
           </a:xfrm>
         </p:spPr>
         <p:txBody>
@@ -1489,39 +1490,39 @@
           <a:lstStyle>
             <a:lvl1pPr marL="0" indent="0">
               <a:buNone/>
-              <a:defRPr sz="3200" b="1"/>
+              <a:defRPr sz="2400" b="1"/>
             </a:lvl1pPr>
-            <a:lvl2pPr marL="609585" indent="0">
+            <a:lvl2pPr marL="457189" indent="0">
               <a:buNone/>
-              <a:defRPr sz="2667" b="1"/>
+              <a:defRPr sz="2000" b="1"/>
             </a:lvl2pPr>
-            <a:lvl3pPr marL="1219170" indent="0">
+            <a:lvl3pPr marL="914378" indent="0">
               <a:buNone/>
-              <a:defRPr sz="2400" b="1"/>
+              <a:defRPr sz="1800" b="1"/>
             </a:lvl3pPr>
-            <a:lvl4pPr marL="1828754" indent="0">
+            <a:lvl4pPr marL="1371566" indent="0">
               <a:buNone/>
-              <a:defRPr sz="2133" b="1"/>
+              <a:defRPr sz="1600" b="1"/>
             </a:lvl4pPr>
-            <a:lvl5pPr marL="2438339" indent="0">
+            <a:lvl5pPr marL="1828754" indent="0">
               <a:buNone/>
-              <a:defRPr sz="2133" b="1"/>
+              <a:defRPr sz="1600" b="1"/>
             </a:lvl5pPr>
-            <a:lvl6pPr marL="3047924" indent="0">
+            <a:lvl6pPr marL="2285943" indent="0">
               <a:buNone/>
-              <a:defRPr sz="2133" b="1"/>
+              <a:defRPr sz="1600" b="1"/>
             </a:lvl6pPr>
-            <a:lvl7pPr marL="3657509" indent="0">
+            <a:lvl7pPr marL="2743132" indent="0">
               <a:buNone/>
-              <a:defRPr sz="2133" b="1"/>
+              <a:defRPr sz="1600" b="1"/>
             </a:lvl7pPr>
-            <a:lvl8pPr marL="4267093" indent="0">
+            <a:lvl8pPr marL="3200320" indent="0">
               <a:buNone/>
-              <a:defRPr sz="2133" b="1"/>
+              <a:defRPr sz="1600" b="1"/>
             </a:lvl8pPr>
-            <a:lvl9pPr marL="4876678" indent="0">
+            <a:lvl9pPr marL="3657509" indent="0">
               <a:buNone/>
-              <a:defRPr sz="2133" b="1"/>
+              <a:defRPr sz="1600" b="1"/>
             </a:lvl9pPr>
           </a:lstStyle>
           <a:p>
@@ -1545,8 +1546,8 @@
         </p:nvSpPr>
         <p:spPr>
           <a:xfrm>
-            <a:off x="6172201" y="3340100"/>
-            <a:ext cx="5183188" cy="4912784"/>
+            <a:off x="6172202" y="2505075"/>
+            <a:ext cx="5183188" cy="3684588"/>
           </a:xfrm>
         </p:spPr>
         <p:txBody>
@@ -1607,7 +1608,7 @@
           <a:p>
             <a:fld id="{16B6B1FA-94E4-4C36-BACB-414FC660C894}" type="datetimeFigureOut">
               <a:rPr lang="en-US" smtClean="0"/>
-              <a:t>28-Nov-23</a:t>
+              <a:t>29-Nov-23</a:t>
             </a:fld>
             <a:endParaRPr lang="en-US"/>
           </a:p>
@@ -1725,7 +1726,7 @@
           <a:p>
             <a:fld id="{16B6B1FA-94E4-4C36-BACB-414FC660C894}" type="datetimeFigureOut">
               <a:rPr lang="en-US" smtClean="0"/>
-              <a:t>28-Nov-23</a:t>
+              <a:t>29-Nov-23</a:t>
             </a:fld>
             <a:endParaRPr lang="en-US"/>
           </a:p>
@@ -1820,7 +1821,7 @@
           <a:p>
             <a:fld id="{16B6B1FA-94E4-4C36-BACB-414FC660C894}" type="datetimeFigureOut">
               <a:rPr lang="en-US" smtClean="0"/>
-              <a:t>28-Nov-23</a:t>
+              <a:t>29-Nov-23</a:t>
             </a:fld>
             <a:endParaRPr lang="en-US"/>
           </a:p>
@@ -1910,15 +1911,15 @@
         </p:nvSpPr>
         <p:spPr>
           <a:xfrm>
-            <a:off x="839788" y="609600"/>
-            <a:ext cx="3932237" cy="2133600"/>
+            <a:off x="839788" y="457200"/>
+            <a:ext cx="3932237" cy="1600200"/>
           </a:xfrm>
         </p:spPr>
         <p:txBody>
           <a:bodyPr anchor="b"/>
           <a:lstStyle>
             <a:lvl1pPr>
-              <a:defRPr sz="4267"/>
+              <a:defRPr sz="3200"/>
             </a:lvl1pPr>
           </a:lstStyle>
           <a:p>
@@ -1942,39 +1943,39 @@
         </p:nvSpPr>
         <p:spPr>
           <a:xfrm>
-            <a:off x="5183188" y="1316569"/>
-            <a:ext cx="6172200" cy="6498167"/>
+            <a:off x="5183188" y="987428"/>
+            <a:ext cx="6172200" cy="4873625"/>
           </a:xfrm>
         </p:spPr>
         <p:txBody>
           <a:bodyPr/>
           <a:lstStyle>
             <a:lvl1pPr>
-              <a:defRPr sz="4267"/>
+              <a:defRPr sz="3200"/>
             </a:lvl1pPr>
             <a:lvl2pPr>
-              <a:defRPr sz="3733"/>
+              <a:defRPr sz="2800"/>
             </a:lvl2pPr>
             <a:lvl3pPr>
-              <a:defRPr sz="3200"/>
+              <a:defRPr sz="2400"/>
             </a:lvl3pPr>
             <a:lvl4pPr>
-              <a:defRPr sz="2667"/>
+              <a:defRPr sz="2000"/>
             </a:lvl4pPr>
             <a:lvl5pPr>
-              <a:defRPr sz="2667"/>
+              <a:defRPr sz="2000"/>
             </a:lvl5pPr>
             <a:lvl6pPr>
-              <a:defRPr sz="2667"/>
+              <a:defRPr sz="2000"/>
             </a:lvl6pPr>
             <a:lvl7pPr>
-              <a:defRPr sz="2667"/>
+              <a:defRPr sz="2000"/>
             </a:lvl7pPr>
             <a:lvl8pPr>
-              <a:defRPr sz="2667"/>
+              <a:defRPr sz="2000"/>
             </a:lvl8pPr>
             <a:lvl9pPr>
-              <a:defRPr sz="2667"/>
+              <a:defRPr sz="2000"/>
             </a:lvl9pPr>
           </a:lstStyle>
           <a:p>
@@ -2027,8 +2028,8 @@
         </p:nvSpPr>
         <p:spPr>
           <a:xfrm>
-            <a:off x="839788" y="2743200"/>
-            <a:ext cx="3932237" cy="5082117"/>
+            <a:off x="839788" y="2057400"/>
+            <a:ext cx="3932237" cy="3811588"/>
           </a:xfrm>
         </p:spPr>
         <p:txBody>
@@ -2036,39 +2037,39 @@
           <a:lstStyle>
             <a:lvl1pPr marL="0" indent="0">
               <a:buNone/>
-              <a:defRPr sz="2133"/>
+              <a:defRPr sz="1600"/>
             </a:lvl1pPr>
-            <a:lvl2pPr marL="609585" indent="0">
+            <a:lvl2pPr marL="457189" indent="0">
               <a:buNone/>
-              <a:defRPr sz="1867"/>
+              <a:defRPr sz="1400"/>
             </a:lvl2pPr>
-            <a:lvl3pPr marL="1219170" indent="0">
+            <a:lvl3pPr marL="914378" indent="0">
               <a:buNone/>
-              <a:defRPr sz="1600"/>
+              <a:defRPr sz="1200"/>
             </a:lvl3pPr>
-            <a:lvl4pPr marL="1828754" indent="0">
+            <a:lvl4pPr marL="1371566" indent="0">
               <a:buNone/>
-              <a:defRPr sz="1333"/>
+              <a:defRPr sz="1000"/>
             </a:lvl4pPr>
-            <a:lvl5pPr marL="2438339" indent="0">
+            <a:lvl5pPr marL="1828754" indent="0">
               <a:buNone/>
-              <a:defRPr sz="1333"/>
+              <a:defRPr sz="1000"/>
             </a:lvl5pPr>
-            <a:lvl6pPr marL="3047924" indent="0">
+            <a:lvl6pPr marL="2285943" indent="0">
               <a:buNone/>
-              <a:defRPr sz="1333"/>
+              <a:defRPr sz="1000"/>
             </a:lvl6pPr>
-            <a:lvl7pPr marL="3657509" indent="0">
+            <a:lvl7pPr marL="2743132" indent="0">
               <a:buNone/>
-              <a:defRPr sz="1333"/>
+              <a:defRPr sz="1000"/>
             </a:lvl7pPr>
-            <a:lvl8pPr marL="4267093" indent="0">
+            <a:lvl8pPr marL="3200320" indent="0">
               <a:buNone/>
-              <a:defRPr sz="1333"/>
+              <a:defRPr sz="1000"/>
             </a:lvl8pPr>
-            <a:lvl9pPr marL="4876678" indent="0">
+            <a:lvl9pPr marL="3657509" indent="0">
               <a:buNone/>
-              <a:defRPr sz="1333"/>
+              <a:defRPr sz="1000"/>
             </a:lvl9pPr>
           </a:lstStyle>
           <a:p>
@@ -2097,7 +2098,7 @@
           <a:p>
             <a:fld id="{16B6B1FA-94E4-4C36-BACB-414FC660C894}" type="datetimeFigureOut">
               <a:rPr lang="en-US" smtClean="0"/>
-              <a:t>28-Nov-23</a:t>
+              <a:t>29-Nov-23</a:t>
             </a:fld>
             <a:endParaRPr lang="en-US"/>
           </a:p>
@@ -2187,15 +2188,15 @@
         </p:nvSpPr>
         <p:spPr>
           <a:xfrm>
-            <a:off x="839788" y="609600"/>
-            <a:ext cx="3932237" cy="2133600"/>
+            <a:off x="839788" y="457200"/>
+            <a:ext cx="3932237" cy="1600200"/>
           </a:xfrm>
         </p:spPr>
         <p:txBody>
           <a:bodyPr anchor="b"/>
           <a:lstStyle>
             <a:lvl1pPr>
-              <a:defRPr sz="4267"/>
+              <a:defRPr sz="3200"/>
             </a:lvl1pPr>
           </a:lstStyle>
           <a:p>
@@ -2219,8 +2220,8 @@
         </p:nvSpPr>
         <p:spPr>
           <a:xfrm>
-            <a:off x="5183188" y="1316569"/>
-            <a:ext cx="6172200" cy="6498167"/>
+            <a:off x="5183188" y="987428"/>
+            <a:ext cx="6172200" cy="4873625"/>
           </a:xfrm>
         </p:spPr>
         <p:txBody>
@@ -2228,39 +2229,39 @@
           <a:lstStyle>
             <a:lvl1pPr marL="0" indent="0">
               <a:buNone/>
-              <a:defRPr sz="4267"/>
+              <a:defRPr sz="3200"/>
             </a:lvl1pPr>
-            <a:lvl2pPr marL="609585" indent="0">
+            <a:lvl2pPr marL="457189" indent="0">
               <a:buNone/>
-              <a:defRPr sz="3733"/>
+              <a:defRPr sz="2800"/>
             </a:lvl2pPr>
-            <a:lvl3pPr marL="1219170" indent="0">
+            <a:lvl3pPr marL="914378" indent="0">
               <a:buNone/>
-              <a:defRPr sz="3200"/>
+              <a:defRPr sz="2400"/>
             </a:lvl3pPr>
-            <a:lvl4pPr marL="1828754" indent="0">
+            <a:lvl4pPr marL="1371566" indent="0">
               <a:buNone/>
-              <a:defRPr sz="2667"/>
+              <a:defRPr sz="2000"/>
             </a:lvl4pPr>
-            <a:lvl5pPr marL="2438339" indent="0">
+            <a:lvl5pPr marL="1828754" indent="0">
               <a:buNone/>
-              <a:defRPr sz="2667"/>
+              <a:defRPr sz="2000"/>
             </a:lvl5pPr>
-            <a:lvl6pPr marL="3047924" indent="0">
+            <a:lvl6pPr marL="2285943" indent="0">
               <a:buNone/>
-              <a:defRPr sz="2667"/>
+              <a:defRPr sz="2000"/>
             </a:lvl6pPr>
-            <a:lvl7pPr marL="3657509" indent="0">
+            <a:lvl7pPr marL="2743132" indent="0">
               <a:buNone/>
-              <a:defRPr sz="2667"/>
+              <a:defRPr sz="2000"/>
             </a:lvl7pPr>
-            <a:lvl8pPr marL="4267093" indent="0">
+            <a:lvl8pPr marL="3200320" indent="0">
               <a:buNone/>
-              <a:defRPr sz="2667"/>
+              <a:defRPr sz="2000"/>
             </a:lvl8pPr>
-            <a:lvl9pPr marL="4876678" indent="0">
+            <a:lvl9pPr marL="3657509" indent="0">
               <a:buNone/>
-              <a:defRPr sz="2667"/>
+              <a:defRPr sz="2000"/>
             </a:lvl9pPr>
           </a:lstStyle>
           <a:p>
@@ -2284,8 +2285,8 @@
         </p:nvSpPr>
         <p:spPr>
           <a:xfrm>
-            <a:off x="839788" y="2743200"/>
-            <a:ext cx="3932237" cy="5082117"/>
+            <a:off x="839788" y="2057400"/>
+            <a:ext cx="3932237" cy="3811588"/>
           </a:xfrm>
         </p:spPr>
         <p:txBody>
@@ -2293,39 +2294,39 @@
           <a:lstStyle>
             <a:lvl1pPr marL="0" indent="0">
               <a:buNone/>
-              <a:defRPr sz="2133"/>
+              <a:defRPr sz="1600"/>
             </a:lvl1pPr>
-            <a:lvl2pPr marL="609585" indent="0">
+            <a:lvl2pPr marL="457189" indent="0">
               <a:buNone/>
-              <a:defRPr sz="1867"/>
+              <a:defRPr sz="1400"/>
             </a:lvl2pPr>
-            <a:lvl3pPr marL="1219170" indent="0">
+            <a:lvl3pPr marL="914378" indent="0">
               <a:buNone/>
-              <a:defRPr sz="1600"/>
+              <a:defRPr sz="1200"/>
             </a:lvl3pPr>
-            <a:lvl4pPr marL="1828754" indent="0">
+            <a:lvl4pPr marL="1371566" indent="0">
               <a:buNone/>
-              <a:defRPr sz="1333"/>
+              <a:defRPr sz="1000"/>
             </a:lvl4pPr>
-            <a:lvl5pPr marL="2438339" indent="0">
+            <a:lvl5pPr marL="1828754" indent="0">
               <a:buNone/>
-              <a:defRPr sz="1333"/>
+              <a:defRPr sz="1000"/>
             </a:lvl5pPr>
-            <a:lvl6pPr marL="3047924" indent="0">
+            <a:lvl6pPr marL="2285943" indent="0">
               <a:buNone/>
-              <a:defRPr sz="1333"/>
+              <a:defRPr sz="1000"/>
             </a:lvl6pPr>
-            <a:lvl7pPr marL="3657509" indent="0">
+            <a:lvl7pPr marL="2743132" indent="0">
               <a:buNone/>
-              <a:defRPr sz="1333"/>
+              <a:defRPr sz="1000"/>
             </a:lvl7pPr>
-            <a:lvl8pPr marL="4267093" indent="0">
+            <a:lvl8pPr marL="3200320" indent="0">
               <a:buNone/>
-              <a:defRPr sz="1333"/>
+              <a:defRPr sz="1000"/>
             </a:lvl8pPr>
-            <a:lvl9pPr marL="4876678" indent="0">
+            <a:lvl9pPr marL="3657509" indent="0">
               <a:buNone/>
-              <a:defRPr sz="1333"/>
+              <a:defRPr sz="1000"/>
             </a:lvl9pPr>
           </a:lstStyle>
           <a:p>
@@ -2354,7 +2355,7 @@
           <a:p>
             <a:fld id="{16B6B1FA-94E4-4C36-BACB-414FC660C894}" type="datetimeFigureOut">
               <a:rPr lang="en-US" smtClean="0"/>
-              <a:t>28-Nov-23</a:t>
+              <a:t>29-Nov-23</a:t>
             </a:fld>
             <a:endParaRPr lang="en-US"/>
           </a:p>
@@ -2449,8 +2450,8 @@
         </p:nvSpPr>
         <p:spPr>
           <a:xfrm>
-            <a:off x="838200" y="486836"/>
-            <a:ext cx="10515600" cy="1767417"/>
+            <a:off x="838200" y="365128"/>
+            <a:ext cx="10515600" cy="1325563"/>
           </a:xfrm>
           <a:prstGeom prst="rect">
             <a:avLst/>
@@ -2482,8 +2483,8 @@
         </p:nvSpPr>
         <p:spPr>
           <a:xfrm>
-            <a:off x="838200" y="2434167"/>
-            <a:ext cx="10515600" cy="5801784"/>
+            <a:off x="838200" y="1825625"/>
+            <a:ext cx="10515600" cy="4351338"/>
           </a:xfrm>
           <a:prstGeom prst="rect">
             <a:avLst/>
@@ -2544,8 +2545,8 @@
         </p:nvSpPr>
         <p:spPr>
           <a:xfrm>
-            <a:off x="838200" y="8475136"/>
-            <a:ext cx="2743200" cy="486833"/>
+            <a:off x="838200" y="6356353"/>
+            <a:ext cx="2743200" cy="365125"/>
           </a:xfrm>
           <a:prstGeom prst="rect">
             <a:avLst/>
@@ -2555,7 +2556,7 @@
           <a:bodyPr vert="horz" lIns="91440" tIns="45720" rIns="91440" bIns="45720" rtlCol="0" anchor="ctr"/>
           <a:lstStyle>
             <a:lvl1pPr algn="l">
-              <a:defRPr sz="1600">
+              <a:defRPr sz="1200">
                 <a:solidFill>
                   <a:schemeClr val="tx1">
                     <a:tint val="75000"/>
@@ -2567,7 +2568,7 @@
           <a:p>
             <a:fld id="{16B6B1FA-94E4-4C36-BACB-414FC660C894}" type="datetimeFigureOut">
               <a:rPr lang="en-US" smtClean="0"/>
-              <a:t>28-Nov-23</a:t>
+              <a:t>29-Nov-23</a:t>
             </a:fld>
             <a:endParaRPr lang="en-US"/>
           </a:p>
@@ -2585,8 +2586,8 @@
         </p:nvSpPr>
         <p:spPr>
           <a:xfrm>
-            <a:off x="4038600" y="8475136"/>
-            <a:ext cx="4114800" cy="486833"/>
+            <a:off x="4038600" y="6356353"/>
+            <a:ext cx="4114800" cy="365125"/>
           </a:xfrm>
           <a:prstGeom prst="rect">
             <a:avLst/>
@@ -2596,7 +2597,7 @@
           <a:bodyPr vert="horz" lIns="91440" tIns="45720" rIns="91440" bIns="45720" rtlCol="0" anchor="ctr"/>
           <a:lstStyle>
             <a:lvl1pPr algn="ctr">
-              <a:defRPr sz="1600">
+              <a:defRPr sz="1200">
                 <a:solidFill>
                   <a:schemeClr val="tx1">
                     <a:tint val="75000"/>
@@ -2622,8 +2623,8 @@
         </p:nvSpPr>
         <p:spPr>
           <a:xfrm>
-            <a:off x="8610600" y="8475136"/>
-            <a:ext cx="2743200" cy="486833"/>
+            <a:off x="8610600" y="6356353"/>
+            <a:ext cx="2743200" cy="365125"/>
           </a:xfrm>
           <a:prstGeom prst="rect">
             <a:avLst/>
@@ -2633,7 +2634,7 @@
           <a:bodyPr vert="horz" lIns="91440" tIns="45720" rIns="91440" bIns="45720" rtlCol="0" anchor="ctr"/>
           <a:lstStyle>
             <a:lvl1pPr algn="r">
-              <a:defRPr sz="1600">
+              <a:defRPr sz="1200">
                 <a:solidFill>
                   <a:schemeClr val="tx1">
                     <a:tint val="75000"/>
@@ -2674,7 +2675,7 @@
   </p:sldLayoutIdLst>
   <p:txStyles>
     <p:titleStyle>
-      <a:lvl1pPr algn="l" defTabSz="1219170" rtl="0" eaLnBrk="1" latinLnBrk="0" hangingPunct="1">
+      <a:lvl1pPr algn="l" defTabSz="914378" rtl="0" eaLnBrk="1" latinLnBrk="0" hangingPunct="1">
         <a:lnSpc>
           <a:spcPct val="90000"/>
         </a:lnSpc>
@@ -2682,7 +2683,7 @@
           <a:spcPct val="0"/>
         </a:spcBef>
         <a:buNone/>
-        <a:defRPr sz="5867" kern="1200">
+        <a:defRPr sz="4400" kern="1200">
           <a:solidFill>
             <a:schemeClr val="tx1"/>
           </a:solidFill>
@@ -2693,16 +2694,16 @@
       </a:lvl1pPr>
     </p:titleStyle>
     <p:bodyStyle>
-      <a:lvl1pPr marL="304792" indent="-304792" algn="l" defTabSz="1219170" rtl="0" eaLnBrk="1" latinLnBrk="0" hangingPunct="1">
+      <a:lvl1pPr marL="228594" indent="-228594" algn="l" defTabSz="914378" rtl="0" eaLnBrk="1" latinLnBrk="0" hangingPunct="1">
         <a:lnSpc>
           <a:spcPct val="90000"/>
         </a:lnSpc>
         <a:spcBef>
-          <a:spcPts val="1333"/>
+          <a:spcPts val="1000"/>
         </a:spcBef>
         <a:buFont typeface="Arial" panose="020B0604020202020204" pitchFamily="34" charset="0"/>
         <a:buChar char="•"/>
-        <a:defRPr sz="3733" kern="1200">
+        <a:defRPr sz="2800" kern="1200">
           <a:solidFill>
             <a:schemeClr val="tx1"/>
           </a:solidFill>
@@ -2711,48 +2712,12 @@
           <a:cs typeface="+mn-cs"/>
         </a:defRPr>
       </a:lvl1pPr>
-      <a:lvl2pPr marL="914377" indent="-304792" algn="l" defTabSz="1219170" rtl="0" eaLnBrk="1" latinLnBrk="0" hangingPunct="1">
+      <a:lvl2pPr marL="685783" indent="-228594" algn="l" defTabSz="914378" rtl="0" eaLnBrk="1" latinLnBrk="0" hangingPunct="1">
         <a:lnSpc>
           <a:spcPct val="90000"/>
         </a:lnSpc>
         <a:spcBef>
-          <a:spcPts val="667"/>
-        </a:spcBef>
-        <a:buFont typeface="Arial" panose="020B0604020202020204" pitchFamily="34" charset="0"/>
-        <a:buChar char="•"/>
-        <a:defRPr sz="3200" kern="1200">
-          <a:solidFill>
-            <a:schemeClr val="tx1"/>
-          </a:solidFill>
-          <a:latin typeface="+mn-lt"/>
-          <a:ea typeface="+mn-ea"/>
-          <a:cs typeface="+mn-cs"/>
-        </a:defRPr>
-      </a:lvl2pPr>
-      <a:lvl3pPr marL="1523962" indent="-304792" algn="l" defTabSz="1219170" rtl="0" eaLnBrk="1" latinLnBrk="0" hangingPunct="1">
-        <a:lnSpc>
-          <a:spcPct val="90000"/>
-        </a:lnSpc>
-        <a:spcBef>
-          <a:spcPts val="667"/>
-        </a:spcBef>
-        <a:buFont typeface="Arial" panose="020B0604020202020204" pitchFamily="34" charset="0"/>
-        <a:buChar char="•"/>
-        <a:defRPr sz="2667" kern="1200">
-          <a:solidFill>
-            <a:schemeClr val="tx1"/>
-          </a:solidFill>
-          <a:latin typeface="+mn-lt"/>
-          <a:ea typeface="+mn-ea"/>
-          <a:cs typeface="+mn-cs"/>
-        </a:defRPr>
-      </a:lvl3pPr>
-      <a:lvl4pPr marL="2133547" indent="-304792" algn="l" defTabSz="1219170" rtl="0" eaLnBrk="1" latinLnBrk="0" hangingPunct="1">
-        <a:lnSpc>
-          <a:spcPct val="90000"/>
-        </a:lnSpc>
-        <a:spcBef>
-          <a:spcPts val="667"/>
+          <a:spcPts val="500"/>
         </a:spcBef>
         <a:buFont typeface="Arial" panose="020B0604020202020204" pitchFamily="34" charset="0"/>
         <a:buChar char="•"/>
@@ -2764,17 +2729,53 @@
           <a:ea typeface="+mn-ea"/>
           <a:cs typeface="+mn-cs"/>
         </a:defRPr>
-      </a:lvl4pPr>
-      <a:lvl5pPr marL="2743131" indent="-304792" algn="l" defTabSz="1219170" rtl="0" eaLnBrk="1" latinLnBrk="0" hangingPunct="1">
+      </a:lvl2pPr>
+      <a:lvl3pPr marL="1142972" indent="-228594" algn="l" defTabSz="914378" rtl="0" eaLnBrk="1" latinLnBrk="0" hangingPunct="1">
         <a:lnSpc>
           <a:spcPct val="90000"/>
         </a:lnSpc>
         <a:spcBef>
-          <a:spcPts val="667"/>
+          <a:spcPts val="500"/>
         </a:spcBef>
         <a:buFont typeface="Arial" panose="020B0604020202020204" pitchFamily="34" charset="0"/>
         <a:buChar char="•"/>
-        <a:defRPr sz="2400" kern="1200">
+        <a:defRPr sz="2000" kern="1200">
+          <a:solidFill>
+            <a:schemeClr val="tx1"/>
+          </a:solidFill>
+          <a:latin typeface="+mn-lt"/>
+          <a:ea typeface="+mn-ea"/>
+          <a:cs typeface="+mn-cs"/>
+        </a:defRPr>
+      </a:lvl3pPr>
+      <a:lvl4pPr marL="1600160" indent="-228594" algn="l" defTabSz="914378" rtl="0" eaLnBrk="1" latinLnBrk="0" hangingPunct="1">
+        <a:lnSpc>
+          <a:spcPct val="90000"/>
+        </a:lnSpc>
+        <a:spcBef>
+          <a:spcPts val="500"/>
+        </a:spcBef>
+        <a:buFont typeface="Arial" panose="020B0604020202020204" pitchFamily="34" charset="0"/>
+        <a:buChar char="•"/>
+        <a:defRPr sz="1800" kern="1200">
+          <a:solidFill>
+            <a:schemeClr val="tx1"/>
+          </a:solidFill>
+          <a:latin typeface="+mn-lt"/>
+          <a:ea typeface="+mn-ea"/>
+          <a:cs typeface="+mn-cs"/>
+        </a:defRPr>
+      </a:lvl4pPr>
+      <a:lvl5pPr marL="2057348" indent="-228594" algn="l" defTabSz="914378" rtl="0" eaLnBrk="1" latinLnBrk="0" hangingPunct="1">
+        <a:lnSpc>
+          <a:spcPct val="90000"/>
+        </a:lnSpc>
+        <a:spcBef>
+          <a:spcPts val="500"/>
+        </a:spcBef>
+        <a:buFont typeface="Arial" panose="020B0604020202020204" pitchFamily="34" charset="0"/>
+        <a:buChar char="•"/>
+        <a:defRPr sz="1800" kern="1200">
           <a:solidFill>
             <a:schemeClr val="tx1"/>
           </a:solidFill>
@@ -2783,16 +2784,16 @@
           <a:cs typeface="+mn-cs"/>
         </a:defRPr>
       </a:lvl5pPr>
-      <a:lvl6pPr marL="3352716" indent="-304792" algn="l" defTabSz="1219170" rtl="0" eaLnBrk="1" latinLnBrk="0" hangingPunct="1">
+      <a:lvl6pPr marL="2514537" indent="-228594" algn="l" defTabSz="914378" rtl="0" eaLnBrk="1" latinLnBrk="0" hangingPunct="1">
         <a:lnSpc>
           <a:spcPct val="90000"/>
         </a:lnSpc>
         <a:spcBef>
-          <a:spcPts val="667"/>
+          <a:spcPts val="500"/>
         </a:spcBef>
         <a:buFont typeface="Arial" panose="020B0604020202020204" pitchFamily="34" charset="0"/>
         <a:buChar char="•"/>
-        <a:defRPr sz="2400" kern="1200">
+        <a:defRPr sz="1800" kern="1200">
           <a:solidFill>
             <a:schemeClr val="tx1"/>
           </a:solidFill>
@@ -2801,16 +2802,16 @@
           <a:cs typeface="+mn-cs"/>
         </a:defRPr>
       </a:lvl6pPr>
-      <a:lvl7pPr marL="3962301" indent="-304792" algn="l" defTabSz="1219170" rtl="0" eaLnBrk="1" latinLnBrk="0" hangingPunct="1">
+      <a:lvl7pPr marL="2971726" indent="-228594" algn="l" defTabSz="914378" rtl="0" eaLnBrk="1" latinLnBrk="0" hangingPunct="1">
         <a:lnSpc>
           <a:spcPct val="90000"/>
         </a:lnSpc>
         <a:spcBef>
-          <a:spcPts val="667"/>
+          <a:spcPts val="500"/>
         </a:spcBef>
         <a:buFont typeface="Arial" panose="020B0604020202020204" pitchFamily="34" charset="0"/>
         <a:buChar char="•"/>
-        <a:defRPr sz="2400" kern="1200">
+        <a:defRPr sz="1800" kern="1200">
           <a:solidFill>
             <a:schemeClr val="tx1"/>
           </a:solidFill>
@@ -2819,16 +2820,16 @@
           <a:cs typeface="+mn-cs"/>
         </a:defRPr>
       </a:lvl7pPr>
-      <a:lvl8pPr marL="4571886" indent="-304792" algn="l" defTabSz="1219170" rtl="0" eaLnBrk="1" latinLnBrk="0" hangingPunct="1">
+      <a:lvl8pPr marL="3428915" indent="-228594" algn="l" defTabSz="914378" rtl="0" eaLnBrk="1" latinLnBrk="0" hangingPunct="1">
         <a:lnSpc>
           <a:spcPct val="90000"/>
         </a:lnSpc>
         <a:spcBef>
-          <a:spcPts val="667"/>
+          <a:spcPts val="500"/>
         </a:spcBef>
         <a:buFont typeface="Arial" panose="020B0604020202020204" pitchFamily="34" charset="0"/>
         <a:buChar char="•"/>
-        <a:defRPr sz="2400" kern="1200">
+        <a:defRPr sz="1800" kern="1200">
           <a:solidFill>
             <a:schemeClr val="tx1"/>
           </a:solidFill>
@@ -2837,16 +2838,16 @@
           <a:cs typeface="+mn-cs"/>
         </a:defRPr>
       </a:lvl8pPr>
-      <a:lvl9pPr marL="5181470" indent="-304792" algn="l" defTabSz="1219170" rtl="0" eaLnBrk="1" latinLnBrk="0" hangingPunct="1">
+      <a:lvl9pPr marL="3886103" indent="-228594" algn="l" defTabSz="914378" rtl="0" eaLnBrk="1" latinLnBrk="0" hangingPunct="1">
         <a:lnSpc>
           <a:spcPct val="90000"/>
         </a:lnSpc>
         <a:spcBef>
-          <a:spcPts val="667"/>
+          <a:spcPts val="500"/>
         </a:spcBef>
         <a:buFont typeface="Arial" panose="020B0604020202020204" pitchFamily="34" charset="0"/>
         <a:buChar char="•"/>
-        <a:defRPr sz="2400" kern="1200">
+        <a:defRPr sz="1800" kern="1200">
           <a:solidFill>
             <a:schemeClr val="tx1"/>
           </a:solidFill>
@@ -2860,8 +2861,8 @@
       <a:defPPr>
         <a:defRPr lang="en-US"/>
       </a:defPPr>
-      <a:lvl1pPr marL="0" algn="l" defTabSz="1219170" rtl="0" eaLnBrk="1" latinLnBrk="0" hangingPunct="1">
-        <a:defRPr sz="2400" kern="1200">
+      <a:lvl1pPr marL="0" algn="l" defTabSz="914378" rtl="0" eaLnBrk="1" latinLnBrk="0" hangingPunct="1">
+        <a:defRPr sz="1800" kern="1200">
           <a:solidFill>
             <a:schemeClr val="tx1"/>
           </a:solidFill>
@@ -2870,8 +2871,8 @@
           <a:cs typeface="+mn-cs"/>
         </a:defRPr>
       </a:lvl1pPr>
-      <a:lvl2pPr marL="609585" algn="l" defTabSz="1219170" rtl="0" eaLnBrk="1" latinLnBrk="0" hangingPunct="1">
-        <a:defRPr sz="2400" kern="1200">
+      <a:lvl2pPr marL="457189" algn="l" defTabSz="914378" rtl="0" eaLnBrk="1" latinLnBrk="0" hangingPunct="1">
+        <a:defRPr sz="1800" kern="1200">
           <a:solidFill>
             <a:schemeClr val="tx1"/>
           </a:solidFill>
@@ -2880,8 +2881,8 @@
           <a:cs typeface="+mn-cs"/>
         </a:defRPr>
       </a:lvl2pPr>
-      <a:lvl3pPr marL="1219170" algn="l" defTabSz="1219170" rtl="0" eaLnBrk="1" latinLnBrk="0" hangingPunct="1">
-        <a:defRPr sz="2400" kern="1200">
+      <a:lvl3pPr marL="914378" algn="l" defTabSz="914378" rtl="0" eaLnBrk="1" latinLnBrk="0" hangingPunct="1">
+        <a:defRPr sz="1800" kern="1200">
           <a:solidFill>
             <a:schemeClr val="tx1"/>
           </a:solidFill>
@@ -2890,8 +2891,8 @@
           <a:cs typeface="+mn-cs"/>
         </a:defRPr>
       </a:lvl3pPr>
-      <a:lvl4pPr marL="1828754" algn="l" defTabSz="1219170" rtl="0" eaLnBrk="1" latinLnBrk="0" hangingPunct="1">
-        <a:defRPr sz="2400" kern="1200">
+      <a:lvl4pPr marL="1371566" algn="l" defTabSz="914378" rtl="0" eaLnBrk="1" latinLnBrk="0" hangingPunct="1">
+        <a:defRPr sz="1800" kern="1200">
           <a:solidFill>
             <a:schemeClr val="tx1"/>
           </a:solidFill>
@@ -2900,8 +2901,8 @@
           <a:cs typeface="+mn-cs"/>
         </a:defRPr>
       </a:lvl4pPr>
-      <a:lvl5pPr marL="2438339" algn="l" defTabSz="1219170" rtl="0" eaLnBrk="1" latinLnBrk="0" hangingPunct="1">
-        <a:defRPr sz="2400" kern="1200">
+      <a:lvl5pPr marL="1828754" algn="l" defTabSz="914378" rtl="0" eaLnBrk="1" latinLnBrk="0" hangingPunct="1">
+        <a:defRPr sz="1800" kern="1200">
           <a:solidFill>
             <a:schemeClr val="tx1"/>
           </a:solidFill>
@@ -2910,8 +2911,8 @@
           <a:cs typeface="+mn-cs"/>
         </a:defRPr>
       </a:lvl5pPr>
-      <a:lvl6pPr marL="3047924" algn="l" defTabSz="1219170" rtl="0" eaLnBrk="1" latinLnBrk="0" hangingPunct="1">
-        <a:defRPr sz="2400" kern="1200">
+      <a:lvl6pPr marL="2285943" algn="l" defTabSz="914378" rtl="0" eaLnBrk="1" latinLnBrk="0" hangingPunct="1">
+        <a:defRPr sz="1800" kern="1200">
           <a:solidFill>
             <a:schemeClr val="tx1"/>
           </a:solidFill>
@@ -2920,8 +2921,8 @@
           <a:cs typeface="+mn-cs"/>
         </a:defRPr>
       </a:lvl6pPr>
-      <a:lvl7pPr marL="3657509" algn="l" defTabSz="1219170" rtl="0" eaLnBrk="1" latinLnBrk="0" hangingPunct="1">
-        <a:defRPr sz="2400" kern="1200">
+      <a:lvl7pPr marL="2743132" algn="l" defTabSz="914378" rtl="0" eaLnBrk="1" latinLnBrk="0" hangingPunct="1">
+        <a:defRPr sz="1800" kern="1200">
           <a:solidFill>
             <a:schemeClr val="tx1"/>
           </a:solidFill>
@@ -2930,8 +2931,8 @@
           <a:cs typeface="+mn-cs"/>
         </a:defRPr>
       </a:lvl7pPr>
-      <a:lvl8pPr marL="4267093" algn="l" defTabSz="1219170" rtl="0" eaLnBrk="1" latinLnBrk="0" hangingPunct="1">
-        <a:defRPr sz="2400" kern="1200">
+      <a:lvl8pPr marL="3200320" algn="l" defTabSz="914378" rtl="0" eaLnBrk="1" latinLnBrk="0" hangingPunct="1">
+        <a:defRPr sz="1800" kern="1200">
           <a:solidFill>
             <a:schemeClr val="tx1"/>
           </a:solidFill>
@@ -2940,8 +2941,8 @@
           <a:cs typeface="+mn-cs"/>
         </a:defRPr>
       </a:lvl8pPr>
-      <a:lvl9pPr marL="4876678" algn="l" defTabSz="1219170" rtl="0" eaLnBrk="1" latinLnBrk="0" hangingPunct="1">
-        <a:defRPr sz="2400" kern="1200">
+      <a:lvl9pPr marL="3657509" algn="l" defTabSz="914378" rtl="0" eaLnBrk="1" latinLnBrk="0" hangingPunct="1">
+        <a:defRPr sz="1800" kern="1200">
           <a:solidFill>
             <a:schemeClr val="tx1"/>
           </a:solidFill>
@@ -2990,8 +2991,8 @@
         </p:nvCxnSpPr>
         <p:spPr bwMode="auto">
           <a:xfrm>
-            <a:off x="5616036" y="3948996"/>
-            <a:ext cx="0" cy="203978"/>
+            <a:off x="5736027" y="2961747"/>
+            <a:ext cx="0" cy="152984"/>
           </a:xfrm>
           <a:prstGeom prst="straightConnector1">
             <a:avLst/>
@@ -3040,8 +3041,8 @@
         </p:nvSpPr>
         <p:spPr bwMode="auto">
           <a:xfrm>
-            <a:off x="5107487" y="4152977"/>
-            <a:ext cx="1017103" cy="177499"/>
+            <a:off x="5354617" y="3114733"/>
+            <a:ext cx="762827" cy="133124"/>
           </a:xfrm>
           <a:prstGeom prst="rect">
             <a:avLst/>
@@ -3059,14 +3060,14 @@
           </a:ln>
         </p:spPr>
         <p:txBody>
-          <a:bodyPr rot="0" vert="horz" wrap="square" lIns="28932" tIns="28932" rIns="28932" bIns="28932" anchor="t" anchorCtr="0" upright="1">
+          <a:bodyPr rot="0" vert="horz" wrap="square" lIns="21699" tIns="21699" rIns="21699" bIns="21699" anchor="t" anchorCtr="0" upright="1">
             <a:noAutofit/>
           </a:bodyPr>
           <a:lstStyle/>
           <a:p>
             <a:pPr algn="ctr"/>
             <a:r>
-              <a:rPr lang="en-CA" sz="443" b="1" dirty="0">
+              <a:rPr lang="en-CA" sz="332" b="1" dirty="0">
                 <a:latin typeface="Arial"/>
                 <a:ea typeface="Calibri" panose="020F0502020204030204" pitchFamily="34" charset="0"/>
                 <a:cs typeface="Arial"/>
@@ -3077,14 +3078,14 @@
           <a:p>
             <a:pPr algn="ctr"/>
             <a:r>
-              <a:rPr lang="en-CA" sz="443" b="1" dirty="0">
+              <a:rPr lang="en-CA" sz="332" b="1" dirty="0">
                 <a:latin typeface="Arial"/>
                 <a:ea typeface="Calibri" panose="020F0502020204030204" pitchFamily="34" charset="0"/>
                 <a:cs typeface="Arial"/>
               </a:rPr>
               <a:t>(n = 672)</a:t>
             </a:r>
-            <a:endParaRPr lang="en-US" sz="443" b="1" dirty="0">
+            <a:endParaRPr lang="en-US" sz="332" b="1" dirty="0">
               <a:latin typeface="Arial" panose="020B0604020202020204" pitchFamily="34" charset="0"/>
               <a:ea typeface="Calibri" panose="020F0502020204030204" pitchFamily="34" charset="0"/>
               <a:cs typeface="Arial" panose="020B0604020202020204" pitchFamily="34" charset="0"/>
@@ -3110,8 +3111,8 @@
         </p:nvCxnSpPr>
         <p:spPr bwMode="auto">
           <a:xfrm flipH="1">
-            <a:off x="5616039" y="4330474"/>
-            <a:ext cx="1" cy="252494"/>
+            <a:off x="5736031" y="3247856"/>
+            <a:ext cx="1" cy="189371"/>
           </a:xfrm>
           <a:prstGeom prst="straightConnector1">
             <a:avLst/>
@@ -3160,8 +3161,8 @@
         </p:nvCxnSpPr>
         <p:spPr bwMode="auto">
           <a:xfrm>
-            <a:off x="5616039" y="4470563"/>
-            <a:ext cx="856063" cy="0"/>
+            <a:off x="5736031" y="3352922"/>
+            <a:ext cx="642047" cy="0"/>
           </a:xfrm>
           <a:prstGeom prst="straightConnector1">
             <a:avLst/>
@@ -3210,8 +3211,8 @@
         </p:nvSpPr>
         <p:spPr bwMode="auto">
           <a:xfrm>
-            <a:off x="6472101" y="4233446"/>
-            <a:ext cx="1267878" cy="639309"/>
+            <a:off x="6378077" y="3175085"/>
+            <a:ext cx="950909" cy="479482"/>
           </a:xfrm>
           <a:prstGeom prst="rect">
             <a:avLst/>
@@ -3229,13 +3230,13 @@
           </a:ln>
         </p:spPr>
         <p:txBody>
-          <a:bodyPr rot="0" vert="horz" wrap="square" lIns="28932" tIns="28932" rIns="28932" bIns="28932" anchor="t" anchorCtr="0" upright="1">
+          <a:bodyPr rot="0" vert="horz" wrap="square" lIns="21699" tIns="21699" rIns="21699" bIns="21699" anchor="t" anchorCtr="0" upright="1">
             <a:noAutofit/>
           </a:bodyPr>
           <a:lstStyle/>
           <a:p>
             <a:r>
-              <a:rPr lang="en-CA" sz="443" b="1" dirty="0">
+              <a:rPr lang="en-CA" sz="332" b="1" dirty="0">
                 <a:latin typeface="Arial" panose="020B0604020202020204" pitchFamily="34" charset="0"/>
                 <a:ea typeface="Calibri" panose="020F0502020204030204" pitchFamily="34" charset="0"/>
                 <a:cs typeface="Arial" panose="020B0604020202020204" pitchFamily="34" charset="0"/>
@@ -3244,12 +3245,12 @@
             </a:r>
           </a:p>
           <a:p>
-            <a:pPr marL="72331" indent="-72331">
+            <a:pPr marL="54248" indent="-54248">
               <a:buFont typeface="Arial" panose="020B0604020202020204" pitchFamily="34" charset="0"/>
               <a:buChar char="•"/>
             </a:pPr>
             <a:r>
-              <a:rPr lang="en-CA" sz="380" dirty="0" err="1">
+              <a:rPr lang="en-CA" sz="285" dirty="0" err="1">
                 <a:latin typeface="Arial"/>
                 <a:ea typeface="Calibri" panose="020F0502020204030204" pitchFamily="34" charset="0"/>
                 <a:cs typeface="Arial"/>
@@ -3257,7 +3258,7 @@
               <a:t>Casirivimab</a:t>
             </a:r>
             <a:r>
-              <a:rPr lang="en-CA" sz="380" dirty="0">
+              <a:rPr lang="en-CA" sz="285" dirty="0">
                 <a:latin typeface="Arial"/>
                 <a:ea typeface="Calibri" panose="020F0502020204030204" pitchFamily="34" charset="0"/>
                 <a:cs typeface="Arial"/>
@@ -3265,7 +3266,7 @@
               <a:t>/</a:t>
             </a:r>
             <a:r>
-              <a:rPr lang="en-CA" sz="380" dirty="0" err="1">
+              <a:rPr lang="en-CA" sz="285" dirty="0" err="1">
                 <a:latin typeface="Arial"/>
                 <a:ea typeface="Calibri" panose="020F0502020204030204" pitchFamily="34" charset="0"/>
                 <a:cs typeface="Arial"/>
@@ -3273,26 +3274,26 @@
               <a:t>imdevimab</a:t>
             </a:r>
             <a:r>
-              <a:rPr lang="en-CA" sz="380" dirty="0">
+              <a:rPr lang="en-CA" sz="285" dirty="0">
                 <a:latin typeface="Arial"/>
                 <a:ea typeface="Calibri" panose="020F0502020204030204" pitchFamily="34" charset="0"/>
                 <a:cs typeface="Arial"/>
               </a:rPr>
               <a:t> (n=51)</a:t>
             </a:r>
-            <a:endParaRPr lang="en-CA" sz="380" dirty="0">
+            <a:endParaRPr lang="en-CA" sz="285" dirty="0">
               <a:latin typeface="Arial" panose="020B0604020202020204" pitchFamily="34" charset="0"/>
               <a:ea typeface="Calibri" panose="020F0502020204030204" pitchFamily="34" charset="0"/>
               <a:cs typeface="Arial" panose="020B0604020202020204" pitchFamily="34" charset="0"/>
             </a:endParaRPr>
           </a:p>
           <a:p>
-            <a:pPr marL="72331" indent="-72331">
+            <a:pPr marL="54248" indent="-54248">
               <a:buFont typeface="Arial" panose="020B0604020202020204" pitchFamily="34" charset="0"/>
               <a:buChar char="•"/>
             </a:pPr>
             <a:r>
-              <a:rPr lang="en-CA" sz="380" dirty="0" err="1">
+              <a:rPr lang="en-CA" sz="285" dirty="0" err="1">
                 <a:latin typeface="Arial" panose="020B0604020202020204" pitchFamily="34" charset="0"/>
                 <a:ea typeface="Calibri" panose="020F0502020204030204" pitchFamily="34" charset="0"/>
                 <a:cs typeface="Arial" panose="020B0604020202020204" pitchFamily="34" charset="0"/>
@@ -3300,7 +3301,7 @@
               <a:t>Ensitrelvir</a:t>
             </a:r>
             <a:r>
-              <a:rPr lang="en-CA" sz="380" dirty="0">
+              <a:rPr lang="en-CA" sz="285" dirty="0">
                 <a:latin typeface="Arial" panose="020B0604020202020204" pitchFamily="34" charset="0"/>
                 <a:ea typeface="Calibri" panose="020F0502020204030204" pitchFamily="34" charset="0"/>
                 <a:cs typeface="Arial" panose="020B0604020202020204" pitchFamily="34" charset="0"/>
@@ -3309,12 +3310,12 @@
             </a:r>
           </a:p>
           <a:p>
-            <a:pPr marL="72331" indent="-72331">
+            <a:pPr marL="54248" indent="-54248">
               <a:buFont typeface="Arial" panose="020B0604020202020204" pitchFamily="34" charset="0"/>
               <a:buChar char="•"/>
             </a:pPr>
             <a:r>
-              <a:rPr lang="en-CA" sz="380" dirty="0" err="1">
+              <a:rPr lang="en-CA" sz="285" dirty="0" err="1">
                 <a:latin typeface="Arial" panose="020B0604020202020204" pitchFamily="34" charset="0"/>
                 <a:ea typeface="Calibri" panose="020F0502020204030204" pitchFamily="34" charset="0"/>
                 <a:cs typeface="Arial" panose="020B0604020202020204" pitchFamily="34" charset="0"/>
@@ -3322,7 +3323,7 @@
               <a:t>Tixagevimab</a:t>
             </a:r>
             <a:r>
-              <a:rPr lang="en-CA" sz="380" dirty="0">
+              <a:rPr lang="en-CA" sz="285" dirty="0">
                 <a:latin typeface="Arial" panose="020B0604020202020204" pitchFamily="34" charset="0"/>
                 <a:ea typeface="Calibri" panose="020F0502020204030204" pitchFamily="34" charset="0"/>
                 <a:cs typeface="Arial" panose="020B0604020202020204" pitchFamily="34" charset="0"/>
@@ -3330,7 +3331,7 @@
               <a:t>/</a:t>
             </a:r>
             <a:r>
-              <a:rPr lang="en-CA" sz="380" dirty="0" err="1">
+              <a:rPr lang="en-CA" sz="285" dirty="0" err="1">
                 <a:latin typeface="Arial" panose="020B0604020202020204" pitchFamily="34" charset="0"/>
                 <a:ea typeface="Calibri" panose="020F0502020204030204" pitchFamily="34" charset="0"/>
                 <a:cs typeface="Arial" panose="020B0604020202020204" pitchFamily="34" charset="0"/>
@@ -3338,7 +3339,7 @@
               <a:t>cilgavimab</a:t>
             </a:r>
             <a:r>
-              <a:rPr lang="en-CA" sz="380" dirty="0">
+              <a:rPr lang="en-CA" sz="285" dirty="0">
                 <a:latin typeface="Arial" panose="020B0604020202020204" pitchFamily="34" charset="0"/>
                 <a:ea typeface="Calibri" panose="020F0502020204030204" pitchFamily="34" charset="0"/>
                 <a:cs typeface="Arial" panose="020B0604020202020204" pitchFamily="34" charset="0"/>
@@ -3347,12 +3348,12 @@
             </a:r>
           </a:p>
           <a:p>
-            <a:pPr marL="72331" indent="-72331">
+            <a:pPr marL="54248" indent="-54248">
               <a:buFont typeface="Arial" panose="020B0604020202020204" pitchFamily="34" charset="0"/>
               <a:buChar char="•"/>
             </a:pPr>
             <a:r>
-              <a:rPr lang="en-CA" sz="380" dirty="0">
+              <a:rPr lang="en-CA" sz="285" dirty="0">
                 <a:latin typeface="Arial" panose="020B0604020202020204" pitchFamily="34" charset="0"/>
                 <a:ea typeface="Calibri" panose="020F0502020204030204" pitchFamily="34" charset="0"/>
                 <a:cs typeface="Arial" panose="020B0604020202020204" pitchFamily="34" charset="0"/>
@@ -3361,12 +3362,12 @@
             </a:r>
           </a:p>
           <a:p>
-            <a:pPr marL="72331" indent="-72331">
+            <a:pPr marL="54248" indent="-54248">
               <a:buFont typeface="Arial" panose="020B0604020202020204" pitchFamily="34" charset="0"/>
               <a:buChar char="•"/>
             </a:pPr>
             <a:r>
-              <a:rPr lang="en-CA" sz="380" dirty="0">
+              <a:rPr lang="en-CA" sz="285" dirty="0">
                 <a:latin typeface="Arial" panose="020B0604020202020204" pitchFamily="34" charset="0"/>
                 <a:ea typeface="Calibri" panose="020F0502020204030204" pitchFamily="34" charset="0"/>
                 <a:cs typeface="Arial" panose="020B0604020202020204" pitchFamily="34" charset="0"/>
@@ -3375,12 +3376,12 @@
             </a:r>
           </a:p>
           <a:p>
-            <a:pPr marL="72331" indent="-72331">
+            <a:pPr marL="54248" indent="-54248">
               <a:buFont typeface="Arial" panose="020B0604020202020204" pitchFamily="34" charset="0"/>
               <a:buChar char="•"/>
             </a:pPr>
             <a:r>
-              <a:rPr lang="en-CA" sz="380" dirty="0" err="1">
+              <a:rPr lang="en-CA" sz="285" dirty="0" err="1">
                 <a:latin typeface="Arial" panose="020B0604020202020204" pitchFamily="34" charset="0"/>
                 <a:ea typeface="Calibri" panose="020F0502020204030204" pitchFamily="34" charset="0"/>
                 <a:cs typeface="Arial" panose="020B0604020202020204" pitchFamily="34" charset="0"/>
@@ -3388,7 +3389,7 @@
               <a:t>Molnupiravir</a:t>
             </a:r>
             <a:r>
-              <a:rPr lang="en-CA" sz="380" dirty="0">
+              <a:rPr lang="en-CA" sz="285" dirty="0">
                 <a:latin typeface="Arial" panose="020B0604020202020204" pitchFamily="34" charset="0"/>
                 <a:ea typeface="Calibri" panose="020F0502020204030204" pitchFamily="34" charset="0"/>
                 <a:cs typeface="Arial" panose="020B0604020202020204" pitchFamily="34" charset="0"/>
@@ -3397,12 +3398,12 @@
             </a:r>
           </a:p>
           <a:p>
-            <a:pPr marL="72331" indent="-72331">
+            <a:pPr marL="54248" indent="-54248">
               <a:buFont typeface="Arial" panose="020B0604020202020204" pitchFamily="34" charset="0"/>
               <a:buChar char="•"/>
             </a:pPr>
             <a:r>
-              <a:rPr lang="en-CA" sz="380" dirty="0">
+              <a:rPr lang="en-CA" sz="285" dirty="0">
                 <a:latin typeface="Arial" panose="020B0604020202020204" pitchFamily="34" charset="0"/>
                 <a:ea typeface="Calibri" panose="020F0502020204030204" pitchFamily="34" charset="0"/>
                 <a:cs typeface="Arial" panose="020B0604020202020204" pitchFamily="34" charset="0"/>
@@ -3410,7 +3411,7 @@
               <a:t>Ritonavir-boosted </a:t>
             </a:r>
             <a:r>
-              <a:rPr lang="en-CA" sz="380" dirty="0" err="1">
+              <a:rPr lang="en-CA" sz="285" dirty="0" err="1">
                 <a:latin typeface="Arial" panose="020B0604020202020204" pitchFamily="34" charset="0"/>
                 <a:ea typeface="Calibri" panose="020F0502020204030204" pitchFamily="34" charset="0"/>
                 <a:cs typeface="Arial" panose="020B0604020202020204" pitchFamily="34" charset="0"/>
@@ -3418,7 +3419,7 @@
               <a:t>nirmatrelvir</a:t>
             </a:r>
             <a:r>
-              <a:rPr lang="en-CA" sz="380" dirty="0">
+              <a:rPr lang="en-CA" sz="285" dirty="0">
                 <a:latin typeface="Arial" panose="020B0604020202020204" pitchFamily="34" charset="0"/>
                 <a:ea typeface="Calibri" panose="020F0502020204030204" pitchFamily="34" charset="0"/>
                 <a:cs typeface="Arial" panose="020B0604020202020204" pitchFamily="34" charset="0"/>
@@ -3427,12 +3428,12 @@
             </a:r>
           </a:p>
           <a:p>
-            <a:pPr marL="72331" indent="-72331">
+            <a:pPr marL="54248" indent="-54248">
               <a:buFont typeface="Arial" panose="020B0604020202020204" pitchFamily="34" charset="0"/>
               <a:buChar char="•"/>
             </a:pPr>
             <a:r>
-              <a:rPr lang="en-CA" sz="380" dirty="0">
+              <a:rPr lang="en-CA" sz="285" dirty="0">
                 <a:latin typeface="Arial" panose="020B0604020202020204" pitchFamily="34" charset="0"/>
                 <a:ea typeface="Calibri" panose="020F0502020204030204" pitchFamily="34" charset="0"/>
                 <a:cs typeface="Arial" panose="020B0604020202020204" pitchFamily="34" charset="0"/>
@@ -3441,12 +3442,12 @@
             </a:r>
           </a:p>
           <a:p>
-            <a:pPr marL="72331" indent="-72331">
+            <a:pPr marL="54248" indent="-54248">
               <a:buFont typeface="Arial" panose="020B0604020202020204" pitchFamily="34" charset="0"/>
               <a:buChar char="•"/>
             </a:pPr>
             <a:r>
-              <a:rPr lang="en-CA" sz="380" dirty="0">
+              <a:rPr lang="en-CA" sz="285" dirty="0">
                 <a:latin typeface="Arial" panose="020B0604020202020204" pitchFamily="34" charset="0"/>
                 <a:ea typeface="Calibri" panose="020F0502020204030204" pitchFamily="34" charset="0"/>
                 <a:cs typeface="Arial" panose="020B0604020202020204" pitchFamily="34" charset="0"/>
@@ -3472,8 +3473,8 @@
         </p:nvCxnSpPr>
         <p:spPr bwMode="auto">
           <a:xfrm>
-            <a:off x="5616039" y="5012959"/>
-            <a:ext cx="856063" cy="0"/>
+            <a:off x="5736031" y="3759719"/>
+            <a:ext cx="642047" cy="0"/>
           </a:xfrm>
           <a:prstGeom prst="straightConnector1">
             <a:avLst/>
@@ -3522,8 +3523,8 @@
         </p:nvSpPr>
         <p:spPr bwMode="auto">
           <a:xfrm>
-            <a:off x="5107487" y="3771497"/>
-            <a:ext cx="1017103" cy="177500"/>
+            <a:off x="5354617" y="2828624"/>
+            <a:ext cx="762827" cy="133125"/>
           </a:xfrm>
           <a:prstGeom prst="rect">
             <a:avLst/>
@@ -3541,14 +3542,14 @@
           </a:ln>
         </p:spPr>
         <p:txBody>
-          <a:bodyPr rot="0" vert="horz" wrap="square" lIns="28932" tIns="28932" rIns="28932" bIns="28932" anchor="t" anchorCtr="0" upright="1">
+          <a:bodyPr rot="0" vert="horz" wrap="square" lIns="21699" tIns="21699" rIns="21699" bIns="21699" anchor="t" anchorCtr="0" upright="1">
             <a:noAutofit/>
           </a:bodyPr>
           <a:lstStyle/>
           <a:p>
             <a:pPr algn="ctr"/>
             <a:r>
-              <a:rPr lang="en-CA" sz="443" b="1" dirty="0">
+              <a:rPr lang="en-CA" sz="332" b="1" dirty="0">
                 <a:latin typeface="Arial" panose="020B0604020202020204" pitchFamily="34" charset="0"/>
                 <a:ea typeface="Calibri" panose="020F0502020204030204" pitchFamily="34" charset="0"/>
                 <a:cs typeface="Arial" panose="020B0604020202020204" pitchFamily="34" charset="0"/>
@@ -3559,7 +3560,7 @@
           <a:p>
             <a:pPr algn="ctr"/>
             <a:r>
-              <a:rPr lang="en-CA" sz="443" b="1" dirty="0">
+              <a:rPr lang="en-CA" sz="332" b="1" dirty="0">
                 <a:latin typeface="Arial" panose="020B0604020202020204" pitchFamily="34" charset="0"/>
                 <a:ea typeface="Calibri" panose="020F0502020204030204" pitchFamily="34" charset="0"/>
                 <a:cs typeface="Arial" panose="020B0604020202020204" pitchFamily="34" charset="0"/>
@@ -3567,7 +3568,7 @@
               <a:t>(n </a:t>
             </a:r>
             <a:r>
-              <a:rPr lang="en-US" sz="443" b="1" dirty="0">
+              <a:rPr lang="en-US" sz="332" b="1" dirty="0">
                 <a:latin typeface="Arial" panose="020B0604020202020204" pitchFamily="34" charset="0"/>
                 <a:ea typeface="Calibri" panose="020F0502020204030204" pitchFamily="34" charset="0"/>
                 <a:cs typeface="Arial" panose="020B0604020202020204" pitchFamily="34" charset="0"/>
@@ -3575,14 +3576,14 @@
               <a:t>= 711</a:t>
             </a:r>
             <a:r>
-              <a:rPr lang="en-CA" sz="443" b="1" dirty="0">
+              <a:rPr lang="en-CA" sz="332" b="1" dirty="0">
                 <a:latin typeface="Arial" panose="020B0604020202020204" pitchFamily="34" charset="0"/>
                 <a:ea typeface="Calibri" panose="020F0502020204030204" pitchFamily="34" charset="0"/>
                 <a:cs typeface="Arial" panose="020B0604020202020204" pitchFamily="34" charset="0"/>
               </a:rPr>
               <a:t>)</a:t>
             </a:r>
-            <a:endParaRPr lang="en-US" sz="443" b="1" dirty="0">
+            <a:endParaRPr lang="en-US" sz="332" b="1" dirty="0">
               <a:latin typeface="Arial" panose="020B0604020202020204" pitchFamily="34" charset="0"/>
               <a:ea typeface="Calibri" panose="020F0502020204030204" pitchFamily="34" charset="0"/>
               <a:cs typeface="Arial" panose="020B0604020202020204" pitchFamily="34" charset="0"/>
@@ -3606,8 +3607,8 @@
         </p:nvCxnSpPr>
         <p:spPr bwMode="auto">
           <a:xfrm>
-            <a:off x="5616039" y="4050985"/>
-            <a:ext cx="856063" cy="0"/>
+            <a:off x="5736031" y="3038239"/>
+            <a:ext cx="642047" cy="0"/>
           </a:xfrm>
           <a:prstGeom prst="straightConnector1">
             <a:avLst/>
@@ -3654,8 +3655,8 @@
         </p:nvSpPr>
         <p:spPr>
           <a:xfrm>
-            <a:off x="4536460" y="4007165"/>
-            <a:ext cx="420531" cy="228652"/>
+            <a:off x="4926346" y="3005374"/>
+            <a:ext cx="315398" cy="194540"/>
           </a:xfrm>
           <a:prstGeom prst="rect">
             <a:avLst/>
@@ -3681,7 +3682,7 @@
           <a:p>
             <a:pPr algn="ctr"/>
             <a:r>
-              <a:rPr lang="en-GB" sz="443" b="1" dirty="0">
+              <a:rPr lang="en-GB" sz="332" b="1" dirty="0">
                 <a:latin typeface="Arial" panose="020B0604020202020204" pitchFamily="34" charset="0"/>
                 <a:cs typeface="Arial" panose="020B0604020202020204" pitchFamily="34" charset="0"/>
               </a:rPr>
@@ -3704,8 +3705,8 @@
         </p:nvSpPr>
         <p:spPr>
           <a:xfrm>
-            <a:off x="4536460" y="4426743"/>
-            <a:ext cx="420531" cy="228652"/>
+            <a:off x="4926346" y="3320058"/>
+            <a:ext cx="315398" cy="194540"/>
           </a:xfrm>
           <a:prstGeom prst="rect">
             <a:avLst/>
@@ -3731,7 +3732,7 @@
           <a:p>
             <a:pPr algn="ctr"/>
             <a:r>
-              <a:rPr lang="en-GB" sz="443" b="1" dirty="0">
+              <a:rPr lang="en-GB" sz="332" b="1" dirty="0">
                 <a:latin typeface="Arial" panose="020B0604020202020204" pitchFamily="34" charset="0"/>
                 <a:cs typeface="Arial" panose="020B0604020202020204" pitchFamily="34" charset="0"/>
               </a:rPr>
@@ -3754,8 +3755,8 @@
         </p:nvSpPr>
         <p:spPr>
           <a:xfrm>
-            <a:off x="4536460" y="4969139"/>
-            <a:ext cx="420531" cy="160493"/>
+            <a:off x="4926346" y="3726855"/>
+            <a:ext cx="315398" cy="194540"/>
           </a:xfrm>
           <a:prstGeom prst="rect">
             <a:avLst/>
@@ -3781,7 +3782,7 @@
           <a:p>
             <a:pPr algn="ctr"/>
             <a:r>
-              <a:rPr lang="en-GB" sz="443" b="1" dirty="0">
+              <a:rPr lang="en-GB" sz="332" b="1" dirty="0">
                 <a:latin typeface="Arial" panose="020B0604020202020204" pitchFamily="34" charset="0"/>
                 <a:cs typeface="Arial" panose="020B0604020202020204" pitchFamily="34" charset="0"/>
               </a:rPr>
@@ -3806,8 +3807,8 @@
         </p:nvSpPr>
         <p:spPr bwMode="auto">
           <a:xfrm>
-            <a:off x="6472101" y="4951740"/>
-            <a:ext cx="1267875" cy="245195"/>
+            <a:off x="6378076" y="3713806"/>
+            <a:ext cx="950906" cy="183896"/>
           </a:xfrm>
           <a:prstGeom prst="rect">
             <a:avLst/>
@@ -3825,13 +3826,13 @@
           </a:ln>
         </p:spPr>
         <p:txBody>
-          <a:bodyPr rot="0" vert="horz" wrap="square" lIns="28932" tIns="28932" rIns="28932" bIns="28932" anchor="t" anchorCtr="0" upright="1">
+          <a:bodyPr rot="0" vert="horz" wrap="square" lIns="21699" tIns="21699" rIns="21699" bIns="21699" anchor="t" anchorCtr="0" upright="1">
             <a:noAutofit/>
           </a:bodyPr>
           <a:lstStyle/>
           <a:p>
             <a:r>
-              <a:rPr lang="en-US" sz="443" b="1" dirty="0">
+              <a:rPr lang="en-US" sz="332" b="1" dirty="0">
                 <a:latin typeface="Arial" panose="020B0604020202020204" pitchFamily="34" charset="0"/>
                 <a:ea typeface="Calibri" panose="020F0502020204030204" pitchFamily="34" charset="0"/>
                 <a:cs typeface="Arial" panose="020B0604020202020204" pitchFamily="34" charset="0"/>
@@ -3840,12 +3841,12 @@
             </a:r>
           </a:p>
           <a:p>
-            <a:pPr marL="90413" indent="-90413">
+            <a:pPr marL="67810" indent="-67810">
               <a:buFont typeface="Arial" panose="020B0604020202020204" pitchFamily="34" charset="0"/>
               <a:buChar char="•"/>
             </a:pPr>
             <a:r>
-              <a:rPr lang="en-US" sz="380" dirty="0">
+              <a:rPr lang="en-US" sz="285" dirty="0">
                 <a:latin typeface="Arial" panose="020B0604020202020204" pitchFamily="34" charset="0"/>
                 <a:ea typeface="Calibri" panose="020F0502020204030204" pitchFamily="34" charset="0"/>
                 <a:cs typeface="Arial" panose="020B0604020202020204" pitchFamily="34" charset="0"/>
@@ -3854,12 +3855,12 @@
             </a:r>
           </a:p>
           <a:p>
-            <a:pPr marL="90413" indent="-90413">
+            <a:pPr marL="67810" indent="-67810">
               <a:buFont typeface="Arial" panose="020B0604020202020204" pitchFamily="34" charset="0"/>
               <a:buChar char="•"/>
             </a:pPr>
             <a:r>
-              <a:rPr lang="en-US" sz="380" dirty="0">
+              <a:rPr lang="en-US" sz="285" dirty="0">
                 <a:latin typeface="Arial" panose="020B0604020202020204" pitchFamily="34" charset="0"/>
                 <a:ea typeface="Calibri" panose="020F0502020204030204" pitchFamily="34" charset="0"/>
                 <a:cs typeface="Arial" panose="020B0604020202020204" pitchFamily="34" charset="0"/>
@@ -3868,7 +3869,7 @@
             </a:r>
           </a:p>
           <a:p>
-            <a:endParaRPr lang="en-US" sz="443" b="1" dirty="0">
+            <a:endParaRPr lang="en-US" sz="332" b="1" dirty="0">
               <a:highlight>
                 <a:srgbClr val="FFFF00"/>
               </a:highlight>
@@ -3895,8 +3896,8 @@
         </p:nvSpPr>
         <p:spPr bwMode="auto">
           <a:xfrm>
-            <a:off x="5107487" y="4582969"/>
-            <a:ext cx="1017103" cy="252611"/>
+            <a:off x="5354617" y="3437227"/>
+            <a:ext cx="762827" cy="189458"/>
           </a:xfrm>
           <a:prstGeom prst="rect">
             <a:avLst/>
@@ -3914,14 +3915,14 @@
           </a:ln>
         </p:spPr>
         <p:txBody>
-          <a:bodyPr rot="0" vert="horz" wrap="square" lIns="28932" tIns="28932" rIns="28932" bIns="28932" anchor="t" anchorCtr="0" upright="1">
+          <a:bodyPr rot="0" vert="horz" wrap="square" lIns="21699" tIns="21699" rIns="21699" bIns="21699" anchor="t" anchorCtr="0" upright="1">
             <a:noAutofit/>
           </a:bodyPr>
           <a:lstStyle/>
           <a:p>
             <a:pPr algn="ctr"/>
             <a:r>
-              <a:rPr lang="en-CA" sz="443" b="1" dirty="0">
+              <a:rPr lang="en-CA" sz="332" b="1" dirty="0">
                 <a:latin typeface="Arial"/>
                 <a:ea typeface="Calibri" panose="020F0502020204030204" pitchFamily="34" charset="0"/>
                 <a:cs typeface="Arial"/>
@@ -3930,12 +3931,12 @@
             </a:r>
           </a:p>
           <a:p>
-            <a:pPr marL="90413" indent="-90413">
+            <a:pPr marL="67810" indent="-67810">
               <a:buFont typeface="Arial" panose="020B0604020202020204" pitchFamily="34" charset="0"/>
               <a:buChar char="•"/>
             </a:pPr>
             <a:r>
-              <a:rPr lang="en-CA" sz="380" dirty="0">
+              <a:rPr lang="en-CA" sz="285" dirty="0">
                 <a:latin typeface="Arial"/>
                 <a:ea typeface="Calibri" panose="020F0502020204030204" pitchFamily="34" charset="0"/>
                 <a:cs typeface="Arial"/>
@@ -3944,19 +3945,19 @@
             </a:r>
           </a:p>
           <a:p>
-            <a:pPr marL="90413" indent="-90413">
+            <a:pPr marL="67810" indent="-67810">
               <a:buFont typeface="Arial" panose="020B0604020202020204" pitchFamily="34" charset="0"/>
               <a:buChar char="•"/>
             </a:pPr>
             <a:r>
-              <a:rPr lang="en-CA" sz="380" dirty="0">
+              <a:rPr lang="en-CA" sz="285" dirty="0">
                 <a:latin typeface="Arial"/>
                 <a:ea typeface="Calibri" panose="020F0502020204030204" pitchFamily="34" charset="0"/>
                 <a:cs typeface="Arial"/>
               </a:rPr>
               <a:t>Fluoxetine (n = 120)</a:t>
             </a:r>
-            <a:endParaRPr lang="en-US" sz="380" dirty="0">
+            <a:endParaRPr lang="en-US" sz="285" dirty="0">
               <a:latin typeface="Arial"/>
               <a:ea typeface="Calibri" panose="020F0502020204030204" pitchFamily="34" charset="0"/>
               <a:cs typeface="Arial"/>
@@ -3982,8 +3983,8 @@
         </p:nvCxnSpPr>
         <p:spPr bwMode="auto">
           <a:xfrm>
-            <a:off x="5616039" y="4835578"/>
-            <a:ext cx="1" cy="317591"/>
+            <a:off x="5736031" y="3626685"/>
+            <a:ext cx="1" cy="238193"/>
           </a:xfrm>
           <a:prstGeom prst="straightConnector1">
             <a:avLst/>
@@ -4032,8 +4033,8 @@
         </p:nvSpPr>
         <p:spPr bwMode="auto">
           <a:xfrm>
-            <a:off x="5107484" y="5153168"/>
-            <a:ext cx="1017104" cy="253282"/>
+            <a:off x="5354613" y="3864876"/>
+            <a:ext cx="762828" cy="189962"/>
           </a:xfrm>
           <a:prstGeom prst="rect">
             <a:avLst/>
@@ -4051,13 +4052,13 @@
           </a:ln>
         </p:spPr>
         <p:txBody>
-          <a:bodyPr rot="0" vert="horz" wrap="square" lIns="28932" tIns="28932" rIns="28932" bIns="28932" anchor="t" anchorCtr="0" upright="1">
+          <a:bodyPr rot="0" vert="horz" wrap="square" lIns="21699" tIns="21699" rIns="21699" bIns="21699" anchor="t" anchorCtr="0" upright="1">
             <a:noAutofit/>
           </a:bodyPr>
           <a:lstStyle/>
           <a:p>
             <a:r>
-              <a:rPr lang="en-CA" sz="443" b="1" dirty="0">
+              <a:rPr lang="en-CA" sz="332" b="1" dirty="0">
                 <a:latin typeface="Arial"/>
                 <a:ea typeface="Calibri" panose="020F0502020204030204" pitchFamily="34" charset="0"/>
                 <a:cs typeface="Arial"/>
@@ -4065,7 +4066,7 @@
               <a:t>Analysed dataset; </a:t>
             </a:r>
             <a:r>
-              <a:rPr lang="en-CA" sz="443" b="1" dirty="0" err="1">
+              <a:rPr lang="en-CA" sz="332" b="1" dirty="0" err="1">
                 <a:latin typeface="Arial"/>
                 <a:ea typeface="Calibri" panose="020F0502020204030204" pitchFamily="34" charset="0"/>
                 <a:cs typeface="Arial"/>
@@ -4073,7 +4074,7 @@
               <a:t>mITT</a:t>
             </a:r>
             <a:r>
-              <a:rPr lang="en-CA" sz="443" b="1" dirty="0">
+              <a:rPr lang="en-CA" sz="332" b="1" dirty="0">
                 <a:latin typeface="Arial"/>
                 <a:ea typeface="Calibri" panose="020F0502020204030204" pitchFamily="34" charset="0"/>
                 <a:cs typeface="Arial"/>
@@ -4082,12 +4083,12 @@
             </a:r>
           </a:p>
           <a:p>
-            <a:pPr marL="54248" indent="-54248">
+            <a:pPr marL="40686" indent="-40686">
               <a:buFont typeface="Arial" panose="020B0604020202020204" pitchFamily="34" charset="0"/>
               <a:buChar char="•"/>
             </a:pPr>
             <a:r>
-              <a:rPr lang="en-CA" sz="380" dirty="0">
+              <a:rPr lang="en-CA" sz="285" dirty="0">
                 <a:latin typeface="Arial"/>
                 <a:ea typeface="Calibri" panose="020F0502020204030204" pitchFamily="34" charset="0"/>
                 <a:cs typeface="Arial"/>
@@ -4096,12 +4097,12 @@
             </a:r>
           </a:p>
           <a:p>
-            <a:pPr marL="54248" indent="-54248">
+            <a:pPr marL="40686" indent="-40686">
               <a:buFont typeface="Arial" panose="020B0604020202020204" pitchFamily="34" charset="0"/>
               <a:buChar char="•"/>
             </a:pPr>
             <a:r>
-              <a:rPr lang="en-CA" sz="380" dirty="0">
+              <a:rPr lang="en-CA" sz="285" dirty="0">
                 <a:latin typeface="Arial"/>
                 <a:ea typeface="Calibri" panose="020F0502020204030204" pitchFamily="34" charset="0"/>
                 <a:cs typeface="Arial"/>
@@ -4110,11 +4111,11 @@
             </a:r>
           </a:p>
           <a:p>
-            <a:pPr marL="54248" indent="-54248">
+            <a:pPr marL="40686" indent="-40686">
               <a:buFont typeface="Arial" panose="020B0604020202020204" pitchFamily="34" charset="0"/>
               <a:buChar char="•"/>
             </a:pPr>
-            <a:endParaRPr lang="en-US" sz="380" dirty="0">
+            <a:endParaRPr lang="en-US" sz="285" dirty="0">
               <a:latin typeface="Arial" panose="020B0604020202020204" pitchFamily="34" charset="0"/>
               <a:ea typeface="Calibri" panose="020F0502020204030204" pitchFamily="34" charset="0"/>
               <a:cs typeface="Arial" panose="020B0604020202020204" pitchFamily="34" charset="0"/>
@@ -4138,8 +4139,8 @@
         </p:nvSpPr>
         <p:spPr bwMode="auto">
           <a:xfrm>
-            <a:off x="6472100" y="3813612"/>
-            <a:ext cx="1267877" cy="339364"/>
+            <a:off x="6378075" y="2860210"/>
+            <a:ext cx="950908" cy="254523"/>
           </a:xfrm>
           <a:prstGeom prst="rect">
             <a:avLst/>
@@ -4157,32 +4158,32 @@
           </a:ln>
         </p:spPr>
         <p:txBody>
-          <a:bodyPr rot="0" vert="horz" wrap="square" lIns="28932" tIns="28932" rIns="28932" bIns="28932" anchor="t" anchorCtr="0" upright="1">
+          <a:bodyPr rot="0" vert="horz" wrap="square" lIns="21699" tIns="21699" rIns="21699" bIns="21699" anchor="t" anchorCtr="0" upright="1">
             <a:noAutofit/>
           </a:bodyPr>
           <a:lstStyle/>
           <a:p>
             <a:r>
-              <a:rPr lang="en-CA" sz="443" b="1" dirty="0">
+              <a:rPr lang="en-CA" sz="332" b="1" dirty="0">
                 <a:latin typeface="Arial" panose="020B0604020202020204" pitchFamily="34" charset="0"/>
                 <a:ea typeface="Calibri" panose="020F0502020204030204" pitchFamily="34" charset="0"/>
                 <a:cs typeface="Arial" panose="020B0604020202020204" pitchFamily="34" charset="0"/>
               </a:rPr>
               <a:t>Excluded (n=39)</a:t>
             </a:r>
-            <a:endParaRPr lang="en-US" sz="443" b="1" dirty="0">
+            <a:endParaRPr lang="en-US" sz="332" b="1" dirty="0">
               <a:latin typeface="Arial" panose="020B0604020202020204" pitchFamily="34" charset="0"/>
               <a:ea typeface="Calibri" panose="020F0502020204030204" pitchFamily="34" charset="0"/>
               <a:cs typeface="Arial" panose="020B0604020202020204" pitchFamily="34" charset="0"/>
             </a:endParaRPr>
           </a:p>
           <a:p>
-            <a:pPr marL="72331" indent="-72331">
+            <a:pPr marL="54248" indent="-54248">
               <a:buFont typeface="Arial" panose="020B0604020202020204" pitchFamily="34" charset="0"/>
               <a:buChar char="•"/>
             </a:pPr>
             <a:r>
-              <a:rPr lang="en-CA" sz="380" dirty="0">
+              <a:rPr lang="en-CA" sz="285" dirty="0">
                 <a:latin typeface="Arial" panose="020B0604020202020204" pitchFamily="34" charset="0"/>
                 <a:ea typeface="Calibri" panose="020F0502020204030204" pitchFamily="34" charset="0"/>
                 <a:cs typeface="Arial" panose="020B0604020202020204" pitchFamily="34" charset="0"/>
@@ -4191,12 +4192,12 @@
             </a:r>
           </a:p>
           <a:p>
-            <a:pPr marL="72331" indent="-72331">
+            <a:pPr marL="54248" indent="-54248">
               <a:buFont typeface="Arial" panose="020B0604020202020204" pitchFamily="34" charset="0"/>
               <a:buChar char="•"/>
             </a:pPr>
             <a:r>
-              <a:rPr lang="en-CA" sz="380" dirty="0">
+              <a:rPr lang="en-CA" sz="285" dirty="0">
                 <a:latin typeface="Arial" panose="020B0604020202020204" pitchFamily="34" charset="0"/>
                 <a:ea typeface="Calibri" panose="020F0502020204030204" pitchFamily="34" charset="0"/>
                 <a:cs typeface="Arial" panose="020B0604020202020204" pitchFamily="34" charset="0"/>
@@ -4205,12 +4206,12 @@
             </a:r>
           </a:p>
           <a:p>
-            <a:pPr marL="72331" indent="-72331">
+            <a:pPr marL="54248" indent="-54248">
               <a:buFont typeface="Arial" panose="020B0604020202020204" pitchFamily="34" charset="0"/>
               <a:buChar char="•"/>
             </a:pPr>
             <a:r>
-              <a:rPr lang="en-CA" sz="380" dirty="0">
+              <a:rPr lang="en-CA" sz="285" dirty="0">
                 <a:latin typeface="Arial" panose="020B0604020202020204" pitchFamily="34" charset="0"/>
                 <a:ea typeface="Calibri" panose="020F0502020204030204" pitchFamily="34" charset="0"/>
                 <a:cs typeface="Arial" panose="020B0604020202020204" pitchFamily="34" charset="0"/>
@@ -4219,12 +4220,12 @@
             </a:r>
           </a:p>
           <a:p>
-            <a:pPr marL="72331" indent="-72331">
+            <a:pPr marL="54248" indent="-54248">
               <a:buFont typeface="Arial" panose="020B0604020202020204" pitchFamily="34" charset="0"/>
               <a:buChar char="•"/>
             </a:pPr>
             <a:r>
-              <a:rPr lang="en-CA" sz="380" dirty="0">
+              <a:rPr lang="en-CA" sz="285" dirty="0">
                 <a:latin typeface="Arial" panose="020B0604020202020204" pitchFamily="34" charset="0"/>
                 <a:ea typeface="Calibri" panose="020F0502020204030204" pitchFamily="34" charset="0"/>
                 <a:cs typeface="Arial" panose="020B0604020202020204" pitchFamily="34" charset="0"/>
@@ -4278,8 +4279,8 @@
         </p:nvGrpSpPr>
         <p:grpSpPr>
           <a:xfrm>
-            <a:off x="1155716" y="588544"/>
-            <a:ext cx="10260960" cy="8138214"/>
+            <a:off x="2390787" y="441409"/>
+            <a:ext cx="7695720" cy="6103661"/>
             <a:chOff x="863616" y="588544"/>
             <a:chExt cx="10260960" cy="8138214"/>
           </a:xfrm>
@@ -4319,14 +4320,14 @@
             </a:ln>
           </p:spPr>
           <p:txBody>
-            <a:bodyPr rot="0" vert="horz" wrap="square" lIns="28932" tIns="28932" rIns="28932" bIns="28932" anchor="ctr" anchorCtr="0" upright="1">
+            <a:bodyPr rot="0" vert="horz" wrap="square" lIns="21699" tIns="21699" rIns="21699" bIns="21699" anchor="ctr" anchorCtr="0" upright="1">
               <a:noAutofit/>
             </a:bodyPr>
             <a:lstStyle/>
             <a:p>
               <a:pPr algn="ctr"/>
               <a:r>
-                <a:rPr lang="en-CA" sz="1200" b="1" dirty="0">
+                <a:rPr lang="en-CA" sz="900" b="1" dirty="0">
                   <a:latin typeface="Arial"/>
                   <a:ea typeface="Calibri" panose="020F0502020204030204" pitchFamily="34" charset="0"/>
                   <a:cs typeface="Arial"/>
@@ -4337,14 +4338,14 @@
             <a:p>
               <a:pPr algn="ctr"/>
               <a:r>
-                <a:rPr lang="en-CA" sz="1200" b="1" dirty="0">
+                <a:rPr lang="en-CA" sz="900" b="1" dirty="0">
                   <a:latin typeface="Arial"/>
                   <a:ea typeface="Calibri" panose="020F0502020204030204" pitchFamily="34" charset="0"/>
                   <a:cs typeface="Arial"/>
                 </a:rPr>
                 <a:t>(n = 917)</a:t>
               </a:r>
-              <a:endParaRPr lang="en-US" sz="1200" b="1" dirty="0">
+              <a:endParaRPr lang="en-US" sz="900" b="1" dirty="0">
                 <a:latin typeface="Arial" panose="020B0604020202020204" pitchFamily="34" charset="0"/>
                 <a:ea typeface="Calibri" panose="020F0502020204030204" pitchFamily="34" charset="0"/>
                 <a:cs typeface="Arial" panose="020B0604020202020204" pitchFamily="34" charset="0"/>
@@ -4489,13 +4490,13 @@
             </a:ln>
           </p:spPr>
           <p:txBody>
-            <a:bodyPr rot="0" vert="horz" wrap="square" lIns="28932" tIns="28932" rIns="28932" bIns="28932" anchor="ctr" anchorCtr="0" upright="1">
+            <a:bodyPr rot="0" vert="horz" wrap="square" lIns="21699" tIns="21699" rIns="21699" bIns="21699" anchor="ctr" anchorCtr="0" upright="1">
               <a:noAutofit/>
             </a:bodyPr>
             <a:lstStyle/>
             <a:p>
               <a:r>
-                <a:rPr lang="en-CA" sz="1200" b="1" dirty="0">
+                <a:rPr lang="en-CA" sz="900" b="1" dirty="0">
                   <a:latin typeface="Arial" panose="020B0604020202020204" pitchFamily="34" charset="0"/>
                   <a:ea typeface="Calibri" panose="020F0502020204030204" pitchFamily="34" charset="0"/>
                   <a:cs typeface="Arial" panose="020B0604020202020204" pitchFamily="34" charset="0"/>
@@ -4504,12 +4505,12 @@
               </a:r>
             </a:p>
             <a:p>
-              <a:pPr marL="72331" indent="-72331">
+              <a:pPr marL="54248" indent="-54248">
                 <a:buFont typeface="Arial" panose="020B0604020202020204" pitchFamily="34" charset="0"/>
                 <a:buChar char="•"/>
               </a:pPr>
               <a:r>
-                <a:rPr lang="en-CA" sz="1200" dirty="0">
+                <a:rPr lang="en-CA" sz="900" dirty="0">
                   <a:latin typeface="Arial"/>
                   <a:ea typeface="Calibri" panose="020F0502020204030204" pitchFamily="34" charset="0"/>
                   <a:cs typeface="Arial"/>
@@ -4517,7 +4518,7 @@
                 <a:t> </a:t>
               </a:r>
               <a:r>
-                <a:rPr lang="en-CA" sz="1200" dirty="0" err="1">
+                <a:rPr lang="en-CA" sz="900" dirty="0" err="1">
                   <a:latin typeface="Arial"/>
                   <a:ea typeface="Calibri" panose="020F0502020204030204" pitchFamily="34" charset="0"/>
                   <a:cs typeface="Arial"/>
@@ -4525,7 +4526,7 @@
                 <a:t>Casirivimab</a:t>
               </a:r>
               <a:r>
-                <a:rPr lang="en-CA" sz="1200" dirty="0">
+                <a:rPr lang="en-CA" sz="900" dirty="0">
                   <a:latin typeface="Arial"/>
                   <a:ea typeface="Calibri" panose="020F0502020204030204" pitchFamily="34" charset="0"/>
                   <a:cs typeface="Arial"/>
@@ -4533,7 +4534,7 @@
                 <a:t>/</a:t>
               </a:r>
               <a:r>
-                <a:rPr lang="en-CA" sz="1200" dirty="0" err="1">
+                <a:rPr lang="en-CA" sz="900" dirty="0" err="1">
                   <a:latin typeface="Arial"/>
                   <a:ea typeface="Calibri" panose="020F0502020204030204" pitchFamily="34" charset="0"/>
                   <a:cs typeface="Arial"/>
@@ -4541,26 +4542,26 @@
                 <a:t>imdevimab</a:t>
               </a:r>
               <a:r>
-                <a:rPr lang="en-CA" sz="1200" dirty="0">
+                <a:rPr lang="en-CA" sz="900" dirty="0">
                   <a:latin typeface="Arial"/>
                   <a:ea typeface="Calibri" panose="020F0502020204030204" pitchFamily="34" charset="0"/>
                   <a:cs typeface="Arial"/>
                 </a:rPr>
                 <a:t> (n=84)</a:t>
               </a:r>
-              <a:endParaRPr lang="en-CA" sz="1200" dirty="0">
+              <a:endParaRPr lang="en-CA" sz="900" dirty="0">
                 <a:latin typeface="Arial" panose="020B0604020202020204" pitchFamily="34" charset="0"/>
                 <a:ea typeface="Calibri" panose="020F0502020204030204" pitchFamily="34" charset="0"/>
                 <a:cs typeface="Arial" panose="020B0604020202020204" pitchFamily="34" charset="0"/>
               </a:endParaRPr>
             </a:p>
             <a:p>
-              <a:pPr marL="72331" indent="-72331">
+              <a:pPr marL="54248" indent="-54248">
                 <a:buFont typeface="Arial" panose="020B0604020202020204" pitchFamily="34" charset="0"/>
                 <a:buChar char="•"/>
               </a:pPr>
               <a:r>
-                <a:rPr lang="en-CA" sz="1200" dirty="0">
+                <a:rPr lang="en-CA" sz="900" dirty="0">
                   <a:latin typeface="Arial" panose="020B0604020202020204" pitchFamily="34" charset="0"/>
                   <a:ea typeface="Calibri" panose="020F0502020204030204" pitchFamily="34" charset="0"/>
                   <a:cs typeface="Arial" panose="020B0604020202020204" pitchFamily="34" charset="0"/>
@@ -4568,7 +4569,7 @@
                 <a:t> </a:t>
               </a:r>
               <a:r>
-                <a:rPr lang="en-CA" sz="1200" dirty="0" err="1">
+                <a:rPr lang="en-CA" sz="900" dirty="0" err="1">
                   <a:latin typeface="Arial" panose="020B0604020202020204" pitchFamily="34" charset="0"/>
                   <a:ea typeface="Calibri" panose="020F0502020204030204" pitchFamily="34" charset="0"/>
                   <a:cs typeface="Arial" panose="020B0604020202020204" pitchFamily="34" charset="0"/>
@@ -4576,7 +4577,7 @@
                 <a:t>Tixagevimab</a:t>
               </a:r>
               <a:r>
-                <a:rPr lang="en-CA" sz="1200" dirty="0">
+                <a:rPr lang="en-CA" sz="900" dirty="0">
                   <a:latin typeface="Arial" panose="020B0604020202020204" pitchFamily="34" charset="0"/>
                   <a:ea typeface="Calibri" panose="020F0502020204030204" pitchFamily="34" charset="0"/>
                   <a:cs typeface="Arial" panose="020B0604020202020204" pitchFamily="34" charset="0"/>
@@ -4584,7 +4585,7 @@
                 <a:t>/</a:t>
               </a:r>
               <a:r>
-                <a:rPr lang="en-CA" sz="1200" dirty="0" err="1">
+                <a:rPr lang="en-CA" sz="900" dirty="0" err="1">
                   <a:latin typeface="Arial" panose="020B0604020202020204" pitchFamily="34" charset="0"/>
                   <a:ea typeface="Calibri" panose="020F0502020204030204" pitchFamily="34" charset="0"/>
                   <a:cs typeface="Arial" panose="020B0604020202020204" pitchFamily="34" charset="0"/>
@@ -4592,7 +4593,7 @@
                 <a:t>cilgavimab</a:t>
               </a:r>
               <a:r>
-                <a:rPr lang="en-CA" sz="1200" dirty="0">
+                <a:rPr lang="en-CA" sz="900" dirty="0">
                   <a:latin typeface="Arial" panose="020B0604020202020204" pitchFamily="34" charset="0"/>
                   <a:ea typeface="Calibri" panose="020F0502020204030204" pitchFamily="34" charset="0"/>
                   <a:cs typeface="Arial" panose="020B0604020202020204" pitchFamily="34" charset="0"/>
@@ -4601,12 +4602,12 @@
               </a:r>
             </a:p>
             <a:p>
-              <a:pPr marL="72331" indent="-72331">
+              <a:pPr marL="54248" indent="-54248">
                 <a:buFont typeface="Arial" panose="020B0604020202020204" pitchFamily="34" charset="0"/>
                 <a:buChar char="•"/>
               </a:pPr>
               <a:r>
-                <a:rPr lang="en-CA" sz="1200" dirty="0">
+                <a:rPr lang="en-CA" sz="900" dirty="0">
                   <a:latin typeface="Arial" panose="020B0604020202020204" pitchFamily="34" charset="0"/>
                   <a:ea typeface="Calibri" panose="020F0502020204030204" pitchFamily="34" charset="0"/>
                   <a:cs typeface="Arial" panose="020B0604020202020204" pitchFamily="34" charset="0"/>
@@ -4614,7 +4615,7 @@
                 <a:t> </a:t>
               </a:r>
               <a:r>
-                <a:rPr lang="en-CA" sz="1200" dirty="0" err="1">
+                <a:rPr lang="en-CA" sz="900" dirty="0" err="1">
                   <a:latin typeface="Arial" panose="020B0604020202020204" pitchFamily="34" charset="0"/>
                   <a:ea typeface="Calibri" panose="020F0502020204030204" pitchFamily="34" charset="0"/>
                   <a:cs typeface="Arial" panose="020B0604020202020204" pitchFamily="34" charset="0"/>
@@ -4622,7 +4623,7 @@
                 <a:t>Ensitrelvir</a:t>
               </a:r>
               <a:r>
-                <a:rPr lang="en-CA" sz="1200" dirty="0">
+                <a:rPr lang="en-CA" sz="900" dirty="0">
                   <a:latin typeface="Arial" panose="020B0604020202020204" pitchFamily="34" charset="0"/>
                   <a:ea typeface="Calibri" panose="020F0502020204030204" pitchFamily="34" charset="0"/>
                   <a:cs typeface="Arial" panose="020B0604020202020204" pitchFamily="34" charset="0"/>
@@ -4631,12 +4632,12 @@
               </a:r>
             </a:p>
             <a:p>
-              <a:pPr marL="72331" indent="-72331">
+              <a:pPr marL="54248" indent="-54248">
                 <a:buFont typeface="Arial" panose="020B0604020202020204" pitchFamily="34" charset="0"/>
                 <a:buChar char="•"/>
               </a:pPr>
               <a:r>
-                <a:rPr lang="en-CA" sz="1200" dirty="0">
+                <a:rPr lang="en-CA" sz="900" dirty="0">
                   <a:latin typeface="Arial" panose="020B0604020202020204" pitchFamily="34" charset="0"/>
                   <a:ea typeface="Calibri" panose="020F0502020204030204" pitchFamily="34" charset="0"/>
                   <a:cs typeface="Arial" panose="020B0604020202020204" pitchFamily="34" charset="0"/>
@@ -4731,14 +4732,14 @@
             </a:ln>
           </p:spPr>
           <p:txBody>
-            <a:bodyPr rot="0" vert="horz" wrap="square" lIns="28932" tIns="28932" rIns="28932" bIns="28932" anchor="ctr" anchorCtr="0" upright="1">
+            <a:bodyPr rot="0" vert="horz" wrap="square" lIns="21699" tIns="21699" rIns="21699" bIns="21699" anchor="ctr" anchorCtr="0" upright="1">
               <a:noAutofit/>
             </a:bodyPr>
             <a:lstStyle/>
             <a:p>
               <a:pPr algn="ctr"/>
               <a:r>
-                <a:rPr lang="en-CA" sz="1200" b="1" dirty="0">
+                <a:rPr lang="en-CA" sz="900" b="1" dirty="0">
                   <a:latin typeface="Arial" panose="020B0604020202020204" pitchFamily="34" charset="0"/>
                   <a:ea typeface="Calibri" panose="020F0502020204030204" pitchFamily="34" charset="0"/>
                   <a:cs typeface="Arial" panose="020B0604020202020204" pitchFamily="34" charset="0"/>
@@ -4749,7 +4750,7 @@
             <a:p>
               <a:pPr algn="ctr"/>
               <a:r>
-                <a:rPr lang="en-CA" sz="1200" b="1" dirty="0">
+                <a:rPr lang="en-CA" sz="900" b="1" dirty="0">
                   <a:latin typeface="Arial" panose="020B0604020202020204" pitchFamily="34" charset="0"/>
                   <a:ea typeface="Calibri" panose="020F0502020204030204" pitchFamily="34" charset="0"/>
                   <a:cs typeface="Arial" panose="020B0604020202020204" pitchFamily="34" charset="0"/>
@@ -4757,7 +4758,7 @@
                 <a:t>(n </a:t>
               </a:r>
               <a:r>
-                <a:rPr lang="en-US" sz="1200" b="1" dirty="0">
+                <a:rPr lang="en-US" sz="900" b="1" dirty="0">
                   <a:latin typeface="Arial" panose="020B0604020202020204" pitchFamily="34" charset="0"/>
                   <a:ea typeface="Calibri" panose="020F0502020204030204" pitchFamily="34" charset="0"/>
                   <a:cs typeface="Arial" panose="020B0604020202020204" pitchFamily="34" charset="0"/>
@@ -4765,14 +4766,14 @@
                 <a:t>= 966</a:t>
               </a:r>
               <a:r>
-                <a:rPr lang="en-CA" sz="1200" b="1" dirty="0">
+                <a:rPr lang="en-CA" sz="900" b="1" dirty="0">
                   <a:latin typeface="Arial" panose="020B0604020202020204" pitchFamily="34" charset="0"/>
                   <a:ea typeface="Calibri" panose="020F0502020204030204" pitchFamily="34" charset="0"/>
                   <a:cs typeface="Arial" panose="020B0604020202020204" pitchFamily="34" charset="0"/>
                 </a:rPr>
                 <a:t>)</a:t>
               </a:r>
-              <a:endParaRPr lang="en-US" sz="1200" b="1" dirty="0">
+              <a:endParaRPr lang="en-US" sz="900" b="1" dirty="0">
                 <a:latin typeface="Arial" panose="020B0604020202020204" pitchFamily="34" charset="0"/>
                 <a:ea typeface="Calibri" panose="020F0502020204030204" pitchFamily="34" charset="0"/>
                 <a:cs typeface="Arial" panose="020B0604020202020204" pitchFamily="34" charset="0"/>
@@ -4845,7 +4846,7 @@
           <p:spPr>
             <a:xfrm>
               <a:off x="863616" y="1505992"/>
-              <a:ext cx="1313774" cy="281165"/>
+              <a:ext cx="1313775" cy="307776"/>
             </a:xfrm>
             <a:prstGeom prst="rect">
               <a:avLst/>
@@ -4871,7 +4872,7 @@
             <a:p>
               <a:pPr algn="ctr"/>
               <a:r>
-                <a:rPr lang="en-GB" sz="1200" b="1" dirty="0">
+                <a:rPr lang="en-GB" sz="900" b="1" dirty="0">
                   <a:latin typeface="Arial" panose="020B0604020202020204" pitchFamily="34" charset="0"/>
                   <a:cs typeface="Arial" panose="020B0604020202020204" pitchFamily="34" charset="0"/>
                 </a:rPr>
@@ -4894,8 +4895,8 @@
           </p:nvSpPr>
           <p:spPr>
             <a:xfrm>
-              <a:off x="863616" y="2858763"/>
-              <a:ext cx="1313774" cy="281165"/>
+              <a:off x="863616" y="2858762"/>
+              <a:ext cx="1313775" cy="307776"/>
             </a:xfrm>
             <a:prstGeom prst="rect">
               <a:avLst/>
@@ -4921,7 +4922,7 @@
             <a:p>
               <a:pPr algn="ctr"/>
               <a:r>
-                <a:rPr lang="en-GB" sz="1200" b="1" dirty="0">
+                <a:rPr lang="en-GB" sz="900" b="1" dirty="0">
                   <a:latin typeface="Arial" panose="020B0604020202020204" pitchFamily="34" charset="0"/>
                   <a:cs typeface="Arial" panose="020B0604020202020204" pitchFamily="34" charset="0"/>
                 </a:rPr>
@@ -4945,7 +4946,7 @@
           <p:spPr>
             <a:xfrm>
               <a:off x="863616" y="4431417"/>
-              <a:ext cx="1313774" cy="276999"/>
+              <a:ext cx="1313775" cy="307776"/>
             </a:xfrm>
             <a:prstGeom prst="rect">
               <a:avLst/>
@@ -4971,7 +4972,7 @@
             <a:p>
               <a:pPr algn="ctr"/>
               <a:r>
-                <a:rPr lang="en-GB" sz="1200" b="1" dirty="0">
+                <a:rPr lang="en-GB" sz="900" b="1" dirty="0">
                   <a:latin typeface="Arial" panose="020B0604020202020204" pitchFamily="34" charset="0"/>
                   <a:cs typeface="Arial" panose="020B0604020202020204" pitchFamily="34" charset="0"/>
                 </a:rPr>
@@ -5015,13 +5016,13 @@
             </a:ln>
           </p:spPr>
           <p:txBody>
-            <a:bodyPr rot="0" vert="horz" wrap="square" lIns="28932" tIns="28932" rIns="28932" bIns="28932" anchor="ctr" anchorCtr="0" upright="1">
+            <a:bodyPr rot="0" vert="horz" wrap="square" lIns="21699" tIns="21699" rIns="21699" bIns="21699" anchor="ctr" anchorCtr="0" upright="1">
               <a:noAutofit/>
             </a:bodyPr>
             <a:lstStyle/>
             <a:p>
               <a:r>
-                <a:rPr lang="en-US" sz="1200" b="1" dirty="0">
+                <a:rPr lang="en-US" sz="900" b="1" dirty="0">
                   <a:latin typeface="Arial" panose="020B0604020202020204" pitchFamily="34" charset="0"/>
                   <a:ea typeface="Calibri" panose="020F0502020204030204" pitchFamily="34" charset="0"/>
                   <a:cs typeface="Arial" panose="020B0604020202020204" pitchFamily="34" charset="0"/>
@@ -5030,12 +5031,12 @@
               </a:r>
             </a:p>
             <a:p>
-              <a:pPr marL="90413" indent="-90413">
+              <a:pPr marL="67810" indent="-67810">
                 <a:buFont typeface="Arial" panose="020B0604020202020204" pitchFamily="34" charset="0"/>
                 <a:buChar char="•"/>
               </a:pPr>
               <a:r>
-                <a:rPr lang="en-US" sz="1200" dirty="0">
+                <a:rPr lang="en-US" sz="900" dirty="0">
                   <a:latin typeface="Arial" panose="020B0604020202020204" pitchFamily="34" charset="0"/>
                   <a:ea typeface="Calibri" panose="020F0502020204030204" pitchFamily="34" charset="0"/>
                   <a:cs typeface="Arial" panose="020B0604020202020204" pitchFamily="34" charset="0"/>
@@ -5044,12 +5045,12 @@
               </a:r>
             </a:p>
             <a:p>
-              <a:pPr marL="90413" indent="-90413">
+              <a:pPr marL="67810" indent="-67810">
                 <a:buFont typeface="Arial" panose="020B0604020202020204" pitchFamily="34" charset="0"/>
                 <a:buChar char="•"/>
               </a:pPr>
               <a:r>
-                <a:rPr lang="en-US" sz="1200" dirty="0">
+                <a:rPr lang="en-US" sz="900" dirty="0">
                   <a:latin typeface="Arial" panose="020B0604020202020204" pitchFamily="34" charset="0"/>
                   <a:ea typeface="Calibri" panose="020F0502020204030204" pitchFamily="34" charset="0"/>
                   <a:cs typeface="Arial" panose="020B0604020202020204" pitchFamily="34" charset="0"/>
@@ -5094,14 +5095,14 @@
             </a:ln>
           </p:spPr>
           <p:txBody>
-            <a:bodyPr rot="0" vert="horz" wrap="square" lIns="28932" tIns="28932" rIns="28932" bIns="28932" anchor="ctr" anchorCtr="0" upright="1">
+            <a:bodyPr rot="0" vert="horz" wrap="square" lIns="21699" tIns="21699" rIns="21699" bIns="21699" anchor="ctr" anchorCtr="0" upright="1">
               <a:noAutofit/>
             </a:bodyPr>
             <a:lstStyle/>
             <a:p>
               <a:pPr algn="ctr"/>
               <a:r>
-                <a:rPr lang="en-CA" sz="1200" b="1" dirty="0">
+                <a:rPr lang="en-CA" sz="900" b="1" dirty="0">
                   <a:latin typeface="Arial"/>
                   <a:ea typeface="Calibri" panose="020F0502020204030204" pitchFamily="34" charset="0"/>
                   <a:cs typeface="Arial"/>
@@ -5112,7 +5113,7 @@
             <a:p>
               <a:pPr algn="ctr"/>
               <a:r>
-                <a:rPr lang="en-CA" sz="1200" b="1" dirty="0">
+                <a:rPr lang="en-CA" sz="900" b="1" dirty="0">
                   <a:latin typeface="Arial"/>
                   <a:ea typeface="Calibri" panose="020F0502020204030204" pitchFamily="34" charset="0"/>
                   <a:cs typeface="Arial"/>
@@ -5209,13 +5210,13 @@
             </a:ln>
           </p:spPr>
           <p:txBody>
-            <a:bodyPr rot="0" vert="horz" wrap="square" lIns="28932" tIns="28932" rIns="28932" bIns="28932" anchor="ctr" anchorCtr="0" upright="1">
+            <a:bodyPr rot="0" vert="horz" wrap="square" lIns="21699" tIns="21699" rIns="21699" bIns="21699" anchor="ctr" anchorCtr="0" upright="1">
               <a:noAutofit/>
             </a:bodyPr>
             <a:lstStyle/>
             <a:p>
               <a:r>
-                <a:rPr lang="en-CA" sz="1200" b="1" dirty="0">
+                <a:rPr lang="en-CA" sz="900" b="1" dirty="0">
                   <a:latin typeface="Arial"/>
                   <a:ea typeface="Calibri" panose="020F0502020204030204" pitchFamily="34" charset="0"/>
                   <a:cs typeface="Arial"/>
@@ -5225,7 +5226,7 @@
             </a:p>
             <a:p>
               <a:r>
-                <a:rPr lang="en-CA" sz="1200" b="1" dirty="0">
+                <a:rPr lang="en-CA" sz="900" b="1" dirty="0">
                   <a:latin typeface="Arial"/>
                   <a:ea typeface="Calibri" panose="020F0502020204030204" pitchFamily="34" charset="0"/>
                   <a:cs typeface="Arial"/>
@@ -5233,7 +5234,7 @@
                 <a:t>   </a:t>
               </a:r>
               <a:r>
-                <a:rPr lang="en-CA" sz="1200" b="1" dirty="0" err="1">
+                <a:rPr lang="en-CA" sz="900" b="1" dirty="0" err="1">
                   <a:latin typeface="Arial"/>
                   <a:ea typeface="Calibri" panose="020F0502020204030204" pitchFamily="34" charset="0"/>
                   <a:cs typeface="Arial"/>
@@ -5241,7 +5242,7 @@
                 <a:t>mITT</a:t>
               </a:r>
               <a:r>
-                <a:rPr lang="en-CA" sz="1200" b="1" dirty="0">
+                <a:rPr lang="en-CA" sz="900" b="1" dirty="0">
                   <a:latin typeface="Arial"/>
                   <a:ea typeface="Calibri" panose="020F0502020204030204" pitchFamily="34" charset="0"/>
                   <a:cs typeface="Arial"/>
@@ -5250,12 +5251,12 @@
               </a:r>
             </a:p>
             <a:p>
-              <a:pPr marL="54248" indent="-54248">
+              <a:pPr marL="40686" indent="-40686">
                 <a:buFont typeface="Arial" panose="020B0604020202020204" pitchFamily="34" charset="0"/>
                 <a:buChar char="•"/>
               </a:pPr>
               <a:r>
-                <a:rPr lang="en-CA" sz="1200" dirty="0">
+                <a:rPr lang="en-CA" sz="900" dirty="0">
                   <a:latin typeface="Arial"/>
                   <a:ea typeface="Calibri" panose="020F0502020204030204" pitchFamily="34" charset="0"/>
                   <a:cs typeface="Arial"/>
@@ -5264,12 +5265,12 @@
               </a:r>
             </a:p>
             <a:p>
-              <a:pPr marL="54248" indent="-54248">
+              <a:pPr marL="40686" indent="-40686">
                 <a:buFont typeface="Arial" panose="020B0604020202020204" pitchFamily="34" charset="0"/>
                 <a:buChar char="•"/>
               </a:pPr>
               <a:r>
-                <a:rPr lang="en-CA" sz="1200" dirty="0">
+                <a:rPr lang="en-CA" sz="900" dirty="0">
                   <a:latin typeface="Arial"/>
                   <a:ea typeface="Calibri" panose="020F0502020204030204" pitchFamily="34" charset="0"/>
                   <a:cs typeface="Arial"/>
@@ -5278,12 +5279,12 @@
               </a:r>
             </a:p>
             <a:p>
-              <a:pPr marL="54248" indent="-54248">
+              <a:pPr marL="40686" indent="-40686">
                 <a:buFont typeface="Arial" panose="020B0604020202020204" pitchFamily="34" charset="0"/>
                 <a:buChar char="•"/>
               </a:pPr>
               <a:r>
-                <a:rPr lang="en-CA" sz="1200" dirty="0">
+                <a:rPr lang="en-CA" sz="900" dirty="0">
                   <a:latin typeface="Arial"/>
                   <a:ea typeface="Calibri" panose="020F0502020204030204" pitchFamily="34" charset="0"/>
                   <a:cs typeface="Arial"/>
@@ -5292,12 +5293,12 @@
               </a:r>
             </a:p>
             <a:p>
-              <a:pPr marL="54248" indent="-54248">
+              <a:pPr marL="40686" indent="-40686">
                 <a:buFont typeface="Arial" panose="020B0604020202020204" pitchFamily="34" charset="0"/>
                 <a:buChar char="•"/>
               </a:pPr>
               <a:r>
-                <a:rPr lang="en-CA" sz="1200" dirty="0">
+                <a:rPr lang="en-CA" sz="900" dirty="0">
                   <a:latin typeface="Arial"/>
                   <a:ea typeface="Calibri" panose="020F0502020204030204" pitchFamily="34" charset="0"/>
                   <a:cs typeface="Arial"/>
@@ -5305,7 +5306,7 @@
                 <a:t> </a:t>
               </a:r>
               <a:r>
-                <a:rPr lang="en-CA" sz="1200" dirty="0" err="1">
+                <a:rPr lang="en-CA" sz="900" dirty="0" err="1">
                   <a:latin typeface="Arial"/>
                   <a:ea typeface="Calibri" panose="020F0502020204030204" pitchFamily="34" charset="0"/>
                   <a:cs typeface="Arial"/>
@@ -5313,7 +5314,7 @@
                 <a:t>Nirmatrelvir</a:t>
               </a:r>
               <a:r>
-                <a:rPr lang="en-CA" sz="1200" dirty="0">
+                <a:rPr lang="en-CA" sz="900" dirty="0">
                   <a:latin typeface="Arial"/>
                   <a:ea typeface="Calibri" panose="020F0502020204030204" pitchFamily="34" charset="0"/>
                   <a:cs typeface="Arial"/>
@@ -5322,12 +5323,12 @@
               </a:r>
             </a:p>
             <a:p>
-              <a:pPr marL="54248" indent="-54248">
+              <a:pPr marL="40686" indent="-40686">
                 <a:buFont typeface="Arial" panose="020B0604020202020204" pitchFamily="34" charset="0"/>
                 <a:buChar char="•"/>
               </a:pPr>
               <a:r>
-                <a:rPr lang="en-CA" sz="1200" dirty="0">
+                <a:rPr lang="en-CA" sz="900" dirty="0">
                   <a:latin typeface="Arial"/>
                   <a:ea typeface="Calibri" panose="020F0502020204030204" pitchFamily="34" charset="0"/>
                   <a:cs typeface="Arial"/>
@@ -5336,12 +5337,12 @@
               </a:r>
             </a:p>
             <a:p>
-              <a:pPr marL="54248" indent="-54248">
+              <a:pPr marL="40686" indent="-40686">
                 <a:buFont typeface="Arial" panose="020B0604020202020204" pitchFamily="34" charset="0"/>
                 <a:buChar char="•"/>
               </a:pPr>
               <a:r>
-                <a:rPr lang="en-CA" sz="1200" dirty="0">
+                <a:rPr lang="en-CA" sz="900" dirty="0">
                   <a:latin typeface="Arial"/>
                   <a:ea typeface="Calibri" panose="020F0502020204030204" pitchFamily="34" charset="0"/>
                   <a:cs typeface="Arial"/>
@@ -5349,7 +5350,7 @@
                 <a:t> </a:t>
               </a:r>
               <a:r>
-                <a:rPr lang="en-CA" sz="1200" dirty="0" err="1">
+                <a:rPr lang="en-CA" sz="900" dirty="0" err="1">
                   <a:latin typeface="Arial"/>
                   <a:ea typeface="Calibri" panose="020F0502020204030204" pitchFamily="34" charset="0"/>
                   <a:cs typeface="Arial"/>
@@ -5357,7 +5358,7 @@
                 <a:t>Molnupiravir</a:t>
               </a:r>
               <a:r>
-                <a:rPr lang="en-CA" sz="1200" dirty="0">
+                <a:rPr lang="en-CA" sz="900" dirty="0">
                   <a:latin typeface="Arial"/>
                   <a:ea typeface="Calibri" panose="020F0502020204030204" pitchFamily="34" charset="0"/>
                   <a:cs typeface="Arial"/>
@@ -5366,12 +5367,12 @@
               </a:r>
             </a:p>
             <a:p>
-              <a:pPr marL="54248" indent="-54248">
+              <a:pPr marL="40686" indent="-40686">
                 <a:buFont typeface="Arial" panose="020B0604020202020204" pitchFamily="34" charset="0"/>
                 <a:buChar char="•"/>
               </a:pPr>
               <a:r>
-                <a:rPr lang="en-CA" sz="1200" dirty="0">
+                <a:rPr lang="en-CA" sz="900" dirty="0">
                   <a:latin typeface="Arial"/>
                   <a:ea typeface="Calibri" panose="020F0502020204030204" pitchFamily="34" charset="0"/>
                   <a:cs typeface="Arial"/>
@@ -5416,32 +5417,32 @@
             </a:ln>
           </p:spPr>
           <p:txBody>
-            <a:bodyPr rot="0" vert="horz" wrap="square" lIns="28932" tIns="28932" rIns="28932" bIns="28932" anchor="ctr" anchorCtr="0" upright="1">
+            <a:bodyPr rot="0" vert="horz" wrap="square" lIns="21699" tIns="21699" rIns="21699" bIns="21699" anchor="ctr" anchorCtr="0" upright="1">
               <a:noAutofit/>
             </a:bodyPr>
             <a:lstStyle/>
             <a:p>
               <a:r>
-                <a:rPr lang="en-CA" sz="1200" b="1" dirty="0">
+                <a:rPr lang="en-CA" sz="900" b="1" dirty="0">
                   <a:latin typeface="Arial" panose="020B0604020202020204" pitchFamily="34" charset="0"/>
                   <a:ea typeface="Calibri" panose="020F0502020204030204" pitchFamily="34" charset="0"/>
                   <a:cs typeface="Arial" panose="020B0604020202020204" pitchFamily="34" charset="0"/>
                 </a:rPr>
                 <a:t>   Excluded (n = 49)</a:t>
               </a:r>
-              <a:endParaRPr lang="en-US" sz="1200" b="1" dirty="0">
+              <a:endParaRPr lang="en-US" sz="900" b="1" dirty="0">
                 <a:latin typeface="Arial" panose="020B0604020202020204" pitchFamily="34" charset="0"/>
                 <a:ea typeface="Calibri" panose="020F0502020204030204" pitchFamily="34" charset="0"/>
                 <a:cs typeface="Arial" panose="020B0604020202020204" pitchFamily="34" charset="0"/>
               </a:endParaRPr>
             </a:p>
             <a:p>
-              <a:pPr marL="72331" indent="-72331">
+              <a:pPr marL="54248" indent="-54248">
                 <a:buFont typeface="Arial" panose="020B0604020202020204" pitchFamily="34" charset="0"/>
                 <a:buChar char="•"/>
               </a:pPr>
               <a:r>
-                <a:rPr lang="en-CA" sz="1200" dirty="0">
+                <a:rPr lang="en-CA" sz="900" dirty="0">
                   <a:latin typeface="Arial" panose="020B0604020202020204" pitchFamily="34" charset="0"/>
                   <a:ea typeface="Calibri" panose="020F0502020204030204" pitchFamily="34" charset="0"/>
                   <a:cs typeface="Arial" panose="020B0604020202020204" pitchFamily="34" charset="0"/>
@@ -5450,12 +5451,12 @@
               </a:r>
             </a:p>
             <a:p>
-              <a:pPr marL="72331" indent="-72331">
+              <a:pPr marL="54248" indent="-54248">
                 <a:buFont typeface="Arial" panose="020B0604020202020204" pitchFamily="34" charset="0"/>
                 <a:buChar char="•"/>
               </a:pPr>
               <a:r>
-                <a:rPr lang="en-CA" sz="1200" dirty="0">
+                <a:rPr lang="en-CA" sz="900" dirty="0">
                   <a:latin typeface="Arial" panose="020B0604020202020204" pitchFamily="34" charset="0"/>
                   <a:ea typeface="Calibri" panose="020F0502020204030204" pitchFamily="34" charset="0"/>
                   <a:cs typeface="Arial" panose="020B0604020202020204" pitchFamily="34" charset="0"/>
@@ -5464,12 +5465,12 @@
               </a:r>
             </a:p>
             <a:p>
-              <a:pPr marL="72331" indent="-72331">
+              <a:pPr marL="54248" indent="-54248">
                 <a:buFont typeface="Arial" panose="020B0604020202020204" pitchFamily="34" charset="0"/>
                 <a:buChar char="•"/>
               </a:pPr>
               <a:r>
-                <a:rPr lang="en-CA" sz="1200" dirty="0">
+                <a:rPr lang="en-CA" sz="900" dirty="0">
                   <a:latin typeface="Arial" panose="020B0604020202020204" pitchFamily="34" charset="0"/>
                   <a:ea typeface="Calibri" panose="020F0502020204030204" pitchFamily="34" charset="0"/>
                   <a:cs typeface="Arial" panose="020B0604020202020204" pitchFamily="34" charset="0"/>
@@ -5478,12 +5479,12 @@
               </a:r>
             </a:p>
             <a:p>
-              <a:pPr marL="72331" indent="-72331">
+              <a:pPr marL="54248" indent="-54248">
                 <a:buFont typeface="Arial" panose="020B0604020202020204" pitchFamily="34" charset="0"/>
                 <a:buChar char="•"/>
               </a:pPr>
               <a:r>
-                <a:rPr lang="en-CA" sz="1200" dirty="0">
+                <a:rPr lang="en-CA" sz="900" dirty="0">
                   <a:latin typeface="Arial" panose="020B0604020202020204" pitchFamily="34" charset="0"/>
                   <a:ea typeface="Calibri" panose="020F0502020204030204" pitchFamily="34" charset="0"/>
                   <a:cs typeface="Arial" panose="020B0604020202020204" pitchFamily="34" charset="0"/>
@@ -5528,13 +5529,13 @@
             </a:ln>
           </p:spPr>
           <p:txBody>
-            <a:bodyPr rot="0" vert="horz" wrap="square" lIns="28932" tIns="28932" rIns="28932" bIns="28932" anchor="ctr" anchorCtr="0" upright="1">
+            <a:bodyPr rot="0" vert="horz" wrap="square" lIns="21699" tIns="21699" rIns="21699" bIns="21699" anchor="ctr" anchorCtr="0" upright="1">
               <a:noAutofit/>
             </a:bodyPr>
             <a:lstStyle/>
             <a:p>
               <a:r>
-                <a:rPr lang="en-CA" sz="1200" b="1" dirty="0">
+                <a:rPr lang="en-CA" sz="900" b="1" dirty="0">
                   <a:latin typeface="Arial"/>
                   <a:ea typeface="Calibri" panose="020F0502020204030204" pitchFamily="34" charset="0"/>
                   <a:cs typeface="Arial"/>
@@ -5544,7 +5545,7 @@
             </a:p>
             <a:p>
               <a:r>
-                <a:rPr lang="en-CA" sz="1200" b="1" dirty="0">
+                <a:rPr lang="en-CA" sz="900" b="1" dirty="0">
                   <a:latin typeface="Arial"/>
                   <a:ea typeface="Calibri" panose="020F0502020204030204" pitchFamily="34" charset="0"/>
                   <a:cs typeface="Arial"/>
@@ -5552,7 +5553,7 @@
                 <a:t>   </a:t>
               </a:r>
               <a:r>
-                <a:rPr lang="en-CA" sz="1200" b="1" dirty="0" err="1">
+                <a:rPr lang="en-CA" sz="900" b="1" dirty="0" err="1">
                   <a:latin typeface="Arial"/>
                   <a:ea typeface="Calibri" panose="020F0502020204030204" pitchFamily="34" charset="0"/>
                   <a:cs typeface="Arial"/>
@@ -5560,7 +5561,7 @@
                 <a:t>mITT</a:t>
               </a:r>
               <a:r>
-                <a:rPr lang="en-CA" sz="1200" b="1" dirty="0">
+                <a:rPr lang="en-CA" sz="900" b="1" dirty="0">
                   <a:latin typeface="Arial"/>
                   <a:ea typeface="Calibri" panose="020F0502020204030204" pitchFamily="34" charset="0"/>
                   <a:cs typeface="Arial"/>
@@ -5569,12 +5570,12 @@
               </a:r>
             </a:p>
             <a:p>
-              <a:pPr marL="54248" indent="-54248">
+              <a:pPr marL="40686" indent="-40686">
                 <a:buFont typeface="Arial" panose="020B0604020202020204" pitchFamily="34" charset="0"/>
                 <a:buChar char="•"/>
               </a:pPr>
               <a:r>
-                <a:rPr lang="en-CA" sz="1200" dirty="0">
+                <a:rPr lang="en-CA" sz="900" dirty="0">
                   <a:latin typeface="Arial"/>
                   <a:ea typeface="Calibri" panose="020F0502020204030204" pitchFamily="34" charset="0"/>
                   <a:cs typeface="Arial"/>
@@ -5583,12 +5584,12 @@
               </a:r>
             </a:p>
             <a:p>
-              <a:pPr marL="54248" indent="-54248">
+              <a:pPr marL="40686" indent="-40686">
                 <a:buFont typeface="Arial" panose="020B0604020202020204" pitchFamily="34" charset="0"/>
                 <a:buChar char="•"/>
               </a:pPr>
               <a:r>
-                <a:rPr lang="en-CA" sz="1200" dirty="0">
+                <a:rPr lang="en-CA" sz="900" dirty="0">
                   <a:latin typeface="Arial"/>
                   <a:ea typeface="Calibri" panose="020F0502020204030204" pitchFamily="34" charset="0"/>
                   <a:cs typeface="Arial"/>
@@ -5597,12 +5598,12 @@
               </a:r>
             </a:p>
             <a:p>
-              <a:pPr marL="54248" indent="-54248">
+              <a:pPr marL="40686" indent="-40686">
                 <a:buFont typeface="Arial" panose="020B0604020202020204" pitchFamily="34" charset="0"/>
                 <a:buChar char="•"/>
               </a:pPr>
               <a:r>
-                <a:rPr lang="en-CA" sz="1200" dirty="0">
+                <a:rPr lang="en-CA" sz="900" dirty="0">
                   <a:latin typeface="Arial"/>
                   <a:ea typeface="Calibri" panose="020F0502020204030204" pitchFamily="34" charset="0"/>
                   <a:cs typeface="Arial"/>
@@ -5610,7 +5611,7 @@
                 <a:t> </a:t>
               </a:r>
               <a:r>
-                <a:rPr lang="en-CA" sz="1200" dirty="0" err="1">
+                <a:rPr lang="en-CA" sz="900" dirty="0" err="1">
                   <a:latin typeface="Arial"/>
                   <a:ea typeface="Calibri" panose="020F0502020204030204" pitchFamily="34" charset="0"/>
                   <a:cs typeface="Arial"/>
@@ -5618,7 +5619,7 @@
                 <a:t>Nirmatrelvir</a:t>
               </a:r>
               <a:r>
-                <a:rPr lang="en-CA" sz="1200" dirty="0">
+                <a:rPr lang="en-CA" sz="900" dirty="0">
                   <a:latin typeface="Arial"/>
                   <a:ea typeface="Calibri" panose="020F0502020204030204" pitchFamily="34" charset="0"/>
                   <a:cs typeface="Arial"/>
@@ -5663,13 +5664,13 @@
             </a:ln>
           </p:spPr>
           <p:txBody>
-            <a:bodyPr rot="0" vert="horz" wrap="square" lIns="28932" tIns="28932" rIns="28932" bIns="28932" anchor="ctr" anchorCtr="0" upright="1">
+            <a:bodyPr rot="0" vert="horz" wrap="square" lIns="21699" tIns="21699" rIns="21699" bIns="21699" anchor="ctr" anchorCtr="0" upright="1">
               <a:noAutofit/>
             </a:bodyPr>
             <a:lstStyle/>
             <a:p>
               <a:r>
-                <a:rPr lang="en-US" sz="1200" b="1" dirty="0">
+                <a:rPr lang="en-US" sz="900" b="1" dirty="0">
                   <a:latin typeface="Arial" panose="020B0604020202020204" pitchFamily="34" charset="0"/>
                   <a:ea typeface="Calibri" panose="020F0502020204030204" pitchFamily="34" charset="0"/>
                   <a:cs typeface="Arial" panose="020B0604020202020204" pitchFamily="34" charset="0"/>
@@ -5677,7 +5678,7 @@
                 <a:t>   Excluded non-concurrent </a:t>
               </a:r>
               <a:r>
-                <a:rPr lang="en-US" sz="1200" b="1" dirty="0" err="1">
+                <a:rPr lang="en-US" sz="900" b="1" dirty="0" err="1">
                   <a:latin typeface="Arial" panose="020B0604020202020204" pitchFamily="34" charset="0"/>
                   <a:ea typeface="Calibri" panose="020F0502020204030204" pitchFamily="34" charset="0"/>
                   <a:cs typeface="Arial" panose="020B0604020202020204" pitchFamily="34" charset="0"/>
@@ -5685,7 +5686,7 @@
                 <a:t>randomisations</a:t>
               </a:r>
               <a:r>
-                <a:rPr lang="en-US" sz="1200" b="1" dirty="0">
+                <a:rPr lang="en-US" sz="900" b="1" dirty="0">
                   <a:latin typeface="Arial" panose="020B0604020202020204" pitchFamily="34" charset="0"/>
                   <a:ea typeface="Calibri" panose="020F0502020204030204" pitchFamily="34" charset="0"/>
                   <a:cs typeface="Arial" panose="020B0604020202020204" pitchFamily="34" charset="0"/>
@@ -5695,7 +5696,7 @@
             </a:p>
             <a:p>
               <a:r>
-                <a:rPr lang="en-US" sz="1200" b="1" dirty="0">
+                <a:rPr lang="en-US" sz="900" b="1" dirty="0">
                   <a:latin typeface="Arial" panose="020B0604020202020204" pitchFamily="34" charset="0"/>
                   <a:ea typeface="Calibri" panose="020F0502020204030204" pitchFamily="34" charset="0"/>
                   <a:cs typeface="Arial" panose="020B0604020202020204" pitchFamily="34" charset="0"/>
@@ -5875,7 +5876,7 @@
           <p:spPr>
             <a:xfrm>
               <a:off x="863616" y="7144742"/>
-              <a:ext cx="1313774" cy="281165"/>
+              <a:ext cx="1313775" cy="307776"/>
             </a:xfrm>
             <a:prstGeom prst="rect">
               <a:avLst/>
@@ -5901,7 +5902,7 @@
             <a:p>
               <a:pPr algn="ctr"/>
               <a:r>
-                <a:rPr lang="en-GB" sz="1200" b="1" dirty="0">
+                <a:rPr lang="en-GB" sz="900" b="1" dirty="0">
                   <a:latin typeface="Arial" panose="020B0604020202020204" pitchFamily="34" charset="0"/>
                   <a:cs typeface="Arial" panose="020B0604020202020204" pitchFamily="34" charset="0"/>
                 </a:rPr>
@@ -5915,6 +5916,1755 @@
     <p:extLst>
       <p:ext uri="{BB962C8B-B14F-4D97-AF65-F5344CB8AC3E}">
         <p14:creationId xmlns:p14="http://schemas.microsoft.com/office/powerpoint/2010/main" val="3464560196"/>
+      </p:ext>
+    </p:extLst>
+  </p:cSld>
+  <p:clrMapOvr>
+    <a:masterClrMapping/>
+  </p:clrMapOvr>
+</p:sld>
+</file>
+
+<file path=ppt/slides/slide3.xml><?xml version="1.0" encoding="utf-8"?>
+<p:sld xmlns:a="http://schemas.openxmlformats.org/drawingml/2006/main" xmlns:r="http://schemas.openxmlformats.org/officeDocument/2006/relationships" xmlns:p="http://schemas.openxmlformats.org/presentationml/2006/main">
+  <p:cSld>
+    <p:spTree>
+      <p:nvGrpSpPr>
+        <p:cNvPr id="1" name=""/>
+        <p:cNvGrpSpPr/>
+        <p:nvPr/>
+      </p:nvGrpSpPr>
+      <p:grpSpPr>
+        <a:xfrm>
+          <a:off x="0" y="0"/>
+          <a:ext cx="0" cy="0"/>
+          <a:chOff x="0" y="0"/>
+          <a:chExt cx="0" cy="0"/>
+        </a:xfrm>
+      </p:grpSpPr>
+      <p:grpSp>
+        <p:nvGrpSpPr>
+          <p:cNvPr id="45" name="Group 44">
+            <a:extLst>
+              <a:ext uri="{FF2B5EF4-FFF2-40B4-BE49-F238E27FC236}">
+                <a16:creationId xmlns:a16="http://schemas.microsoft.com/office/drawing/2014/main" id="{B6F2DB73-8434-4B6E-83AD-B25227C5F9CE}"/>
+              </a:ext>
+            </a:extLst>
+          </p:cNvPr>
+          <p:cNvGrpSpPr/>
+          <p:nvPr/>
+        </p:nvGrpSpPr>
+        <p:grpSpPr>
+          <a:xfrm>
+            <a:off x="750809" y="353823"/>
+            <a:ext cx="10690381" cy="6150353"/>
+            <a:chOff x="750809" y="461773"/>
+            <a:chExt cx="10690381" cy="6150353"/>
+          </a:xfrm>
+        </p:grpSpPr>
+        <p:sp>
+          <p:nvSpPr>
+            <p:cNvPr id="5" name="Rectangle 4">
+              <a:extLst>
+                <a:ext uri="{FF2B5EF4-FFF2-40B4-BE49-F238E27FC236}">
+                  <a16:creationId xmlns:a16="http://schemas.microsoft.com/office/drawing/2014/main" id="{DDAC4C6B-3516-4497-B94E-ED730EA958E7}"/>
+                </a:ext>
+              </a:extLst>
+            </p:cNvPr>
+            <p:cNvSpPr>
+              <a:spLocks noChangeArrowheads="1"/>
+            </p:cNvSpPr>
+            <p:nvPr/>
+          </p:nvSpPr>
+          <p:spPr bwMode="auto">
+            <a:xfrm>
+              <a:off x="4483702" y="1580525"/>
+              <a:ext cx="3234381" cy="371462"/>
+            </a:xfrm>
+            <a:prstGeom prst="rect">
+              <a:avLst/>
+            </a:prstGeom>
+            <a:solidFill>
+              <a:srgbClr val="FFFFFF"/>
+            </a:solidFill>
+            <a:ln w="9525">
+              <a:solidFill>
+                <a:srgbClr val="000000"/>
+              </a:solidFill>
+              <a:miter lim="800000"/>
+              <a:headEnd/>
+              <a:tailEnd/>
+            </a:ln>
+          </p:spPr>
+          <p:txBody>
+            <a:bodyPr rot="0" vert="horz" wrap="square" lIns="21699" tIns="21699" rIns="21699" bIns="21699" anchor="ctr" anchorCtr="0" upright="1">
+              <a:noAutofit/>
+            </a:bodyPr>
+            <a:lstStyle/>
+            <a:p>
+              <a:pPr algn="ctr"/>
+              <a:r>
+                <a:rPr lang="en-CA" sz="1200" b="1" dirty="0">
+                  <a:latin typeface="Arial"/>
+                  <a:ea typeface="Calibri" panose="020F0502020204030204" pitchFamily="34" charset="0"/>
+                  <a:cs typeface="Arial"/>
+                </a:rPr>
+                <a:t>Randomised </a:t>
+              </a:r>
+            </a:p>
+            <a:p>
+              <a:pPr algn="ctr"/>
+              <a:r>
+                <a:rPr lang="en-CA" sz="1200" b="1" dirty="0">
+                  <a:latin typeface="Arial"/>
+                  <a:ea typeface="Calibri" panose="020F0502020204030204" pitchFamily="34" charset="0"/>
+                  <a:cs typeface="Arial"/>
+                </a:rPr>
+                <a:t>(n = 917)</a:t>
+              </a:r>
+              <a:endParaRPr lang="en-US" sz="1200" b="1" dirty="0">
+                <a:latin typeface="Arial" panose="020B0604020202020204" pitchFamily="34" charset="0"/>
+                <a:ea typeface="Calibri" panose="020F0502020204030204" pitchFamily="34" charset="0"/>
+                <a:cs typeface="Arial" panose="020B0604020202020204" pitchFamily="34" charset="0"/>
+              </a:endParaRPr>
+            </a:p>
+          </p:txBody>
+        </p:sp>
+        <p:cxnSp>
+          <p:nvCxnSpPr>
+            <p:cNvPr id="7" name="Straight Arrow Connector 6">
+              <a:extLst>
+                <a:ext uri="{FF2B5EF4-FFF2-40B4-BE49-F238E27FC236}">
+                  <a16:creationId xmlns:a16="http://schemas.microsoft.com/office/drawing/2014/main" id="{764E317D-8502-4E76-8B1D-E105F6C3B907}"/>
+                </a:ext>
+              </a:extLst>
+            </p:cNvPr>
+            <p:cNvCxnSpPr>
+              <a:cxnSpLocks noChangeShapeType="1"/>
+            </p:cNvCxnSpPr>
+            <p:nvPr/>
+          </p:nvCxnSpPr>
+          <p:spPr bwMode="auto">
+            <a:xfrm>
+              <a:off x="7436524" y="3895706"/>
+              <a:ext cx="875351" cy="0"/>
+            </a:xfrm>
+            <a:prstGeom prst="straightConnector1">
+              <a:avLst/>
+            </a:prstGeom>
+            <a:noFill/>
+            <a:ln w="19050">
+              <a:solidFill>
+                <a:schemeClr val="tx1"/>
+              </a:solidFill>
+              <a:round/>
+              <a:headEnd/>
+              <a:tailEnd type="triangle" w="med" len="med"/>
+            </a:ln>
+            <a:effectLst/>
+            <a:extLst>
+              <a:ext uri="{909E8E84-426E-40DD-AFC4-6F175D3DCCD1}">
+                <a14:hiddenFill xmlns:a14="http://schemas.microsoft.com/office/drawing/2010/main">
+                  <a:noFill/>
+                </a14:hiddenFill>
+              </a:ext>
+              <a:ext uri="{AF507438-7753-43E0-B8FC-AC1667EBCBE1}">
+                <a14:hiddenEffects xmlns:a14="http://schemas.microsoft.com/office/drawing/2010/main">
+                  <a:effectLst>
+                    <a:outerShdw dist="35921" dir="2700000" algn="ctr" rotWithShape="0">
+                      <a:srgbClr val="CCCCCC"/>
+                    </a:outerShdw>
+                  </a:effectLst>
+                </a14:hiddenEffects>
+              </a:ext>
+            </a:extLst>
+          </p:spPr>
+        </p:cxnSp>
+        <p:sp>
+          <p:nvSpPr>
+            <p:cNvPr id="8" name="Rectangle 7">
+              <a:extLst>
+                <a:ext uri="{FF2B5EF4-FFF2-40B4-BE49-F238E27FC236}">
+                  <a16:creationId xmlns:a16="http://schemas.microsoft.com/office/drawing/2014/main" id="{E8AA4299-BA14-4AE7-BC6E-A884727BEB36}"/>
+                </a:ext>
+              </a:extLst>
+            </p:cNvPr>
+            <p:cNvSpPr>
+              <a:spLocks noChangeArrowheads="1"/>
+            </p:cNvSpPr>
+            <p:nvPr/>
+          </p:nvSpPr>
+          <p:spPr bwMode="auto">
+            <a:xfrm>
+              <a:off x="8311876" y="1821697"/>
+              <a:ext cx="3129314" cy="1245806"/>
+            </a:xfrm>
+            <a:prstGeom prst="rect">
+              <a:avLst/>
+            </a:prstGeom>
+            <a:solidFill>
+              <a:srgbClr val="FFFFFF"/>
+            </a:solidFill>
+            <a:ln w="9525">
+              <a:solidFill>
+                <a:srgbClr val="000000"/>
+              </a:solidFill>
+              <a:miter lim="800000"/>
+              <a:headEnd/>
+              <a:tailEnd/>
+            </a:ln>
+          </p:spPr>
+          <p:txBody>
+            <a:bodyPr rot="0" vert="horz" wrap="square" lIns="21699" tIns="21699" rIns="21699" bIns="21699" anchor="ctr" anchorCtr="0" upright="1">
+              <a:noAutofit/>
+            </a:bodyPr>
+            <a:lstStyle/>
+            <a:p>
+              <a:r>
+                <a:rPr lang="en-CA" sz="1200" b="1" dirty="0">
+                  <a:latin typeface="Arial" panose="020B0604020202020204" pitchFamily="34" charset="0"/>
+                  <a:ea typeface="Calibri" panose="020F0502020204030204" pitchFamily="34" charset="0"/>
+                  <a:cs typeface="Arial" panose="020B0604020202020204" pitchFamily="34" charset="0"/>
+                </a:rPr>
+                <a:t>   Randomised to other interventions </a:t>
+              </a:r>
+            </a:p>
+            <a:p>
+              <a:r>
+                <a:rPr lang="en-CA" sz="1200" b="1" dirty="0">
+                  <a:latin typeface="Arial" panose="020B0604020202020204" pitchFamily="34" charset="0"/>
+                  <a:ea typeface="Calibri" panose="020F0502020204030204" pitchFamily="34" charset="0"/>
+                  <a:cs typeface="Arial" panose="020B0604020202020204" pitchFamily="34" charset="0"/>
+                </a:rPr>
+                <a:t>   (n = 207)</a:t>
+              </a:r>
+            </a:p>
+            <a:p>
+              <a:pPr marL="54248" indent="-54248">
+                <a:buFont typeface="Arial" panose="020B0604020202020204" pitchFamily="34" charset="0"/>
+                <a:buChar char="•"/>
+              </a:pPr>
+              <a:r>
+                <a:rPr lang="en-CA" sz="1200" dirty="0">
+                  <a:latin typeface="Arial"/>
+                  <a:ea typeface="Calibri" panose="020F0502020204030204" pitchFamily="34" charset="0"/>
+                  <a:cs typeface="Arial"/>
+                </a:rPr>
+                <a:t> </a:t>
+              </a:r>
+              <a:r>
+                <a:rPr lang="en-CA" sz="1200" dirty="0" err="1">
+                  <a:latin typeface="Arial"/>
+                  <a:ea typeface="Calibri" panose="020F0502020204030204" pitchFamily="34" charset="0"/>
+                  <a:cs typeface="Arial"/>
+                </a:rPr>
+                <a:t>Casirivimab</a:t>
+              </a:r>
+              <a:r>
+                <a:rPr lang="en-CA" sz="1200" dirty="0">
+                  <a:latin typeface="Arial"/>
+                  <a:ea typeface="Calibri" panose="020F0502020204030204" pitchFamily="34" charset="0"/>
+                  <a:cs typeface="Arial"/>
+                </a:rPr>
+                <a:t>/</a:t>
+              </a:r>
+              <a:r>
+                <a:rPr lang="en-CA" sz="1200" dirty="0" err="1">
+                  <a:latin typeface="Arial"/>
+                  <a:ea typeface="Calibri" panose="020F0502020204030204" pitchFamily="34" charset="0"/>
+                  <a:cs typeface="Arial"/>
+                </a:rPr>
+                <a:t>imdevimab</a:t>
+              </a:r>
+              <a:r>
+                <a:rPr lang="en-CA" sz="1200" dirty="0">
+                  <a:latin typeface="Arial"/>
+                  <a:ea typeface="Calibri" panose="020F0502020204030204" pitchFamily="34" charset="0"/>
+                  <a:cs typeface="Arial"/>
+                </a:rPr>
+                <a:t> (n = 84)</a:t>
+              </a:r>
+              <a:endParaRPr lang="en-CA" sz="1200" dirty="0">
+                <a:latin typeface="Arial" panose="020B0604020202020204" pitchFamily="34" charset="0"/>
+                <a:ea typeface="Calibri" panose="020F0502020204030204" pitchFamily="34" charset="0"/>
+                <a:cs typeface="Arial" panose="020B0604020202020204" pitchFamily="34" charset="0"/>
+              </a:endParaRPr>
+            </a:p>
+            <a:p>
+              <a:pPr marL="54248" indent="-54248">
+                <a:buFont typeface="Arial" panose="020B0604020202020204" pitchFamily="34" charset="0"/>
+                <a:buChar char="•"/>
+              </a:pPr>
+              <a:r>
+                <a:rPr lang="en-CA" sz="1200" dirty="0">
+                  <a:latin typeface="Arial" panose="020B0604020202020204" pitchFamily="34" charset="0"/>
+                  <a:ea typeface="Calibri" panose="020F0502020204030204" pitchFamily="34" charset="0"/>
+                  <a:cs typeface="Arial" panose="020B0604020202020204" pitchFamily="34" charset="0"/>
+                </a:rPr>
+                <a:t> </a:t>
+              </a:r>
+              <a:r>
+                <a:rPr lang="en-CA" sz="1200" dirty="0" err="1">
+                  <a:latin typeface="Arial" panose="020B0604020202020204" pitchFamily="34" charset="0"/>
+                  <a:ea typeface="Calibri" panose="020F0502020204030204" pitchFamily="34" charset="0"/>
+                  <a:cs typeface="Arial" panose="020B0604020202020204" pitchFamily="34" charset="0"/>
+                </a:rPr>
+                <a:t>Tixagevimab</a:t>
+              </a:r>
+              <a:r>
+                <a:rPr lang="en-CA" sz="1200" dirty="0">
+                  <a:latin typeface="Arial" panose="020B0604020202020204" pitchFamily="34" charset="0"/>
+                  <a:ea typeface="Calibri" panose="020F0502020204030204" pitchFamily="34" charset="0"/>
+                  <a:cs typeface="Arial" panose="020B0604020202020204" pitchFamily="34" charset="0"/>
+                </a:rPr>
+                <a:t>/</a:t>
+              </a:r>
+              <a:r>
+                <a:rPr lang="en-CA" sz="1200" dirty="0" err="1">
+                  <a:latin typeface="Arial" panose="020B0604020202020204" pitchFamily="34" charset="0"/>
+                  <a:ea typeface="Calibri" panose="020F0502020204030204" pitchFamily="34" charset="0"/>
+                  <a:cs typeface="Arial" panose="020B0604020202020204" pitchFamily="34" charset="0"/>
+                </a:rPr>
+                <a:t>cilgavimab</a:t>
+              </a:r>
+              <a:r>
+                <a:rPr lang="en-CA" sz="1200" dirty="0">
+                  <a:latin typeface="Arial" panose="020B0604020202020204" pitchFamily="34" charset="0"/>
+                  <a:ea typeface="Calibri" panose="020F0502020204030204" pitchFamily="34" charset="0"/>
+                  <a:cs typeface="Arial" panose="020B0604020202020204" pitchFamily="34" charset="0"/>
+                </a:rPr>
+                <a:t> (n = 71)</a:t>
+              </a:r>
+            </a:p>
+            <a:p>
+              <a:pPr marL="54248" indent="-54248">
+                <a:buFont typeface="Arial" panose="020B0604020202020204" pitchFamily="34" charset="0"/>
+                <a:buChar char="•"/>
+              </a:pPr>
+              <a:r>
+                <a:rPr lang="en-CA" sz="1200" dirty="0">
+                  <a:latin typeface="Arial" panose="020B0604020202020204" pitchFamily="34" charset="0"/>
+                  <a:ea typeface="Calibri" panose="020F0502020204030204" pitchFamily="34" charset="0"/>
+                  <a:cs typeface="Arial" panose="020B0604020202020204" pitchFamily="34" charset="0"/>
+                </a:rPr>
+                <a:t> </a:t>
+              </a:r>
+              <a:r>
+                <a:rPr lang="en-CA" sz="1200" dirty="0" err="1">
+                  <a:latin typeface="Arial" panose="020B0604020202020204" pitchFamily="34" charset="0"/>
+                  <a:ea typeface="Calibri" panose="020F0502020204030204" pitchFamily="34" charset="0"/>
+                  <a:cs typeface="Arial" panose="020B0604020202020204" pitchFamily="34" charset="0"/>
+                </a:rPr>
+                <a:t>Ensitrelvir</a:t>
+              </a:r>
+              <a:r>
+                <a:rPr lang="en-CA" sz="1200" dirty="0">
+                  <a:latin typeface="Arial" panose="020B0604020202020204" pitchFamily="34" charset="0"/>
+                  <a:ea typeface="Calibri" panose="020F0502020204030204" pitchFamily="34" charset="0"/>
+                  <a:cs typeface="Arial" panose="020B0604020202020204" pitchFamily="34" charset="0"/>
+                </a:rPr>
+                <a:t> (n = 28)</a:t>
+              </a:r>
+            </a:p>
+            <a:p>
+              <a:pPr marL="54248" indent="-54248">
+                <a:buFont typeface="Arial" panose="020B0604020202020204" pitchFamily="34" charset="0"/>
+                <a:buChar char="•"/>
+              </a:pPr>
+              <a:r>
+                <a:rPr lang="en-CA" sz="1200" dirty="0">
+                  <a:latin typeface="Arial" panose="020B0604020202020204" pitchFamily="34" charset="0"/>
+                  <a:ea typeface="Calibri" panose="020F0502020204030204" pitchFamily="34" charset="0"/>
+                  <a:cs typeface="Arial" panose="020B0604020202020204" pitchFamily="34" charset="0"/>
+                </a:rPr>
+                <a:t> Nitazoxanide (n = 24)</a:t>
+              </a:r>
+            </a:p>
+          </p:txBody>
+        </p:sp>
+        <p:cxnSp>
+          <p:nvCxnSpPr>
+            <p:cNvPr id="9" name="Straight Arrow Connector 8">
+              <a:extLst>
+                <a:ext uri="{FF2B5EF4-FFF2-40B4-BE49-F238E27FC236}">
+                  <a16:creationId xmlns:a16="http://schemas.microsoft.com/office/drawing/2014/main" id="{1CB17E55-7FAE-45A8-A44D-CEF9DC8B4F8F}"/>
+                </a:ext>
+              </a:extLst>
+            </p:cNvPr>
+            <p:cNvCxnSpPr>
+              <a:cxnSpLocks noChangeShapeType="1"/>
+            </p:cNvCxnSpPr>
+            <p:nvPr/>
+          </p:nvCxnSpPr>
+          <p:spPr bwMode="auto">
+            <a:xfrm>
+              <a:off x="6096000" y="1084906"/>
+              <a:ext cx="2215875" cy="0"/>
+            </a:xfrm>
+            <a:prstGeom prst="straightConnector1">
+              <a:avLst/>
+            </a:prstGeom>
+            <a:noFill/>
+            <a:ln w="19050">
+              <a:solidFill>
+                <a:schemeClr val="tx1"/>
+              </a:solidFill>
+              <a:round/>
+              <a:headEnd/>
+              <a:tailEnd type="triangle" w="med" len="med"/>
+            </a:ln>
+            <a:effectLst/>
+            <a:extLst>
+              <a:ext uri="{909E8E84-426E-40DD-AFC4-6F175D3DCCD1}">
+                <a14:hiddenFill xmlns:a14="http://schemas.microsoft.com/office/drawing/2010/main">
+                  <a:noFill/>
+                </a14:hiddenFill>
+              </a:ext>
+              <a:ext uri="{AF507438-7753-43E0-B8FC-AC1667EBCBE1}">
+                <a14:hiddenEffects xmlns:a14="http://schemas.microsoft.com/office/drawing/2010/main">
+                  <a:effectLst>
+                    <a:outerShdw dist="35921" dir="2700000" algn="ctr" rotWithShape="0">
+                      <a:srgbClr val="CCCCCC"/>
+                    </a:outerShdw>
+                  </a:effectLst>
+                </a14:hiddenEffects>
+              </a:ext>
+            </a:extLst>
+          </p:spPr>
+        </p:cxnSp>
+        <p:sp>
+          <p:nvSpPr>
+            <p:cNvPr id="10" name="Rectangle 9">
+              <a:extLst>
+                <a:ext uri="{FF2B5EF4-FFF2-40B4-BE49-F238E27FC236}">
+                  <a16:creationId xmlns:a16="http://schemas.microsoft.com/office/drawing/2014/main" id="{F20AE9D1-DABE-4CC6-9587-16A387F6149D}"/>
+                </a:ext>
+              </a:extLst>
+            </p:cNvPr>
+            <p:cNvSpPr>
+              <a:spLocks noChangeArrowheads="1"/>
+            </p:cNvSpPr>
+            <p:nvPr/>
+          </p:nvSpPr>
+          <p:spPr bwMode="auto">
+            <a:xfrm>
+              <a:off x="4478810" y="461773"/>
+              <a:ext cx="3234381" cy="371466"/>
+            </a:xfrm>
+            <a:prstGeom prst="rect">
+              <a:avLst/>
+            </a:prstGeom>
+            <a:solidFill>
+              <a:srgbClr val="FFFFFF"/>
+            </a:solidFill>
+            <a:ln w="9525">
+              <a:solidFill>
+                <a:srgbClr val="000000"/>
+              </a:solidFill>
+              <a:miter lim="800000"/>
+              <a:headEnd/>
+              <a:tailEnd/>
+            </a:ln>
+          </p:spPr>
+          <p:txBody>
+            <a:bodyPr rot="0" vert="horz" wrap="square" lIns="21699" tIns="21699" rIns="21699" bIns="21699" anchor="ctr" anchorCtr="0" upright="1">
+              <a:noAutofit/>
+            </a:bodyPr>
+            <a:lstStyle/>
+            <a:p>
+              <a:pPr algn="ctr"/>
+              <a:r>
+                <a:rPr lang="en-CA" sz="1200" b="1" dirty="0">
+                  <a:latin typeface="Arial" panose="020B0604020202020204" pitchFamily="34" charset="0"/>
+                  <a:ea typeface="Calibri" panose="020F0502020204030204" pitchFamily="34" charset="0"/>
+                  <a:cs typeface="Arial" panose="020B0604020202020204" pitchFamily="34" charset="0"/>
+                </a:rPr>
+                <a:t>Assessed for eligibility </a:t>
+              </a:r>
+            </a:p>
+            <a:p>
+              <a:pPr algn="ctr"/>
+              <a:r>
+                <a:rPr lang="en-CA" sz="1200" b="1" dirty="0">
+                  <a:latin typeface="Arial" panose="020B0604020202020204" pitchFamily="34" charset="0"/>
+                  <a:ea typeface="Calibri" panose="020F0502020204030204" pitchFamily="34" charset="0"/>
+                  <a:cs typeface="Arial" panose="020B0604020202020204" pitchFamily="34" charset="0"/>
+                </a:rPr>
+                <a:t>(n </a:t>
+              </a:r>
+              <a:r>
+                <a:rPr lang="en-US" sz="1200" b="1" dirty="0">
+                  <a:latin typeface="Arial" panose="020B0604020202020204" pitchFamily="34" charset="0"/>
+                  <a:ea typeface="Calibri" panose="020F0502020204030204" pitchFamily="34" charset="0"/>
+                  <a:cs typeface="Arial" panose="020B0604020202020204" pitchFamily="34" charset="0"/>
+                </a:rPr>
+                <a:t>= 966</a:t>
+              </a:r>
+              <a:r>
+                <a:rPr lang="en-CA" sz="1200" b="1" dirty="0">
+                  <a:latin typeface="Arial" panose="020B0604020202020204" pitchFamily="34" charset="0"/>
+                  <a:ea typeface="Calibri" panose="020F0502020204030204" pitchFamily="34" charset="0"/>
+                  <a:cs typeface="Arial" panose="020B0604020202020204" pitchFamily="34" charset="0"/>
+                </a:rPr>
+                <a:t>)</a:t>
+              </a:r>
+              <a:endParaRPr lang="en-US" sz="1200" b="1" dirty="0">
+                <a:latin typeface="Arial" panose="020B0604020202020204" pitchFamily="34" charset="0"/>
+                <a:ea typeface="Calibri" panose="020F0502020204030204" pitchFamily="34" charset="0"/>
+                <a:cs typeface="Arial" panose="020B0604020202020204" pitchFamily="34" charset="0"/>
+              </a:endParaRPr>
+            </a:p>
+          </p:txBody>
+        </p:sp>
+        <p:sp>
+          <p:nvSpPr>
+            <p:cNvPr id="12" name="TextBox 11">
+              <a:extLst>
+                <a:ext uri="{FF2B5EF4-FFF2-40B4-BE49-F238E27FC236}">
+                  <a16:creationId xmlns:a16="http://schemas.microsoft.com/office/drawing/2014/main" id="{24E53F1E-3E88-4767-A1D6-6408D7C3D168}"/>
+                </a:ext>
+              </a:extLst>
+            </p:cNvPr>
+            <p:cNvSpPr txBox="1"/>
+            <p:nvPr/>
+          </p:nvSpPr>
+          <p:spPr>
+            <a:xfrm>
+              <a:off x="2678188" y="949985"/>
+              <a:ext cx="985331" cy="276999"/>
+            </a:xfrm>
+            <a:prstGeom prst="rect">
+              <a:avLst/>
+            </a:prstGeom>
+            <a:solidFill>
+              <a:schemeClr val="bg1">
+                <a:lumMod val="85000"/>
+              </a:schemeClr>
+            </a:solidFill>
+            <a:ln>
+              <a:solidFill>
+                <a:schemeClr val="bg2">
+                  <a:lumMod val="50000"/>
+                </a:schemeClr>
+              </a:solidFill>
+            </a:ln>
+          </p:spPr>
+          <p:txBody>
+            <a:bodyPr wrap="square" rtlCol="0">
+              <a:spAutoFit/>
+            </a:bodyPr>
+            <a:lstStyle/>
+            <a:p>
+              <a:pPr algn="ctr"/>
+              <a:r>
+                <a:rPr lang="en-GB" sz="1200" b="1" dirty="0">
+                  <a:latin typeface="Arial" panose="020B0604020202020204" pitchFamily="34" charset="0"/>
+                  <a:cs typeface="Arial" panose="020B0604020202020204" pitchFamily="34" charset="0"/>
+                </a:rPr>
+                <a:t>Enrolment</a:t>
+              </a:r>
+            </a:p>
+          </p:txBody>
+        </p:sp>
+        <p:sp>
+          <p:nvSpPr>
+            <p:cNvPr id="13" name="TextBox 12">
+              <a:extLst>
+                <a:ext uri="{FF2B5EF4-FFF2-40B4-BE49-F238E27FC236}">
+                  <a16:creationId xmlns:a16="http://schemas.microsoft.com/office/drawing/2014/main" id="{221328BD-3A97-428F-B31A-21BA70B81AF4}"/>
+                </a:ext>
+              </a:extLst>
+            </p:cNvPr>
+            <p:cNvSpPr txBox="1"/>
+            <p:nvPr/>
+          </p:nvSpPr>
+          <p:spPr>
+            <a:xfrm>
+              <a:off x="2678188" y="2187130"/>
+              <a:ext cx="985331" cy="276999"/>
+            </a:xfrm>
+            <a:prstGeom prst="rect">
+              <a:avLst/>
+            </a:prstGeom>
+            <a:solidFill>
+              <a:schemeClr val="bg1">
+                <a:lumMod val="85000"/>
+              </a:schemeClr>
+            </a:solidFill>
+            <a:ln>
+              <a:solidFill>
+                <a:schemeClr val="bg2">
+                  <a:lumMod val="50000"/>
+                </a:schemeClr>
+              </a:solidFill>
+            </a:ln>
+          </p:spPr>
+          <p:txBody>
+            <a:bodyPr wrap="square" rtlCol="0">
+              <a:spAutoFit/>
+            </a:bodyPr>
+            <a:lstStyle/>
+            <a:p>
+              <a:pPr algn="ctr"/>
+              <a:r>
+                <a:rPr lang="en-GB" sz="1200" b="1" dirty="0">
+                  <a:latin typeface="Arial" panose="020B0604020202020204" pitchFamily="34" charset="0"/>
+                  <a:cs typeface="Arial" panose="020B0604020202020204" pitchFamily="34" charset="0"/>
+                </a:rPr>
+                <a:t>Allocation</a:t>
+              </a:r>
+            </a:p>
+          </p:txBody>
+        </p:sp>
+        <p:sp>
+          <p:nvSpPr>
+            <p:cNvPr id="15" name="Rectangle 14">
+              <a:extLst>
+                <a:ext uri="{FF2B5EF4-FFF2-40B4-BE49-F238E27FC236}">
+                  <a16:creationId xmlns:a16="http://schemas.microsoft.com/office/drawing/2014/main" id="{B94F2A96-B370-4C27-9A15-97C1C5B1A766}"/>
+                </a:ext>
+              </a:extLst>
+            </p:cNvPr>
+            <p:cNvSpPr>
+              <a:spLocks noChangeArrowheads="1"/>
+            </p:cNvSpPr>
+            <p:nvPr/>
+          </p:nvSpPr>
+          <p:spPr bwMode="auto">
+            <a:xfrm>
+              <a:off x="8311875" y="3607350"/>
+              <a:ext cx="3129314" cy="576712"/>
+            </a:xfrm>
+            <a:prstGeom prst="rect">
+              <a:avLst/>
+            </a:prstGeom>
+            <a:solidFill>
+              <a:srgbClr val="FFFFFF"/>
+            </a:solidFill>
+            <a:ln w="9525">
+              <a:solidFill>
+                <a:srgbClr val="000000"/>
+              </a:solidFill>
+              <a:miter lim="800000"/>
+              <a:headEnd/>
+              <a:tailEnd/>
+            </a:ln>
+          </p:spPr>
+          <p:txBody>
+            <a:bodyPr rot="0" vert="horz" wrap="square" lIns="21699" tIns="21699" rIns="21699" bIns="21699" anchor="ctr" anchorCtr="0" upright="1">
+              <a:noAutofit/>
+            </a:bodyPr>
+            <a:lstStyle/>
+            <a:p>
+              <a:r>
+                <a:rPr lang="en-US" sz="1200" b="1" dirty="0">
+                  <a:latin typeface="Arial" panose="020B0604020202020204" pitchFamily="34" charset="0"/>
+                  <a:ea typeface="Calibri" panose="020F0502020204030204" pitchFamily="34" charset="0"/>
+                  <a:cs typeface="Arial" panose="020B0604020202020204" pitchFamily="34" charset="0"/>
+                </a:rPr>
+                <a:t>   Excluded from analysis (n = 15)</a:t>
+              </a:r>
+            </a:p>
+            <a:p>
+              <a:pPr marL="67810" indent="-67810">
+                <a:buFont typeface="Arial" panose="020B0604020202020204" pitchFamily="34" charset="0"/>
+                <a:buChar char="•"/>
+              </a:pPr>
+              <a:r>
+                <a:rPr lang="en-US" sz="1200" dirty="0">
+                  <a:latin typeface="Arial" panose="020B0604020202020204" pitchFamily="34" charset="0"/>
+                  <a:ea typeface="Calibri" panose="020F0502020204030204" pitchFamily="34" charset="0"/>
+                  <a:cs typeface="Arial" panose="020B0604020202020204" pitchFamily="34" charset="0"/>
+                </a:rPr>
+                <a:t> Non-compliance (n = 8)</a:t>
+              </a:r>
+            </a:p>
+            <a:p>
+              <a:pPr marL="67810" indent="-67810">
+                <a:buFont typeface="Arial" panose="020B0604020202020204" pitchFamily="34" charset="0"/>
+                <a:buChar char="•"/>
+              </a:pPr>
+              <a:r>
+                <a:rPr lang="en-US" sz="1200" dirty="0">
+                  <a:latin typeface="Arial" panose="020B0604020202020204" pitchFamily="34" charset="0"/>
+                  <a:ea typeface="Calibri" panose="020F0502020204030204" pitchFamily="34" charset="0"/>
+                  <a:cs typeface="Arial" panose="020B0604020202020204" pitchFamily="34" charset="0"/>
+                </a:rPr>
+                <a:t> Withdrew consent (n = 7)</a:t>
+              </a:r>
+            </a:p>
+          </p:txBody>
+        </p:sp>
+        <p:sp>
+          <p:nvSpPr>
+            <p:cNvPr id="16" name="Rectangle 15">
+              <a:extLst>
+                <a:ext uri="{FF2B5EF4-FFF2-40B4-BE49-F238E27FC236}">
+                  <a16:creationId xmlns:a16="http://schemas.microsoft.com/office/drawing/2014/main" id="{B28C7334-8865-40A8-A448-A5E71839511A}"/>
+                </a:ext>
+              </a:extLst>
+            </p:cNvPr>
+            <p:cNvSpPr>
+              <a:spLocks noChangeArrowheads="1"/>
+            </p:cNvSpPr>
+            <p:nvPr/>
+          </p:nvSpPr>
+          <p:spPr bwMode="auto">
+            <a:xfrm>
+              <a:off x="4478812" y="2699273"/>
+              <a:ext cx="3234381" cy="371466"/>
+            </a:xfrm>
+            <a:prstGeom prst="rect">
+              <a:avLst/>
+            </a:prstGeom>
+            <a:solidFill>
+              <a:srgbClr val="FFFFFF"/>
+            </a:solidFill>
+            <a:ln w="9525">
+              <a:solidFill>
+                <a:srgbClr val="000000"/>
+              </a:solidFill>
+              <a:miter lim="800000"/>
+              <a:headEnd/>
+              <a:tailEnd/>
+            </a:ln>
+          </p:spPr>
+          <p:txBody>
+            <a:bodyPr rot="0" vert="horz" wrap="square" lIns="21699" tIns="21699" rIns="21699" bIns="21699" anchor="ctr" anchorCtr="0" upright="1">
+              <a:noAutofit/>
+            </a:bodyPr>
+            <a:lstStyle/>
+            <a:p>
+              <a:pPr algn="ctr"/>
+              <a:r>
+                <a:rPr lang="en-CA" sz="1200" b="1" dirty="0">
+                  <a:latin typeface="Arial"/>
+                  <a:ea typeface="Calibri" panose="020F0502020204030204" pitchFamily="34" charset="0"/>
+                  <a:cs typeface="Arial"/>
+                </a:rPr>
+                <a:t> ITT in included drug arms </a:t>
+              </a:r>
+            </a:p>
+            <a:p>
+              <a:pPr algn="ctr"/>
+              <a:r>
+                <a:rPr lang="en-CA" sz="1200" b="1" dirty="0">
+                  <a:latin typeface="Arial"/>
+                  <a:ea typeface="Calibri" panose="020F0502020204030204" pitchFamily="34" charset="0"/>
+                  <a:cs typeface="Arial"/>
+                </a:rPr>
+                <a:t>(n = 710)</a:t>
+              </a:r>
+            </a:p>
+          </p:txBody>
+        </p:sp>
+        <p:cxnSp>
+          <p:nvCxnSpPr>
+            <p:cNvPr id="6" name="Straight Arrow Connector 5">
+              <a:extLst>
+                <a:ext uri="{FF2B5EF4-FFF2-40B4-BE49-F238E27FC236}">
+                  <a16:creationId xmlns:a16="http://schemas.microsoft.com/office/drawing/2014/main" id="{7E80A285-92D9-4C2A-B86E-F2EAEC045D6C}"/>
+                </a:ext>
+              </a:extLst>
+            </p:cNvPr>
+            <p:cNvCxnSpPr>
+              <a:cxnSpLocks noChangeShapeType="1"/>
+            </p:cNvCxnSpPr>
+            <p:nvPr/>
+          </p:nvCxnSpPr>
+          <p:spPr bwMode="auto">
+            <a:xfrm>
+              <a:off x="7436524" y="3067503"/>
+              <a:ext cx="0" cy="1806830"/>
+            </a:xfrm>
+            <a:prstGeom prst="straightConnector1">
+              <a:avLst/>
+            </a:prstGeom>
+            <a:noFill/>
+            <a:ln w="19050">
+              <a:solidFill>
+                <a:srgbClr val="000000"/>
+              </a:solidFill>
+              <a:round/>
+              <a:headEnd/>
+              <a:tailEnd type="triangle" w="med" len="med"/>
+            </a:ln>
+            <a:effectLst/>
+            <a:extLst>
+              <a:ext uri="{909E8E84-426E-40DD-AFC4-6F175D3DCCD1}">
+                <a14:hiddenFill xmlns:a14="http://schemas.microsoft.com/office/drawing/2010/main">
+                  <a:noFill/>
+                </a14:hiddenFill>
+              </a:ext>
+              <a:ext uri="{AF507438-7753-43E0-B8FC-AC1667EBCBE1}">
+                <a14:hiddenEffects xmlns:a14="http://schemas.microsoft.com/office/drawing/2010/main">
+                  <a:effectLst>
+                    <a:outerShdw dist="35921" dir="2700000" algn="ctr" rotWithShape="0">
+                      <a:srgbClr val="CCCCCC"/>
+                    </a:outerShdw>
+                  </a:effectLst>
+                </a14:hiddenEffects>
+              </a:ext>
+            </a:extLst>
+          </p:spPr>
+        </p:cxnSp>
+        <p:cxnSp>
+          <p:nvCxnSpPr>
+            <p:cNvPr id="17" name="Straight Arrow Connector 16">
+              <a:extLst>
+                <a:ext uri="{FF2B5EF4-FFF2-40B4-BE49-F238E27FC236}">
+                  <a16:creationId xmlns:a16="http://schemas.microsoft.com/office/drawing/2014/main" id="{6824FCA4-777D-442E-9C16-951B19955872}"/>
+                </a:ext>
+              </a:extLst>
+            </p:cNvPr>
+            <p:cNvCxnSpPr>
+              <a:cxnSpLocks noChangeShapeType="1"/>
+            </p:cNvCxnSpPr>
+            <p:nvPr/>
+          </p:nvCxnSpPr>
+          <p:spPr bwMode="auto">
+            <a:xfrm>
+              <a:off x="4755473" y="3067503"/>
+              <a:ext cx="0" cy="1806830"/>
+            </a:xfrm>
+            <a:prstGeom prst="straightConnector1">
+              <a:avLst/>
+            </a:prstGeom>
+            <a:noFill/>
+            <a:ln w="19050">
+              <a:solidFill>
+                <a:schemeClr val="tx1"/>
+              </a:solidFill>
+              <a:round/>
+              <a:headEnd/>
+              <a:tailEnd type="triangle" w="med" len="med"/>
+            </a:ln>
+            <a:effectLst/>
+            <a:extLst>
+              <a:ext uri="{909E8E84-426E-40DD-AFC4-6F175D3DCCD1}">
+                <a14:hiddenFill xmlns:a14="http://schemas.microsoft.com/office/drawing/2010/main">
+                  <a:noFill/>
+                </a14:hiddenFill>
+              </a:ext>
+              <a:ext uri="{AF507438-7753-43E0-B8FC-AC1667EBCBE1}">
+                <a14:hiddenEffects xmlns:a14="http://schemas.microsoft.com/office/drawing/2010/main">
+                  <a:effectLst>
+                    <a:outerShdw dist="35921" dir="2700000" algn="ctr" rotWithShape="0">
+                      <a:srgbClr val="CCCCCC"/>
+                    </a:outerShdw>
+                  </a:effectLst>
+                </a14:hiddenEffects>
+              </a:ext>
+            </a:extLst>
+          </p:spPr>
+        </p:cxnSp>
+        <p:sp>
+          <p:nvSpPr>
+            <p:cNvPr id="19" name="Rectangle 18">
+              <a:extLst>
+                <a:ext uri="{FF2B5EF4-FFF2-40B4-BE49-F238E27FC236}">
+                  <a16:creationId xmlns:a16="http://schemas.microsoft.com/office/drawing/2014/main" id="{F62B78F1-E8F9-489F-A301-8C58891CF0F1}"/>
+                </a:ext>
+              </a:extLst>
+            </p:cNvPr>
+            <p:cNvSpPr>
+              <a:spLocks noChangeArrowheads="1"/>
+            </p:cNvSpPr>
+            <p:nvPr/>
+          </p:nvSpPr>
+          <p:spPr bwMode="auto">
+            <a:xfrm>
+              <a:off x="8311875" y="570876"/>
+              <a:ext cx="3129314" cy="1028060"/>
+            </a:xfrm>
+            <a:prstGeom prst="rect">
+              <a:avLst/>
+            </a:prstGeom>
+            <a:solidFill>
+              <a:srgbClr val="FFFFFF"/>
+            </a:solidFill>
+            <a:ln w="9525">
+              <a:solidFill>
+                <a:srgbClr val="000000"/>
+              </a:solidFill>
+              <a:miter lim="800000"/>
+              <a:headEnd/>
+              <a:tailEnd/>
+            </a:ln>
+          </p:spPr>
+          <p:txBody>
+            <a:bodyPr rot="0" vert="horz" wrap="square" lIns="21699" tIns="21699" rIns="21699" bIns="21699" anchor="ctr" anchorCtr="0" upright="1">
+              <a:noAutofit/>
+            </a:bodyPr>
+            <a:lstStyle/>
+            <a:p>
+              <a:r>
+                <a:rPr lang="en-CA" sz="1200" b="1" dirty="0">
+                  <a:latin typeface="Arial" panose="020B0604020202020204" pitchFamily="34" charset="0"/>
+                  <a:ea typeface="Calibri" panose="020F0502020204030204" pitchFamily="34" charset="0"/>
+                  <a:cs typeface="Arial" panose="020B0604020202020204" pitchFamily="34" charset="0"/>
+                </a:rPr>
+                <a:t>   Excluded (n = 49)</a:t>
+              </a:r>
+              <a:endParaRPr lang="en-US" sz="1200" b="1" dirty="0">
+                <a:latin typeface="Arial" panose="020B0604020202020204" pitchFamily="34" charset="0"/>
+                <a:ea typeface="Calibri" panose="020F0502020204030204" pitchFamily="34" charset="0"/>
+                <a:cs typeface="Arial" panose="020B0604020202020204" pitchFamily="34" charset="0"/>
+              </a:endParaRPr>
+            </a:p>
+            <a:p>
+              <a:pPr marL="54248" indent="-54248">
+                <a:buFont typeface="Arial" panose="020B0604020202020204" pitchFamily="34" charset="0"/>
+                <a:buChar char="•"/>
+              </a:pPr>
+              <a:r>
+                <a:rPr lang="en-CA" sz="1200" dirty="0">
+                  <a:latin typeface="Arial" panose="020B0604020202020204" pitchFamily="34" charset="0"/>
+                  <a:ea typeface="Calibri" panose="020F0502020204030204" pitchFamily="34" charset="0"/>
+                  <a:cs typeface="Arial" panose="020B0604020202020204" pitchFamily="34" charset="0"/>
+                </a:rPr>
+                <a:t> Chronic illness (n = 12)</a:t>
+              </a:r>
+            </a:p>
+            <a:p>
+              <a:pPr marL="54248" indent="-54248">
+                <a:buFont typeface="Arial" panose="020B0604020202020204" pitchFamily="34" charset="0"/>
+                <a:buChar char="•"/>
+              </a:pPr>
+              <a:r>
+                <a:rPr lang="en-CA" sz="1200" dirty="0">
+                  <a:latin typeface="Arial" panose="020B0604020202020204" pitchFamily="34" charset="0"/>
+                  <a:ea typeface="Calibri" panose="020F0502020204030204" pitchFamily="34" charset="0"/>
+                  <a:cs typeface="Arial" panose="020B0604020202020204" pitchFamily="34" charset="0"/>
+                </a:rPr>
+                <a:t> Lab abnormalities (n = 27)</a:t>
+              </a:r>
+            </a:p>
+            <a:p>
+              <a:pPr marL="54248" indent="-54248">
+                <a:buFont typeface="Arial" panose="020B0604020202020204" pitchFamily="34" charset="0"/>
+                <a:buChar char="•"/>
+              </a:pPr>
+              <a:r>
+                <a:rPr lang="en-CA" sz="1200" dirty="0">
+                  <a:latin typeface="Arial" panose="020B0604020202020204" pitchFamily="34" charset="0"/>
+                  <a:ea typeface="Calibri" panose="020F0502020204030204" pitchFamily="34" charset="0"/>
+                  <a:cs typeface="Arial" panose="020B0604020202020204" pitchFamily="34" charset="0"/>
+                </a:rPr>
+                <a:t> Taking concomitant medications (n = 6)</a:t>
+              </a:r>
+            </a:p>
+            <a:p>
+              <a:pPr marL="54248" indent="-54248">
+                <a:buFont typeface="Arial" panose="020B0604020202020204" pitchFamily="34" charset="0"/>
+                <a:buChar char="•"/>
+              </a:pPr>
+              <a:r>
+                <a:rPr lang="en-CA" sz="1200" dirty="0">
+                  <a:latin typeface="Arial" panose="020B0604020202020204" pitchFamily="34" charset="0"/>
+                  <a:ea typeface="Calibri" panose="020F0502020204030204" pitchFamily="34" charset="0"/>
+                  <a:cs typeface="Arial" panose="020B0604020202020204" pitchFamily="34" charset="0"/>
+                </a:rPr>
+                <a:t> Other (n = 4)</a:t>
+              </a:r>
+            </a:p>
+          </p:txBody>
+        </p:sp>
+        <p:grpSp>
+          <p:nvGrpSpPr>
+            <p:cNvPr id="24" name="Group 23">
+              <a:extLst>
+                <a:ext uri="{FF2B5EF4-FFF2-40B4-BE49-F238E27FC236}">
+                  <a16:creationId xmlns:a16="http://schemas.microsoft.com/office/drawing/2014/main" id="{94492A38-14EC-416F-ADD1-95C636E9513C}"/>
+                </a:ext>
+              </a:extLst>
+            </p:cNvPr>
+            <p:cNvGrpSpPr/>
+            <p:nvPr/>
+          </p:nvGrpSpPr>
+          <p:grpSpPr>
+            <a:xfrm>
+              <a:off x="1834978" y="4874333"/>
+              <a:ext cx="8522043" cy="1737793"/>
+              <a:chOff x="2563761" y="3905005"/>
+              <a:chExt cx="8522043" cy="1737793"/>
+            </a:xfrm>
+          </p:grpSpPr>
+          <p:sp>
+            <p:nvSpPr>
+              <p:cNvPr id="18" name="Rectangle 17">
+                <a:extLst>
+                  <a:ext uri="{FF2B5EF4-FFF2-40B4-BE49-F238E27FC236}">
+                    <a16:creationId xmlns:a16="http://schemas.microsoft.com/office/drawing/2014/main" id="{F722F56A-3524-4BF3-A975-BF0149807E31}"/>
+                  </a:ext>
+                </a:extLst>
+              </p:cNvPr>
+              <p:cNvSpPr>
+                <a:spLocks noChangeArrowheads="1"/>
+              </p:cNvSpPr>
+              <p:nvPr/>
+            </p:nvSpPr>
+            <p:spPr bwMode="auto">
+              <a:xfrm>
+                <a:off x="7851423" y="3907224"/>
+                <a:ext cx="3234381" cy="1735574"/>
+              </a:xfrm>
+              <a:prstGeom prst="rect">
+                <a:avLst/>
+              </a:prstGeom>
+              <a:solidFill>
+                <a:srgbClr val="FFFFFF"/>
+              </a:solidFill>
+              <a:ln w="9525">
+                <a:solidFill>
+                  <a:srgbClr val="000000"/>
+                </a:solidFill>
+                <a:miter lim="800000"/>
+                <a:headEnd/>
+                <a:tailEnd/>
+              </a:ln>
+            </p:spPr>
+            <p:txBody>
+              <a:bodyPr rot="0" vert="horz" wrap="square" lIns="21699" tIns="21699" rIns="21699" bIns="21699" anchor="ctr" anchorCtr="0" upright="1">
+                <a:noAutofit/>
+              </a:bodyPr>
+              <a:lstStyle/>
+              <a:p>
+                <a:r>
+                  <a:rPr lang="en-CA" sz="1200" b="1" dirty="0">
+                    <a:latin typeface="Arial"/>
+                    <a:ea typeface="Calibri" panose="020F0502020204030204" pitchFamily="34" charset="0"/>
+                    <a:cs typeface="Arial"/>
+                  </a:rPr>
+                  <a:t>   Analysed dataset for meta-analysis; </a:t>
+                </a:r>
+              </a:p>
+              <a:p>
+                <a:r>
+                  <a:rPr lang="en-CA" sz="1200" b="1" dirty="0">
+                    <a:latin typeface="Arial"/>
+                    <a:ea typeface="Calibri" panose="020F0502020204030204" pitchFamily="34" charset="0"/>
+                    <a:cs typeface="Arial"/>
+                  </a:rPr>
+                  <a:t>   </a:t>
+                </a:r>
+                <a:r>
+                  <a:rPr lang="en-CA" sz="1200" b="1" dirty="0" err="1">
+                    <a:latin typeface="Arial"/>
+                    <a:ea typeface="Calibri" panose="020F0502020204030204" pitchFamily="34" charset="0"/>
+                    <a:cs typeface="Arial"/>
+                  </a:rPr>
+                  <a:t>mITT</a:t>
+                </a:r>
+                <a:r>
+                  <a:rPr lang="en-CA" sz="1200" b="1" dirty="0">
+                    <a:latin typeface="Arial"/>
+                    <a:ea typeface="Calibri" panose="020F0502020204030204" pitchFamily="34" charset="0"/>
+                    <a:cs typeface="Arial"/>
+                  </a:rPr>
+                  <a:t> (n = 695)</a:t>
+                </a:r>
+              </a:p>
+              <a:p>
+                <a:pPr marL="40686" indent="-40686">
+                  <a:buFont typeface="Arial" panose="020B0604020202020204" pitchFamily="34" charset="0"/>
+                  <a:buChar char="•"/>
+                </a:pPr>
+                <a:r>
+                  <a:rPr lang="en-CA" sz="1200" dirty="0">
+                    <a:latin typeface="Arial"/>
+                    <a:ea typeface="Calibri" panose="020F0502020204030204" pitchFamily="34" charset="0"/>
+                    <a:cs typeface="Arial"/>
+                  </a:rPr>
+                  <a:t> Fluoxetine (n = 116)</a:t>
+                </a:r>
+              </a:p>
+              <a:p>
+                <a:pPr marL="40686" indent="-40686">
+                  <a:buFont typeface="Arial" panose="020B0604020202020204" pitchFamily="34" charset="0"/>
+                  <a:buChar char="•"/>
+                </a:pPr>
+                <a:r>
+                  <a:rPr lang="en-CA" sz="1200" dirty="0">
+                    <a:latin typeface="Arial"/>
+                    <a:ea typeface="Calibri" panose="020F0502020204030204" pitchFamily="34" charset="0"/>
+                    <a:cs typeface="Arial"/>
+                  </a:rPr>
+                  <a:t> No study drug (n = 198)</a:t>
+                </a:r>
+              </a:p>
+              <a:p>
+                <a:pPr marL="40686" indent="-40686">
+                  <a:buFont typeface="Arial" panose="020B0604020202020204" pitchFamily="34" charset="0"/>
+                  <a:buChar char="•"/>
+                </a:pPr>
+                <a:r>
+                  <a:rPr lang="en-CA" sz="1200" dirty="0">
+                    <a:latin typeface="Arial"/>
+                    <a:ea typeface="Calibri" panose="020F0502020204030204" pitchFamily="34" charset="0"/>
+                    <a:cs typeface="Arial"/>
+                  </a:rPr>
+                  <a:t> Favipiravir (n = 114)</a:t>
+                </a:r>
+              </a:p>
+              <a:p>
+                <a:pPr marL="40686" indent="-40686">
+                  <a:buFont typeface="Arial" panose="020B0604020202020204" pitchFamily="34" charset="0"/>
+                  <a:buChar char="•"/>
+                </a:pPr>
+                <a:r>
+                  <a:rPr lang="en-CA" sz="1200" dirty="0">
+                    <a:latin typeface="Arial"/>
+                    <a:ea typeface="Calibri" panose="020F0502020204030204" pitchFamily="34" charset="0"/>
+                    <a:cs typeface="Arial"/>
+                  </a:rPr>
+                  <a:t> </a:t>
+                </a:r>
+                <a:r>
+                  <a:rPr lang="en-CA" sz="1200" dirty="0" err="1">
+                    <a:latin typeface="Arial"/>
+                    <a:ea typeface="Calibri" panose="020F0502020204030204" pitchFamily="34" charset="0"/>
+                    <a:cs typeface="Arial"/>
+                  </a:rPr>
+                  <a:t>Nirmatrelvir</a:t>
+                </a:r>
+                <a:r>
+                  <a:rPr lang="en-CA" sz="1200" dirty="0">
+                    <a:latin typeface="Arial"/>
+                    <a:ea typeface="Calibri" panose="020F0502020204030204" pitchFamily="34" charset="0"/>
+                    <a:cs typeface="Arial"/>
+                  </a:rPr>
+                  <a:t> (n = 90)</a:t>
+                </a:r>
+              </a:p>
+              <a:p>
+                <a:pPr marL="40686" indent="-40686">
+                  <a:buFont typeface="Arial" panose="020B0604020202020204" pitchFamily="34" charset="0"/>
+                  <a:buChar char="•"/>
+                </a:pPr>
+                <a:r>
+                  <a:rPr lang="en-CA" sz="1200" dirty="0">
+                    <a:latin typeface="Arial"/>
+                    <a:ea typeface="Calibri" panose="020F0502020204030204" pitchFamily="34" charset="0"/>
+                    <a:cs typeface="Arial"/>
+                  </a:rPr>
+                  <a:t> Remdesivir (n = 67) </a:t>
+                </a:r>
+              </a:p>
+              <a:p>
+                <a:pPr marL="40686" indent="-40686">
+                  <a:buFont typeface="Arial" panose="020B0604020202020204" pitchFamily="34" charset="0"/>
+                  <a:buChar char="•"/>
+                </a:pPr>
+                <a:r>
+                  <a:rPr lang="en-CA" sz="1200" dirty="0">
+                    <a:latin typeface="Arial"/>
+                    <a:ea typeface="Calibri" panose="020F0502020204030204" pitchFamily="34" charset="0"/>
+                    <a:cs typeface="Arial"/>
+                  </a:rPr>
+                  <a:t> </a:t>
+                </a:r>
+                <a:r>
+                  <a:rPr lang="en-CA" sz="1200" dirty="0" err="1">
+                    <a:latin typeface="Arial"/>
+                    <a:ea typeface="Calibri" panose="020F0502020204030204" pitchFamily="34" charset="0"/>
+                    <a:cs typeface="Arial"/>
+                  </a:rPr>
+                  <a:t>Molnupiravir</a:t>
+                </a:r>
+                <a:r>
+                  <a:rPr lang="en-CA" sz="1200" dirty="0">
+                    <a:latin typeface="Arial"/>
+                    <a:ea typeface="Calibri" panose="020F0502020204030204" pitchFamily="34" charset="0"/>
+                    <a:cs typeface="Arial"/>
+                  </a:rPr>
+                  <a:t> (n = 66)</a:t>
+                </a:r>
+              </a:p>
+              <a:p>
+                <a:pPr marL="40686" indent="-40686">
+                  <a:buFont typeface="Arial" panose="020B0604020202020204" pitchFamily="34" charset="0"/>
+                  <a:buChar char="•"/>
+                </a:pPr>
+                <a:r>
+                  <a:rPr lang="en-CA" sz="1200" dirty="0">
+                    <a:latin typeface="Arial"/>
+                    <a:ea typeface="Calibri" panose="020F0502020204030204" pitchFamily="34" charset="0"/>
+                    <a:cs typeface="Arial"/>
+                  </a:rPr>
+                  <a:t> Ivermectin (n = 44)</a:t>
+                </a:r>
+              </a:p>
+            </p:txBody>
+          </p:sp>
+          <p:sp>
+            <p:nvSpPr>
+              <p:cNvPr id="20" name="Rectangle 19">
+                <a:extLst>
+                  <a:ext uri="{FF2B5EF4-FFF2-40B4-BE49-F238E27FC236}">
+                    <a16:creationId xmlns:a16="http://schemas.microsoft.com/office/drawing/2014/main" id="{20A3D183-C6B4-41C3-B559-562A51EE27DC}"/>
+                  </a:ext>
+                </a:extLst>
+              </p:cNvPr>
+              <p:cNvSpPr>
+                <a:spLocks noChangeArrowheads="1"/>
+              </p:cNvSpPr>
+              <p:nvPr/>
+            </p:nvSpPr>
+            <p:spPr bwMode="auto">
+              <a:xfrm>
+                <a:off x="2563761" y="3905005"/>
+                <a:ext cx="3234381" cy="1070798"/>
+              </a:xfrm>
+              <a:prstGeom prst="rect">
+                <a:avLst/>
+              </a:prstGeom>
+              <a:solidFill>
+                <a:srgbClr val="FFFFFF"/>
+              </a:solidFill>
+              <a:ln w="9525">
+                <a:solidFill>
+                  <a:srgbClr val="000000"/>
+                </a:solidFill>
+                <a:miter lim="800000"/>
+                <a:headEnd/>
+                <a:tailEnd/>
+              </a:ln>
+            </p:spPr>
+            <p:txBody>
+              <a:bodyPr rot="0" vert="horz" wrap="square" lIns="21699" tIns="21699" rIns="21699" bIns="21699" anchor="ctr" anchorCtr="0" upright="1">
+                <a:noAutofit/>
+              </a:bodyPr>
+              <a:lstStyle/>
+              <a:p>
+                <a:r>
+                  <a:rPr lang="en-CA" sz="1200" b="1" dirty="0">
+                    <a:latin typeface="Arial"/>
+                    <a:ea typeface="Calibri" panose="020F0502020204030204" pitchFamily="34" charset="0"/>
+                    <a:cs typeface="Arial"/>
+                  </a:rPr>
+                  <a:t>   Analysed dataset for the main analysis;    </a:t>
+                </a:r>
+              </a:p>
+              <a:p>
+                <a:r>
+                  <a:rPr lang="en-CA" sz="1200" b="1" dirty="0">
+                    <a:latin typeface="Arial"/>
+                    <a:ea typeface="Calibri" panose="020F0502020204030204" pitchFamily="34" charset="0"/>
+                    <a:cs typeface="Arial"/>
+                  </a:rPr>
+                  <a:t>   </a:t>
+                </a:r>
+                <a:r>
+                  <a:rPr lang="en-CA" sz="1200" b="1" dirty="0" err="1">
+                    <a:latin typeface="Arial"/>
+                    <a:ea typeface="Calibri" panose="020F0502020204030204" pitchFamily="34" charset="0"/>
+                    <a:cs typeface="Arial"/>
+                  </a:rPr>
+                  <a:t>mITT</a:t>
+                </a:r>
+                <a:r>
+                  <a:rPr lang="en-CA" sz="1200" b="1" dirty="0">
+                    <a:latin typeface="Arial"/>
+                    <a:ea typeface="Calibri" panose="020F0502020204030204" pitchFamily="34" charset="0"/>
+                    <a:cs typeface="Arial"/>
+                  </a:rPr>
+                  <a:t> (n = 355)</a:t>
+                </a:r>
+              </a:p>
+              <a:p>
+                <a:pPr marL="40686" indent="-40686">
+                  <a:buFont typeface="Arial" panose="020B0604020202020204" pitchFamily="34" charset="0"/>
+                  <a:buChar char="•"/>
+                </a:pPr>
+                <a:r>
+                  <a:rPr lang="en-CA" sz="1200" dirty="0">
+                    <a:latin typeface="Arial"/>
+                    <a:ea typeface="Calibri" panose="020F0502020204030204" pitchFamily="34" charset="0"/>
+                    <a:cs typeface="Arial"/>
+                  </a:rPr>
+                  <a:t> Fluoxetine (n = 116)</a:t>
+                </a:r>
+              </a:p>
+              <a:p>
+                <a:pPr marL="40686" indent="-40686">
+                  <a:buFont typeface="Arial" panose="020B0604020202020204" pitchFamily="34" charset="0"/>
+                  <a:buChar char="•"/>
+                </a:pPr>
+                <a:r>
+                  <a:rPr lang="en-CA" sz="1200" dirty="0">
+                    <a:latin typeface="Arial"/>
+                    <a:ea typeface="Calibri" panose="020F0502020204030204" pitchFamily="34" charset="0"/>
+                    <a:cs typeface="Arial"/>
+                  </a:rPr>
+                  <a:t> No study drug (n = 150)</a:t>
+                </a:r>
+              </a:p>
+              <a:p>
+                <a:pPr marL="40686" indent="-40686">
+                  <a:buFont typeface="Arial" panose="020B0604020202020204" pitchFamily="34" charset="0"/>
+                  <a:buChar char="•"/>
+                </a:pPr>
+                <a:r>
+                  <a:rPr lang="en-CA" sz="1200" dirty="0">
+                    <a:latin typeface="Arial"/>
+                    <a:ea typeface="Calibri" panose="020F0502020204030204" pitchFamily="34" charset="0"/>
+                    <a:cs typeface="Arial"/>
+                  </a:rPr>
+                  <a:t> </a:t>
+                </a:r>
+                <a:r>
+                  <a:rPr lang="en-CA" sz="1200" dirty="0" err="1">
+                    <a:latin typeface="Arial"/>
+                    <a:ea typeface="Calibri" panose="020F0502020204030204" pitchFamily="34" charset="0"/>
+                    <a:cs typeface="Arial"/>
+                  </a:rPr>
+                  <a:t>Nirmatrelvir</a:t>
+                </a:r>
+                <a:r>
+                  <a:rPr lang="en-CA" sz="1200" dirty="0">
+                    <a:latin typeface="Arial"/>
+                    <a:ea typeface="Calibri" panose="020F0502020204030204" pitchFamily="34" charset="0"/>
+                    <a:cs typeface="Arial"/>
+                  </a:rPr>
+                  <a:t> (n = 89)</a:t>
+                </a:r>
+              </a:p>
+            </p:txBody>
+          </p:sp>
+        </p:grpSp>
+        <p:cxnSp>
+          <p:nvCxnSpPr>
+            <p:cNvPr id="54" name="Straight Arrow Connector 53">
+              <a:extLst>
+                <a:ext uri="{FF2B5EF4-FFF2-40B4-BE49-F238E27FC236}">
+                  <a16:creationId xmlns:a16="http://schemas.microsoft.com/office/drawing/2014/main" id="{55A53109-65DF-417D-8712-25F7F6600B09}"/>
+                </a:ext>
+              </a:extLst>
+            </p:cNvPr>
+            <p:cNvCxnSpPr>
+              <a:cxnSpLocks noChangeShapeType="1"/>
+              <a:stCxn id="5" idx="2"/>
+              <a:endCxn id="16" idx="0"/>
+            </p:cNvCxnSpPr>
+            <p:nvPr/>
+          </p:nvCxnSpPr>
+          <p:spPr bwMode="auto">
+            <a:xfrm flipH="1">
+              <a:off x="6096003" y="1951987"/>
+              <a:ext cx="4890" cy="747286"/>
+            </a:xfrm>
+            <a:prstGeom prst="straightConnector1">
+              <a:avLst/>
+            </a:prstGeom>
+            <a:noFill/>
+            <a:ln w="19050">
+              <a:solidFill>
+                <a:srgbClr val="000000"/>
+              </a:solidFill>
+              <a:round/>
+              <a:headEnd/>
+              <a:tailEnd type="triangle" w="med" len="med"/>
+            </a:ln>
+            <a:effectLst/>
+            <a:extLst>
+              <a:ext uri="{909E8E84-426E-40DD-AFC4-6F175D3DCCD1}">
+                <a14:hiddenFill xmlns:a14="http://schemas.microsoft.com/office/drawing/2010/main">
+                  <a:noFill/>
+                </a14:hiddenFill>
+              </a:ext>
+              <a:ext uri="{AF507438-7753-43E0-B8FC-AC1667EBCBE1}">
+                <a14:hiddenEffects xmlns:a14="http://schemas.microsoft.com/office/drawing/2010/main">
+                  <a:effectLst>
+                    <a:outerShdw dist="35921" dir="2700000" algn="ctr" rotWithShape="0">
+                      <a:srgbClr val="CCCCCC"/>
+                    </a:outerShdw>
+                  </a:effectLst>
+                </a14:hiddenEffects>
+              </a:ext>
+            </a:extLst>
+          </p:spPr>
+        </p:cxnSp>
+        <p:cxnSp>
+          <p:nvCxnSpPr>
+            <p:cNvPr id="57" name="Straight Arrow Connector 56">
+              <a:extLst>
+                <a:ext uri="{FF2B5EF4-FFF2-40B4-BE49-F238E27FC236}">
+                  <a16:creationId xmlns:a16="http://schemas.microsoft.com/office/drawing/2014/main" id="{8EF28D29-E3AD-4623-89C8-97A58A83F77F}"/>
+                </a:ext>
+              </a:extLst>
+            </p:cNvPr>
+            <p:cNvCxnSpPr>
+              <a:cxnSpLocks noChangeShapeType="1"/>
+              <a:stCxn id="10" idx="2"/>
+              <a:endCxn id="5" idx="0"/>
+            </p:cNvCxnSpPr>
+            <p:nvPr/>
+          </p:nvCxnSpPr>
+          <p:spPr bwMode="auto">
+            <a:xfrm>
+              <a:off x="6096001" y="833239"/>
+              <a:ext cx="4892" cy="747286"/>
+            </a:xfrm>
+            <a:prstGeom prst="straightConnector1">
+              <a:avLst/>
+            </a:prstGeom>
+            <a:noFill/>
+            <a:ln w="19050">
+              <a:solidFill>
+                <a:srgbClr val="000000"/>
+              </a:solidFill>
+              <a:round/>
+              <a:headEnd/>
+              <a:tailEnd type="triangle" w="med" len="med"/>
+            </a:ln>
+            <a:effectLst/>
+            <a:extLst>
+              <a:ext uri="{909E8E84-426E-40DD-AFC4-6F175D3DCCD1}">
+                <a14:hiddenFill xmlns:a14="http://schemas.microsoft.com/office/drawing/2010/main">
+                  <a:noFill/>
+                </a14:hiddenFill>
+              </a:ext>
+              <a:ext uri="{AF507438-7753-43E0-B8FC-AC1667EBCBE1}">
+                <a14:hiddenEffects xmlns:a14="http://schemas.microsoft.com/office/drawing/2010/main">
+                  <a:effectLst>
+                    <a:outerShdw dist="35921" dir="2700000" algn="ctr" rotWithShape="0">
+                      <a:srgbClr val="CCCCCC"/>
+                    </a:outerShdw>
+                  </a:effectLst>
+                </a14:hiddenEffects>
+              </a:ext>
+            </a:extLst>
+          </p:spPr>
+        </p:cxnSp>
+        <p:cxnSp>
+          <p:nvCxnSpPr>
+            <p:cNvPr id="66" name="Straight Arrow Connector 65">
+              <a:extLst>
+                <a:ext uri="{FF2B5EF4-FFF2-40B4-BE49-F238E27FC236}">
+                  <a16:creationId xmlns:a16="http://schemas.microsoft.com/office/drawing/2014/main" id="{818CA568-BF15-40FB-9B3A-F88798A404AD}"/>
+                </a:ext>
+              </a:extLst>
+            </p:cNvPr>
+            <p:cNvCxnSpPr>
+              <a:cxnSpLocks noChangeShapeType="1"/>
+            </p:cNvCxnSpPr>
+            <p:nvPr/>
+          </p:nvCxnSpPr>
+          <p:spPr bwMode="auto">
+            <a:xfrm>
+              <a:off x="6096000" y="2278726"/>
+              <a:ext cx="2215875" cy="1678"/>
+            </a:xfrm>
+            <a:prstGeom prst="straightConnector1">
+              <a:avLst/>
+            </a:prstGeom>
+            <a:noFill/>
+            <a:ln w="19050">
+              <a:solidFill>
+                <a:schemeClr val="tx1"/>
+              </a:solidFill>
+              <a:round/>
+              <a:headEnd/>
+              <a:tailEnd type="triangle" w="med" len="med"/>
+            </a:ln>
+            <a:effectLst/>
+            <a:extLst>
+              <a:ext uri="{909E8E84-426E-40DD-AFC4-6F175D3DCCD1}">
+                <a14:hiddenFill xmlns:a14="http://schemas.microsoft.com/office/drawing/2010/main">
+                  <a:noFill/>
+                </a14:hiddenFill>
+              </a:ext>
+              <a:ext uri="{AF507438-7753-43E0-B8FC-AC1667EBCBE1}">
+                <a14:hiddenEffects xmlns:a14="http://schemas.microsoft.com/office/drawing/2010/main">
+                  <a:effectLst>
+                    <a:outerShdw dist="35921" dir="2700000" algn="ctr" rotWithShape="0">
+                      <a:srgbClr val="CCCCCC"/>
+                    </a:outerShdw>
+                  </a:effectLst>
+                </a14:hiddenEffects>
+              </a:ext>
+            </a:extLst>
+          </p:spPr>
+        </p:cxnSp>
+        <p:sp>
+          <p:nvSpPr>
+            <p:cNvPr id="39" name="TextBox 38">
+              <a:extLst>
+                <a:ext uri="{FF2B5EF4-FFF2-40B4-BE49-F238E27FC236}">
+                  <a16:creationId xmlns:a16="http://schemas.microsoft.com/office/drawing/2014/main" id="{10B2EF8C-040B-47FA-A603-EBFEEE9C1A5F}"/>
+                </a:ext>
+              </a:extLst>
+            </p:cNvPr>
+            <p:cNvSpPr txBox="1"/>
+            <p:nvPr/>
+          </p:nvSpPr>
+          <p:spPr>
+            <a:xfrm>
+              <a:off x="4106283" y="3273164"/>
+              <a:ext cx="1298380" cy="276999"/>
+            </a:xfrm>
+            <a:prstGeom prst="rect">
+              <a:avLst/>
+            </a:prstGeom>
+            <a:solidFill>
+              <a:schemeClr val="bg1">
+                <a:lumMod val="85000"/>
+              </a:schemeClr>
+            </a:solidFill>
+            <a:ln>
+              <a:solidFill>
+                <a:schemeClr val="bg2">
+                  <a:lumMod val="50000"/>
+                </a:schemeClr>
+              </a:solidFill>
+            </a:ln>
+          </p:spPr>
+          <p:txBody>
+            <a:bodyPr wrap="square" rtlCol="0">
+              <a:spAutoFit/>
+            </a:bodyPr>
+            <a:lstStyle/>
+            <a:p>
+              <a:pPr algn="ctr"/>
+              <a:r>
+                <a:rPr lang="en-GB" sz="1200" b="1" dirty="0">
+                  <a:latin typeface="Arial" panose="020B0604020202020204" pitchFamily="34" charset="0"/>
+                  <a:cs typeface="Arial" panose="020B0604020202020204" pitchFamily="34" charset="0"/>
+                </a:rPr>
+                <a:t>Main analysis</a:t>
+              </a:r>
+            </a:p>
+          </p:txBody>
+        </p:sp>
+        <p:sp>
+          <p:nvSpPr>
+            <p:cNvPr id="40" name="Rectangle 39">
+              <a:extLst>
+                <a:ext uri="{FF2B5EF4-FFF2-40B4-BE49-F238E27FC236}">
+                  <a16:creationId xmlns:a16="http://schemas.microsoft.com/office/drawing/2014/main" id="{E43E492B-0585-408A-8097-B5F9DBFCC7E0}"/>
+                </a:ext>
+              </a:extLst>
+            </p:cNvPr>
+            <p:cNvSpPr>
+              <a:spLocks noChangeArrowheads="1"/>
+            </p:cNvSpPr>
+            <p:nvPr/>
+          </p:nvSpPr>
+          <p:spPr bwMode="auto">
+            <a:xfrm>
+              <a:off x="750809" y="3270704"/>
+              <a:ext cx="3129314" cy="1250004"/>
+            </a:xfrm>
+            <a:prstGeom prst="rect">
+              <a:avLst/>
+            </a:prstGeom>
+            <a:solidFill>
+              <a:srgbClr val="FFFFFF"/>
+            </a:solidFill>
+            <a:ln w="9525">
+              <a:solidFill>
+                <a:srgbClr val="000000"/>
+              </a:solidFill>
+              <a:miter lim="800000"/>
+              <a:headEnd/>
+              <a:tailEnd/>
+            </a:ln>
+          </p:spPr>
+          <p:txBody>
+            <a:bodyPr rot="0" vert="horz" wrap="square" lIns="21699" tIns="21699" rIns="21699" bIns="21699" anchor="ctr" anchorCtr="0" upright="1">
+              <a:noAutofit/>
+            </a:bodyPr>
+            <a:lstStyle/>
+            <a:p>
+              <a:r>
+                <a:rPr lang="en-US" sz="1200" b="1" dirty="0">
+                  <a:latin typeface="Arial" panose="020B0604020202020204" pitchFamily="34" charset="0"/>
+                  <a:ea typeface="Calibri" panose="020F0502020204030204" pitchFamily="34" charset="0"/>
+                  <a:cs typeface="Arial" panose="020B0604020202020204" pitchFamily="34" charset="0"/>
+                </a:rPr>
+                <a:t>   Excluded from analysis (n = 355)</a:t>
+              </a:r>
+            </a:p>
+            <a:p>
+              <a:pPr marL="67810" indent="-67810">
+                <a:buFont typeface="Arial" panose="020B0604020202020204" pitchFamily="34" charset="0"/>
+                <a:buChar char="•"/>
+              </a:pPr>
+              <a:r>
+                <a:rPr lang="en-US" sz="1200" dirty="0">
+                  <a:latin typeface="Arial" panose="020B0604020202020204" pitchFamily="34" charset="0"/>
+                  <a:ea typeface="Calibri" panose="020F0502020204030204" pitchFamily="34" charset="0"/>
+                  <a:cs typeface="Arial" panose="020B0604020202020204" pitchFamily="34" charset="0"/>
+                </a:rPr>
+                <a:t> Non-compliance (n = 8)</a:t>
+              </a:r>
+            </a:p>
+            <a:p>
+              <a:pPr marL="67810" indent="-67810">
+                <a:buFont typeface="Arial" panose="020B0604020202020204" pitchFamily="34" charset="0"/>
+                <a:buChar char="•"/>
+              </a:pPr>
+              <a:r>
+                <a:rPr lang="en-US" sz="1200" dirty="0">
+                  <a:latin typeface="Arial" panose="020B0604020202020204" pitchFamily="34" charset="0"/>
+                  <a:ea typeface="Calibri" panose="020F0502020204030204" pitchFamily="34" charset="0"/>
+                  <a:cs typeface="Arial" panose="020B0604020202020204" pitchFamily="34" charset="0"/>
+                </a:rPr>
+                <a:t> Withdrew consent (n = 7)</a:t>
+              </a:r>
+            </a:p>
+            <a:p>
+              <a:pPr marL="67810" indent="-67810">
+                <a:buFont typeface="Arial" panose="020B0604020202020204" pitchFamily="34" charset="0"/>
+                <a:buChar char="•"/>
+              </a:pPr>
+              <a:r>
+                <a:rPr lang="en-US" sz="1200" dirty="0">
+                  <a:latin typeface="Arial" panose="020B0604020202020204" pitchFamily="34" charset="0"/>
+                  <a:ea typeface="Calibri" panose="020F0502020204030204" pitchFamily="34" charset="0"/>
+                  <a:cs typeface="Arial" panose="020B0604020202020204" pitchFamily="34" charset="0"/>
+                </a:rPr>
+                <a:t> </a:t>
+              </a:r>
+              <a:r>
+                <a:rPr lang="en-US" sz="1200" dirty="0" err="1">
+                  <a:latin typeface="Arial" panose="020B0604020202020204" pitchFamily="34" charset="0"/>
+                  <a:ea typeface="Calibri" panose="020F0502020204030204" pitchFamily="34" charset="0"/>
+                  <a:cs typeface="Arial" panose="020B0604020202020204" pitchFamily="34" charset="0"/>
+                </a:rPr>
+                <a:t>Randomised</a:t>
+              </a:r>
+              <a:r>
+                <a:rPr lang="en-US" sz="1200" dirty="0">
+                  <a:latin typeface="Arial" panose="020B0604020202020204" pitchFamily="34" charset="0"/>
+                  <a:ea typeface="Calibri" panose="020F0502020204030204" pitchFamily="34" charset="0"/>
+                  <a:cs typeface="Arial" panose="020B0604020202020204" pitchFamily="34" charset="0"/>
+                </a:rPr>
+                <a:t> to other interventions (n = 291)</a:t>
+              </a:r>
+            </a:p>
+            <a:p>
+              <a:pPr marL="67810" indent="-67810">
+                <a:buFont typeface="Arial" panose="020B0604020202020204" pitchFamily="34" charset="0"/>
+                <a:buChar char="•"/>
+              </a:pPr>
+              <a:r>
+                <a:rPr lang="en-US" sz="1200" dirty="0">
+                  <a:latin typeface="Arial" panose="020B0604020202020204" pitchFamily="34" charset="0"/>
+                  <a:ea typeface="Calibri" panose="020F0502020204030204" pitchFamily="34" charset="0"/>
+                  <a:cs typeface="Arial" panose="020B0604020202020204" pitchFamily="34" charset="0"/>
+                </a:rPr>
+                <a:t> Non-concurrent randomization to fluoxetine (n = 49)</a:t>
+              </a:r>
+            </a:p>
+          </p:txBody>
+        </p:sp>
+        <p:cxnSp>
+          <p:nvCxnSpPr>
+            <p:cNvPr id="41" name="Straight Arrow Connector 40">
+              <a:extLst>
+                <a:ext uri="{FF2B5EF4-FFF2-40B4-BE49-F238E27FC236}">
+                  <a16:creationId xmlns:a16="http://schemas.microsoft.com/office/drawing/2014/main" id="{EEBFD067-6128-4938-A998-D0A17D122929}"/>
+                </a:ext>
+              </a:extLst>
+            </p:cNvPr>
+            <p:cNvCxnSpPr>
+              <a:cxnSpLocks noChangeShapeType="1"/>
+            </p:cNvCxnSpPr>
+            <p:nvPr/>
+          </p:nvCxnSpPr>
+          <p:spPr bwMode="auto">
+            <a:xfrm>
+              <a:off x="3880122" y="3895706"/>
+              <a:ext cx="875351" cy="0"/>
+            </a:xfrm>
+            <a:prstGeom prst="straightConnector1">
+              <a:avLst/>
+            </a:prstGeom>
+            <a:noFill/>
+            <a:ln w="19050">
+              <a:solidFill>
+                <a:schemeClr val="tx1"/>
+              </a:solidFill>
+              <a:round/>
+              <a:headEnd type="triangle"/>
+              <a:tailEnd type="none" w="med" len="med"/>
+            </a:ln>
+            <a:effectLst/>
+            <a:extLst>
+              <a:ext uri="{909E8E84-426E-40DD-AFC4-6F175D3DCCD1}">
+                <a14:hiddenFill xmlns:a14="http://schemas.microsoft.com/office/drawing/2010/main">
+                  <a:noFill/>
+                </a14:hiddenFill>
+              </a:ext>
+              <a:ext uri="{AF507438-7753-43E0-B8FC-AC1667EBCBE1}">
+                <a14:hiddenEffects xmlns:a14="http://schemas.microsoft.com/office/drawing/2010/main">
+                  <a:effectLst>
+                    <a:outerShdw dist="35921" dir="2700000" algn="ctr" rotWithShape="0">
+                      <a:srgbClr val="CCCCCC"/>
+                    </a:outerShdw>
+                  </a:effectLst>
+                </a14:hiddenEffects>
+              </a:ext>
+            </a:extLst>
+          </p:spPr>
+        </p:cxnSp>
+        <p:sp>
+          <p:nvSpPr>
+            <p:cNvPr id="14" name="TextBox 13">
+              <a:extLst>
+                <a:ext uri="{FF2B5EF4-FFF2-40B4-BE49-F238E27FC236}">
+                  <a16:creationId xmlns:a16="http://schemas.microsoft.com/office/drawing/2014/main" id="{B05E9439-331C-47C1-9B79-A9E3DFE88BDC}"/>
+                </a:ext>
+              </a:extLst>
+            </p:cNvPr>
+            <p:cNvSpPr txBox="1"/>
+            <p:nvPr/>
+          </p:nvSpPr>
+          <p:spPr>
+            <a:xfrm>
+              <a:off x="6765164" y="3274168"/>
+              <a:ext cx="1342720" cy="276999"/>
+            </a:xfrm>
+            <a:prstGeom prst="rect">
+              <a:avLst/>
+            </a:prstGeom>
+            <a:solidFill>
+              <a:schemeClr val="bg1">
+                <a:lumMod val="85000"/>
+              </a:schemeClr>
+            </a:solidFill>
+            <a:ln>
+              <a:solidFill>
+                <a:schemeClr val="bg2">
+                  <a:lumMod val="50000"/>
+                </a:schemeClr>
+              </a:solidFill>
+            </a:ln>
+          </p:spPr>
+          <p:txBody>
+            <a:bodyPr wrap="square" rtlCol="0">
+              <a:spAutoFit/>
+            </a:bodyPr>
+            <a:lstStyle/>
+            <a:p>
+              <a:pPr algn="ctr"/>
+              <a:r>
+                <a:rPr lang="en-GB" sz="1200" b="1" dirty="0">
+                  <a:latin typeface="Arial" panose="020B0604020202020204" pitchFamily="34" charset="0"/>
+                  <a:cs typeface="Arial" panose="020B0604020202020204" pitchFamily="34" charset="0"/>
+                </a:rPr>
+                <a:t>Meta-analysis</a:t>
+              </a:r>
+            </a:p>
+          </p:txBody>
+        </p:sp>
+      </p:grpSp>
+    </p:spTree>
+    <p:extLst>
+      <p:ext uri="{BB962C8B-B14F-4D97-AF65-F5344CB8AC3E}">
+        <p14:creationId xmlns:p14="http://schemas.microsoft.com/office/powerpoint/2010/main" val="905093091"/>
       </p:ext>
     </p:extLst>
   </p:cSld>
